--- a/Thesis/Images/Graphics.pptx
+++ b/Thesis/Images/Graphics.pptx
@@ -8,6 +8,9 @@
     <p:sldId id="256" r:id="rId2"/>
     <p:sldId id="257" r:id="rId3"/>
     <p:sldId id="258" r:id="rId4"/>
+    <p:sldId id="259" r:id="rId5"/>
+    <p:sldId id="260" r:id="rId6"/>
+    <p:sldId id="261" r:id="rId7"/>
   </p:sldIdLst>
   <p:sldSz cx="12192000" cy="6858000"/>
   <p:notesSz cx="6858000" cy="9144000"/>
@@ -106,6 +109,11 @@
       </a:defRPr>
     </a:lvl9pPr>
   </p:defaultTextStyle>
+  <p:extLst>
+    <p:ext uri="{EFAFB233-063F-42B5-8137-9DF3F51BA10A}">
+      <p15:sldGuideLst xmlns:p15="http://schemas.microsoft.com/office/powerpoint/2012/main"/>
+    </p:ext>
+  </p:extLst>
 </p:presentation>
 </file>
 
@@ -256,7 +264,7 @@
           <a:p>
             <a:fld id="{3286223C-7221-42F3-BF52-BFAD53909E61}" type="datetimeFigureOut">
               <a:rPr lang="en-US" smtClean="0"/>
-              <a:t>2021-05-27</a:t>
+              <a:t>2021-06-08</a:t>
             </a:fld>
             <a:endParaRPr lang="en-US"/>
           </a:p>
@@ -454,7 +462,7 @@
           <a:p>
             <a:fld id="{3286223C-7221-42F3-BF52-BFAD53909E61}" type="datetimeFigureOut">
               <a:rPr lang="en-US" smtClean="0"/>
-              <a:t>2021-05-27</a:t>
+              <a:t>2021-06-08</a:t>
             </a:fld>
             <a:endParaRPr lang="en-US"/>
           </a:p>
@@ -662,7 +670,7 @@
           <a:p>
             <a:fld id="{3286223C-7221-42F3-BF52-BFAD53909E61}" type="datetimeFigureOut">
               <a:rPr lang="en-US" smtClean="0"/>
-              <a:t>2021-05-27</a:t>
+              <a:t>2021-06-08</a:t>
             </a:fld>
             <a:endParaRPr lang="en-US"/>
           </a:p>
@@ -860,7 +868,7 @@
           <a:p>
             <a:fld id="{3286223C-7221-42F3-BF52-BFAD53909E61}" type="datetimeFigureOut">
               <a:rPr lang="en-US" smtClean="0"/>
-              <a:t>2021-05-27</a:t>
+              <a:t>2021-06-08</a:t>
             </a:fld>
             <a:endParaRPr lang="en-US"/>
           </a:p>
@@ -1135,7 +1143,7 @@
           <a:p>
             <a:fld id="{3286223C-7221-42F3-BF52-BFAD53909E61}" type="datetimeFigureOut">
               <a:rPr lang="en-US" smtClean="0"/>
-              <a:t>2021-05-27</a:t>
+              <a:t>2021-06-08</a:t>
             </a:fld>
             <a:endParaRPr lang="en-US"/>
           </a:p>
@@ -1400,7 +1408,7 @@
           <a:p>
             <a:fld id="{3286223C-7221-42F3-BF52-BFAD53909E61}" type="datetimeFigureOut">
               <a:rPr lang="en-US" smtClean="0"/>
-              <a:t>2021-05-27</a:t>
+              <a:t>2021-06-08</a:t>
             </a:fld>
             <a:endParaRPr lang="en-US"/>
           </a:p>
@@ -1812,7 +1820,7 @@
           <a:p>
             <a:fld id="{3286223C-7221-42F3-BF52-BFAD53909E61}" type="datetimeFigureOut">
               <a:rPr lang="en-US" smtClean="0"/>
-              <a:t>2021-05-27</a:t>
+              <a:t>2021-06-08</a:t>
             </a:fld>
             <a:endParaRPr lang="en-US"/>
           </a:p>
@@ -1953,7 +1961,7 @@
           <a:p>
             <a:fld id="{3286223C-7221-42F3-BF52-BFAD53909E61}" type="datetimeFigureOut">
               <a:rPr lang="en-US" smtClean="0"/>
-              <a:t>2021-05-27</a:t>
+              <a:t>2021-06-08</a:t>
             </a:fld>
             <a:endParaRPr lang="en-US"/>
           </a:p>
@@ -2066,7 +2074,7 @@
           <a:p>
             <a:fld id="{3286223C-7221-42F3-BF52-BFAD53909E61}" type="datetimeFigureOut">
               <a:rPr lang="en-US" smtClean="0"/>
-              <a:t>2021-05-27</a:t>
+              <a:t>2021-06-08</a:t>
             </a:fld>
             <a:endParaRPr lang="en-US"/>
           </a:p>
@@ -2377,7 +2385,7 @@
           <a:p>
             <a:fld id="{3286223C-7221-42F3-BF52-BFAD53909E61}" type="datetimeFigureOut">
               <a:rPr lang="en-US" smtClean="0"/>
-              <a:t>2021-05-27</a:t>
+              <a:t>2021-06-08</a:t>
             </a:fld>
             <a:endParaRPr lang="en-US"/>
           </a:p>
@@ -2665,7 +2673,7 @@
           <a:p>
             <a:fld id="{3286223C-7221-42F3-BF52-BFAD53909E61}" type="datetimeFigureOut">
               <a:rPr lang="en-US" smtClean="0"/>
-              <a:t>2021-05-27</a:t>
+              <a:t>2021-06-08</a:t>
             </a:fld>
             <a:endParaRPr lang="en-US"/>
           </a:p>
@@ -2906,7 +2914,7 @@
           <a:p>
             <a:fld id="{3286223C-7221-42F3-BF52-BFAD53909E61}" type="datetimeFigureOut">
               <a:rPr lang="en-US" smtClean="0"/>
-              <a:t>2021-05-27</a:t>
+              <a:t>2021-06-08</a:t>
             </a:fld>
             <a:endParaRPr lang="en-US"/>
           </a:p>
@@ -4347,6 +4355,2877 @@
 </p:sld>
 </file>
 
+<file path=ppt/slides/slide4.xml><?xml version="1.0" encoding="utf-8"?>
+<p:sld xmlns:a="http://schemas.openxmlformats.org/drawingml/2006/main" xmlns:r="http://schemas.openxmlformats.org/officeDocument/2006/relationships" xmlns:p="http://schemas.openxmlformats.org/presentationml/2006/main">
+  <p:cSld>
+    <p:spTree>
+      <p:nvGrpSpPr>
+        <p:cNvPr id="1" name=""/>
+        <p:cNvGrpSpPr/>
+        <p:nvPr/>
+      </p:nvGrpSpPr>
+      <p:grpSpPr>
+        <a:xfrm>
+          <a:off x="0" y="0"/>
+          <a:ext cx="0" cy="0"/>
+          <a:chOff x="0" y="0"/>
+          <a:chExt cx="0" cy="0"/>
+        </a:xfrm>
+      </p:grpSpPr>
+      <p:pic>
+        <p:nvPicPr>
+          <p:cNvPr id="1026" name="Picture 2" descr="Free Money Clipart - Clip Art Pictures - Graphics - Illustrations | Clip art  pictures, Banks building, Money clipart">
+            <a:extLst>
+              <a:ext uri="{FF2B5EF4-FFF2-40B4-BE49-F238E27FC236}">
+                <a16:creationId xmlns:a16="http://schemas.microsoft.com/office/drawing/2014/main" id="{CCEE27FF-D22F-48CF-BA7B-A411D18DC217}"/>
+              </a:ext>
+            </a:extLst>
+          </p:cNvPr>
+          <p:cNvPicPr>
+            <a:picLocks noChangeAspect="1" noChangeArrowheads="1"/>
+          </p:cNvPicPr>
+          <p:nvPr/>
+        </p:nvPicPr>
+        <p:blipFill>
+          <a:blip r:embed="rId2">
+            <a:clrChange>
+              <a:clrFrom>
+                <a:srgbClr val="FFFFFF"/>
+              </a:clrFrom>
+              <a:clrTo>
+                <a:srgbClr val="FFFFFF">
+                  <a:alpha val="0"/>
+                </a:srgbClr>
+              </a:clrTo>
+            </a:clrChange>
+            <a:extLst>
+              <a:ext uri="{28A0092B-C50C-407E-A947-70E740481C1C}">
+                <a14:useLocalDpi xmlns:a14="http://schemas.microsoft.com/office/drawing/2010/main" val="0"/>
+              </a:ext>
+            </a:extLst>
+          </a:blip>
+          <a:srcRect/>
+          <a:stretch>
+            <a:fillRect/>
+          </a:stretch>
+        </p:blipFill>
+        <p:spPr bwMode="auto">
+          <a:xfrm>
+            <a:off x="4020110" y="1047750"/>
+            <a:ext cx="4151780" cy="3714750"/>
+          </a:xfrm>
+          <a:prstGeom prst="rect">
+            <a:avLst/>
+          </a:prstGeom>
+          <a:noFill/>
+          <a:extLst>
+            <a:ext uri="{909E8E84-426E-40DD-AFC4-6F175D3DCCD1}">
+              <a14:hiddenFill xmlns:a14="http://schemas.microsoft.com/office/drawing/2010/main">
+                <a:solidFill>
+                  <a:srgbClr val="FFFFFF"/>
+                </a:solidFill>
+              </a14:hiddenFill>
+            </a:ext>
+          </a:extLst>
+        </p:spPr>
+      </p:pic>
+      <p:pic>
+        <p:nvPicPr>
+          <p:cNvPr id="1028" name="Picture 4" descr="person-icon-person-icon-clipart-image-from-our-icon-clipart-category-9 -  Free your Mind - Kitesurfing school - Camps - MICE events">
+            <a:extLst>
+              <a:ext uri="{FF2B5EF4-FFF2-40B4-BE49-F238E27FC236}">
+                <a16:creationId xmlns:a16="http://schemas.microsoft.com/office/drawing/2014/main" id="{5ADB05BA-F664-47E6-8E79-448E1F15EB51}"/>
+              </a:ext>
+            </a:extLst>
+          </p:cNvPr>
+          <p:cNvPicPr>
+            <a:picLocks noChangeAspect="1" noChangeArrowheads="1"/>
+          </p:cNvPicPr>
+          <p:nvPr/>
+        </p:nvPicPr>
+        <p:blipFill rotWithShape="1">
+          <a:blip r:embed="rId3">
+            <a:extLst>
+              <a:ext uri="{28A0092B-C50C-407E-A947-70E740481C1C}">
+                <a14:useLocalDpi xmlns:a14="http://schemas.microsoft.com/office/drawing/2010/main" val="0"/>
+              </a:ext>
+            </a:extLst>
+          </a:blip>
+          <a:srcRect r="34788"/>
+          <a:stretch/>
+        </p:blipFill>
+        <p:spPr bwMode="auto">
+          <a:xfrm>
+            <a:off x="8171890" y="1047750"/>
+            <a:ext cx="3105710" cy="4762500"/>
+          </a:xfrm>
+          <a:prstGeom prst="rect">
+            <a:avLst/>
+          </a:prstGeom>
+          <a:noFill/>
+          <a:extLst>
+            <a:ext uri="{909E8E84-426E-40DD-AFC4-6F175D3DCCD1}">
+              <a14:hiddenFill xmlns:a14="http://schemas.microsoft.com/office/drawing/2010/main">
+                <a:solidFill>
+                  <a:srgbClr val="FFFFFF"/>
+                </a:solidFill>
+              </a14:hiddenFill>
+            </a:ext>
+          </a:extLst>
+        </p:spPr>
+      </p:pic>
+      <p:pic>
+        <p:nvPicPr>
+          <p:cNvPr id="1030" name="Picture 6" descr="person-icon-person-icon-clipart-image-from-our-icon-clipart-category-9 -  Free your Mind - Kitesurfing school - Camps - MICE events">
+            <a:extLst>
+              <a:ext uri="{FF2B5EF4-FFF2-40B4-BE49-F238E27FC236}">
+                <a16:creationId xmlns:a16="http://schemas.microsoft.com/office/drawing/2014/main" id="{7A4D1814-F7A3-4197-890E-0C53A3E485AC}"/>
+              </a:ext>
+            </a:extLst>
+          </p:cNvPr>
+          <p:cNvPicPr>
+            <a:picLocks noChangeAspect="1" noChangeArrowheads="1"/>
+          </p:cNvPicPr>
+          <p:nvPr/>
+        </p:nvPicPr>
+        <p:blipFill rotWithShape="1">
+          <a:blip r:embed="rId3">
+            <a:extLst>
+              <a:ext uri="{28A0092B-C50C-407E-A947-70E740481C1C}">
+                <a14:useLocalDpi xmlns:a14="http://schemas.microsoft.com/office/drawing/2010/main" val="0"/>
+              </a:ext>
+            </a:extLst>
+          </a:blip>
+          <a:srcRect l="37102"/>
+          <a:stretch/>
+        </p:blipFill>
+        <p:spPr bwMode="auto">
+          <a:xfrm>
+            <a:off x="1024610" y="1047750"/>
+            <a:ext cx="2995499" cy="4762500"/>
+          </a:xfrm>
+          <a:prstGeom prst="rect">
+            <a:avLst/>
+          </a:prstGeom>
+          <a:noFill/>
+          <a:extLst>
+            <a:ext uri="{909E8E84-426E-40DD-AFC4-6F175D3DCCD1}">
+              <a14:hiddenFill xmlns:a14="http://schemas.microsoft.com/office/drawing/2010/main">
+                <a:solidFill>
+                  <a:srgbClr val="FFFFFF"/>
+                </a:solidFill>
+              </a14:hiddenFill>
+            </a:ext>
+          </a:extLst>
+        </p:spPr>
+      </p:pic>
+      <p:graphicFrame>
+        <p:nvGraphicFramePr>
+          <p:cNvPr id="2" name="Table 2">
+            <a:extLst>
+              <a:ext uri="{FF2B5EF4-FFF2-40B4-BE49-F238E27FC236}">
+                <a16:creationId xmlns:a16="http://schemas.microsoft.com/office/drawing/2014/main" id="{346AE26A-4229-4666-A6EB-7B7EB2201DD5}"/>
+              </a:ext>
+            </a:extLst>
+          </p:cNvPr>
+          <p:cNvGraphicFramePr>
+            <a:graphicFrameLocks noGrp="1"/>
+          </p:cNvGraphicFramePr>
+          <p:nvPr>
+            <p:extLst>
+              <p:ext uri="{D42A27DB-BD31-4B8C-83A1-F6EECF244321}">
+                <p14:modId xmlns:p14="http://schemas.microsoft.com/office/powerpoint/2010/main" val="347761420"/>
+              </p:ext>
+            </p:extLst>
+          </p:nvPr>
+        </p:nvGraphicFramePr>
+        <p:xfrm>
+          <a:off x="4020110" y="4996391"/>
+          <a:ext cx="4151780" cy="1483360"/>
+        </p:xfrm>
+        <a:graphic>
+          <a:graphicData uri="http://schemas.openxmlformats.org/drawingml/2006/table">
+            <a:tbl>
+              <a:tblPr bandRow="1">
+                <a:tableStyleId>{073A0DAA-6AF3-43AB-8588-CEC1D06C72B9}</a:tableStyleId>
+              </a:tblPr>
+              <a:tblGrid>
+                <a:gridCol w="2075890">
+                  <a:extLst>
+                    <a:ext uri="{9D8B030D-6E8A-4147-A177-3AD203B41FA5}">
+                      <a16:colId xmlns:a16="http://schemas.microsoft.com/office/drawing/2014/main" val="327302548"/>
+                    </a:ext>
+                  </a:extLst>
+                </a:gridCol>
+                <a:gridCol w="2075890">
+                  <a:extLst>
+                    <a:ext uri="{9D8B030D-6E8A-4147-A177-3AD203B41FA5}">
+                      <a16:colId xmlns:a16="http://schemas.microsoft.com/office/drawing/2014/main" val="4021515396"/>
+                    </a:ext>
+                  </a:extLst>
+                </a:gridCol>
+              </a:tblGrid>
+              <a:tr h="370840">
+                <a:tc>
+                  <a:txBody>
+                    <a:bodyPr/>
+                    <a:lstStyle/>
+                    <a:p>
+                      <a:pPr algn="ctr" rtl="0"/>
+                      <a:r>
+                        <a:rPr lang="en-US" sz="1800" b="0" i="0" kern="1200" dirty="0">
+                          <a:solidFill>
+                            <a:schemeClr val="dk1"/>
+                          </a:solidFill>
+                          <a:effectLst/>
+                          <a:latin typeface="+mn-lt"/>
+                          <a:ea typeface="+mn-ea"/>
+                          <a:cs typeface="+mn-cs"/>
+                        </a:rPr>
+                        <a:t>⋮</a:t>
+                      </a:r>
+                      <a:endParaRPr lang="en-US" dirty="0"/>
+                    </a:p>
+                  </a:txBody>
+                  <a:tcPr/>
+                </a:tc>
+                <a:tc>
+                  <a:txBody>
+                    <a:bodyPr/>
+                    <a:lstStyle/>
+                    <a:p>
+                      <a:pPr algn="ctr" rtl="0"/>
+                      <a:r>
+                        <a:rPr lang="en-US" sz="1800" b="0" i="0" kern="1200" dirty="0">
+                          <a:solidFill>
+                            <a:schemeClr val="dk1"/>
+                          </a:solidFill>
+                          <a:effectLst/>
+                          <a:latin typeface="+mn-lt"/>
+                          <a:ea typeface="+mn-ea"/>
+                          <a:cs typeface="+mn-cs"/>
+                        </a:rPr>
+                        <a:t>⋮</a:t>
+                      </a:r>
+                      <a:endParaRPr lang="en-US" dirty="0"/>
+                    </a:p>
+                  </a:txBody>
+                  <a:tcPr/>
+                </a:tc>
+                <a:extLst>
+                  <a:ext uri="{0D108BD9-81ED-4DB2-BD59-A6C34878D82A}">
+                    <a16:rowId xmlns:a16="http://schemas.microsoft.com/office/drawing/2014/main" val="2483164890"/>
+                  </a:ext>
+                </a:extLst>
+              </a:tr>
+              <a:tr h="370840">
+                <a:tc>
+                  <a:txBody>
+                    <a:bodyPr/>
+                    <a:lstStyle/>
+                    <a:p>
+                      <a:pPr algn="ctr" rtl="0"/>
+                      <a:r>
+                        <a:rPr lang="en-US" dirty="0"/>
+                        <a:t>Bob</a:t>
+                      </a:r>
+                    </a:p>
+                  </a:txBody>
+                  <a:tcPr/>
+                </a:tc>
+                <a:tc>
+                  <a:txBody>
+                    <a:bodyPr/>
+                    <a:lstStyle/>
+                    <a:p>
+                      <a:pPr algn="ctr" rtl="0"/>
+                      <a:r>
+                        <a:rPr lang="en-US" dirty="0"/>
+                        <a:t>-2,500</a:t>
+                      </a:r>
+                    </a:p>
+                  </a:txBody>
+                  <a:tcPr/>
+                </a:tc>
+                <a:extLst>
+                  <a:ext uri="{0D108BD9-81ED-4DB2-BD59-A6C34878D82A}">
+                    <a16:rowId xmlns:a16="http://schemas.microsoft.com/office/drawing/2014/main" val="3399056218"/>
+                  </a:ext>
+                </a:extLst>
+              </a:tr>
+              <a:tr h="370840">
+                <a:tc>
+                  <a:txBody>
+                    <a:bodyPr/>
+                    <a:lstStyle/>
+                    <a:p>
+                      <a:pPr algn="ctr" rtl="0"/>
+                      <a:r>
+                        <a:rPr lang="en-US" dirty="0"/>
+                        <a:t>Alice</a:t>
+                      </a:r>
+                    </a:p>
+                  </a:txBody>
+                  <a:tcPr/>
+                </a:tc>
+                <a:tc>
+                  <a:txBody>
+                    <a:bodyPr/>
+                    <a:lstStyle/>
+                    <a:p>
+                      <a:pPr algn="ctr" rtl="0"/>
+                      <a:r>
+                        <a:rPr lang="en-US" dirty="0"/>
+                        <a:t>2,500</a:t>
+                      </a:r>
+                    </a:p>
+                  </a:txBody>
+                  <a:tcPr/>
+                </a:tc>
+                <a:extLst>
+                  <a:ext uri="{0D108BD9-81ED-4DB2-BD59-A6C34878D82A}">
+                    <a16:rowId xmlns:a16="http://schemas.microsoft.com/office/drawing/2014/main" val="1580807251"/>
+                  </a:ext>
+                </a:extLst>
+              </a:tr>
+              <a:tr h="370840">
+                <a:tc>
+                  <a:txBody>
+                    <a:bodyPr/>
+                    <a:lstStyle/>
+                    <a:p>
+                      <a:pPr algn="ctr" rtl="0"/>
+                      <a:r>
+                        <a:rPr lang="en-US" sz="1800" b="0" i="0" kern="1200" dirty="0">
+                          <a:solidFill>
+                            <a:schemeClr val="dk1"/>
+                          </a:solidFill>
+                          <a:effectLst/>
+                          <a:latin typeface="+mn-lt"/>
+                          <a:ea typeface="+mn-ea"/>
+                          <a:cs typeface="+mn-cs"/>
+                        </a:rPr>
+                        <a:t>⋮</a:t>
+                      </a:r>
+                      <a:endParaRPr lang="en-US" dirty="0"/>
+                    </a:p>
+                  </a:txBody>
+                  <a:tcPr/>
+                </a:tc>
+                <a:tc>
+                  <a:txBody>
+                    <a:bodyPr/>
+                    <a:lstStyle/>
+                    <a:p>
+                      <a:pPr algn="ctr" rtl="0"/>
+                      <a:r>
+                        <a:rPr lang="en-US" sz="1800" b="0" i="0" kern="1200" dirty="0">
+                          <a:solidFill>
+                            <a:schemeClr val="dk1"/>
+                          </a:solidFill>
+                          <a:effectLst/>
+                          <a:latin typeface="+mn-lt"/>
+                          <a:ea typeface="+mn-ea"/>
+                          <a:cs typeface="+mn-cs"/>
+                        </a:rPr>
+                        <a:t>⋮</a:t>
+                      </a:r>
+                      <a:endParaRPr lang="en-US" dirty="0"/>
+                    </a:p>
+                  </a:txBody>
+                  <a:tcPr/>
+                </a:tc>
+                <a:extLst>
+                  <a:ext uri="{0D108BD9-81ED-4DB2-BD59-A6C34878D82A}">
+                    <a16:rowId xmlns:a16="http://schemas.microsoft.com/office/drawing/2014/main" val="2747451364"/>
+                  </a:ext>
+                </a:extLst>
+              </a:tr>
+            </a:tbl>
+          </a:graphicData>
+        </a:graphic>
+      </p:graphicFrame>
+      <p:sp>
+        <p:nvSpPr>
+          <p:cNvPr id="3" name="TextBox 2">
+            <a:extLst>
+              <a:ext uri="{FF2B5EF4-FFF2-40B4-BE49-F238E27FC236}">
+                <a16:creationId xmlns:a16="http://schemas.microsoft.com/office/drawing/2014/main" id="{772F545B-1932-4127-9728-A86C0414F7B1}"/>
+              </a:ext>
+            </a:extLst>
+          </p:cNvPr>
+          <p:cNvSpPr txBox="1"/>
+          <p:nvPr/>
+        </p:nvSpPr>
+        <p:spPr>
+          <a:xfrm>
+            <a:off x="1320504" y="1247775"/>
+            <a:ext cx="636713" cy="369332"/>
+          </a:xfrm>
+          <a:prstGeom prst="rect">
+            <a:avLst/>
+          </a:prstGeom>
+          <a:noFill/>
+        </p:spPr>
+        <p:txBody>
+          <a:bodyPr wrap="none" rtlCol="0">
+            <a:spAutoFit/>
+          </a:bodyPr>
+          <a:lstStyle/>
+          <a:p>
+            <a:r>
+              <a:rPr lang="en-US" dirty="0"/>
+              <a:t>Alice</a:t>
+            </a:r>
+          </a:p>
+        </p:txBody>
+      </p:sp>
+      <p:sp>
+        <p:nvSpPr>
+          <p:cNvPr id="7" name="TextBox 6">
+            <a:extLst>
+              <a:ext uri="{FF2B5EF4-FFF2-40B4-BE49-F238E27FC236}">
+                <a16:creationId xmlns:a16="http://schemas.microsoft.com/office/drawing/2014/main" id="{208C17BE-3792-4951-AF15-4629E70083AE}"/>
+              </a:ext>
+            </a:extLst>
+          </p:cNvPr>
+          <p:cNvSpPr txBox="1"/>
+          <p:nvPr/>
+        </p:nvSpPr>
+        <p:spPr>
+          <a:xfrm>
+            <a:off x="10276461" y="1247775"/>
+            <a:ext cx="553357" cy="369332"/>
+          </a:xfrm>
+          <a:prstGeom prst="rect">
+            <a:avLst/>
+          </a:prstGeom>
+          <a:noFill/>
+        </p:spPr>
+        <p:txBody>
+          <a:bodyPr wrap="none" rtlCol="0">
+            <a:spAutoFit/>
+          </a:bodyPr>
+          <a:lstStyle/>
+          <a:p>
+            <a:r>
+              <a:rPr lang="en-US" dirty="0"/>
+              <a:t>Bob</a:t>
+            </a:r>
+          </a:p>
+        </p:txBody>
+      </p:sp>
+      <p:cxnSp>
+        <p:nvCxnSpPr>
+          <p:cNvPr id="5" name="Straight Arrow Connector 4">
+            <a:extLst>
+              <a:ext uri="{FF2B5EF4-FFF2-40B4-BE49-F238E27FC236}">
+                <a16:creationId xmlns:a16="http://schemas.microsoft.com/office/drawing/2014/main" id="{CC063EE0-F191-4AB7-9C7D-0508FC35AEBA}"/>
+              </a:ext>
+            </a:extLst>
+          </p:cNvPr>
+          <p:cNvCxnSpPr>
+            <a:cxnSpLocks/>
+          </p:cNvCxnSpPr>
+          <p:nvPr/>
+        </p:nvCxnSpPr>
+        <p:spPr>
+          <a:xfrm flipH="1">
+            <a:off x="2409825" y="3429000"/>
+            <a:ext cx="1876425" cy="0"/>
+          </a:xfrm>
+          <a:prstGeom prst="straightConnector1">
+            <a:avLst/>
+          </a:prstGeom>
+          <a:ln w="38100">
+            <a:solidFill>
+              <a:srgbClr val="00B050"/>
+            </a:solidFill>
+            <a:tailEnd type="triangle"/>
+          </a:ln>
+        </p:spPr>
+        <p:style>
+          <a:lnRef idx="1">
+            <a:schemeClr val="accent1"/>
+          </a:lnRef>
+          <a:fillRef idx="0">
+            <a:schemeClr val="accent1"/>
+          </a:fillRef>
+          <a:effectRef idx="0">
+            <a:schemeClr val="accent1"/>
+          </a:effectRef>
+          <a:fontRef idx="minor">
+            <a:schemeClr val="tx1"/>
+          </a:fontRef>
+        </p:style>
+      </p:cxnSp>
+      <p:sp>
+        <p:nvSpPr>
+          <p:cNvPr id="13" name="TextBox 12">
+            <a:extLst>
+              <a:ext uri="{FF2B5EF4-FFF2-40B4-BE49-F238E27FC236}">
+                <a16:creationId xmlns:a16="http://schemas.microsoft.com/office/drawing/2014/main" id="{959F05BB-2BB3-4B86-BD83-CB9D5F7C8640}"/>
+              </a:ext>
+            </a:extLst>
+          </p:cNvPr>
+          <p:cNvSpPr txBox="1"/>
+          <p:nvPr/>
+        </p:nvSpPr>
+        <p:spPr>
+          <a:xfrm>
+            <a:off x="3029680" y="3059668"/>
+            <a:ext cx="825867" cy="369332"/>
+          </a:xfrm>
+          <a:prstGeom prst="rect">
+            <a:avLst/>
+          </a:prstGeom>
+          <a:noFill/>
+        </p:spPr>
+        <p:txBody>
+          <a:bodyPr wrap="none" rtlCol="0">
+            <a:spAutoFit/>
+          </a:bodyPr>
+          <a:lstStyle/>
+          <a:p>
+            <a:r>
+              <a:rPr lang="en-US" dirty="0"/>
+              <a:t>+2,500</a:t>
+            </a:r>
+          </a:p>
+        </p:txBody>
+      </p:sp>
+      <p:cxnSp>
+        <p:nvCxnSpPr>
+          <p:cNvPr id="14" name="Straight Arrow Connector 13">
+            <a:extLst>
+              <a:ext uri="{FF2B5EF4-FFF2-40B4-BE49-F238E27FC236}">
+                <a16:creationId xmlns:a16="http://schemas.microsoft.com/office/drawing/2014/main" id="{C01CB33F-0430-4E31-B471-58A93A96E9D7}"/>
+              </a:ext>
+            </a:extLst>
+          </p:cNvPr>
+          <p:cNvCxnSpPr>
+            <a:cxnSpLocks/>
+          </p:cNvCxnSpPr>
+          <p:nvPr/>
+        </p:nvCxnSpPr>
+        <p:spPr>
+          <a:xfrm flipH="1">
+            <a:off x="8015961" y="3429000"/>
+            <a:ext cx="1876425" cy="0"/>
+          </a:xfrm>
+          <a:prstGeom prst="straightConnector1">
+            <a:avLst/>
+          </a:prstGeom>
+          <a:ln w="38100">
+            <a:solidFill>
+              <a:srgbClr val="FF0000"/>
+            </a:solidFill>
+            <a:tailEnd type="triangle"/>
+          </a:ln>
+        </p:spPr>
+        <p:style>
+          <a:lnRef idx="1">
+            <a:schemeClr val="accent1"/>
+          </a:lnRef>
+          <a:fillRef idx="0">
+            <a:schemeClr val="accent1"/>
+          </a:fillRef>
+          <a:effectRef idx="0">
+            <a:schemeClr val="accent1"/>
+          </a:effectRef>
+          <a:fontRef idx="minor">
+            <a:schemeClr val="tx1"/>
+          </a:fontRef>
+        </p:style>
+      </p:cxnSp>
+      <p:sp>
+        <p:nvSpPr>
+          <p:cNvPr id="15" name="TextBox 14">
+            <a:extLst>
+              <a:ext uri="{FF2B5EF4-FFF2-40B4-BE49-F238E27FC236}">
+                <a16:creationId xmlns:a16="http://schemas.microsoft.com/office/drawing/2014/main" id="{24F5C40E-F713-43A4-9073-D05E243145D3}"/>
+              </a:ext>
+            </a:extLst>
+          </p:cNvPr>
+          <p:cNvSpPr txBox="1"/>
+          <p:nvPr/>
+        </p:nvSpPr>
+        <p:spPr>
+          <a:xfrm>
+            <a:off x="8635816" y="3059668"/>
+            <a:ext cx="780983" cy="369332"/>
+          </a:xfrm>
+          <a:prstGeom prst="rect">
+            <a:avLst/>
+          </a:prstGeom>
+          <a:noFill/>
+        </p:spPr>
+        <p:txBody>
+          <a:bodyPr wrap="none" rtlCol="0">
+            <a:spAutoFit/>
+          </a:bodyPr>
+          <a:lstStyle/>
+          <a:p>
+            <a:r>
+              <a:rPr lang="en-US" dirty="0"/>
+              <a:t>-2,500</a:t>
+            </a:r>
+          </a:p>
+        </p:txBody>
+      </p:sp>
+    </p:spTree>
+    <p:extLst>
+      <p:ext uri="{BB962C8B-B14F-4D97-AF65-F5344CB8AC3E}">
+        <p14:creationId xmlns:p14="http://schemas.microsoft.com/office/powerpoint/2010/main" val="3243254039"/>
+      </p:ext>
+    </p:extLst>
+  </p:cSld>
+  <p:clrMapOvr>
+    <a:masterClrMapping/>
+  </p:clrMapOvr>
+</p:sld>
+</file>
+
+<file path=ppt/slides/slide5.xml><?xml version="1.0" encoding="utf-8"?>
+<p:sld xmlns:a="http://schemas.openxmlformats.org/drawingml/2006/main" xmlns:r="http://schemas.openxmlformats.org/officeDocument/2006/relationships" xmlns:p="http://schemas.openxmlformats.org/presentationml/2006/main">
+  <p:cSld>
+    <p:spTree>
+      <p:nvGrpSpPr>
+        <p:cNvPr id="1" name=""/>
+        <p:cNvGrpSpPr/>
+        <p:nvPr/>
+      </p:nvGrpSpPr>
+      <p:grpSpPr>
+        <a:xfrm>
+          <a:off x="0" y="0"/>
+          <a:ext cx="0" cy="0"/>
+          <a:chOff x="0" y="0"/>
+          <a:chExt cx="0" cy="0"/>
+        </a:xfrm>
+      </p:grpSpPr>
+      <p:pic>
+        <p:nvPicPr>
+          <p:cNvPr id="2" name="Picture 4" descr="person-icon-person-icon-clipart-image-from-our-icon-clipart-category-9 -  Free your Mind - Kitesurfing school - Camps - MICE events">
+            <a:extLst>
+              <a:ext uri="{FF2B5EF4-FFF2-40B4-BE49-F238E27FC236}">
+                <a16:creationId xmlns:a16="http://schemas.microsoft.com/office/drawing/2014/main" id="{F4C4DC6F-CD2C-41E9-ABAC-FDDA1C46615F}"/>
+              </a:ext>
+            </a:extLst>
+          </p:cNvPr>
+          <p:cNvPicPr>
+            <a:picLocks noChangeAspect="1" noChangeArrowheads="1"/>
+          </p:cNvPicPr>
+          <p:nvPr/>
+        </p:nvPicPr>
+        <p:blipFill rotWithShape="1">
+          <a:blip r:embed="rId2">
+            <a:extLst>
+              <a:ext uri="{28A0092B-C50C-407E-A947-70E740481C1C}">
+                <a14:useLocalDpi xmlns:a14="http://schemas.microsoft.com/office/drawing/2010/main" val="0"/>
+              </a:ext>
+            </a:extLst>
+          </a:blip>
+          <a:srcRect r="34788"/>
+          <a:stretch/>
+        </p:blipFill>
+        <p:spPr bwMode="auto">
+          <a:xfrm>
+            <a:off x="8171890" y="1047750"/>
+            <a:ext cx="3105710" cy="4762500"/>
+          </a:xfrm>
+          <a:prstGeom prst="rect">
+            <a:avLst/>
+          </a:prstGeom>
+          <a:noFill/>
+          <a:extLst>
+            <a:ext uri="{909E8E84-426E-40DD-AFC4-6F175D3DCCD1}">
+              <a14:hiddenFill xmlns:a14="http://schemas.microsoft.com/office/drawing/2010/main">
+                <a:solidFill>
+                  <a:srgbClr val="FFFFFF"/>
+                </a:solidFill>
+              </a14:hiddenFill>
+            </a:ext>
+          </a:extLst>
+        </p:spPr>
+      </p:pic>
+      <p:pic>
+        <p:nvPicPr>
+          <p:cNvPr id="3" name="Picture 6" descr="person-icon-person-icon-clipart-image-from-our-icon-clipart-category-9 -  Free your Mind - Kitesurfing school - Camps - MICE events">
+            <a:extLst>
+              <a:ext uri="{FF2B5EF4-FFF2-40B4-BE49-F238E27FC236}">
+                <a16:creationId xmlns:a16="http://schemas.microsoft.com/office/drawing/2014/main" id="{59B48FA5-344B-46D8-8893-93879F90003B}"/>
+              </a:ext>
+            </a:extLst>
+          </p:cNvPr>
+          <p:cNvPicPr>
+            <a:picLocks noChangeAspect="1" noChangeArrowheads="1"/>
+          </p:cNvPicPr>
+          <p:nvPr/>
+        </p:nvPicPr>
+        <p:blipFill rotWithShape="1">
+          <a:blip r:embed="rId2">
+            <a:extLst>
+              <a:ext uri="{28A0092B-C50C-407E-A947-70E740481C1C}">
+                <a14:useLocalDpi xmlns:a14="http://schemas.microsoft.com/office/drawing/2010/main" val="0"/>
+              </a:ext>
+            </a:extLst>
+          </a:blip>
+          <a:srcRect l="37102"/>
+          <a:stretch/>
+        </p:blipFill>
+        <p:spPr bwMode="auto">
+          <a:xfrm>
+            <a:off x="158346" y="1048138"/>
+            <a:ext cx="2995499" cy="4762500"/>
+          </a:xfrm>
+          <a:prstGeom prst="rect">
+            <a:avLst/>
+          </a:prstGeom>
+          <a:noFill/>
+          <a:extLst>
+            <a:ext uri="{909E8E84-426E-40DD-AFC4-6F175D3DCCD1}">
+              <a14:hiddenFill xmlns:a14="http://schemas.microsoft.com/office/drawing/2010/main">
+                <a:solidFill>
+                  <a:srgbClr val="FFFFFF"/>
+                </a:solidFill>
+              </a14:hiddenFill>
+            </a:ext>
+          </a:extLst>
+        </p:spPr>
+      </p:pic>
+      <p:sp>
+        <p:nvSpPr>
+          <p:cNvPr id="4" name="TextBox 3">
+            <a:extLst>
+              <a:ext uri="{FF2B5EF4-FFF2-40B4-BE49-F238E27FC236}">
+                <a16:creationId xmlns:a16="http://schemas.microsoft.com/office/drawing/2014/main" id="{450F39CB-8D82-4BDC-8057-9AC45461759E}"/>
+              </a:ext>
+            </a:extLst>
+          </p:cNvPr>
+          <p:cNvSpPr txBox="1"/>
+          <p:nvPr/>
+        </p:nvSpPr>
+        <p:spPr>
+          <a:xfrm>
+            <a:off x="454240" y="1248163"/>
+            <a:ext cx="636713" cy="369332"/>
+          </a:xfrm>
+          <a:prstGeom prst="rect">
+            <a:avLst/>
+          </a:prstGeom>
+          <a:noFill/>
+        </p:spPr>
+        <p:txBody>
+          <a:bodyPr wrap="none" rtlCol="0">
+            <a:spAutoFit/>
+          </a:bodyPr>
+          <a:lstStyle/>
+          <a:p>
+            <a:r>
+              <a:rPr lang="en-US" dirty="0"/>
+              <a:t>Alice</a:t>
+            </a:r>
+          </a:p>
+        </p:txBody>
+      </p:sp>
+      <p:sp>
+        <p:nvSpPr>
+          <p:cNvPr id="5" name="TextBox 4">
+            <a:extLst>
+              <a:ext uri="{FF2B5EF4-FFF2-40B4-BE49-F238E27FC236}">
+                <a16:creationId xmlns:a16="http://schemas.microsoft.com/office/drawing/2014/main" id="{ECEF530A-5867-4ECB-B8B3-F88D8B179E72}"/>
+              </a:ext>
+            </a:extLst>
+          </p:cNvPr>
+          <p:cNvSpPr txBox="1"/>
+          <p:nvPr/>
+        </p:nvSpPr>
+        <p:spPr>
+          <a:xfrm>
+            <a:off x="10276461" y="1247775"/>
+            <a:ext cx="553357" cy="369332"/>
+          </a:xfrm>
+          <a:prstGeom prst="rect">
+            <a:avLst/>
+          </a:prstGeom>
+          <a:noFill/>
+        </p:spPr>
+        <p:txBody>
+          <a:bodyPr wrap="none" rtlCol="0">
+            <a:spAutoFit/>
+          </a:bodyPr>
+          <a:lstStyle/>
+          <a:p>
+            <a:r>
+              <a:rPr lang="en-US" dirty="0"/>
+              <a:t>Bob</a:t>
+            </a:r>
+          </a:p>
+        </p:txBody>
+      </p:sp>
+      <p:pic>
+        <p:nvPicPr>
+          <p:cNvPr id="2050" name="Picture 2" descr="Free Server Cliparts, Download Free Server Cliparts png images, Free  ClipArts on Clipart Library">
+            <a:extLst>
+              <a:ext uri="{FF2B5EF4-FFF2-40B4-BE49-F238E27FC236}">
+                <a16:creationId xmlns:a16="http://schemas.microsoft.com/office/drawing/2014/main" id="{E26A7955-3A98-4ADA-B39E-A2FFED5C534F}"/>
+              </a:ext>
+            </a:extLst>
+          </p:cNvPr>
+          <p:cNvPicPr>
+            <a:picLocks noChangeAspect="1" noChangeArrowheads="1"/>
+          </p:cNvPicPr>
+          <p:nvPr/>
+        </p:nvPicPr>
+        <p:blipFill>
+          <a:blip r:embed="rId3">
+            <a:extLst>
+              <a:ext uri="{28A0092B-C50C-407E-A947-70E740481C1C}">
+                <a14:useLocalDpi xmlns:a14="http://schemas.microsoft.com/office/drawing/2010/main" val="0"/>
+              </a:ext>
+            </a:extLst>
+          </a:blip>
+          <a:srcRect/>
+          <a:stretch>
+            <a:fillRect/>
+          </a:stretch>
+        </p:blipFill>
+        <p:spPr bwMode="auto">
+          <a:xfrm>
+            <a:off x="5888995" y="141661"/>
+            <a:ext cx="907182" cy="1390650"/>
+          </a:xfrm>
+          <a:prstGeom prst="rect">
+            <a:avLst/>
+          </a:prstGeom>
+          <a:noFill/>
+          <a:extLst>
+            <a:ext uri="{909E8E84-426E-40DD-AFC4-6F175D3DCCD1}">
+              <a14:hiddenFill xmlns:a14="http://schemas.microsoft.com/office/drawing/2010/main">
+                <a:solidFill>
+                  <a:srgbClr val="FFFFFF"/>
+                </a:solidFill>
+              </a14:hiddenFill>
+            </a:ext>
+          </a:extLst>
+        </p:spPr>
+      </p:pic>
+      <p:pic>
+        <p:nvPicPr>
+          <p:cNvPr id="7" name="Picture 2" descr="Free Server Cliparts, Download Free Server Cliparts png images, Free  ClipArts on Clipart Library">
+            <a:extLst>
+              <a:ext uri="{FF2B5EF4-FFF2-40B4-BE49-F238E27FC236}">
+                <a16:creationId xmlns:a16="http://schemas.microsoft.com/office/drawing/2014/main" id="{1A987072-E2D0-4CE4-8591-08934E5465D6}"/>
+              </a:ext>
+            </a:extLst>
+          </p:cNvPr>
+          <p:cNvPicPr>
+            <a:picLocks noChangeAspect="1" noChangeArrowheads="1"/>
+          </p:cNvPicPr>
+          <p:nvPr/>
+        </p:nvPicPr>
+        <p:blipFill>
+          <a:blip r:embed="rId3">
+            <a:extLst>
+              <a:ext uri="{28A0092B-C50C-407E-A947-70E740481C1C}">
+                <a14:useLocalDpi xmlns:a14="http://schemas.microsoft.com/office/drawing/2010/main" val="0"/>
+              </a:ext>
+            </a:extLst>
+          </a:blip>
+          <a:srcRect/>
+          <a:stretch>
+            <a:fillRect/>
+          </a:stretch>
+        </p:blipFill>
+        <p:spPr bwMode="auto">
+          <a:xfrm>
+            <a:off x="3942661" y="822840"/>
+            <a:ext cx="907182" cy="1390650"/>
+          </a:xfrm>
+          <a:prstGeom prst="rect">
+            <a:avLst/>
+          </a:prstGeom>
+          <a:noFill/>
+          <a:extLst>
+            <a:ext uri="{909E8E84-426E-40DD-AFC4-6F175D3DCCD1}">
+              <a14:hiddenFill xmlns:a14="http://schemas.microsoft.com/office/drawing/2010/main">
+                <a:solidFill>
+                  <a:srgbClr val="FFFFFF"/>
+                </a:solidFill>
+              </a14:hiddenFill>
+            </a:ext>
+          </a:extLst>
+        </p:spPr>
+      </p:pic>
+      <p:pic>
+        <p:nvPicPr>
+          <p:cNvPr id="8" name="Picture 2" descr="Free Server Cliparts, Download Free Server Cliparts png images, Free  ClipArts on Clipart Library">
+            <a:extLst>
+              <a:ext uri="{FF2B5EF4-FFF2-40B4-BE49-F238E27FC236}">
+                <a16:creationId xmlns:a16="http://schemas.microsoft.com/office/drawing/2014/main" id="{F379D242-C374-4A88-88B9-125D90DE49D2}"/>
+              </a:ext>
+            </a:extLst>
+          </p:cNvPr>
+          <p:cNvPicPr>
+            <a:picLocks noChangeAspect="1" noChangeArrowheads="1"/>
+          </p:cNvPicPr>
+          <p:nvPr/>
+        </p:nvPicPr>
+        <p:blipFill>
+          <a:blip r:embed="rId3">
+            <a:extLst>
+              <a:ext uri="{28A0092B-C50C-407E-A947-70E740481C1C}">
+                <a14:useLocalDpi xmlns:a14="http://schemas.microsoft.com/office/drawing/2010/main" val="0"/>
+              </a:ext>
+            </a:extLst>
+          </a:blip>
+          <a:srcRect/>
+          <a:stretch>
+            <a:fillRect/>
+          </a:stretch>
+        </p:blipFill>
+        <p:spPr bwMode="auto">
+          <a:xfrm>
+            <a:off x="2903509" y="2127766"/>
+            <a:ext cx="907182" cy="1390650"/>
+          </a:xfrm>
+          <a:prstGeom prst="rect">
+            <a:avLst/>
+          </a:prstGeom>
+          <a:noFill/>
+          <a:extLst>
+            <a:ext uri="{909E8E84-426E-40DD-AFC4-6F175D3DCCD1}">
+              <a14:hiddenFill xmlns:a14="http://schemas.microsoft.com/office/drawing/2010/main">
+                <a:solidFill>
+                  <a:srgbClr val="FFFFFF"/>
+                </a:solidFill>
+              </a14:hiddenFill>
+            </a:ext>
+          </a:extLst>
+        </p:spPr>
+      </p:pic>
+      <p:pic>
+        <p:nvPicPr>
+          <p:cNvPr id="9" name="Picture 2" descr="Free Server Cliparts, Download Free Server Cliparts png images, Free  ClipArts on Clipart Library">
+            <a:extLst>
+              <a:ext uri="{FF2B5EF4-FFF2-40B4-BE49-F238E27FC236}">
+                <a16:creationId xmlns:a16="http://schemas.microsoft.com/office/drawing/2014/main" id="{5DE1E64A-5956-4839-AA92-39E78E0231CE}"/>
+              </a:ext>
+            </a:extLst>
+          </p:cNvPr>
+          <p:cNvPicPr>
+            <a:picLocks noChangeAspect="1" noChangeArrowheads="1"/>
+          </p:cNvPicPr>
+          <p:nvPr/>
+        </p:nvPicPr>
+        <p:blipFill>
+          <a:blip r:embed="rId3">
+            <a:extLst>
+              <a:ext uri="{28A0092B-C50C-407E-A947-70E740481C1C}">
+                <a14:useLocalDpi xmlns:a14="http://schemas.microsoft.com/office/drawing/2010/main" val="0"/>
+              </a:ext>
+            </a:extLst>
+          </a:blip>
+          <a:srcRect/>
+          <a:stretch>
+            <a:fillRect/>
+          </a:stretch>
+        </p:blipFill>
+        <p:spPr bwMode="auto">
+          <a:xfrm>
+            <a:off x="3963737" y="3581787"/>
+            <a:ext cx="907182" cy="1390650"/>
+          </a:xfrm>
+          <a:prstGeom prst="rect">
+            <a:avLst/>
+          </a:prstGeom>
+          <a:noFill/>
+          <a:extLst>
+            <a:ext uri="{909E8E84-426E-40DD-AFC4-6F175D3DCCD1}">
+              <a14:hiddenFill xmlns:a14="http://schemas.microsoft.com/office/drawing/2010/main">
+                <a:solidFill>
+                  <a:srgbClr val="FFFFFF"/>
+                </a:solidFill>
+              </a14:hiddenFill>
+            </a:ext>
+          </a:extLst>
+        </p:spPr>
+      </p:pic>
+      <p:pic>
+        <p:nvPicPr>
+          <p:cNvPr id="11" name="Picture 2" descr="Free Server Cliparts, Download Free Server Cliparts png images, Free  ClipArts on Clipart Library">
+            <a:extLst>
+              <a:ext uri="{FF2B5EF4-FFF2-40B4-BE49-F238E27FC236}">
+                <a16:creationId xmlns:a16="http://schemas.microsoft.com/office/drawing/2014/main" id="{0AC09893-5369-4503-A254-704EC7B31D68}"/>
+              </a:ext>
+            </a:extLst>
+          </p:cNvPr>
+          <p:cNvPicPr>
+            <a:picLocks noChangeAspect="1" noChangeArrowheads="1"/>
+          </p:cNvPicPr>
+          <p:nvPr/>
+        </p:nvPicPr>
+        <p:blipFill>
+          <a:blip r:embed="rId3">
+            <a:extLst>
+              <a:ext uri="{28A0092B-C50C-407E-A947-70E740481C1C}">
+                <a14:useLocalDpi xmlns:a14="http://schemas.microsoft.com/office/drawing/2010/main" val="0"/>
+              </a:ext>
+            </a:extLst>
+          </a:blip>
+          <a:srcRect/>
+          <a:stretch>
+            <a:fillRect/>
+          </a:stretch>
+        </p:blipFill>
+        <p:spPr bwMode="auto">
+          <a:xfrm>
+            <a:off x="5328520" y="5083047"/>
+            <a:ext cx="907182" cy="1390650"/>
+          </a:xfrm>
+          <a:prstGeom prst="rect">
+            <a:avLst/>
+          </a:prstGeom>
+          <a:noFill/>
+          <a:extLst>
+            <a:ext uri="{909E8E84-426E-40DD-AFC4-6F175D3DCCD1}">
+              <a14:hiddenFill xmlns:a14="http://schemas.microsoft.com/office/drawing/2010/main">
+                <a:solidFill>
+                  <a:srgbClr val="FFFFFF"/>
+                </a:solidFill>
+              </a14:hiddenFill>
+            </a:ext>
+          </a:extLst>
+        </p:spPr>
+      </p:pic>
+      <p:cxnSp>
+        <p:nvCxnSpPr>
+          <p:cNvPr id="12" name="Straight Arrow Connector 11">
+            <a:extLst>
+              <a:ext uri="{FF2B5EF4-FFF2-40B4-BE49-F238E27FC236}">
+                <a16:creationId xmlns:a16="http://schemas.microsoft.com/office/drawing/2014/main" id="{352C9543-60C5-479D-8E9D-505419DAAA3D}"/>
+              </a:ext>
+            </a:extLst>
+          </p:cNvPr>
+          <p:cNvCxnSpPr>
+            <a:cxnSpLocks/>
+            <a:stCxn id="27" idx="1"/>
+            <a:endCxn id="7" idx="3"/>
+          </p:cNvCxnSpPr>
+          <p:nvPr/>
+        </p:nvCxnSpPr>
+        <p:spPr>
+          <a:xfrm flipH="1" flipV="1">
+            <a:off x="4849843" y="1518165"/>
+            <a:ext cx="2679656" cy="2063622"/>
+          </a:xfrm>
+          <a:prstGeom prst="straightConnector1">
+            <a:avLst/>
+          </a:prstGeom>
+          <a:ln w="38100">
+            <a:solidFill>
+              <a:schemeClr val="tx1">
+                <a:lumMod val="95000"/>
+                <a:lumOff val="5000"/>
+                <a:alpha val="30000"/>
+              </a:schemeClr>
+            </a:solidFill>
+            <a:tailEnd type="triangle"/>
+          </a:ln>
+        </p:spPr>
+        <p:style>
+          <a:lnRef idx="1">
+            <a:schemeClr val="accent1"/>
+          </a:lnRef>
+          <a:fillRef idx="0">
+            <a:schemeClr val="accent1"/>
+          </a:fillRef>
+          <a:effectRef idx="0">
+            <a:schemeClr val="accent1"/>
+          </a:effectRef>
+          <a:fontRef idx="minor">
+            <a:schemeClr val="tx1"/>
+          </a:fontRef>
+        </p:style>
+      </p:cxnSp>
+      <p:cxnSp>
+        <p:nvCxnSpPr>
+          <p:cNvPr id="14" name="Straight Arrow Connector 13">
+            <a:extLst>
+              <a:ext uri="{FF2B5EF4-FFF2-40B4-BE49-F238E27FC236}">
+                <a16:creationId xmlns:a16="http://schemas.microsoft.com/office/drawing/2014/main" id="{4A98D42F-D324-4195-B8C5-8E257319A096}"/>
+              </a:ext>
+            </a:extLst>
+          </p:cNvPr>
+          <p:cNvCxnSpPr>
+            <a:cxnSpLocks/>
+            <a:stCxn id="27" idx="1"/>
+            <a:endCxn id="2050" idx="3"/>
+          </p:cNvCxnSpPr>
+          <p:nvPr/>
+        </p:nvCxnSpPr>
+        <p:spPr>
+          <a:xfrm flipH="1" flipV="1">
+            <a:off x="6796177" y="836986"/>
+            <a:ext cx="733322" cy="2744801"/>
+          </a:xfrm>
+          <a:prstGeom prst="straightConnector1">
+            <a:avLst/>
+          </a:prstGeom>
+          <a:ln w="38100">
+            <a:solidFill>
+              <a:schemeClr val="tx1">
+                <a:lumMod val="95000"/>
+                <a:lumOff val="5000"/>
+                <a:alpha val="30000"/>
+              </a:schemeClr>
+            </a:solidFill>
+            <a:tailEnd type="triangle"/>
+          </a:ln>
+        </p:spPr>
+        <p:style>
+          <a:lnRef idx="1">
+            <a:schemeClr val="accent1"/>
+          </a:lnRef>
+          <a:fillRef idx="0">
+            <a:schemeClr val="accent1"/>
+          </a:fillRef>
+          <a:effectRef idx="0">
+            <a:schemeClr val="accent1"/>
+          </a:effectRef>
+          <a:fontRef idx="minor">
+            <a:schemeClr val="tx1"/>
+          </a:fontRef>
+        </p:style>
+      </p:cxnSp>
+      <p:cxnSp>
+        <p:nvCxnSpPr>
+          <p:cNvPr id="18" name="Straight Arrow Connector 17">
+            <a:extLst>
+              <a:ext uri="{FF2B5EF4-FFF2-40B4-BE49-F238E27FC236}">
+                <a16:creationId xmlns:a16="http://schemas.microsoft.com/office/drawing/2014/main" id="{E7D3C647-5809-4B75-A493-865D49CE927C}"/>
+              </a:ext>
+            </a:extLst>
+          </p:cNvPr>
+          <p:cNvCxnSpPr>
+            <a:cxnSpLocks/>
+            <a:stCxn id="27" idx="1"/>
+            <a:endCxn id="9" idx="3"/>
+          </p:cNvCxnSpPr>
+          <p:nvPr/>
+        </p:nvCxnSpPr>
+        <p:spPr>
+          <a:xfrm flipH="1">
+            <a:off x="4870919" y="3581787"/>
+            <a:ext cx="2658580" cy="695325"/>
+          </a:xfrm>
+          <a:prstGeom prst="straightConnector1">
+            <a:avLst/>
+          </a:prstGeom>
+          <a:ln w="38100">
+            <a:solidFill>
+              <a:schemeClr val="tx1">
+                <a:lumMod val="95000"/>
+                <a:lumOff val="5000"/>
+                <a:alpha val="30000"/>
+              </a:schemeClr>
+            </a:solidFill>
+            <a:tailEnd type="triangle"/>
+          </a:ln>
+        </p:spPr>
+        <p:style>
+          <a:lnRef idx="1">
+            <a:schemeClr val="accent1"/>
+          </a:lnRef>
+          <a:fillRef idx="0">
+            <a:schemeClr val="accent1"/>
+          </a:fillRef>
+          <a:effectRef idx="0">
+            <a:schemeClr val="accent1"/>
+          </a:effectRef>
+          <a:fontRef idx="minor">
+            <a:schemeClr val="tx1"/>
+          </a:fontRef>
+        </p:style>
+      </p:cxnSp>
+      <p:cxnSp>
+        <p:nvCxnSpPr>
+          <p:cNvPr id="22" name="Straight Arrow Connector 21">
+            <a:extLst>
+              <a:ext uri="{FF2B5EF4-FFF2-40B4-BE49-F238E27FC236}">
+                <a16:creationId xmlns:a16="http://schemas.microsoft.com/office/drawing/2014/main" id="{CEE149CA-E1F1-41C9-9F9F-5139C790F376}"/>
+              </a:ext>
+            </a:extLst>
+          </p:cNvPr>
+          <p:cNvCxnSpPr>
+            <a:cxnSpLocks/>
+            <a:stCxn id="27" idx="1"/>
+            <a:endCxn id="8" idx="3"/>
+          </p:cNvCxnSpPr>
+          <p:nvPr/>
+        </p:nvCxnSpPr>
+        <p:spPr>
+          <a:xfrm flipH="1" flipV="1">
+            <a:off x="3810691" y="2823091"/>
+            <a:ext cx="3718808" cy="758696"/>
+          </a:xfrm>
+          <a:prstGeom prst="straightConnector1">
+            <a:avLst/>
+          </a:prstGeom>
+          <a:ln w="38100">
+            <a:solidFill>
+              <a:schemeClr val="tx1">
+                <a:lumMod val="95000"/>
+                <a:lumOff val="5000"/>
+                <a:alpha val="30000"/>
+              </a:schemeClr>
+            </a:solidFill>
+            <a:tailEnd type="triangle"/>
+          </a:ln>
+        </p:spPr>
+        <p:style>
+          <a:lnRef idx="1">
+            <a:schemeClr val="accent1"/>
+          </a:lnRef>
+          <a:fillRef idx="0">
+            <a:schemeClr val="accent1"/>
+          </a:fillRef>
+          <a:effectRef idx="0">
+            <a:schemeClr val="accent1"/>
+          </a:effectRef>
+          <a:fontRef idx="minor">
+            <a:schemeClr val="tx1"/>
+          </a:fontRef>
+        </p:style>
+      </p:cxnSp>
+      <p:cxnSp>
+        <p:nvCxnSpPr>
+          <p:cNvPr id="25" name="Straight Arrow Connector 24">
+            <a:extLst>
+              <a:ext uri="{FF2B5EF4-FFF2-40B4-BE49-F238E27FC236}">
+                <a16:creationId xmlns:a16="http://schemas.microsoft.com/office/drawing/2014/main" id="{BE2A5423-6F57-4A1B-810E-B7A476A0F545}"/>
+              </a:ext>
+            </a:extLst>
+          </p:cNvPr>
+          <p:cNvCxnSpPr>
+            <a:cxnSpLocks/>
+            <a:stCxn id="27" idx="1"/>
+            <a:endCxn id="11" idx="3"/>
+          </p:cNvCxnSpPr>
+          <p:nvPr/>
+        </p:nvCxnSpPr>
+        <p:spPr>
+          <a:xfrm flipH="1">
+            <a:off x="6235702" y="3581787"/>
+            <a:ext cx="1293797" cy="2196585"/>
+          </a:xfrm>
+          <a:prstGeom prst="straightConnector1">
+            <a:avLst/>
+          </a:prstGeom>
+          <a:ln w="38100">
+            <a:solidFill>
+              <a:schemeClr val="tx1">
+                <a:lumMod val="95000"/>
+                <a:lumOff val="5000"/>
+                <a:alpha val="30000"/>
+              </a:schemeClr>
+            </a:solidFill>
+            <a:tailEnd type="triangle"/>
+          </a:ln>
+        </p:spPr>
+        <p:style>
+          <a:lnRef idx="1">
+            <a:schemeClr val="accent1"/>
+          </a:lnRef>
+          <a:fillRef idx="0">
+            <a:schemeClr val="accent1"/>
+          </a:fillRef>
+          <a:effectRef idx="0">
+            <a:schemeClr val="accent1"/>
+          </a:effectRef>
+          <a:fontRef idx="minor">
+            <a:schemeClr val="tx1"/>
+          </a:fontRef>
+        </p:style>
+      </p:cxnSp>
+      <p:sp>
+        <p:nvSpPr>
+          <p:cNvPr id="27" name="Rectangle: Rounded Corners 26">
+            <a:extLst>
+              <a:ext uri="{FF2B5EF4-FFF2-40B4-BE49-F238E27FC236}">
+                <a16:creationId xmlns:a16="http://schemas.microsoft.com/office/drawing/2014/main" id="{4EEFB784-8E25-420D-AFD7-BE2E6FAA406F}"/>
+              </a:ext>
+            </a:extLst>
+          </p:cNvPr>
+          <p:cNvSpPr/>
+          <p:nvPr/>
+        </p:nvSpPr>
+        <p:spPr>
+          <a:xfrm>
+            <a:off x="7529499" y="3289925"/>
+            <a:ext cx="2334314" cy="583724"/>
+          </a:xfrm>
+          <a:prstGeom prst="roundRect">
+            <a:avLst/>
+          </a:prstGeom>
+          <a:solidFill>
+            <a:srgbClr val="00B0F0"/>
+          </a:solidFill>
+          <a:ln>
+            <a:solidFill>
+              <a:schemeClr val="tx1">
+                <a:lumMod val="95000"/>
+                <a:lumOff val="5000"/>
+              </a:schemeClr>
+            </a:solidFill>
+          </a:ln>
+        </p:spPr>
+        <p:style>
+          <a:lnRef idx="2">
+            <a:schemeClr val="accent1">
+              <a:shade val="50000"/>
+            </a:schemeClr>
+          </a:lnRef>
+          <a:fillRef idx="1">
+            <a:schemeClr val="accent1"/>
+          </a:fillRef>
+          <a:effectRef idx="0">
+            <a:schemeClr val="accent1"/>
+          </a:effectRef>
+          <a:fontRef idx="minor">
+            <a:schemeClr val="lt1"/>
+          </a:fontRef>
+        </p:style>
+        <p:txBody>
+          <a:bodyPr rtlCol="0" anchor="ctr"/>
+          <a:lstStyle/>
+          <a:p>
+            <a:pPr algn="ctr"/>
+            <a:r>
+              <a:rPr lang="en-US" dirty="0"/>
+              <a:t>Bob sends Alice 2,500</a:t>
+            </a:r>
+          </a:p>
+        </p:txBody>
+      </p:sp>
+      <p:graphicFrame>
+        <p:nvGraphicFramePr>
+          <p:cNvPr id="40" name="Table 2">
+            <a:extLst>
+              <a:ext uri="{FF2B5EF4-FFF2-40B4-BE49-F238E27FC236}">
+                <a16:creationId xmlns:a16="http://schemas.microsoft.com/office/drawing/2014/main" id="{BB92B9E9-1ACB-40E2-8C49-3F9620FC5838}"/>
+              </a:ext>
+            </a:extLst>
+          </p:cNvPr>
+          <p:cNvGraphicFramePr>
+            <a:graphicFrameLocks noGrp="1"/>
+          </p:cNvGraphicFramePr>
+          <p:nvPr>
+            <p:extLst>
+              <p:ext uri="{D42A27DB-BD31-4B8C-83A1-F6EECF244321}">
+                <p14:modId xmlns:p14="http://schemas.microsoft.com/office/powerpoint/2010/main" val="552950796"/>
+              </p:ext>
+            </p:extLst>
+          </p:nvPr>
+        </p:nvGraphicFramePr>
+        <p:xfrm>
+          <a:off x="4360426" y="5125378"/>
+          <a:ext cx="907182" cy="1290780"/>
+        </p:xfrm>
+        <a:graphic>
+          <a:graphicData uri="http://schemas.openxmlformats.org/drawingml/2006/table">
+            <a:tbl>
+              <a:tblPr bandRow="1">
+                <a:tableStyleId>{073A0DAA-6AF3-43AB-8588-CEC1D06C72B9}</a:tableStyleId>
+              </a:tblPr>
+              <a:tblGrid>
+                <a:gridCol w="907182">
+                  <a:extLst>
+                    <a:ext uri="{9D8B030D-6E8A-4147-A177-3AD203B41FA5}">
+                      <a16:colId xmlns:a16="http://schemas.microsoft.com/office/drawing/2014/main" val="327302548"/>
+                    </a:ext>
+                  </a:extLst>
+                </a:gridCol>
+              </a:tblGrid>
+              <a:tr h="430260">
+                <a:tc>
+                  <a:txBody>
+                    <a:bodyPr/>
+                    <a:lstStyle/>
+                    <a:p>
+                      <a:pPr algn="ctr" rtl="0"/>
+                      <a:r>
+                        <a:rPr lang="en-US" sz="1000" b="0" i="0" kern="1200" dirty="0">
+                          <a:solidFill>
+                            <a:schemeClr val="dk1"/>
+                          </a:solidFill>
+                          <a:effectLst/>
+                          <a:latin typeface="+mn-lt"/>
+                          <a:ea typeface="+mn-ea"/>
+                          <a:cs typeface="+mn-cs"/>
+                        </a:rPr>
+                        <a:t>⋮</a:t>
+                      </a:r>
+                      <a:endParaRPr lang="en-US" sz="1000" dirty="0"/>
+                    </a:p>
+                  </a:txBody>
+                  <a:tcPr anchor="ctr"/>
+                </a:tc>
+                <a:extLst>
+                  <a:ext uri="{0D108BD9-81ED-4DB2-BD59-A6C34878D82A}">
+                    <a16:rowId xmlns:a16="http://schemas.microsoft.com/office/drawing/2014/main" val="2483164890"/>
+                  </a:ext>
+                </a:extLst>
+              </a:tr>
+              <a:tr h="430260">
+                <a:tc>
+                  <a:txBody>
+                    <a:bodyPr/>
+                    <a:lstStyle/>
+                    <a:p>
+                      <a:pPr algn="ctr" rtl="0"/>
+                      <a:r>
+                        <a:rPr lang="en-US" sz="1000" dirty="0"/>
+                        <a:t>Bob sends Alice 2,500</a:t>
+                      </a:r>
+                    </a:p>
+                  </a:txBody>
+                  <a:tcPr anchor="ctr"/>
+                </a:tc>
+                <a:extLst>
+                  <a:ext uri="{0D108BD9-81ED-4DB2-BD59-A6C34878D82A}">
+                    <a16:rowId xmlns:a16="http://schemas.microsoft.com/office/drawing/2014/main" val="3399056218"/>
+                  </a:ext>
+                </a:extLst>
+              </a:tr>
+              <a:tr h="430260">
+                <a:tc>
+                  <a:txBody>
+                    <a:bodyPr/>
+                    <a:lstStyle/>
+                    <a:p>
+                      <a:pPr algn="ctr" rtl="0"/>
+                      <a:r>
+                        <a:rPr lang="en-US" sz="1000" b="0" i="0" kern="1200" dirty="0">
+                          <a:solidFill>
+                            <a:schemeClr val="dk1"/>
+                          </a:solidFill>
+                          <a:effectLst/>
+                          <a:latin typeface="+mn-lt"/>
+                          <a:ea typeface="+mn-ea"/>
+                          <a:cs typeface="+mn-cs"/>
+                        </a:rPr>
+                        <a:t>⋮</a:t>
+                      </a:r>
+                      <a:endParaRPr lang="en-US" sz="1000" dirty="0"/>
+                    </a:p>
+                  </a:txBody>
+                  <a:tcPr anchor="ctr"/>
+                </a:tc>
+                <a:extLst>
+                  <a:ext uri="{0D108BD9-81ED-4DB2-BD59-A6C34878D82A}">
+                    <a16:rowId xmlns:a16="http://schemas.microsoft.com/office/drawing/2014/main" val="2747451364"/>
+                  </a:ext>
+                </a:extLst>
+              </a:tr>
+            </a:tbl>
+          </a:graphicData>
+        </a:graphic>
+      </p:graphicFrame>
+      <p:graphicFrame>
+        <p:nvGraphicFramePr>
+          <p:cNvPr id="41" name="Table 2">
+            <a:extLst>
+              <a:ext uri="{FF2B5EF4-FFF2-40B4-BE49-F238E27FC236}">
+                <a16:creationId xmlns:a16="http://schemas.microsoft.com/office/drawing/2014/main" id="{84205580-223E-48E3-A4F2-566DDDB5C328}"/>
+              </a:ext>
+            </a:extLst>
+          </p:cNvPr>
+          <p:cNvGraphicFramePr>
+            <a:graphicFrameLocks noGrp="1"/>
+          </p:cNvGraphicFramePr>
+          <p:nvPr>
+            <p:extLst>
+              <p:ext uri="{D42A27DB-BD31-4B8C-83A1-F6EECF244321}">
+                <p14:modId xmlns:p14="http://schemas.microsoft.com/office/powerpoint/2010/main" val="3315806394"/>
+              </p:ext>
+            </p:extLst>
+          </p:nvPr>
+        </p:nvGraphicFramePr>
+        <p:xfrm>
+          <a:off x="2982465" y="3581787"/>
+          <a:ext cx="907182" cy="1290780"/>
+        </p:xfrm>
+        <a:graphic>
+          <a:graphicData uri="http://schemas.openxmlformats.org/drawingml/2006/table">
+            <a:tbl>
+              <a:tblPr bandRow="1">
+                <a:tableStyleId>{073A0DAA-6AF3-43AB-8588-CEC1D06C72B9}</a:tableStyleId>
+              </a:tblPr>
+              <a:tblGrid>
+                <a:gridCol w="907182">
+                  <a:extLst>
+                    <a:ext uri="{9D8B030D-6E8A-4147-A177-3AD203B41FA5}">
+                      <a16:colId xmlns:a16="http://schemas.microsoft.com/office/drawing/2014/main" val="327302548"/>
+                    </a:ext>
+                  </a:extLst>
+                </a:gridCol>
+              </a:tblGrid>
+              <a:tr h="430260">
+                <a:tc>
+                  <a:txBody>
+                    <a:bodyPr/>
+                    <a:lstStyle/>
+                    <a:p>
+                      <a:pPr algn="ctr" rtl="0"/>
+                      <a:r>
+                        <a:rPr lang="en-US" sz="1000" b="0" i="0" kern="1200" dirty="0">
+                          <a:solidFill>
+                            <a:schemeClr val="dk1"/>
+                          </a:solidFill>
+                          <a:effectLst/>
+                          <a:latin typeface="+mn-lt"/>
+                          <a:ea typeface="+mn-ea"/>
+                          <a:cs typeface="+mn-cs"/>
+                        </a:rPr>
+                        <a:t>⋮</a:t>
+                      </a:r>
+                      <a:endParaRPr lang="en-US" sz="1000" dirty="0"/>
+                    </a:p>
+                  </a:txBody>
+                  <a:tcPr anchor="ctr"/>
+                </a:tc>
+                <a:extLst>
+                  <a:ext uri="{0D108BD9-81ED-4DB2-BD59-A6C34878D82A}">
+                    <a16:rowId xmlns:a16="http://schemas.microsoft.com/office/drawing/2014/main" val="2483164890"/>
+                  </a:ext>
+                </a:extLst>
+              </a:tr>
+              <a:tr h="430260">
+                <a:tc>
+                  <a:txBody>
+                    <a:bodyPr/>
+                    <a:lstStyle/>
+                    <a:p>
+                      <a:pPr algn="ctr" rtl="0"/>
+                      <a:r>
+                        <a:rPr lang="en-US" sz="1000" dirty="0"/>
+                        <a:t>Bob sends Alice 2,500</a:t>
+                      </a:r>
+                    </a:p>
+                  </a:txBody>
+                  <a:tcPr anchor="ctr"/>
+                </a:tc>
+                <a:extLst>
+                  <a:ext uri="{0D108BD9-81ED-4DB2-BD59-A6C34878D82A}">
+                    <a16:rowId xmlns:a16="http://schemas.microsoft.com/office/drawing/2014/main" val="3399056218"/>
+                  </a:ext>
+                </a:extLst>
+              </a:tr>
+              <a:tr h="430260">
+                <a:tc>
+                  <a:txBody>
+                    <a:bodyPr/>
+                    <a:lstStyle/>
+                    <a:p>
+                      <a:pPr algn="ctr" rtl="0"/>
+                      <a:r>
+                        <a:rPr lang="en-US" sz="1000" b="0" i="0" kern="1200" dirty="0">
+                          <a:solidFill>
+                            <a:schemeClr val="dk1"/>
+                          </a:solidFill>
+                          <a:effectLst/>
+                          <a:latin typeface="+mn-lt"/>
+                          <a:ea typeface="+mn-ea"/>
+                          <a:cs typeface="+mn-cs"/>
+                        </a:rPr>
+                        <a:t>⋮</a:t>
+                      </a:r>
+                      <a:endParaRPr lang="en-US" sz="1000" dirty="0"/>
+                    </a:p>
+                  </a:txBody>
+                  <a:tcPr anchor="ctr"/>
+                </a:tc>
+                <a:extLst>
+                  <a:ext uri="{0D108BD9-81ED-4DB2-BD59-A6C34878D82A}">
+                    <a16:rowId xmlns:a16="http://schemas.microsoft.com/office/drawing/2014/main" val="2747451364"/>
+                  </a:ext>
+                </a:extLst>
+              </a:tr>
+            </a:tbl>
+          </a:graphicData>
+        </a:graphic>
+      </p:graphicFrame>
+      <p:graphicFrame>
+        <p:nvGraphicFramePr>
+          <p:cNvPr id="42" name="Table 2">
+            <a:extLst>
+              <a:ext uri="{FF2B5EF4-FFF2-40B4-BE49-F238E27FC236}">
+                <a16:creationId xmlns:a16="http://schemas.microsoft.com/office/drawing/2014/main" id="{4AD6BB4C-3BC1-45C3-AC9A-AD0974B5ABCA}"/>
+              </a:ext>
+            </a:extLst>
+          </p:cNvPr>
+          <p:cNvGraphicFramePr>
+            <a:graphicFrameLocks noGrp="1"/>
+          </p:cNvGraphicFramePr>
+          <p:nvPr>
+            <p:extLst>
+              <p:ext uri="{D42A27DB-BD31-4B8C-83A1-F6EECF244321}">
+                <p14:modId xmlns:p14="http://schemas.microsoft.com/office/powerpoint/2010/main" val="3258849119"/>
+              </p:ext>
+            </p:extLst>
+          </p:nvPr>
+        </p:nvGraphicFramePr>
+        <p:xfrm>
+          <a:off x="1930342" y="2127766"/>
+          <a:ext cx="907182" cy="1290780"/>
+        </p:xfrm>
+        <a:graphic>
+          <a:graphicData uri="http://schemas.openxmlformats.org/drawingml/2006/table">
+            <a:tbl>
+              <a:tblPr bandRow="1">
+                <a:tableStyleId>{073A0DAA-6AF3-43AB-8588-CEC1D06C72B9}</a:tableStyleId>
+              </a:tblPr>
+              <a:tblGrid>
+                <a:gridCol w="907182">
+                  <a:extLst>
+                    <a:ext uri="{9D8B030D-6E8A-4147-A177-3AD203B41FA5}">
+                      <a16:colId xmlns:a16="http://schemas.microsoft.com/office/drawing/2014/main" val="327302548"/>
+                    </a:ext>
+                  </a:extLst>
+                </a:gridCol>
+              </a:tblGrid>
+              <a:tr h="430260">
+                <a:tc>
+                  <a:txBody>
+                    <a:bodyPr/>
+                    <a:lstStyle/>
+                    <a:p>
+                      <a:pPr algn="ctr" rtl="0"/>
+                      <a:r>
+                        <a:rPr lang="en-US" sz="1000" b="0" i="0" kern="1200" dirty="0">
+                          <a:solidFill>
+                            <a:schemeClr val="dk1"/>
+                          </a:solidFill>
+                          <a:effectLst/>
+                          <a:latin typeface="+mn-lt"/>
+                          <a:ea typeface="+mn-ea"/>
+                          <a:cs typeface="+mn-cs"/>
+                        </a:rPr>
+                        <a:t>⋮</a:t>
+                      </a:r>
+                      <a:endParaRPr lang="en-US" sz="1000" dirty="0"/>
+                    </a:p>
+                  </a:txBody>
+                  <a:tcPr anchor="ctr"/>
+                </a:tc>
+                <a:extLst>
+                  <a:ext uri="{0D108BD9-81ED-4DB2-BD59-A6C34878D82A}">
+                    <a16:rowId xmlns:a16="http://schemas.microsoft.com/office/drawing/2014/main" val="2483164890"/>
+                  </a:ext>
+                </a:extLst>
+              </a:tr>
+              <a:tr h="430260">
+                <a:tc>
+                  <a:txBody>
+                    <a:bodyPr/>
+                    <a:lstStyle/>
+                    <a:p>
+                      <a:pPr algn="ctr" rtl="0"/>
+                      <a:r>
+                        <a:rPr lang="en-US" sz="1000" dirty="0"/>
+                        <a:t>Bob sends Alice 2,500</a:t>
+                      </a:r>
+                    </a:p>
+                  </a:txBody>
+                  <a:tcPr anchor="ctr"/>
+                </a:tc>
+                <a:extLst>
+                  <a:ext uri="{0D108BD9-81ED-4DB2-BD59-A6C34878D82A}">
+                    <a16:rowId xmlns:a16="http://schemas.microsoft.com/office/drawing/2014/main" val="3399056218"/>
+                  </a:ext>
+                </a:extLst>
+              </a:tr>
+              <a:tr h="430260">
+                <a:tc>
+                  <a:txBody>
+                    <a:bodyPr/>
+                    <a:lstStyle/>
+                    <a:p>
+                      <a:pPr algn="ctr" rtl="0"/>
+                      <a:r>
+                        <a:rPr lang="en-US" sz="1000" b="0" i="0" kern="1200" dirty="0">
+                          <a:solidFill>
+                            <a:schemeClr val="dk1"/>
+                          </a:solidFill>
+                          <a:effectLst/>
+                          <a:latin typeface="+mn-lt"/>
+                          <a:ea typeface="+mn-ea"/>
+                          <a:cs typeface="+mn-cs"/>
+                        </a:rPr>
+                        <a:t>⋮</a:t>
+                      </a:r>
+                      <a:endParaRPr lang="en-US" sz="1000" dirty="0"/>
+                    </a:p>
+                  </a:txBody>
+                  <a:tcPr anchor="ctr"/>
+                </a:tc>
+                <a:extLst>
+                  <a:ext uri="{0D108BD9-81ED-4DB2-BD59-A6C34878D82A}">
+                    <a16:rowId xmlns:a16="http://schemas.microsoft.com/office/drawing/2014/main" val="2747451364"/>
+                  </a:ext>
+                </a:extLst>
+              </a:tr>
+            </a:tbl>
+          </a:graphicData>
+        </a:graphic>
+      </p:graphicFrame>
+      <p:graphicFrame>
+        <p:nvGraphicFramePr>
+          <p:cNvPr id="43" name="Table 2">
+            <a:extLst>
+              <a:ext uri="{FF2B5EF4-FFF2-40B4-BE49-F238E27FC236}">
+                <a16:creationId xmlns:a16="http://schemas.microsoft.com/office/drawing/2014/main" id="{D705EEC4-8E93-472C-86EA-F205BE19C7BA}"/>
+              </a:ext>
+            </a:extLst>
+          </p:cNvPr>
+          <p:cNvGraphicFramePr>
+            <a:graphicFrameLocks noGrp="1"/>
+          </p:cNvGraphicFramePr>
+          <p:nvPr>
+            <p:extLst>
+              <p:ext uri="{D42A27DB-BD31-4B8C-83A1-F6EECF244321}">
+                <p14:modId xmlns:p14="http://schemas.microsoft.com/office/powerpoint/2010/main" val="278150736"/>
+              </p:ext>
+            </p:extLst>
+          </p:nvPr>
+        </p:nvGraphicFramePr>
+        <p:xfrm>
+          <a:off x="2970444" y="792251"/>
+          <a:ext cx="907182" cy="1290780"/>
+        </p:xfrm>
+        <a:graphic>
+          <a:graphicData uri="http://schemas.openxmlformats.org/drawingml/2006/table">
+            <a:tbl>
+              <a:tblPr bandRow="1">
+                <a:tableStyleId>{073A0DAA-6AF3-43AB-8588-CEC1D06C72B9}</a:tableStyleId>
+              </a:tblPr>
+              <a:tblGrid>
+                <a:gridCol w="907182">
+                  <a:extLst>
+                    <a:ext uri="{9D8B030D-6E8A-4147-A177-3AD203B41FA5}">
+                      <a16:colId xmlns:a16="http://schemas.microsoft.com/office/drawing/2014/main" val="327302548"/>
+                    </a:ext>
+                  </a:extLst>
+                </a:gridCol>
+              </a:tblGrid>
+              <a:tr h="430260">
+                <a:tc>
+                  <a:txBody>
+                    <a:bodyPr/>
+                    <a:lstStyle/>
+                    <a:p>
+                      <a:pPr algn="ctr" rtl="0"/>
+                      <a:r>
+                        <a:rPr lang="en-US" sz="1000" b="0" i="0" kern="1200" dirty="0">
+                          <a:solidFill>
+                            <a:schemeClr val="dk1"/>
+                          </a:solidFill>
+                          <a:effectLst/>
+                          <a:latin typeface="+mn-lt"/>
+                          <a:ea typeface="+mn-ea"/>
+                          <a:cs typeface="+mn-cs"/>
+                        </a:rPr>
+                        <a:t>⋮</a:t>
+                      </a:r>
+                      <a:endParaRPr lang="en-US" sz="1000" dirty="0"/>
+                    </a:p>
+                  </a:txBody>
+                  <a:tcPr anchor="ctr"/>
+                </a:tc>
+                <a:extLst>
+                  <a:ext uri="{0D108BD9-81ED-4DB2-BD59-A6C34878D82A}">
+                    <a16:rowId xmlns:a16="http://schemas.microsoft.com/office/drawing/2014/main" val="2483164890"/>
+                  </a:ext>
+                </a:extLst>
+              </a:tr>
+              <a:tr h="430260">
+                <a:tc>
+                  <a:txBody>
+                    <a:bodyPr/>
+                    <a:lstStyle/>
+                    <a:p>
+                      <a:pPr algn="ctr" rtl="0"/>
+                      <a:r>
+                        <a:rPr lang="en-US" sz="1000" dirty="0"/>
+                        <a:t>Bob sends Alice 2,500</a:t>
+                      </a:r>
+                    </a:p>
+                  </a:txBody>
+                  <a:tcPr anchor="ctr"/>
+                </a:tc>
+                <a:extLst>
+                  <a:ext uri="{0D108BD9-81ED-4DB2-BD59-A6C34878D82A}">
+                    <a16:rowId xmlns:a16="http://schemas.microsoft.com/office/drawing/2014/main" val="3399056218"/>
+                  </a:ext>
+                </a:extLst>
+              </a:tr>
+              <a:tr h="430260">
+                <a:tc>
+                  <a:txBody>
+                    <a:bodyPr/>
+                    <a:lstStyle/>
+                    <a:p>
+                      <a:pPr algn="ctr" rtl="0"/>
+                      <a:r>
+                        <a:rPr lang="en-US" sz="1000" b="0" i="0" kern="1200" dirty="0">
+                          <a:solidFill>
+                            <a:schemeClr val="dk1"/>
+                          </a:solidFill>
+                          <a:effectLst/>
+                          <a:latin typeface="+mn-lt"/>
+                          <a:ea typeface="+mn-ea"/>
+                          <a:cs typeface="+mn-cs"/>
+                        </a:rPr>
+                        <a:t>⋮</a:t>
+                      </a:r>
+                      <a:endParaRPr lang="en-US" sz="1000" dirty="0"/>
+                    </a:p>
+                  </a:txBody>
+                  <a:tcPr anchor="ctr"/>
+                </a:tc>
+                <a:extLst>
+                  <a:ext uri="{0D108BD9-81ED-4DB2-BD59-A6C34878D82A}">
+                    <a16:rowId xmlns:a16="http://schemas.microsoft.com/office/drawing/2014/main" val="2747451364"/>
+                  </a:ext>
+                </a:extLst>
+              </a:tr>
+            </a:tbl>
+          </a:graphicData>
+        </a:graphic>
+      </p:graphicFrame>
+      <p:graphicFrame>
+        <p:nvGraphicFramePr>
+          <p:cNvPr id="44" name="Table 2">
+            <a:extLst>
+              <a:ext uri="{FF2B5EF4-FFF2-40B4-BE49-F238E27FC236}">
+                <a16:creationId xmlns:a16="http://schemas.microsoft.com/office/drawing/2014/main" id="{CC82B8A7-2E89-4CE1-A03D-D3562A4DE8CD}"/>
+              </a:ext>
+            </a:extLst>
+          </p:cNvPr>
+          <p:cNvGraphicFramePr>
+            <a:graphicFrameLocks noGrp="1"/>
+          </p:cNvGraphicFramePr>
+          <p:nvPr>
+            <p:extLst>
+              <p:ext uri="{D42A27DB-BD31-4B8C-83A1-F6EECF244321}">
+                <p14:modId xmlns:p14="http://schemas.microsoft.com/office/powerpoint/2010/main" val="2895448143"/>
+              </p:ext>
+            </p:extLst>
+          </p:nvPr>
+        </p:nvGraphicFramePr>
+        <p:xfrm>
+          <a:off x="4943327" y="127515"/>
+          <a:ext cx="907182" cy="1290780"/>
+        </p:xfrm>
+        <a:graphic>
+          <a:graphicData uri="http://schemas.openxmlformats.org/drawingml/2006/table">
+            <a:tbl>
+              <a:tblPr bandRow="1">
+                <a:tableStyleId>{073A0DAA-6AF3-43AB-8588-CEC1D06C72B9}</a:tableStyleId>
+              </a:tblPr>
+              <a:tblGrid>
+                <a:gridCol w="907182">
+                  <a:extLst>
+                    <a:ext uri="{9D8B030D-6E8A-4147-A177-3AD203B41FA5}">
+                      <a16:colId xmlns:a16="http://schemas.microsoft.com/office/drawing/2014/main" val="327302548"/>
+                    </a:ext>
+                  </a:extLst>
+                </a:gridCol>
+              </a:tblGrid>
+              <a:tr h="430260">
+                <a:tc>
+                  <a:txBody>
+                    <a:bodyPr/>
+                    <a:lstStyle/>
+                    <a:p>
+                      <a:pPr algn="ctr" rtl="0"/>
+                      <a:r>
+                        <a:rPr lang="en-US" sz="1000" b="0" i="0" kern="1200" dirty="0">
+                          <a:solidFill>
+                            <a:schemeClr val="dk1"/>
+                          </a:solidFill>
+                          <a:effectLst/>
+                          <a:latin typeface="+mn-lt"/>
+                          <a:ea typeface="+mn-ea"/>
+                          <a:cs typeface="+mn-cs"/>
+                        </a:rPr>
+                        <a:t>⋮</a:t>
+                      </a:r>
+                      <a:endParaRPr lang="en-US" sz="1000" dirty="0"/>
+                    </a:p>
+                  </a:txBody>
+                  <a:tcPr anchor="ctr"/>
+                </a:tc>
+                <a:extLst>
+                  <a:ext uri="{0D108BD9-81ED-4DB2-BD59-A6C34878D82A}">
+                    <a16:rowId xmlns:a16="http://schemas.microsoft.com/office/drawing/2014/main" val="2483164890"/>
+                  </a:ext>
+                </a:extLst>
+              </a:tr>
+              <a:tr h="430260">
+                <a:tc>
+                  <a:txBody>
+                    <a:bodyPr/>
+                    <a:lstStyle/>
+                    <a:p>
+                      <a:pPr algn="ctr" rtl="0"/>
+                      <a:r>
+                        <a:rPr lang="en-US" sz="1000" dirty="0"/>
+                        <a:t>Bob sends Alice 2,500</a:t>
+                      </a:r>
+                    </a:p>
+                  </a:txBody>
+                  <a:tcPr anchor="ctr"/>
+                </a:tc>
+                <a:extLst>
+                  <a:ext uri="{0D108BD9-81ED-4DB2-BD59-A6C34878D82A}">
+                    <a16:rowId xmlns:a16="http://schemas.microsoft.com/office/drawing/2014/main" val="3399056218"/>
+                  </a:ext>
+                </a:extLst>
+              </a:tr>
+              <a:tr h="430260">
+                <a:tc>
+                  <a:txBody>
+                    <a:bodyPr/>
+                    <a:lstStyle/>
+                    <a:p>
+                      <a:pPr algn="ctr" rtl="0"/>
+                      <a:r>
+                        <a:rPr lang="en-US" sz="1000" b="0" i="0" kern="1200" dirty="0">
+                          <a:solidFill>
+                            <a:schemeClr val="dk1"/>
+                          </a:solidFill>
+                          <a:effectLst/>
+                          <a:latin typeface="+mn-lt"/>
+                          <a:ea typeface="+mn-ea"/>
+                          <a:cs typeface="+mn-cs"/>
+                        </a:rPr>
+                        <a:t>⋮</a:t>
+                      </a:r>
+                      <a:endParaRPr lang="en-US" sz="1000" dirty="0"/>
+                    </a:p>
+                  </a:txBody>
+                  <a:tcPr anchor="ctr"/>
+                </a:tc>
+                <a:extLst>
+                  <a:ext uri="{0D108BD9-81ED-4DB2-BD59-A6C34878D82A}">
+                    <a16:rowId xmlns:a16="http://schemas.microsoft.com/office/drawing/2014/main" val="2747451364"/>
+                  </a:ext>
+                </a:extLst>
+              </a:tr>
+            </a:tbl>
+          </a:graphicData>
+        </a:graphic>
+      </p:graphicFrame>
+    </p:spTree>
+    <p:extLst>
+      <p:ext uri="{BB962C8B-B14F-4D97-AF65-F5344CB8AC3E}">
+        <p14:creationId xmlns:p14="http://schemas.microsoft.com/office/powerpoint/2010/main" val="1557466826"/>
+      </p:ext>
+    </p:extLst>
+  </p:cSld>
+  <p:clrMapOvr>
+    <a:masterClrMapping/>
+  </p:clrMapOvr>
+</p:sld>
+</file>
+
+<file path=ppt/slides/slide6.xml><?xml version="1.0" encoding="utf-8"?>
+<p:sld xmlns:a="http://schemas.openxmlformats.org/drawingml/2006/main" xmlns:r="http://schemas.openxmlformats.org/officeDocument/2006/relationships" xmlns:p="http://schemas.openxmlformats.org/presentationml/2006/main">
+  <p:cSld>
+    <p:spTree>
+      <p:nvGrpSpPr>
+        <p:cNvPr id="1" name=""/>
+        <p:cNvGrpSpPr/>
+        <p:nvPr/>
+      </p:nvGrpSpPr>
+      <p:grpSpPr>
+        <a:xfrm>
+          <a:off x="0" y="0"/>
+          <a:ext cx="0" cy="0"/>
+          <a:chOff x="0" y="0"/>
+          <a:chExt cx="0" cy="0"/>
+        </a:xfrm>
+      </p:grpSpPr>
+      <p:pic>
+        <p:nvPicPr>
+          <p:cNvPr id="2" name="Picture 2" descr="Free Server Cliparts, Download Free Server Cliparts png images, Free  ClipArts on Clipart Library">
+            <a:extLst>
+              <a:ext uri="{FF2B5EF4-FFF2-40B4-BE49-F238E27FC236}">
+                <a16:creationId xmlns:a16="http://schemas.microsoft.com/office/drawing/2014/main" id="{E013B280-780F-47DA-819D-6AA8860FF757}"/>
+              </a:ext>
+            </a:extLst>
+          </p:cNvPr>
+          <p:cNvPicPr>
+            <a:picLocks noChangeAspect="1" noChangeArrowheads="1"/>
+          </p:cNvPicPr>
+          <p:nvPr/>
+        </p:nvPicPr>
+        <p:blipFill>
+          <a:blip r:embed="rId2">
+            <a:extLst>
+              <a:ext uri="{28A0092B-C50C-407E-A947-70E740481C1C}">
+                <a14:useLocalDpi xmlns:a14="http://schemas.microsoft.com/office/drawing/2010/main" val="0"/>
+              </a:ext>
+            </a:extLst>
+          </a:blip>
+          <a:srcRect/>
+          <a:stretch>
+            <a:fillRect/>
+          </a:stretch>
+        </p:blipFill>
+        <p:spPr bwMode="auto">
+          <a:xfrm>
+            <a:off x="9221556" y="1518165"/>
+            <a:ext cx="907182" cy="1390650"/>
+          </a:xfrm>
+          <a:prstGeom prst="rect">
+            <a:avLst/>
+          </a:prstGeom>
+          <a:noFill/>
+          <a:extLst>
+            <a:ext uri="{909E8E84-426E-40DD-AFC4-6F175D3DCCD1}">
+              <a14:hiddenFill xmlns:a14="http://schemas.microsoft.com/office/drawing/2010/main">
+                <a:solidFill>
+                  <a:srgbClr val="FFFFFF"/>
+                </a:solidFill>
+              </a14:hiddenFill>
+            </a:ext>
+          </a:extLst>
+        </p:spPr>
+      </p:pic>
+      <p:pic>
+        <p:nvPicPr>
+          <p:cNvPr id="3" name="Picture 2" descr="Free Server Cliparts, Download Free Server Cliparts png images, Free  ClipArts on Clipart Library">
+            <a:extLst>
+              <a:ext uri="{FF2B5EF4-FFF2-40B4-BE49-F238E27FC236}">
+                <a16:creationId xmlns:a16="http://schemas.microsoft.com/office/drawing/2014/main" id="{7E781A28-879D-4F12-902F-C575915C4C03}"/>
+              </a:ext>
+            </a:extLst>
+          </p:cNvPr>
+          <p:cNvPicPr>
+            <a:picLocks noChangeAspect="1" noChangeArrowheads="1"/>
+          </p:cNvPicPr>
+          <p:nvPr/>
+        </p:nvPicPr>
+        <p:blipFill>
+          <a:blip r:embed="rId2">
+            <a:extLst>
+              <a:ext uri="{28A0092B-C50C-407E-A947-70E740481C1C}">
+                <a14:useLocalDpi xmlns:a14="http://schemas.microsoft.com/office/drawing/2010/main" val="0"/>
+              </a:ext>
+            </a:extLst>
+          </a:blip>
+          <a:srcRect/>
+          <a:stretch>
+            <a:fillRect/>
+          </a:stretch>
+        </p:blipFill>
+        <p:spPr bwMode="auto">
+          <a:xfrm>
+            <a:off x="6666811" y="594240"/>
+            <a:ext cx="907182" cy="1390650"/>
+          </a:xfrm>
+          <a:prstGeom prst="rect">
+            <a:avLst/>
+          </a:prstGeom>
+          <a:noFill/>
+          <a:extLst>
+            <a:ext uri="{909E8E84-426E-40DD-AFC4-6F175D3DCCD1}">
+              <a14:hiddenFill xmlns:a14="http://schemas.microsoft.com/office/drawing/2010/main">
+                <a:solidFill>
+                  <a:srgbClr val="FFFFFF"/>
+                </a:solidFill>
+              </a14:hiddenFill>
+            </a:ext>
+          </a:extLst>
+        </p:spPr>
+      </p:pic>
+      <p:pic>
+        <p:nvPicPr>
+          <p:cNvPr id="4" name="Picture 2" descr="Free Server Cliparts, Download Free Server Cliparts png images, Free  ClipArts on Clipart Library">
+            <a:extLst>
+              <a:ext uri="{FF2B5EF4-FFF2-40B4-BE49-F238E27FC236}">
+                <a16:creationId xmlns:a16="http://schemas.microsoft.com/office/drawing/2014/main" id="{FA53D6A6-A583-4522-AED9-0FDCDADD476E}"/>
+              </a:ext>
+            </a:extLst>
+          </p:cNvPr>
+          <p:cNvPicPr>
+            <a:picLocks noChangeAspect="1" noChangeArrowheads="1"/>
+          </p:cNvPicPr>
+          <p:nvPr/>
+        </p:nvPicPr>
+        <p:blipFill>
+          <a:blip r:embed="rId2">
+            <a:extLst>
+              <a:ext uri="{28A0092B-C50C-407E-A947-70E740481C1C}">
+                <a14:useLocalDpi xmlns:a14="http://schemas.microsoft.com/office/drawing/2010/main" val="0"/>
+              </a:ext>
+            </a:extLst>
+          </a:blip>
+          <a:srcRect/>
+          <a:stretch>
+            <a:fillRect/>
+          </a:stretch>
+        </p:blipFill>
+        <p:spPr bwMode="auto">
+          <a:xfrm>
+            <a:off x="3510146" y="1013341"/>
+            <a:ext cx="907182" cy="1390650"/>
+          </a:xfrm>
+          <a:prstGeom prst="rect">
+            <a:avLst/>
+          </a:prstGeom>
+          <a:noFill/>
+          <a:extLst>
+            <a:ext uri="{909E8E84-426E-40DD-AFC4-6F175D3DCCD1}">
+              <a14:hiddenFill xmlns:a14="http://schemas.microsoft.com/office/drawing/2010/main">
+                <a:solidFill>
+                  <a:srgbClr val="FFFFFF"/>
+                </a:solidFill>
+              </a14:hiddenFill>
+            </a:ext>
+          </a:extLst>
+        </p:spPr>
+      </p:pic>
+      <p:pic>
+        <p:nvPicPr>
+          <p:cNvPr id="5" name="Picture 2" descr="Free Server Cliparts, Download Free Server Cliparts png images, Free  ClipArts on Clipart Library">
+            <a:extLst>
+              <a:ext uri="{FF2B5EF4-FFF2-40B4-BE49-F238E27FC236}">
+                <a16:creationId xmlns:a16="http://schemas.microsoft.com/office/drawing/2014/main" id="{56E65080-563D-4549-8BB2-D1AE747D7453}"/>
+              </a:ext>
+            </a:extLst>
+          </p:cNvPr>
+          <p:cNvPicPr>
+            <a:picLocks noChangeAspect="1" noChangeArrowheads="1"/>
+          </p:cNvPicPr>
+          <p:nvPr/>
+        </p:nvPicPr>
+        <p:blipFill>
+          <a:blip r:embed="rId2">
+            <a:extLst>
+              <a:ext uri="{28A0092B-C50C-407E-A947-70E740481C1C}">
+                <a14:useLocalDpi xmlns:a14="http://schemas.microsoft.com/office/drawing/2010/main" val="0"/>
+              </a:ext>
+            </a:extLst>
+          </a:blip>
+          <a:srcRect/>
+          <a:stretch>
+            <a:fillRect/>
+          </a:stretch>
+        </p:blipFill>
+        <p:spPr bwMode="auto">
+          <a:xfrm>
+            <a:off x="5104150" y="3007140"/>
+            <a:ext cx="907182" cy="1390650"/>
+          </a:xfrm>
+          <a:prstGeom prst="rect">
+            <a:avLst/>
+          </a:prstGeom>
+          <a:noFill/>
+          <a:extLst>
+            <a:ext uri="{909E8E84-426E-40DD-AFC4-6F175D3DCCD1}">
+              <a14:hiddenFill xmlns:a14="http://schemas.microsoft.com/office/drawing/2010/main">
+                <a:solidFill>
+                  <a:srgbClr val="FFFFFF"/>
+                </a:solidFill>
+              </a14:hiddenFill>
+            </a:ext>
+          </a:extLst>
+        </p:spPr>
+      </p:pic>
+      <p:pic>
+        <p:nvPicPr>
+          <p:cNvPr id="6" name="Picture 2" descr="Free Server Cliparts, Download Free Server Cliparts png images, Free  ClipArts on Clipart Library">
+            <a:extLst>
+              <a:ext uri="{FF2B5EF4-FFF2-40B4-BE49-F238E27FC236}">
+                <a16:creationId xmlns:a16="http://schemas.microsoft.com/office/drawing/2014/main" id="{A054A166-4422-4CEB-B36C-55450788FCAC}"/>
+              </a:ext>
+            </a:extLst>
+          </p:cNvPr>
+          <p:cNvPicPr>
+            <a:picLocks noChangeAspect="1" noChangeArrowheads="1"/>
+          </p:cNvPicPr>
+          <p:nvPr/>
+        </p:nvPicPr>
+        <p:blipFill>
+          <a:blip r:embed="rId2">
+            <a:extLst>
+              <a:ext uri="{28A0092B-C50C-407E-A947-70E740481C1C}">
+                <a14:useLocalDpi xmlns:a14="http://schemas.microsoft.com/office/drawing/2010/main" val="0"/>
+              </a:ext>
+            </a:extLst>
+          </a:blip>
+          <a:srcRect/>
+          <a:stretch>
+            <a:fillRect/>
+          </a:stretch>
+        </p:blipFill>
+        <p:spPr bwMode="auto">
+          <a:xfrm>
+            <a:off x="8236432" y="3606672"/>
+            <a:ext cx="907182" cy="1390650"/>
+          </a:xfrm>
+          <a:prstGeom prst="rect">
+            <a:avLst/>
+          </a:prstGeom>
+          <a:noFill/>
+          <a:extLst>
+            <a:ext uri="{909E8E84-426E-40DD-AFC4-6F175D3DCCD1}">
+              <a14:hiddenFill xmlns:a14="http://schemas.microsoft.com/office/drawing/2010/main">
+                <a:solidFill>
+                  <a:srgbClr val="FFFFFF"/>
+                </a:solidFill>
+              </a14:hiddenFill>
+            </a:ext>
+          </a:extLst>
+        </p:spPr>
+      </p:pic>
+      <p:graphicFrame>
+        <p:nvGraphicFramePr>
+          <p:cNvPr id="7" name="Table 2">
+            <a:extLst>
+              <a:ext uri="{FF2B5EF4-FFF2-40B4-BE49-F238E27FC236}">
+                <a16:creationId xmlns:a16="http://schemas.microsoft.com/office/drawing/2014/main" id="{F281D8E0-5188-48B9-9F7B-34616427000B}"/>
+              </a:ext>
+            </a:extLst>
+          </p:cNvPr>
+          <p:cNvGraphicFramePr>
+            <a:graphicFrameLocks noGrp="1"/>
+          </p:cNvGraphicFramePr>
+          <p:nvPr>
+            <p:extLst>
+              <p:ext uri="{D42A27DB-BD31-4B8C-83A1-F6EECF244321}">
+                <p14:modId xmlns:p14="http://schemas.microsoft.com/office/powerpoint/2010/main" val="2672607298"/>
+              </p:ext>
+            </p:extLst>
+          </p:nvPr>
+        </p:nvGraphicFramePr>
+        <p:xfrm>
+          <a:off x="7268338" y="3649003"/>
+          <a:ext cx="907182" cy="1290780"/>
+        </p:xfrm>
+        <a:graphic>
+          <a:graphicData uri="http://schemas.openxmlformats.org/drawingml/2006/table">
+            <a:tbl>
+              <a:tblPr bandRow="1">
+                <a:tableStyleId>{073A0DAA-6AF3-43AB-8588-CEC1D06C72B9}</a:tableStyleId>
+              </a:tblPr>
+              <a:tblGrid>
+                <a:gridCol w="907182">
+                  <a:extLst>
+                    <a:ext uri="{9D8B030D-6E8A-4147-A177-3AD203B41FA5}">
+                      <a16:colId xmlns:a16="http://schemas.microsoft.com/office/drawing/2014/main" val="327302548"/>
+                    </a:ext>
+                  </a:extLst>
+                </a:gridCol>
+              </a:tblGrid>
+              <a:tr h="430260">
+                <a:tc>
+                  <a:txBody>
+                    <a:bodyPr/>
+                    <a:lstStyle/>
+                    <a:p>
+                      <a:pPr algn="ctr" rtl="0"/>
+                      <a:r>
+                        <a:rPr lang="en-US" sz="1000" b="0" i="0" kern="1200" dirty="0">
+                          <a:solidFill>
+                            <a:schemeClr val="dk1"/>
+                          </a:solidFill>
+                          <a:effectLst/>
+                          <a:latin typeface="+mn-lt"/>
+                          <a:ea typeface="+mn-ea"/>
+                          <a:cs typeface="+mn-cs"/>
+                        </a:rPr>
+                        <a:t>⋮</a:t>
+                      </a:r>
+                      <a:endParaRPr lang="en-US" sz="1000" dirty="0"/>
+                    </a:p>
+                  </a:txBody>
+                  <a:tcPr anchor="ctr"/>
+                </a:tc>
+                <a:extLst>
+                  <a:ext uri="{0D108BD9-81ED-4DB2-BD59-A6C34878D82A}">
+                    <a16:rowId xmlns:a16="http://schemas.microsoft.com/office/drawing/2014/main" val="2483164890"/>
+                  </a:ext>
+                </a:extLst>
+              </a:tr>
+              <a:tr h="430260">
+                <a:tc>
+                  <a:txBody>
+                    <a:bodyPr/>
+                    <a:lstStyle/>
+                    <a:p>
+                      <a:pPr algn="ctr" rtl="0"/>
+                      <a:r>
+                        <a:rPr lang="en-US" sz="1000" dirty="0"/>
+                        <a:t>Bob sends Alice 2,500</a:t>
+                      </a:r>
+                    </a:p>
+                  </a:txBody>
+                  <a:tcPr anchor="ctr"/>
+                </a:tc>
+                <a:extLst>
+                  <a:ext uri="{0D108BD9-81ED-4DB2-BD59-A6C34878D82A}">
+                    <a16:rowId xmlns:a16="http://schemas.microsoft.com/office/drawing/2014/main" val="3399056218"/>
+                  </a:ext>
+                </a:extLst>
+              </a:tr>
+              <a:tr h="430260">
+                <a:tc>
+                  <a:txBody>
+                    <a:bodyPr/>
+                    <a:lstStyle/>
+                    <a:p>
+                      <a:pPr algn="ctr" rtl="0"/>
+                      <a:r>
+                        <a:rPr lang="en-US" sz="1000" b="0" i="0" kern="1200" dirty="0">
+                          <a:solidFill>
+                            <a:schemeClr val="dk1"/>
+                          </a:solidFill>
+                          <a:effectLst/>
+                          <a:latin typeface="+mn-lt"/>
+                          <a:ea typeface="+mn-ea"/>
+                          <a:cs typeface="+mn-cs"/>
+                        </a:rPr>
+                        <a:t>⋮</a:t>
+                      </a:r>
+                      <a:endParaRPr lang="en-US" sz="1000" dirty="0"/>
+                    </a:p>
+                  </a:txBody>
+                  <a:tcPr anchor="ctr"/>
+                </a:tc>
+                <a:extLst>
+                  <a:ext uri="{0D108BD9-81ED-4DB2-BD59-A6C34878D82A}">
+                    <a16:rowId xmlns:a16="http://schemas.microsoft.com/office/drawing/2014/main" val="2747451364"/>
+                  </a:ext>
+                </a:extLst>
+              </a:tr>
+            </a:tbl>
+          </a:graphicData>
+        </a:graphic>
+      </p:graphicFrame>
+      <p:graphicFrame>
+        <p:nvGraphicFramePr>
+          <p:cNvPr id="8" name="Table 2">
+            <a:extLst>
+              <a:ext uri="{FF2B5EF4-FFF2-40B4-BE49-F238E27FC236}">
+                <a16:creationId xmlns:a16="http://schemas.microsoft.com/office/drawing/2014/main" id="{5C5C4B75-6DE8-4743-A025-BE43CA4F2770}"/>
+              </a:ext>
+            </a:extLst>
+          </p:cNvPr>
+          <p:cNvGraphicFramePr>
+            <a:graphicFrameLocks noGrp="1"/>
+          </p:cNvGraphicFramePr>
+          <p:nvPr>
+            <p:extLst>
+              <p:ext uri="{D42A27DB-BD31-4B8C-83A1-F6EECF244321}">
+                <p14:modId xmlns:p14="http://schemas.microsoft.com/office/powerpoint/2010/main" val="3663512003"/>
+              </p:ext>
+            </p:extLst>
+          </p:nvPr>
+        </p:nvGraphicFramePr>
+        <p:xfrm>
+          <a:off x="4122878" y="3007140"/>
+          <a:ext cx="907182" cy="1290780"/>
+        </p:xfrm>
+        <a:graphic>
+          <a:graphicData uri="http://schemas.openxmlformats.org/drawingml/2006/table">
+            <a:tbl>
+              <a:tblPr bandRow="1">
+                <a:tableStyleId>{073A0DAA-6AF3-43AB-8588-CEC1D06C72B9}</a:tableStyleId>
+              </a:tblPr>
+              <a:tblGrid>
+                <a:gridCol w="907182">
+                  <a:extLst>
+                    <a:ext uri="{9D8B030D-6E8A-4147-A177-3AD203B41FA5}">
+                      <a16:colId xmlns:a16="http://schemas.microsoft.com/office/drawing/2014/main" val="327302548"/>
+                    </a:ext>
+                  </a:extLst>
+                </a:gridCol>
+              </a:tblGrid>
+              <a:tr h="430260">
+                <a:tc>
+                  <a:txBody>
+                    <a:bodyPr/>
+                    <a:lstStyle/>
+                    <a:p>
+                      <a:pPr algn="ctr" rtl="0"/>
+                      <a:r>
+                        <a:rPr lang="en-US" sz="1000" b="0" i="0" kern="1200" dirty="0">
+                          <a:solidFill>
+                            <a:schemeClr val="dk1"/>
+                          </a:solidFill>
+                          <a:effectLst/>
+                          <a:latin typeface="+mn-lt"/>
+                          <a:ea typeface="+mn-ea"/>
+                          <a:cs typeface="+mn-cs"/>
+                        </a:rPr>
+                        <a:t>⋮</a:t>
+                      </a:r>
+                      <a:endParaRPr lang="en-US" sz="1000" dirty="0"/>
+                    </a:p>
+                  </a:txBody>
+                  <a:tcPr anchor="ctr"/>
+                </a:tc>
+                <a:extLst>
+                  <a:ext uri="{0D108BD9-81ED-4DB2-BD59-A6C34878D82A}">
+                    <a16:rowId xmlns:a16="http://schemas.microsoft.com/office/drawing/2014/main" val="2483164890"/>
+                  </a:ext>
+                </a:extLst>
+              </a:tr>
+              <a:tr h="430260">
+                <a:tc>
+                  <a:txBody>
+                    <a:bodyPr/>
+                    <a:lstStyle/>
+                    <a:p>
+                      <a:pPr algn="ctr" rtl="0"/>
+                      <a:r>
+                        <a:rPr lang="en-US" sz="1000" dirty="0"/>
+                        <a:t>Bob sends Alice 2,500</a:t>
+                      </a:r>
+                    </a:p>
+                  </a:txBody>
+                  <a:tcPr anchor="ctr"/>
+                </a:tc>
+                <a:extLst>
+                  <a:ext uri="{0D108BD9-81ED-4DB2-BD59-A6C34878D82A}">
+                    <a16:rowId xmlns:a16="http://schemas.microsoft.com/office/drawing/2014/main" val="3399056218"/>
+                  </a:ext>
+                </a:extLst>
+              </a:tr>
+              <a:tr h="430260">
+                <a:tc>
+                  <a:txBody>
+                    <a:bodyPr/>
+                    <a:lstStyle/>
+                    <a:p>
+                      <a:pPr algn="ctr" rtl="0"/>
+                      <a:r>
+                        <a:rPr lang="en-US" sz="1000" b="0" i="0" kern="1200" dirty="0">
+                          <a:solidFill>
+                            <a:schemeClr val="dk1"/>
+                          </a:solidFill>
+                          <a:effectLst/>
+                          <a:latin typeface="+mn-lt"/>
+                          <a:ea typeface="+mn-ea"/>
+                          <a:cs typeface="+mn-cs"/>
+                        </a:rPr>
+                        <a:t>⋮</a:t>
+                      </a:r>
+                      <a:endParaRPr lang="en-US" sz="1000" dirty="0"/>
+                    </a:p>
+                  </a:txBody>
+                  <a:tcPr anchor="ctr"/>
+                </a:tc>
+                <a:extLst>
+                  <a:ext uri="{0D108BD9-81ED-4DB2-BD59-A6C34878D82A}">
+                    <a16:rowId xmlns:a16="http://schemas.microsoft.com/office/drawing/2014/main" val="2747451364"/>
+                  </a:ext>
+                </a:extLst>
+              </a:tr>
+            </a:tbl>
+          </a:graphicData>
+        </a:graphic>
+      </p:graphicFrame>
+      <p:graphicFrame>
+        <p:nvGraphicFramePr>
+          <p:cNvPr id="9" name="Table 2">
+            <a:extLst>
+              <a:ext uri="{FF2B5EF4-FFF2-40B4-BE49-F238E27FC236}">
+                <a16:creationId xmlns:a16="http://schemas.microsoft.com/office/drawing/2014/main" id="{115B0E21-FF5F-4A4D-B7DB-85818E091734}"/>
+              </a:ext>
+            </a:extLst>
+          </p:cNvPr>
+          <p:cNvGraphicFramePr>
+            <a:graphicFrameLocks noGrp="1"/>
+          </p:cNvGraphicFramePr>
+          <p:nvPr>
+            <p:extLst>
+              <p:ext uri="{D42A27DB-BD31-4B8C-83A1-F6EECF244321}">
+                <p14:modId xmlns:p14="http://schemas.microsoft.com/office/powerpoint/2010/main" val="2630143150"/>
+              </p:ext>
+            </p:extLst>
+          </p:nvPr>
+        </p:nvGraphicFramePr>
+        <p:xfrm>
+          <a:off x="2536979" y="1013341"/>
+          <a:ext cx="907182" cy="1290780"/>
+        </p:xfrm>
+        <a:graphic>
+          <a:graphicData uri="http://schemas.openxmlformats.org/drawingml/2006/table">
+            <a:tbl>
+              <a:tblPr bandRow="1">
+                <a:tableStyleId>{073A0DAA-6AF3-43AB-8588-CEC1D06C72B9}</a:tableStyleId>
+              </a:tblPr>
+              <a:tblGrid>
+                <a:gridCol w="907182">
+                  <a:extLst>
+                    <a:ext uri="{9D8B030D-6E8A-4147-A177-3AD203B41FA5}">
+                      <a16:colId xmlns:a16="http://schemas.microsoft.com/office/drawing/2014/main" val="327302548"/>
+                    </a:ext>
+                  </a:extLst>
+                </a:gridCol>
+              </a:tblGrid>
+              <a:tr h="430260">
+                <a:tc>
+                  <a:txBody>
+                    <a:bodyPr/>
+                    <a:lstStyle/>
+                    <a:p>
+                      <a:pPr algn="ctr" rtl="0"/>
+                      <a:r>
+                        <a:rPr lang="en-US" sz="1000" b="0" i="0" kern="1200" dirty="0">
+                          <a:solidFill>
+                            <a:schemeClr val="dk1"/>
+                          </a:solidFill>
+                          <a:effectLst/>
+                          <a:latin typeface="+mn-lt"/>
+                          <a:ea typeface="+mn-ea"/>
+                          <a:cs typeface="+mn-cs"/>
+                        </a:rPr>
+                        <a:t>⋮</a:t>
+                      </a:r>
+                      <a:endParaRPr lang="en-US" sz="1000" dirty="0"/>
+                    </a:p>
+                  </a:txBody>
+                  <a:tcPr anchor="ctr"/>
+                </a:tc>
+                <a:extLst>
+                  <a:ext uri="{0D108BD9-81ED-4DB2-BD59-A6C34878D82A}">
+                    <a16:rowId xmlns:a16="http://schemas.microsoft.com/office/drawing/2014/main" val="2483164890"/>
+                  </a:ext>
+                </a:extLst>
+              </a:tr>
+              <a:tr h="430260">
+                <a:tc>
+                  <a:txBody>
+                    <a:bodyPr/>
+                    <a:lstStyle/>
+                    <a:p>
+                      <a:pPr algn="ctr" rtl="0"/>
+                      <a:r>
+                        <a:rPr lang="en-US" sz="1000" dirty="0"/>
+                        <a:t>Bob sends Alice 2,500</a:t>
+                      </a:r>
+                    </a:p>
+                  </a:txBody>
+                  <a:tcPr anchor="ctr"/>
+                </a:tc>
+                <a:extLst>
+                  <a:ext uri="{0D108BD9-81ED-4DB2-BD59-A6C34878D82A}">
+                    <a16:rowId xmlns:a16="http://schemas.microsoft.com/office/drawing/2014/main" val="3399056218"/>
+                  </a:ext>
+                </a:extLst>
+              </a:tr>
+              <a:tr h="430260">
+                <a:tc>
+                  <a:txBody>
+                    <a:bodyPr/>
+                    <a:lstStyle/>
+                    <a:p>
+                      <a:pPr algn="ctr" rtl="0"/>
+                      <a:r>
+                        <a:rPr lang="en-US" sz="1000" b="0" i="0" kern="1200" dirty="0">
+                          <a:solidFill>
+                            <a:schemeClr val="dk1"/>
+                          </a:solidFill>
+                          <a:effectLst/>
+                          <a:latin typeface="+mn-lt"/>
+                          <a:ea typeface="+mn-ea"/>
+                          <a:cs typeface="+mn-cs"/>
+                        </a:rPr>
+                        <a:t>⋮</a:t>
+                      </a:r>
+                      <a:endParaRPr lang="en-US" sz="1000" dirty="0"/>
+                    </a:p>
+                  </a:txBody>
+                  <a:tcPr anchor="ctr"/>
+                </a:tc>
+                <a:extLst>
+                  <a:ext uri="{0D108BD9-81ED-4DB2-BD59-A6C34878D82A}">
+                    <a16:rowId xmlns:a16="http://schemas.microsoft.com/office/drawing/2014/main" val="2747451364"/>
+                  </a:ext>
+                </a:extLst>
+              </a:tr>
+            </a:tbl>
+          </a:graphicData>
+        </a:graphic>
+      </p:graphicFrame>
+      <p:graphicFrame>
+        <p:nvGraphicFramePr>
+          <p:cNvPr id="10" name="Table 2">
+            <a:extLst>
+              <a:ext uri="{FF2B5EF4-FFF2-40B4-BE49-F238E27FC236}">
+                <a16:creationId xmlns:a16="http://schemas.microsoft.com/office/drawing/2014/main" id="{99EE30F0-C30F-4ED1-8072-65CFB69DE6E9}"/>
+              </a:ext>
+            </a:extLst>
+          </p:cNvPr>
+          <p:cNvGraphicFramePr>
+            <a:graphicFrameLocks noGrp="1"/>
+          </p:cNvGraphicFramePr>
+          <p:nvPr>
+            <p:extLst>
+              <p:ext uri="{D42A27DB-BD31-4B8C-83A1-F6EECF244321}">
+                <p14:modId xmlns:p14="http://schemas.microsoft.com/office/powerpoint/2010/main" val="1903349546"/>
+              </p:ext>
+            </p:extLst>
+          </p:nvPr>
+        </p:nvGraphicFramePr>
+        <p:xfrm>
+          <a:off x="5694594" y="563651"/>
+          <a:ext cx="907182" cy="1290780"/>
+        </p:xfrm>
+        <a:graphic>
+          <a:graphicData uri="http://schemas.openxmlformats.org/drawingml/2006/table">
+            <a:tbl>
+              <a:tblPr bandRow="1">
+                <a:tableStyleId>{073A0DAA-6AF3-43AB-8588-CEC1D06C72B9}</a:tableStyleId>
+              </a:tblPr>
+              <a:tblGrid>
+                <a:gridCol w="907182">
+                  <a:extLst>
+                    <a:ext uri="{9D8B030D-6E8A-4147-A177-3AD203B41FA5}">
+                      <a16:colId xmlns:a16="http://schemas.microsoft.com/office/drawing/2014/main" val="327302548"/>
+                    </a:ext>
+                  </a:extLst>
+                </a:gridCol>
+              </a:tblGrid>
+              <a:tr h="430260">
+                <a:tc>
+                  <a:txBody>
+                    <a:bodyPr/>
+                    <a:lstStyle/>
+                    <a:p>
+                      <a:pPr algn="ctr" rtl="0"/>
+                      <a:r>
+                        <a:rPr lang="en-US" sz="1000" b="0" i="0" kern="1200" dirty="0">
+                          <a:solidFill>
+                            <a:schemeClr val="dk1"/>
+                          </a:solidFill>
+                          <a:effectLst/>
+                          <a:latin typeface="+mn-lt"/>
+                          <a:ea typeface="+mn-ea"/>
+                          <a:cs typeface="+mn-cs"/>
+                        </a:rPr>
+                        <a:t>⋮</a:t>
+                      </a:r>
+                      <a:endParaRPr lang="en-US" sz="1000" dirty="0"/>
+                    </a:p>
+                  </a:txBody>
+                  <a:tcPr anchor="ctr"/>
+                </a:tc>
+                <a:extLst>
+                  <a:ext uri="{0D108BD9-81ED-4DB2-BD59-A6C34878D82A}">
+                    <a16:rowId xmlns:a16="http://schemas.microsoft.com/office/drawing/2014/main" val="2483164890"/>
+                  </a:ext>
+                </a:extLst>
+              </a:tr>
+              <a:tr h="430260">
+                <a:tc>
+                  <a:txBody>
+                    <a:bodyPr/>
+                    <a:lstStyle/>
+                    <a:p>
+                      <a:pPr algn="ctr" rtl="0"/>
+                      <a:r>
+                        <a:rPr lang="en-US" sz="1000" dirty="0"/>
+                        <a:t>Bob sends Alice 2,500</a:t>
+                      </a:r>
+                    </a:p>
+                  </a:txBody>
+                  <a:tcPr anchor="ctr"/>
+                </a:tc>
+                <a:extLst>
+                  <a:ext uri="{0D108BD9-81ED-4DB2-BD59-A6C34878D82A}">
+                    <a16:rowId xmlns:a16="http://schemas.microsoft.com/office/drawing/2014/main" val="3399056218"/>
+                  </a:ext>
+                </a:extLst>
+              </a:tr>
+              <a:tr h="430260">
+                <a:tc>
+                  <a:txBody>
+                    <a:bodyPr/>
+                    <a:lstStyle/>
+                    <a:p>
+                      <a:pPr algn="ctr" rtl="0"/>
+                      <a:r>
+                        <a:rPr lang="en-US" sz="1000" b="0" i="0" kern="1200" dirty="0">
+                          <a:solidFill>
+                            <a:schemeClr val="dk1"/>
+                          </a:solidFill>
+                          <a:effectLst/>
+                          <a:latin typeface="+mn-lt"/>
+                          <a:ea typeface="+mn-ea"/>
+                          <a:cs typeface="+mn-cs"/>
+                        </a:rPr>
+                        <a:t>⋮</a:t>
+                      </a:r>
+                      <a:endParaRPr lang="en-US" sz="1000" dirty="0"/>
+                    </a:p>
+                  </a:txBody>
+                  <a:tcPr anchor="ctr"/>
+                </a:tc>
+                <a:extLst>
+                  <a:ext uri="{0D108BD9-81ED-4DB2-BD59-A6C34878D82A}">
+                    <a16:rowId xmlns:a16="http://schemas.microsoft.com/office/drawing/2014/main" val="2747451364"/>
+                  </a:ext>
+                </a:extLst>
+              </a:tr>
+            </a:tbl>
+          </a:graphicData>
+        </a:graphic>
+      </p:graphicFrame>
+      <p:graphicFrame>
+        <p:nvGraphicFramePr>
+          <p:cNvPr id="11" name="Table 2">
+            <a:extLst>
+              <a:ext uri="{FF2B5EF4-FFF2-40B4-BE49-F238E27FC236}">
+                <a16:creationId xmlns:a16="http://schemas.microsoft.com/office/drawing/2014/main" id="{8AA9F145-03B6-4962-B28F-E90AB6A383F1}"/>
+              </a:ext>
+            </a:extLst>
+          </p:cNvPr>
+          <p:cNvGraphicFramePr>
+            <a:graphicFrameLocks noGrp="1"/>
+          </p:cNvGraphicFramePr>
+          <p:nvPr>
+            <p:extLst>
+              <p:ext uri="{D42A27DB-BD31-4B8C-83A1-F6EECF244321}">
+                <p14:modId xmlns:p14="http://schemas.microsoft.com/office/powerpoint/2010/main" val="627210435"/>
+              </p:ext>
+            </p:extLst>
+          </p:nvPr>
+        </p:nvGraphicFramePr>
+        <p:xfrm>
+          <a:off x="8275888" y="1504019"/>
+          <a:ext cx="907182" cy="1290780"/>
+        </p:xfrm>
+        <a:graphic>
+          <a:graphicData uri="http://schemas.openxmlformats.org/drawingml/2006/table">
+            <a:tbl>
+              <a:tblPr bandRow="1">
+                <a:tableStyleId>{073A0DAA-6AF3-43AB-8588-CEC1D06C72B9}</a:tableStyleId>
+              </a:tblPr>
+              <a:tblGrid>
+                <a:gridCol w="907182">
+                  <a:extLst>
+                    <a:ext uri="{9D8B030D-6E8A-4147-A177-3AD203B41FA5}">
+                      <a16:colId xmlns:a16="http://schemas.microsoft.com/office/drawing/2014/main" val="327302548"/>
+                    </a:ext>
+                  </a:extLst>
+                </a:gridCol>
+              </a:tblGrid>
+              <a:tr h="430260">
+                <a:tc>
+                  <a:txBody>
+                    <a:bodyPr/>
+                    <a:lstStyle/>
+                    <a:p>
+                      <a:pPr algn="ctr" rtl="0"/>
+                      <a:r>
+                        <a:rPr lang="en-US" sz="1000" b="0" i="0" kern="1200" dirty="0">
+                          <a:solidFill>
+                            <a:schemeClr val="dk1"/>
+                          </a:solidFill>
+                          <a:effectLst/>
+                          <a:latin typeface="+mn-lt"/>
+                          <a:ea typeface="+mn-ea"/>
+                          <a:cs typeface="+mn-cs"/>
+                        </a:rPr>
+                        <a:t>⋮</a:t>
+                      </a:r>
+                      <a:endParaRPr lang="en-US" sz="1000" dirty="0"/>
+                    </a:p>
+                  </a:txBody>
+                  <a:tcPr anchor="ctr"/>
+                </a:tc>
+                <a:extLst>
+                  <a:ext uri="{0D108BD9-81ED-4DB2-BD59-A6C34878D82A}">
+                    <a16:rowId xmlns:a16="http://schemas.microsoft.com/office/drawing/2014/main" val="2483164890"/>
+                  </a:ext>
+                </a:extLst>
+              </a:tr>
+              <a:tr h="430260">
+                <a:tc>
+                  <a:txBody>
+                    <a:bodyPr/>
+                    <a:lstStyle/>
+                    <a:p>
+                      <a:pPr algn="ctr" rtl="0"/>
+                      <a:r>
+                        <a:rPr lang="en-US" sz="1000" dirty="0"/>
+                        <a:t>Bob sends Alice 2,500</a:t>
+                      </a:r>
+                    </a:p>
+                  </a:txBody>
+                  <a:tcPr anchor="ctr"/>
+                </a:tc>
+                <a:extLst>
+                  <a:ext uri="{0D108BD9-81ED-4DB2-BD59-A6C34878D82A}">
+                    <a16:rowId xmlns:a16="http://schemas.microsoft.com/office/drawing/2014/main" val="3399056218"/>
+                  </a:ext>
+                </a:extLst>
+              </a:tr>
+              <a:tr h="430260">
+                <a:tc>
+                  <a:txBody>
+                    <a:bodyPr/>
+                    <a:lstStyle/>
+                    <a:p>
+                      <a:pPr algn="ctr" rtl="0"/>
+                      <a:r>
+                        <a:rPr lang="en-US" sz="1000" b="0" i="0" kern="1200" dirty="0">
+                          <a:solidFill>
+                            <a:schemeClr val="dk1"/>
+                          </a:solidFill>
+                          <a:effectLst/>
+                          <a:latin typeface="+mn-lt"/>
+                          <a:ea typeface="+mn-ea"/>
+                          <a:cs typeface="+mn-cs"/>
+                        </a:rPr>
+                        <a:t>⋮</a:t>
+                      </a:r>
+                      <a:endParaRPr lang="en-US" sz="1000" dirty="0"/>
+                    </a:p>
+                  </a:txBody>
+                  <a:tcPr anchor="ctr"/>
+                </a:tc>
+                <a:extLst>
+                  <a:ext uri="{0D108BD9-81ED-4DB2-BD59-A6C34878D82A}">
+                    <a16:rowId xmlns:a16="http://schemas.microsoft.com/office/drawing/2014/main" val="2747451364"/>
+                  </a:ext>
+                </a:extLst>
+              </a:tr>
+            </a:tbl>
+          </a:graphicData>
+        </a:graphic>
+      </p:graphicFrame>
+    </p:spTree>
+    <p:extLst>
+      <p:ext uri="{BB962C8B-B14F-4D97-AF65-F5344CB8AC3E}">
+        <p14:creationId xmlns:p14="http://schemas.microsoft.com/office/powerpoint/2010/main" val="3285849209"/>
+      </p:ext>
+    </p:extLst>
+  </p:cSld>
+  <p:clrMapOvr>
+    <a:masterClrMapping/>
+  </p:clrMapOvr>
+</p:sld>
+</file>
+
 <file path=ppt/theme/theme1.xml><?xml version="1.0" encoding="utf-8"?>
 <a:theme xmlns:a="http://schemas.openxmlformats.org/drawingml/2006/main" name="Office Theme">
   <a:themeElements>

--- a/Thesis/Images/Graphics.pptx
+++ b/Thesis/Images/Graphics.pptx
@@ -11,6 +11,7 @@
     <p:sldId id="259" r:id="rId5"/>
     <p:sldId id="260" r:id="rId6"/>
     <p:sldId id="261" r:id="rId7"/>
+    <p:sldId id="262" r:id="rId8"/>
   </p:sldIdLst>
   <p:sldSz cx="12192000" cy="6858000"/>
   <p:notesSz cx="6858000" cy="9144000"/>
@@ -264,7 +265,7 @@
           <a:p>
             <a:fld id="{3286223C-7221-42F3-BF52-BFAD53909E61}" type="datetimeFigureOut">
               <a:rPr lang="en-US" smtClean="0"/>
-              <a:t>2021-06-08</a:t>
+              <a:t>6/8/2021</a:t>
             </a:fld>
             <a:endParaRPr lang="en-US"/>
           </a:p>
@@ -462,7 +463,7 @@
           <a:p>
             <a:fld id="{3286223C-7221-42F3-BF52-BFAD53909E61}" type="datetimeFigureOut">
               <a:rPr lang="en-US" smtClean="0"/>
-              <a:t>2021-06-08</a:t>
+              <a:t>6/8/2021</a:t>
             </a:fld>
             <a:endParaRPr lang="en-US"/>
           </a:p>
@@ -670,7 +671,7 @@
           <a:p>
             <a:fld id="{3286223C-7221-42F3-BF52-BFAD53909E61}" type="datetimeFigureOut">
               <a:rPr lang="en-US" smtClean="0"/>
-              <a:t>2021-06-08</a:t>
+              <a:t>6/8/2021</a:t>
             </a:fld>
             <a:endParaRPr lang="en-US"/>
           </a:p>
@@ -868,7 +869,7 @@
           <a:p>
             <a:fld id="{3286223C-7221-42F3-BF52-BFAD53909E61}" type="datetimeFigureOut">
               <a:rPr lang="en-US" smtClean="0"/>
-              <a:t>2021-06-08</a:t>
+              <a:t>6/8/2021</a:t>
             </a:fld>
             <a:endParaRPr lang="en-US"/>
           </a:p>
@@ -1143,7 +1144,7 @@
           <a:p>
             <a:fld id="{3286223C-7221-42F3-BF52-BFAD53909E61}" type="datetimeFigureOut">
               <a:rPr lang="en-US" smtClean="0"/>
-              <a:t>2021-06-08</a:t>
+              <a:t>6/8/2021</a:t>
             </a:fld>
             <a:endParaRPr lang="en-US"/>
           </a:p>
@@ -1408,7 +1409,7 @@
           <a:p>
             <a:fld id="{3286223C-7221-42F3-BF52-BFAD53909E61}" type="datetimeFigureOut">
               <a:rPr lang="en-US" smtClean="0"/>
-              <a:t>2021-06-08</a:t>
+              <a:t>6/8/2021</a:t>
             </a:fld>
             <a:endParaRPr lang="en-US"/>
           </a:p>
@@ -1820,7 +1821,7 @@
           <a:p>
             <a:fld id="{3286223C-7221-42F3-BF52-BFAD53909E61}" type="datetimeFigureOut">
               <a:rPr lang="en-US" smtClean="0"/>
-              <a:t>2021-06-08</a:t>
+              <a:t>6/8/2021</a:t>
             </a:fld>
             <a:endParaRPr lang="en-US"/>
           </a:p>
@@ -1961,7 +1962,7 @@
           <a:p>
             <a:fld id="{3286223C-7221-42F3-BF52-BFAD53909E61}" type="datetimeFigureOut">
               <a:rPr lang="en-US" smtClean="0"/>
-              <a:t>2021-06-08</a:t>
+              <a:t>6/8/2021</a:t>
             </a:fld>
             <a:endParaRPr lang="en-US"/>
           </a:p>
@@ -2074,7 +2075,7 @@
           <a:p>
             <a:fld id="{3286223C-7221-42F3-BF52-BFAD53909E61}" type="datetimeFigureOut">
               <a:rPr lang="en-US" smtClean="0"/>
-              <a:t>2021-06-08</a:t>
+              <a:t>6/8/2021</a:t>
             </a:fld>
             <a:endParaRPr lang="en-US"/>
           </a:p>
@@ -2385,7 +2386,7 @@
           <a:p>
             <a:fld id="{3286223C-7221-42F3-BF52-BFAD53909E61}" type="datetimeFigureOut">
               <a:rPr lang="en-US" smtClean="0"/>
-              <a:t>2021-06-08</a:t>
+              <a:t>6/8/2021</a:t>
             </a:fld>
             <a:endParaRPr lang="en-US"/>
           </a:p>
@@ -2673,7 +2674,7 @@
           <a:p>
             <a:fld id="{3286223C-7221-42F3-BF52-BFAD53909E61}" type="datetimeFigureOut">
               <a:rPr lang="en-US" smtClean="0"/>
-              <a:t>2021-06-08</a:t>
+              <a:t>6/8/2021</a:t>
             </a:fld>
             <a:endParaRPr lang="en-US"/>
           </a:p>
@@ -2914,7 +2915,7 @@
           <a:p>
             <a:fld id="{3286223C-7221-42F3-BF52-BFAD53909E61}" type="datetimeFigureOut">
               <a:rPr lang="en-US" smtClean="0"/>
-              <a:t>2021-06-08</a:t>
+              <a:t>6/8/2021</a:t>
             </a:fld>
             <a:endParaRPr lang="en-US"/>
           </a:p>
@@ -7226,6 +7227,1920 @@
 </p:sld>
 </file>
 
+<file path=ppt/slides/slide7.xml><?xml version="1.0" encoding="utf-8"?>
+<p:sld xmlns:a="http://schemas.openxmlformats.org/drawingml/2006/main" xmlns:r="http://schemas.openxmlformats.org/officeDocument/2006/relationships" xmlns:p="http://schemas.openxmlformats.org/presentationml/2006/main">
+  <p:cSld>
+    <p:spTree>
+      <p:nvGrpSpPr>
+        <p:cNvPr id="1" name=""/>
+        <p:cNvGrpSpPr/>
+        <p:nvPr/>
+      </p:nvGrpSpPr>
+      <p:grpSpPr>
+        <a:xfrm>
+          <a:off x="0" y="0"/>
+          <a:ext cx="0" cy="0"/>
+          <a:chOff x="0" y="0"/>
+          <a:chExt cx="0" cy="0"/>
+        </a:xfrm>
+      </p:grpSpPr>
+      <mc:AlternateContent xmlns:mc="http://schemas.openxmlformats.org/markup-compatibility/2006">
+        <mc:Choice xmlns:a14="http://schemas.microsoft.com/office/drawing/2010/main" Requires="a14">
+          <p:sp>
+            <p:nvSpPr>
+              <p:cNvPr id="2" name="Rectangle 1">
+                <a:extLst>
+                  <a:ext uri="{FF2B5EF4-FFF2-40B4-BE49-F238E27FC236}">
+                    <a16:creationId xmlns:a16="http://schemas.microsoft.com/office/drawing/2014/main" id="{86138D0F-83F4-4794-85D4-CBDCF6A8AFE3}"/>
+                  </a:ext>
+                </a:extLst>
+              </p:cNvPr>
+              <p:cNvSpPr/>
+              <p:nvPr/>
+            </p:nvSpPr>
+            <p:spPr>
+              <a:xfrm>
+                <a:off x="1805710" y="3752848"/>
+                <a:ext cx="9548954" cy="2667002"/>
+              </a:xfrm>
+              <a:prstGeom prst="rect">
+                <a:avLst/>
+              </a:prstGeom>
+              <a:noFill/>
+              <a:ln>
+                <a:solidFill>
+                  <a:schemeClr val="tx1"/>
+                </a:solidFill>
+              </a:ln>
+            </p:spPr>
+            <p:style>
+              <a:lnRef idx="2">
+                <a:schemeClr val="accent1">
+                  <a:shade val="50000"/>
+                </a:schemeClr>
+              </a:lnRef>
+              <a:fillRef idx="1">
+                <a:schemeClr val="accent1"/>
+              </a:fillRef>
+              <a:effectRef idx="0">
+                <a:schemeClr val="accent1"/>
+              </a:effectRef>
+              <a:fontRef idx="minor">
+                <a:schemeClr val="lt1"/>
+              </a:fontRef>
+            </p:style>
+            <p:txBody>
+              <a:bodyPr rtlCol="0" anchor="ctr"/>
+              <a:lstStyle/>
+              <a:p>
+                <a:pPr marL="342900" indent="-342900">
+                  <a:buAutoNum type="romanUcPeriod"/>
+                </a:pPr>
+                <a:r>
+                  <a:rPr lang="en-US" dirty="0">
+                    <a:solidFill>
+                      <a:schemeClr val="tx1"/>
+                    </a:solidFill>
+                    <a:latin typeface="Times New Roman" panose="02020603050405020304" pitchFamily="18" charset="0"/>
+                    <a:cs typeface="Times New Roman" panose="02020603050405020304" pitchFamily="18" charset="0"/>
+                  </a:rPr>
+                  <a:t>z represents the hash of the message. z = the min(N, </a:t>
+                </a:r>
+                <a:r>
+                  <a:rPr lang="en-US" dirty="0" err="1">
+                    <a:solidFill>
+                      <a:schemeClr val="tx1"/>
+                    </a:solidFill>
+                    <a:latin typeface="Times New Roman" panose="02020603050405020304" pitchFamily="18" charset="0"/>
+                    <a:cs typeface="Times New Roman" panose="02020603050405020304" pitchFamily="18" charset="0"/>
+                  </a:rPr>
+                  <a:t>outlen</a:t>
+                </a:r>
+                <a:r>
+                  <a:rPr lang="en-US" dirty="0">
+                    <a:solidFill>
+                      <a:schemeClr val="tx1"/>
+                    </a:solidFill>
+                    <a:latin typeface="Times New Roman" panose="02020603050405020304" pitchFamily="18" charset="0"/>
+                    <a:cs typeface="Times New Roman" panose="02020603050405020304" pitchFamily="18" charset="0"/>
+                  </a:rPr>
+                  <a:t>) leftmost bits of the hash of the message (where N is the bit length of q, and </a:t>
+                </a:r>
+                <a:r>
+                  <a:rPr lang="en-US" dirty="0" err="1">
+                    <a:solidFill>
+                      <a:schemeClr val="tx1"/>
+                    </a:solidFill>
+                    <a:latin typeface="Times New Roman" panose="02020603050405020304" pitchFamily="18" charset="0"/>
+                    <a:cs typeface="Times New Roman" panose="02020603050405020304" pitchFamily="18" charset="0"/>
+                  </a:rPr>
+                  <a:t>outlen</a:t>
+                </a:r>
+                <a:r>
+                  <a:rPr lang="en-US" dirty="0">
+                    <a:solidFill>
+                      <a:schemeClr val="tx1"/>
+                    </a:solidFill>
+                    <a:latin typeface="Times New Roman" panose="02020603050405020304" pitchFamily="18" charset="0"/>
+                    <a:cs typeface="Times New Roman" panose="02020603050405020304" pitchFamily="18" charset="0"/>
+                  </a:rPr>
+                  <a:t> is the bit length of the hash digest).</a:t>
+                </a:r>
+              </a:p>
+              <a:p>
+                <a:pPr marL="342900" indent="-342900">
+                  <a:buAutoNum type="romanUcPeriod"/>
+                </a:pPr>
+                <a:r>
+                  <a:rPr lang="en-US" dirty="0">
+                    <a:solidFill>
+                      <a:schemeClr val="tx1"/>
+                    </a:solidFill>
+                    <a:latin typeface="Times New Roman" panose="02020603050405020304" pitchFamily="18" charset="0"/>
+                    <a:cs typeface="Times New Roman" panose="02020603050405020304" pitchFamily="18" charset="0"/>
+                  </a:rPr>
+                  <a:t>Check that </a:t>
+                </a:r>
+                <a14:m>
+                  <m:oMath xmlns:m="http://schemas.openxmlformats.org/officeDocument/2006/math">
+                    <m:r>
+                      <a:rPr lang="en-US" b="0" i="0" smtClean="0">
+                        <a:solidFill>
+                          <a:schemeClr val="tx1"/>
+                        </a:solidFill>
+                        <a:latin typeface="Cambria Math" panose="02040503050406030204" pitchFamily="18" charset="0"/>
+                        <a:cs typeface="Times New Roman" panose="02020603050405020304" pitchFamily="18" charset="0"/>
+                      </a:rPr>
+                      <m:t>0&lt;</m:t>
+                    </m:r>
+                    <m:r>
+                      <m:rPr>
+                        <m:sty m:val="p"/>
+                      </m:rPr>
+                      <a:rPr lang="en-US" b="0" i="0" smtClean="0">
+                        <a:solidFill>
+                          <a:schemeClr val="tx1"/>
+                        </a:solidFill>
+                        <a:latin typeface="Cambria Math" panose="02040503050406030204" pitchFamily="18" charset="0"/>
+                        <a:cs typeface="Times New Roman" panose="02020603050405020304" pitchFamily="18" charset="0"/>
+                      </a:rPr>
+                      <m:t>r</m:t>
+                    </m:r>
+                    <m:r>
+                      <a:rPr lang="en-US" b="0" i="0" smtClean="0">
+                        <a:solidFill>
+                          <a:schemeClr val="tx1"/>
+                        </a:solidFill>
+                        <a:latin typeface="Cambria Math" panose="02040503050406030204" pitchFamily="18" charset="0"/>
+                        <a:cs typeface="Times New Roman" panose="02020603050405020304" pitchFamily="18" charset="0"/>
+                      </a:rPr>
+                      <m:t>&lt;</m:t>
+                    </m:r>
+                    <m:r>
+                      <m:rPr>
+                        <m:sty m:val="p"/>
+                      </m:rPr>
+                      <a:rPr lang="en-US" b="0" i="0" smtClean="0">
+                        <a:solidFill>
+                          <a:schemeClr val="tx1"/>
+                        </a:solidFill>
+                        <a:latin typeface="Cambria Math" panose="02040503050406030204" pitchFamily="18" charset="0"/>
+                        <a:cs typeface="Times New Roman" panose="02020603050405020304" pitchFamily="18" charset="0"/>
+                      </a:rPr>
+                      <m:t>q</m:t>
+                    </m:r>
+                    <m:r>
+                      <a:rPr lang="en-US" b="0" i="0" smtClean="0">
+                        <a:solidFill>
+                          <a:schemeClr val="tx1"/>
+                        </a:solidFill>
+                        <a:latin typeface="Cambria Math" panose="02040503050406030204" pitchFamily="18" charset="0"/>
+                        <a:cs typeface="Times New Roman" panose="02020603050405020304" pitchFamily="18" charset="0"/>
+                      </a:rPr>
+                      <m:t> ∧0&lt;</m:t>
+                    </m:r>
+                    <m:r>
+                      <m:rPr>
+                        <m:sty m:val="p"/>
+                      </m:rPr>
+                      <a:rPr lang="en-US" b="0" i="0" smtClean="0">
+                        <a:solidFill>
+                          <a:schemeClr val="tx1"/>
+                        </a:solidFill>
+                        <a:latin typeface="Cambria Math" panose="02040503050406030204" pitchFamily="18" charset="0"/>
+                        <a:ea typeface="Cambria Math" panose="02040503050406030204" pitchFamily="18" charset="0"/>
+                        <a:cs typeface="Times New Roman" panose="02020603050405020304" pitchFamily="18" charset="0"/>
+                      </a:rPr>
+                      <m:t>s</m:t>
+                    </m:r>
+                    <m:r>
+                      <a:rPr lang="en-US" b="0" i="0" smtClean="0">
+                        <a:solidFill>
+                          <a:schemeClr val="tx1"/>
+                        </a:solidFill>
+                        <a:latin typeface="Cambria Math" panose="02040503050406030204" pitchFamily="18" charset="0"/>
+                        <a:ea typeface="Cambria Math" panose="02040503050406030204" pitchFamily="18" charset="0"/>
+                        <a:cs typeface="Times New Roman" panose="02020603050405020304" pitchFamily="18" charset="0"/>
+                      </a:rPr>
+                      <m:t>&lt;</m:t>
+                    </m:r>
+                    <m:r>
+                      <m:rPr>
+                        <m:sty m:val="p"/>
+                      </m:rPr>
+                      <a:rPr lang="en-US" b="0" i="0" smtClean="0">
+                        <a:solidFill>
+                          <a:schemeClr val="tx1"/>
+                        </a:solidFill>
+                        <a:latin typeface="Cambria Math" panose="02040503050406030204" pitchFamily="18" charset="0"/>
+                        <a:ea typeface="Cambria Math" panose="02040503050406030204" pitchFamily="18" charset="0"/>
+                        <a:cs typeface="Times New Roman" panose="02020603050405020304" pitchFamily="18" charset="0"/>
+                      </a:rPr>
+                      <m:t>q</m:t>
+                    </m:r>
+                  </m:oMath>
+                </a14:m>
+                <a:r>
+                  <a:rPr lang="en-US" dirty="0">
+                    <a:solidFill>
+                      <a:schemeClr val="tx1"/>
+                    </a:solidFill>
+                    <a:latin typeface="Times New Roman" panose="02020603050405020304" pitchFamily="18" charset="0"/>
+                    <a:cs typeface="Times New Roman" panose="02020603050405020304" pitchFamily="18" charset="0"/>
+                  </a:rPr>
+                  <a:t>.</a:t>
+                </a:r>
+              </a:p>
+              <a:p>
+                <a:pPr marL="342900" indent="-342900">
+                  <a:buAutoNum type="romanUcPeriod"/>
+                </a:pPr>
+                <a14:m>
+                  <m:oMath xmlns:m="http://schemas.openxmlformats.org/officeDocument/2006/math">
+                    <m:r>
+                      <m:rPr>
+                        <m:sty m:val="p"/>
+                      </m:rPr>
+                      <a:rPr lang="en-US" b="0" i="0" smtClean="0">
+                        <a:solidFill>
+                          <a:schemeClr val="tx1"/>
+                        </a:solidFill>
+                        <a:latin typeface="Cambria Math" panose="02040503050406030204" pitchFamily="18" charset="0"/>
+                        <a:cs typeface="Times New Roman" panose="02020603050405020304" pitchFamily="18" charset="0"/>
+                      </a:rPr>
+                      <m:t>w</m:t>
+                    </m:r>
+                    <m:r>
+                      <a:rPr lang="en-US" b="0" i="0" smtClean="0">
+                        <a:solidFill>
+                          <a:schemeClr val="tx1"/>
+                        </a:solidFill>
+                        <a:latin typeface="Cambria Math" panose="02040503050406030204" pitchFamily="18" charset="0"/>
+                        <a:cs typeface="Times New Roman" panose="02020603050405020304" pitchFamily="18" charset="0"/>
+                      </a:rPr>
+                      <m:t>= </m:t>
+                    </m:r>
+                    <m:sSup>
+                      <m:sSupPr>
+                        <m:ctrlPr>
+                          <a:rPr lang="en-US" b="0" smtClean="0">
+                            <a:solidFill>
+                              <a:schemeClr val="tx1"/>
+                            </a:solidFill>
+                            <a:latin typeface="Cambria Math" panose="02040503050406030204" pitchFamily="18" charset="0"/>
+                            <a:cs typeface="Times New Roman" panose="02020603050405020304" pitchFamily="18" charset="0"/>
+                          </a:rPr>
+                        </m:ctrlPr>
+                      </m:sSupPr>
+                      <m:e>
+                        <m:r>
+                          <m:rPr>
+                            <m:sty m:val="p"/>
+                          </m:rPr>
+                          <a:rPr lang="en-US" b="0" i="0" smtClean="0">
+                            <a:solidFill>
+                              <a:schemeClr val="tx1"/>
+                            </a:solidFill>
+                            <a:latin typeface="Cambria Math" panose="02040503050406030204" pitchFamily="18" charset="0"/>
+                            <a:cs typeface="Times New Roman" panose="02020603050405020304" pitchFamily="18" charset="0"/>
+                          </a:rPr>
+                          <m:t>s</m:t>
+                        </m:r>
+                      </m:e>
+                      <m:sup>
+                        <m:r>
+                          <a:rPr lang="en-US" b="0" i="0" smtClean="0">
+                            <a:solidFill>
+                              <a:schemeClr val="tx1"/>
+                            </a:solidFill>
+                            <a:latin typeface="Cambria Math" panose="02040503050406030204" pitchFamily="18" charset="0"/>
+                            <a:cs typeface="Times New Roman" panose="02020603050405020304" pitchFamily="18" charset="0"/>
+                          </a:rPr>
+                          <m:t>−1</m:t>
+                        </m:r>
+                      </m:sup>
+                    </m:sSup>
+                    <m:r>
+                      <a:rPr lang="en-US" b="0" i="0" smtClean="0">
+                        <a:solidFill>
+                          <a:schemeClr val="tx1"/>
+                        </a:solidFill>
+                        <a:latin typeface="Cambria Math" panose="02040503050406030204" pitchFamily="18" charset="0"/>
+                        <a:cs typeface="Times New Roman" panose="02020603050405020304" pitchFamily="18" charset="0"/>
+                      </a:rPr>
+                      <m:t> </m:t>
+                    </m:r>
+                    <m:r>
+                      <m:rPr>
+                        <m:sty m:val="p"/>
+                      </m:rPr>
+                      <a:rPr lang="en-US" b="0" i="0" smtClean="0">
+                        <a:solidFill>
+                          <a:schemeClr val="tx1"/>
+                        </a:solidFill>
+                        <a:latin typeface="Cambria Math" panose="02040503050406030204" pitchFamily="18" charset="0"/>
+                        <a:cs typeface="Times New Roman" panose="02020603050405020304" pitchFamily="18" charset="0"/>
+                      </a:rPr>
+                      <m:t>mod</m:t>
+                    </m:r>
+                    <m:r>
+                      <a:rPr lang="en-US" b="0" i="0" smtClean="0">
+                        <a:solidFill>
+                          <a:schemeClr val="tx1"/>
+                        </a:solidFill>
+                        <a:latin typeface="Cambria Math" panose="02040503050406030204" pitchFamily="18" charset="0"/>
+                        <a:cs typeface="Times New Roman" panose="02020603050405020304" pitchFamily="18" charset="0"/>
+                      </a:rPr>
+                      <m:t> </m:t>
+                    </m:r>
+                    <m:r>
+                      <m:rPr>
+                        <m:sty m:val="p"/>
+                      </m:rPr>
+                      <a:rPr lang="en-US" b="0" i="0" smtClean="0">
+                        <a:solidFill>
+                          <a:schemeClr val="tx1"/>
+                        </a:solidFill>
+                        <a:latin typeface="Cambria Math" panose="02040503050406030204" pitchFamily="18" charset="0"/>
+                        <a:cs typeface="Times New Roman" panose="02020603050405020304" pitchFamily="18" charset="0"/>
+                      </a:rPr>
+                      <m:t>q</m:t>
+                    </m:r>
+                  </m:oMath>
+                </a14:m>
+                <a:endParaRPr lang="en-US" b="0" dirty="0">
+                  <a:solidFill>
+                    <a:schemeClr val="tx1"/>
+                  </a:solidFill>
+                  <a:latin typeface="Times New Roman" panose="02020603050405020304" pitchFamily="18" charset="0"/>
+                  <a:cs typeface="Times New Roman" panose="02020603050405020304" pitchFamily="18" charset="0"/>
+                </a:endParaRPr>
+              </a:p>
+              <a:p>
+                <a:pPr marL="342900" indent="-342900">
+                  <a:buAutoNum type="romanUcPeriod"/>
+                </a:pPr>
+                <a14:m>
+                  <m:oMath xmlns:m="http://schemas.openxmlformats.org/officeDocument/2006/math">
+                    <m:sSub>
+                      <m:sSubPr>
+                        <m:ctrlPr>
+                          <a:rPr lang="en-US" smtClean="0">
+                            <a:solidFill>
+                              <a:schemeClr val="tx1"/>
+                            </a:solidFill>
+                            <a:latin typeface="Cambria Math" panose="02040503050406030204" pitchFamily="18" charset="0"/>
+                            <a:cs typeface="Times New Roman" panose="02020603050405020304" pitchFamily="18" charset="0"/>
+                          </a:rPr>
+                        </m:ctrlPr>
+                      </m:sSubPr>
+                      <m:e>
+                        <m:r>
+                          <m:rPr>
+                            <m:sty m:val="p"/>
+                          </m:rPr>
+                          <a:rPr lang="en-US" b="0" i="0" smtClean="0">
+                            <a:solidFill>
+                              <a:schemeClr val="tx1"/>
+                            </a:solidFill>
+                            <a:latin typeface="Cambria Math" panose="02040503050406030204" pitchFamily="18" charset="0"/>
+                            <a:cs typeface="Times New Roman" panose="02020603050405020304" pitchFamily="18" charset="0"/>
+                          </a:rPr>
+                          <m:t>u</m:t>
+                        </m:r>
+                      </m:e>
+                      <m:sub>
+                        <m:r>
+                          <a:rPr lang="en-US" b="0" i="0" smtClean="0">
+                            <a:solidFill>
+                              <a:schemeClr val="tx1"/>
+                            </a:solidFill>
+                            <a:latin typeface="Cambria Math" panose="02040503050406030204" pitchFamily="18" charset="0"/>
+                            <a:cs typeface="Times New Roman" panose="02020603050405020304" pitchFamily="18" charset="0"/>
+                          </a:rPr>
+                          <m:t>1</m:t>
+                        </m:r>
+                      </m:sub>
+                    </m:sSub>
+                    <m:r>
+                      <a:rPr lang="en-US" b="0" i="0" smtClean="0">
+                        <a:solidFill>
+                          <a:schemeClr val="tx1"/>
+                        </a:solidFill>
+                        <a:latin typeface="Cambria Math" panose="02040503050406030204" pitchFamily="18" charset="0"/>
+                        <a:cs typeface="Times New Roman" panose="02020603050405020304" pitchFamily="18" charset="0"/>
+                      </a:rPr>
+                      <m:t>=</m:t>
+                    </m:r>
+                    <m:d>
+                      <m:dPr>
+                        <m:ctrlPr>
+                          <a:rPr lang="en-US" b="0" smtClean="0">
+                            <a:solidFill>
+                              <a:schemeClr val="tx1"/>
+                            </a:solidFill>
+                            <a:latin typeface="Cambria Math" panose="02040503050406030204" pitchFamily="18" charset="0"/>
+                            <a:cs typeface="Times New Roman" panose="02020603050405020304" pitchFamily="18" charset="0"/>
+                          </a:rPr>
+                        </m:ctrlPr>
+                      </m:dPr>
+                      <m:e>
+                        <m:r>
+                          <a:rPr lang="en-US" b="0" i="0" smtClean="0">
+                            <a:solidFill>
+                              <a:schemeClr val="tx1"/>
+                            </a:solidFill>
+                            <a:latin typeface="Cambria Math" panose="02040503050406030204" pitchFamily="18" charset="0"/>
+                            <a:cs typeface="Times New Roman" panose="02020603050405020304" pitchFamily="18" charset="0"/>
+                          </a:rPr>
+                          <m:t> </m:t>
+                        </m:r>
+                        <m:r>
+                          <m:rPr>
+                            <m:sty m:val="p"/>
+                          </m:rPr>
+                          <a:rPr lang="en-US" b="0" i="0" smtClean="0">
+                            <a:solidFill>
+                              <a:schemeClr val="tx1"/>
+                            </a:solidFill>
+                            <a:latin typeface="Cambria Math" panose="02040503050406030204" pitchFamily="18" charset="0"/>
+                            <a:cs typeface="Times New Roman" panose="02020603050405020304" pitchFamily="18" charset="0"/>
+                          </a:rPr>
+                          <m:t>z</m:t>
+                        </m:r>
+                        <m:r>
+                          <a:rPr lang="en-US" b="0" i="0" smtClean="0">
+                            <a:solidFill>
+                              <a:schemeClr val="tx1"/>
+                            </a:solidFill>
+                            <a:latin typeface="Cambria Math" panose="02040503050406030204" pitchFamily="18" charset="0"/>
+                            <a:ea typeface="Cambria Math" panose="02040503050406030204" pitchFamily="18" charset="0"/>
+                            <a:cs typeface="Times New Roman" panose="02020603050405020304" pitchFamily="18" charset="0"/>
+                          </a:rPr>
+                          <m:t>⋅</m:t>
+                        </m:r>
+                        <m:r>
+                          <m:rPr>
+                            <m:sty m:val="p"/>
+                          </m:rPr>
+                          <a:rPr lang="en-US" b="0" i="0" smtClean="0">
+                            <a:solidFill>
+                              <a:schemeClr val="tx1"/>
+                            </a:solidFill>
+                            <a:latin typeface="Cambria Math" panose="02040503050406030204" pitchFamily="18" charset="0"/>
+                            <a:ea typeface="Cambria Math" panose="02040503050406030204" pitchFamily="18" charset="0"/>
+                            <a:cs typeface="Times New Roman" panose="02020603050405020304" pitchFamily="18" charset="0"/>
+                          </a:rPr>
+                          <m:t>w</m:t>
+                        </m:r>
+                        <m:r>
+                          <a:rPr lang="en-US" b="0" i="0" smtClean="0">
+                            <a:solidFill>
+                              <a:schemeClr val="tx1"/>
+                            </a:solidFill>
+                            <a:latin typeface="Cambria Math" panose="02040503050406030204" pitchFamily="18" charset="0"/>
+                            <a:ea typeface="Cambria Math" panose="02040503050406030204" pitchFamily="18" charset="0"/>
+                            <a:cs typeface="Times New Roman" panose="02020603050405020304" pitchFamily="18" charset="0"/>
+                          </a:rPr>
+                          <m:t> </m:t>
+                        </m:r>
+                      </m:e>
+                    </m:d>
+                    <m:r>
+                      <a:rPr lang="en-US" b="0" i="0" smtClean="0">
+                        <a:solidFill>
+                          <a:schemeClr val="tx1"/>
+                        </a:solidFill>
+                        <a:latin typeface="Cambria Math" panose="02040503050406030204" pitchFamily="18" charset="0"/>
+                        <a:ea typeface="Cambria Math" panose="02040503050406030204" pitchFamily="18" charset="0"/>
+                        <a:cs typeface="Times New Roman" panose="02020603050405020304" pitchFamily="18" charset="0"/>
+                      </a:rPr>
+                      <m:t> </m:t>
+                    </m:r>
+                    <m:r>
+                      <m:rPr>
+                        <m:sty m:val="p"/>
+                      </m:rPr>
+                      <a:rPr lang="en-US" b="0" i="0" smtClean="0">
+                        <a:solidFill>
+                          <a:schemeClr val="tx1"/>
+                        </a:solidFill>
+                        <a:latin typeface="Cambria Math" panose="02040503050406030204" pitchFamily="18" charset="0"/>
+                        <a:ea typeface="Cambria Math" panose="02040503050406030204" pitchFamily="18" charset="0"/>
+                        <a:cs typeface="Times New Roman" panose="02020603050405020304" pitchFamily="18" charset="0"/>
+                      </a:rPr>
+                      <m:t>mod</m:t>
+                    </m:r>
+                    <m:r>
+                      <a:rPr lang="en-US" b="0" i="0" smtClean="0">
+                        <a:solidFill>
+                          <a:schemeClr val="tx1"/>
+                        </a:solidFill>
+                        <a:latin typeface="Cambria Math" panose="02040503050406030204" pitchFamily="18" charset="0"/>
+                        <a:ea typeface="Cambria Math" panose="02040503050406030204" pitchFamily="18" charset="0"/>
+                        <a:cs typeface="Times New Roman" panose="02020603050405020304" pitchFamily="18" charset="0"/>
+                      </a:rPr>
+                      <m:t> </m:t>
+                    </m:r>
+                    <m:r>
+                      <m:rPr>
+                        <m:sty m:val="p"/>
+                      </m:rPr>
+                      <a:rPr lang="en-US" b="0" i="0" smtClean="0">
+                        <a:solidFill>
+                          <a:schemeClr val="tx1"/>
+                        </a:solidFill>
+                        <a:latin typeface="Cambria Math" panose="02040503050406030204" pitchFamily="18" charset="0"/>
+                        <a:ea typeface="Cambria Math" panose="02040503050406030204" pitchFamily="18" charset="0"/>
+                        <a:cs typeface="Times New Roman" panose="02020603050405020304" pitchFamily="18" charset="0"/>
+                      </a:rPr>
+                      <m:t>q</m:t>
+                    </m:r>
+                  </m:oMath>
+                </a14:m>
+                <a:endParaRPr lang="en-US" b="0" dirty="0">
+                  <a:solidFill>
+                    <a:schemeClr val="tx1"/>
+                  </a:solidFill>
+                  <a:latin typeface="Times New Roman" panose="02020603050405020304" pitchFamily="18" charset="0"/>
+                  <a:ea typeface="Cambria Math" panose="02040503050406030204" pitchFamily="18" charset="0"/>
+                  <a:cs typeface="Times New Roman" panose="02020603050405020304" pitchFamily="18" charset="0"/>
+                </a:endParaRPr>
+              </a:p>
+              <a:p>
+                <a:pPr marL="342900" indent="-342900">
+                  <a:buAutoNum type="romanUcPeriod"/>
+                </a:pPr>
+                <a14:m>
+                  <m:oMath xmlns:m="http://schemas.openxmlformats.org/officeDocument/2006/math">
+                    <m:sSub>
+                      <m:sSubPr>
+                        <m:ctrlPr>
+                          <a:rPr lang="en-US" smtClean="0">
+                            <a:solidFill>
+                              <a:schemeClr val="tx1"/>
+                            </a:solidFill>
+                            <a:latin typeface="Cambria Math" panose="02040503050406030204" pitchFamily="18" charset="0"/>
+                            <a:cs typeface="Times New Roman" panose="02020603050405020304" pitchFamily="18" charset="0"/>
+                          </a:rPr>
+                        </m:ctrlPr>
+                      </m:sSubPr>
+                      <m:e>
+                        <m:r>
+                          <m:rPr>
+                            <m:sty m:val="p"/>
+                          </m:rPr>
+                          <a:rPr lang="en-US" b="0" i="0" smtClean="0">
+                            <a:solidFill>
+                              <a:schemeClr val="tx1"/>
+                            </a:solidFill>
+                            <a:latin typeface="Cambria Math" panose="02040503050406030204" pitchFamily="18" charset="0"/>
+                            <a:cs typeface="Times New Roman" panose="02020603050405020304" pitchFamily="18" charset="0"/>
+                          </a:rPr>
+                          <m:t>u</m:t>
+                        </m:r>
+                      </m:e>
+                      <m:sub>
+                        <m:r>
+                          <a:rPr lang="en-US" b="0" i="0" smtClean="0">
+                            <a:solidFill>
+                              <a:schemeClr val="tx1"/>
+                            </a:solidFill>
+                            <a:latin typeface="Cambria Math" panose="02040503050406030204" pitchFamily="18" charset="0"/>
+                            <a:cs typeface="Times New Roman" panose="02020603050405020304" pitchFamily="18" charset="0"/>
+                          </a:rPr>
+                          <m:t>2</m:t>
+                        </m:r>
+                      </m:sub>
+                    </m:sSub>
+                    <m:r>
+                      <a:rPr lang="en-US" b="0" i="0" smtClean="0">
+                        <a:solidFill>
+                          <a:schemeClr val="tx1"/>
+                        </a:solidFill>
+                        <a:latin typeface="Cambria Math" panose="02040503050406030204" pitchFamily="18" charset="0"/>
+                        <a:cs typeface="Times New Roman" panose="02020603050405020304" pitchFamily="18" charset="0"/>
+                      </a:rPr>
+                      <m:t>=</m:t>
+                    </m:r>
+                    <m:d>
+                      <m:dPr>
+                        <m:ctrlPr>
+                          <a:rPr lang="en-US" b="0" smtClean="0">
+                            <a:solidFill>
+                              <a:schemeClr val="tx1"/>
+                            </a:solidFill>
+                            <a:latin typeface="Cambria Math" panose="02040503050406030204" pitchFamily="18" charset="0"/>
+                            <a:cs typeface="Times New Roman" panose="02020603050405020304" pitchFamily="18" charset="0"/>
+                          </a:rPr>
+                        </m:ctrlPr>
+                      </m:dPr>
+                      <m:e>
+                        <m:r>
+                          <a:rPr lang="en-US" b="0" i="0" smtClean="0">
+                            <a:solidFill>
+                              <a:schemeClr val="tx1"/>
+                            </a:solidFill>
+                            <a:latin typeface="Cambria Math" panose="02040503050406030204" pitchFamily="18" charset="0"/>
+                            <a:cs typeface="Times New Roman" panose="02020603050405020304" pitchFamily="18" charset="0"/>
+                          </a:rPr>
+                          <m:t> </m:t>
+                        </m:r>
+                        <m:r>
+                          <m:rPr>
+                            <m:sty m:val="p"/>
+                          </m:rPr>
+                          <a:rPr lang="en-US" b="0" i="0" smtClean="0">
+                            <a:solidFill>
+                              <a:schemeClr val="tx1"/>
+                            </a:solidFill>
+                            <a:latin typeface="Cambria Math" panose="02040503050406030204" pitchFamily="18" charset="0"/>
+                            <a:cs typeface="Times New Roman" panose="02020603050405020304" pitchFamily="18" charset="0"/>
+                          </a:rPr>
+                          <m:t>r</m:t>
+                        </m:r>
+                        <m:r>
+                          <a:rPr lang="en-US" b="0" i="0" smtClean="0">
+                            <a:solidFill>
+                              <a:schemeClr val="tx1"/>
+                            </a:solidFill>
+                            <a:latin typeface="Cambria Math" panose="02040503050406030204" pitchFamily="18" charset="0"/>
+                            <a:ea typeface="Cambria Math" panose="02040503050406030204" pitchFamily="18" charset="0"/>
+                            <a:cs typeface="Times New Roman" panose="02020603050405020304" pitchFamily="18" charset="0"/>
+                          </a:rPr>
+                          <m:t>⋅</m:t>
+                        </m:r>
+                        <m:r>
+                          <m:rPr>
+                            <m:sty m:val="p"/>
+                          </m:rPr>
+                          <a:rPr lang="en-US" b="0" i="0" smtClean="0">
+                            <a:solidFill>
+                              <a:schemeClr val="tx1"/>
+                            </a:solidFill>
+                            <a:latin typeface="Cambria Math" panose="02040503050406030204" pitchFamily="18" charset="0"/>
+                            <a:ea typeface="Cambria Math" panose="02040503050406030204" pitchFamily="18" charset="0"/>
+                            <a:cs typeface="Times New Roman" panose="02020603050405020304" pitchFamily="18" charset="0"/>
+                          </a:rPr>
+                          <m:t>w</m:t>
+                        </m:r>
+                        <m:r>
+                          <a:rPr lang="en-US" b="0" i="0" smtClean="0">
+                            <a:solidFill>
+                              <a:schemeClr val="tx1"/>
+                            </a:solidFill>
+                            <a:latin typeface="Cambria Math" panose="02040503050406030204" pitchFamily="18" charset="0"/>
+                            <a:ea typeface="Cambria Math" panose="02040503050406030204" pitchFamily="18" charset="0"/>
+                            <a:cs typeface="Times New Roman" panose="02020603050405020304" pitchFamily="18" charset="0"/>
+                          </a:rPr>
+                          <m:t> </m:t>
+                        </m:r>
+                      </m:e>
+                    </m:d>
+                    <m:r>
+                      <a:rPr lang="en-US" b="0" i="0" smtClean="0">
+                        <a:solidFill>
+                          <a:schemeClr val="tx1"/>
+                        </a:solidFill>
+                        <a:latin typeface="Cambria Math" panose="02040503050406030204" pitchFamily="18" charset="0"/>
+                        <a:cs typeface="Times New Roman" panose="02020603050405020304" pitchFamily="18" charset="0"/>
+                      </a:rPr>
+                      <m:t> </m:t>
+                    </m:r>
+                    <m:r>
+                      <m:rPr>
+                        <m:sty m:val="p"/>
+                      </m:rPr>
+                      <a:rPr lang="en-US" b="0" i="0" smtClean="0">
+                        <a:solidFill>
+                          <a:schemeClr val="tx1"/>
+                        </a:solidFill>
+                        <a:latin typeface="Cambria Math" panose="02040503050406030204" pitchFamily="18" charset="0"/>
+                        <a:cs typeface="Times New Roman" panose="02020603050405020304" pitchFamily="18" charset="0"/>
+                      </a:rPr>
+                      <m:t>mod</m:t>
+                    </m:r>
+                    <m:r>
+                      <a:rPr lang="en-US" b="0" i="0" smtClean="0">
+                        <a:solidFill>
+                          <a:schemeClr val="tx1"/>
+                        </a:solidFill>
+                        <a:latin typeface="Cambria Math" panose="02040503050406030204" pitchFamily="18" charset="0"/>
+                        <a:cs typeface="Times New Roman" panose="02020603050405020304" pitchFamily="18" charset="0"/>
+                      </a:rPr>
+                      <m:t> </m:t>
+                    </m:r>
+                    <m:r>
+                      <m:rPr>
+                        <m:sty m:val="p"/>
+                      </m:rPr>
+                      <a:rPr lang="en-US" b="0" i="0" smtClean="0">
+                        <a:solidFill>
+                          <a:schemeClr val="tx1"/>
+                        </a:solidFill>
+                        <a:latin typeface="Cambria Math" panose="02040503050406030204" pitchFamily="18" charset="0"/>
+                        <a:cs typeface="Times New Roman" panose="02020603050405020304" pitchFamily="18" charset="0"/>
+                      </a:rPr>
+                      <m:t>q</m:t>
+                    </m:r>
+                  </m:oMath>
+                </a14:m>
+                <a:endParaRPr lang="en-US" b="0" dirty="0">
+                  <a:solidFill>
+                    <a:schemeClr val="tx1"/>
+                  </a:solidFill>
+                  <a:latin typeface="Times New Roman" panose="02020603050405020304" pitchFamily="18" charset="0"/>
+                  <a:cs typeface="Times New Roman" panose="02020603050405020304" pitchFamily="18" charset="0"/>
+                </a:endParaRPr>
+              </a:p>
+              <a:p>
+                <a:pPr marL="342900" indent="-342900">
+                  <a:buAutoNum type="romanUcPeriod"/>
+                </a:pPr>
+                <a14:m>
+                  <m:oMath xmlns:m="http://schemas.openxmlformats.org/officeDocument/2006/math">
+                    <m:r>
+                      <m:rPr>
+                        <m:sty m:val="p"/>
+                      </m:rPr>
+                      <a:rPr lang="en-US" b="0" i="0" smtClean="0">
+                        <a:solidFill>
+                          <a:schemeClr val="tx1"/>
+                        </a:solidFill>
+                        <a:latin typeface="Cambria Math" panose="02040503050406030204" pitchFamily="18" charset="0"/>
+                        <a:cs typeface="Times New Roman" panose="02020603050405020304" pitchFamily="18" charset="0"/>
+                      </a:rPr>
+                      <m:t>v</m:t>
+                    </m:r>
+                    <m:r>
+                      <a:rPr lang="en-US" b="0" i="0" smtClean="0">
+                        <a:solidFill>
+                          <a:schemeClr val="tx1"/>
+                        </a:solidFill>
+                        <a:latin typeface="Cambria Math" panose="02040503050406030204" pitchFamily="18" charset="0"/>
+                        <a:cs typeface="Times New Roman" panose="02020603050405020304" pitchFamily="18" charset="0"/>
+                      </a:rPr>
+                      <m:t>=</m:t>
+                    </m:r>
+                    <m:d>
+                      <m:dPr>
+                        <m:ctrlPr>
+                          <a:rPr lang="en-US" b="0" smtClean="0">
+                            <a:solidFill>
+                              <a:schemeClr val="tx1"/>
+                            </a:solidFill>
+                            <a:latin typeface="Cambria Math" panose="02040503050406030204" pitchFamily="18" charset="0"/>
+                            <a:cs typeface="Times New Roman" panose="02020603050405020304" pitchFamily="18" charset="0"/>
+                          </a:rPr>
+                        </m:ctrlPr>
+                      </m:dPr>
+                      <m:e>
+                        <m:d>
+                          <m:dPr>
+                            <m:ctrlPr>
+                              <a:rPr lang="en-US" b="0" smtClean="0">
+                                <a:solidFill>
+                                  <a:schemeClr val="tx1"/>
+                                </a:solidFill>
+                                <a:latin typeface="Cambria Math" panose="02040503050406030204" pitchFamily="18" charset="0"/>
+                                <a:cs typeface="Times New Roman" panose="02020603050405020304" pitchFamily="18" charset="0"/>
+                              </a:rPr>
+                            </m:ctrlPr>
+                          </m:dPr>
+                          <m:e>
+                            <m:sSup>
+                              <m:sSupPr>
+                                <m:ctrlPr>
+                                  <a:rPr lang="en-US" b="0" smtClean="0">
+                                    <a:solidFill>
+                                      <a:schemeClr val="tx1"/>
+                                    </a:solidFill>
+                                    <a:latin typeface="Cambria Math" panose="02040503050406030204" pitchFamily="18" charset="0"/>
+                                    <a:cs typeface="Times New Roman" panose="02020603050405020304" pitchFamily="18" charset="0"/>
+                                  </a:rPr>
+                                </m:ctrlPr>
+                              </m:sSupPr>
+                              <m:e>
+                                <m:r>
+                                  <m:rPr>
+                                    <m:sty m:val="p"/>
+                                  </m:rPr>
+                                  <a:rPr lang="en-US" b="0" i="0" smtClean="0">
+                                    <a:solidFill>
+                                      <a:schemeClr val="tx1"/>
+                                    </a:solidFill>
+                                    <a:latin typeface="Cambria Math" panose="02040503050406030204" pitchFamily="18" charset="0"/>
+                                    <a:cs typeface="Times New Roman" panose="02020603050405020304" pitchFamily="18" charset="0"/>
+                                  </a:rPr>
+                                  <m:t>g</m:t>
+                                </m:r>
+                              </m:e>
+                              <m:sup>
+                                <m:sSub>
+                                  <m:sSubPr>
+                                    <m:ctrlPr>
+                                      <a:rPr lang="en-US" b="0" smtClean="0">
+                                        <a:solidFill>
+                                          <a:schemeClr val="tx1"/>
+                                        </a:solidFill>
+                                        <a:latin typeface="Cambria Math" panose="02040503050406030204" pitchFamily="18" charset="0"/>
+                                        <a:cs typeface="Times New Roman" panose="02020603050405020304" pitchFamily="18" charset="0"/>
+                                      </a:rPr>
+                                    </m:ctrlPr>
+                                  </m:sSubPr>
+                                  <m:e>
+                                    <m:r>
+                                      <m:rPr>
+                                        <m:sty m:val="p"/>
+                                      </m:rPr>
+                                      <a:rPr lang="en-US" b="0" i="0" smtClean="0">
+                                        <a:solidFill>
+                                          <a:schemeClr val="tx1"/>
+                                        </a:solidFill>
+                                        <a:latin typeface="Cambria Math" panose="02040503050406030204" pitchFamily="18" charset="0"/>
+                                        <a:cs typeface="Times New Roman" panose="02020603050405020304" pitchFamily="18" charset="0"/>
+                                      </a:rPr>
+                                      <m:t>u</m:t>
+                                    </m:r>
+                                  </m:e>
+                                  <m:sub>
+                                    <m:r>
+                                      <a:rPr lang="en-US" b="0" i="0" smtClean="0">
+                                        <a:solidFill>
+                                          <a:schemeClr val="tx1"/>
+                                        </a:solidFill>
+                                        <a:latin typeface="Cambria Math" panose="02040503050406030204" pitchFamily="18" charset="0"/>
+                                        <a:cs typeface="Times New Roman" panose="02020603050405020304" pitchFamily="18" charset="0"/>
+                                      </a:rPr>
+                                      <m:t>1</m:t>
+                                    </m:r>
+                                  </m:sub>
+                                </m:sSub>
+                              </m:sup>
+                            </m:sSup>
+                            <m:r>
+                              <a:rPr lang="en-US" b="0" i="0" smtClean="0">
+                                <a:solidFill>
+                                  <a:schemeClr val="tx1"/>
+                                </a:solidFill>
+                                <a:latin typeface="Cambria Math" panose="02040503050406030204" pitchFamily="18" charset="0"/>
+                                <a:ea typeface="Cambria Math" panose="02040503050406030204" pitchFamily="18" charset="0"/>
+                                <a:cs typeface="Times New Roman" panose="02020603050405020304" pitchFamily="18" charset="0"/>
+                              </a:rPr>
+                              <m:t>⋅</m:t>
+                            </m:r>
+                            <m:sSup>
+                              <m:sSupPr>
+                                <m:ctrlPr>
+                                  <a:rPr lang="en-US" b="0" smtClean="0">
+                                    <a:solidFill>
+                                      <a:schemeClr val="tx1"/>
+                                    </a:solidFill>
+                                    <a:latin typeface="Cambria Math" panose="02040503050406030204" pitchFamily="18" charset="0"/>
+                                    <a:ea typeface="Cambria Math" panose="02040503050406030204" pitchFamily="18" charset="0"/>
+                                    <a:cs typeface="Times New Roman" panose="02020603050405020304" pitchFamily="18" charset="0"/>
+                                  </a:rPr>
+                                </m:ctrlPr>
+                              </m:sSupPr>
+                              <m:e>
+                                <m:r>
+                                  <m:rPr>
+                                    <m:sty m:val="p"/>
+                                  </m:rPr>
+                                  <a:rPr lang="en-US" b="0" i="0" smtClean="0">
+                                    <a:solidFill>
+                                      <a:schemeClr val="tx1"/>
+                                    </a:solidFill>
+                                    <a:latin typeface="Cambria Math" panose="02040503050406030204" pitchFamily="18" charset="0"/>
+                                    <a:ea typeface="Cambria Math" panose="02040503050406030204" pitchFamily="18" charset="0"/>
+                                    <a:cs typeface="Times New Roman" panose="02020603050405020304" pitchFamily="18" charset="0"/>
+                                  </a:rPr>
+                                  <m:t>y</m:t>
+                                </m:r>
+                              </m:e>
+                              <m:sup>
+                                <m:sSub>
+                                  <m:sSubPr>
+                                    <m:ctrlPr>
+                                      <a:rPr lang="en-US" b="0" smtClean="0">
+                                        <a:solidFill>
+                                          <a:schemeClr val="tx1"/>
+                                        </a:solidFill>
+                                        <a:latin typeface="Cambria Math" panose="02040503050406030204" pitchFamily="18" charset="0"/>
+                                        <a:ea typeface="Cambria Math" panose="02040503050406030204" pitchFamily="18" charset="0"/>
+                                        <a:cs typeface="Times New Roman" panose="02020603050405020304" pitchFamily="18" charset="0"/>
+                                      </a:rPr>
+                                    </m:ctrlPr>
+                                  </m:sSubPr>
+                                  <m:e>
+                                    <m:r>
+                                      <m:rPr>
+                                        <m:sty m:val="p"/>
+                                      </m:rPr>
+                                      <a:rPr lang="en-US" b="0" i="0" smtClean="0">
+                                        <a:solidFill>
+                                          <a:schemeClr val="tx1"/>
+                                        </a:solidFill>
+                                        <a:latin typeface="Cambria Math" panose="02040503050406030204" pitchFamily="18" charset="0"/>
+                                        <a:ea typeface="Cambria Math" panose="02040503050406030204" pitchFamily="18" charset="0"/>
+                                        <a:cs typeface="Times New Roman" panose="02020603050405020304" pitchFamily="18" charset="0"/>
+                                      </a:rPr>
+                                      <m:t>u</m:t>
+                                    </m:r>
+                                  </m:e>
+                                  <m:sub>
+                                    <m:r>
+                                      <a:rPr lang="en-US" b="0" i="0" smtClean="0">
+                                        <a:solidFill>
+                                          <a:schemeClr val="tx1"/>
+                                        </a:solidFill>
+                                        <a:latin typeface="Cambria Math" panose="02040503050406030204" pitchFamily="18" charset="0"/>
+                                        <a:ea typeface="Cambria Math" panose="02040503050406030204" pitchFamily="18" charset="0"/>
+                                        <a:cs typeface="Times New Roman" panose="02020603050405020304" pitchFamily="18" charset="0"/>
+                                      </a:rPr>
+                                      <m:t>2</m:t>
+                                    </m:r>
+                                  </m:sub>
+                                </m:sSub>
+                              </m:sup>
+                            </m:sSup>
+                          </m:e>
+                        </m:d>
+                        <m:r>
+                          <a:rPr lang="en-US" b="0" i="0" smtClean="0">
+                            <a:solidFill>
+                              <a:schemeClr val="tx1"/>
+                            </a:solidFill>
+                            <a:latin typeface="Cambria Math" panose="02040503050406030204" pitchFamily="18" charset="0"/>
+                            <a:cs typeface="Times New Roman" panose="02020603050405020304" pitchFamily="18" charset="0"/>
+                          </a:rPr>
+                          <m:t> </m:t>
+                        </m:r>
+                        <m:r>
+                          <m:rPr>
+                            <m:sty m:val="p"/>
+                          </m:rPr>
+                          <a:rPr lang="en-US" b="0" i="0" smtClean="0">
+                            <a:solidFill>
+                              <a:schemeClr val="tx1"/>
+                            </a:solidFill>
+                            <a:latin typeface="Cambria Math" panose="02040503050406030204" pitchFamily="18" charset="0"/>
+                            <a:cs typeface="Times New Roman" panose="02020603050405020304" pitchFamily="18" charset="0"/>
+                          </a:rPr>
+                          <m:t>mod</m:t>
+                        </m:r>
+                        <m:r>
+                          <a:rPr lang="en-US" b="0" i="0" smtClean="0">
+                            <a:solidFill>
+                              <a:schemeClr val="tx1"/>
+                            </a:solidFill>
+                            <a:latin typeface="Cambria Math" panose="02040503050406030204" pitchFamily="18" charset="0"/>
+                            <a:cs typeface="Times New Roman" panose="02020603050405020304" pitchFamily="18" charset="0"/>
+                          </a:rPr>
+                          <m:t> </m:t>
+                        </m:r>
+                        <m:r>
+                          <m:rPr>
+                            <m:sty m:val="p"/>
+                          </m:rPr>
+                          <a:rPr lang="en-US" b="0" i="0" smtClean="0">
+                            <a:solidFill>
+                              <a:schemeClr val="tx1"/>
+                            </a:solidFill>
+                            <a:latin typeface="Cambria Math" panose="02040503050406030204" pitchFamily="18" charset="0"/>
+                            <a:cs typeface="Times New Roman" panose="02020603050405020304" pitchFamily="18" charset="0"/>
+                          </a:rPr>
+                          <m:t>p</m:t>
+                        </m:r>
+                        <m:r>
+                          <a:rPr lang="en-US" b="0" i="0" smtClean="0">
+                            <a:solidFill>
+                              <a:schemeClr val="tx1"/>
+                            </a:solidFill>
+                            <a:latin typeface="Cambria Math" panose="02040503050406030204" pitchFamily="18" charset="0"/>
+                            <a:cs typeface="Times New Roman" panose="02020603050405020304" pitchFamily="18" charset="0"/>
+                          </a:rPr>
+                          <m:t> </m:t>
+                        </m:r>
+                      </m:e>
+                    </m:d>
+                    <m:r>
+                      <a:rPr lang="en-US" b="0" i="0" smtClean="0">
+                        <a:solidFill>
+                          <a:schemeClr val="tx1"/>
+                        </a:solidFill>
+                        <a:latin typeface="Cambria Math" panose="02040503050406030204" pitchFamily="18" charset="0"/>
+                        <a:cs typeface="Times New Roman" panose="02020603050405020304" pitchFamily="18" charset="0"/>
+                      </a:rPr>
+                      <m:t> </m:t>
+                    </m:r>
+                    <m:r>
+                      <m:rPr>
+                        <m:sty m:val="p"/>
+                      </m:rPr>
+                      <a:rPr lang="en-US" b="0" i="0" smtClean="0">
+                        <a:solidFill>
+                          <a:schemeClr val="tx1"/>
+                        </a:solidFill>
+                        <a:latin typeface="Cambria Math" panose="02040503050406030204" pitchFamily="18" charset="0"/>
+                        <a:cs typeface="Times New Roman" panose="02020603050405020304" pitchFamily="18" charset="0"/>
+                      </a:rPr>
+                      <m:t>mod</m:t>
+                    </m:r>
+                    <m:r>
+                      <a:rPr lang="en-US" b="0" i="0" smtClean="0">
+                        <a:solidFill>
+                          <a:schemeClr val="tx1"/>
+                        </a:solidFill>
+                        <a:latin typeface="Cambria Math" panose="02040503050406030204" pitchFamily="18" charset="0"/>
+                        <a:cs typeface="Times New Roman" panose="02020603050405020304" pitchFamily="18" charset="0"/>
+                      </a:rPr>
+                      <m:t> </m:t>
+                    </m:r>
+                    <m:r>
+                      <m:rPr>
+                        <m:sty m:val="p"/>
+                      </m:rPr>
+                      <a:rPr lang="en-US" b="0" i="0" smtClean="0">
+                        <a:solidFill>
+                          <a:schemeClr val="tx1"/>
+                        </a:solidFill>
+                        <a:latin typeface="Cambria Math" panose="02040503050406030204" pitchFamily="18" charset="0"/>
+                        <a:cs typeface="Times New Roman" panose="02020603050405020304" pitchFamily="18" charset="0"/>
+                      </a:rPr>
+                      <m:t>q</m:t>
+                    </m:r>
+                  </m:oMath>
+                </a14:m>
+                <a:endParaRPr lang="en-US" b="0" dirty="0">
+                  <a:solidFill>
+                    <a:schemeClr val="tx1"/>
+                  </a:solidFill>
+                  <a:latin typeface="Times New Roman" panose="02020603050405020304" pitchFamily="18" charset="0"/>
+                  <a:cs typeface="Times New Roman" panose="02020603050405020304" pitchFamily="18" charset="0"/>
+                </a:endParaRPr>
+              </a:p>
+              <a:p>
+                <a:pPr marL="342900" indent="-342900">
+                  <a:buAutoNum type="romanUcPeriod"/>
+                </a:pPr>
+                <a:r>
+                  <a:rPr lang="en-US" b="0" dirty="0">
+                    <a:solidFill>
+                      <a:schemeClr val="tx1"/>
+                    </a:solidFill>
+                    <a:latin typeface="Times New Roman" panose="02020603050405020304" pitchFamily="18" charset="0"/>
+                    <a:cs typeface="Times New Roman" panose="02020603050405020304" pitchFamily="18" charset="0"/>
+                  </a:rPr>
+                  <a:t> If </a:t>
+                </a:r>
+                <a:r>
+                  <a:rPr lang="en-US" dirty="0">
+                    <a:solidFill>
+                      <a:schemeClr val="tx1"/>
+                    </a:solidFill>
+                    <a:latin typeface="Times New Roman" panose="02020603050405020304" pitchFamily="18" charset="0"/>
+                    <a:cs typeface="Times New Roman" panose="02020603050405020304" pitchFamily="18" charset="0"/>
+                  </a:rPr>
+                  <a:t>( v = r ), the signature is valid.</a:t>
+                </a:r>
+                <a:endParaRPr lang="en-US" b="0" dirty="0">
+                  <a:solidFill>
+                    <a:schemeClr val="tx1"/>
+                  </a:solidFill>
+                  <a:latin typeface="Times New Roman" panose="02020603050405020304" pitchFamily="18" charset="0"/>
+                  <a:cs typeface="Times New Roman" panose="02020603050405020304" pitchFamily="18" charset="0"/>
+                </a:endParaRPr>
+              </a:p>
+            </p:txBody>
+          </p:sp>
+        </mc:Choice>
+        <mc:Fallback>
+          <p:sp>
+            <p:nvSpPr>
+              <p:cNvPr id="2" name="Rectangle 1">
+                <a:extLst>
+                  <a:ext uri="{FF2B5EF4-FFF2-40B4-BE49-F238E27FC236}">
+                    <a16:creationId xmlns:a16="http://schemas.microsoft.com/office/drawing/2014/main" id="{86138D0F-83F4-4794-85D4-CBDCF6A8AFE3}"/>
+                  </a:ext>
+                </a:extLst>
+              </p:cNvPr>
+              <p:cNvSpPr>
+                <a:spLocks noRot="1" noChangeAspect="1" noMove="1" noResize="1" noEditPoints="1" noAdjustHandles="1" noChangeArrowheads="1" noChangeShapeType="1" noTextEdit="1"/>
+              </p:cNvSpPr>
+              <p:nvPr/>
+            </p:nvSpPr>
+            <p:spPr>
+              <a:xfrm>
+                <a:off x="1805710" y="3752848"/>
+                <a:ext cx="9548954" cy="2667002"/>
+              </a:xfrm>
+              <a:prstGeom prst="rect">
+                <a:avLst/>
+              </a:prstGeom>
+              <a:blipFill>
+                <a:blip r:embed="rId2"/>
+                <a:stretch>
+                  <a:fillRect l="-382"/>
+                </a:stretch>
+              </a:blipFill>
+              <a:ln>
+                <a:solidFill>
+                  <a:schemeClr val="tx1"/>
+                </a:solidFill>
+              </a:ln>
+            </p:spPr>
+            <p:txBody>
+              <a:bodyPr/>
+              <a:lstStyle/>
+              <a:p>
+                <a:r>
+                  <a:rPr lang="en-IL">
+                    <a:noFill/>
+                  </a:rPr>
+                  <a:t> </a:t>
+                </a:r>
+              </a:p>
+            </p:txBody>
+          </p:sp>
+        </mc:Fallback>
+      </mc:AlternateContent>
+      <mc:AlternateContent xmlns:mc="http://schemas.openxmlformats.org/markup-compatibility/2006">
+        <mc:Choice xmlns:a14="http://schemas.microsoft.com/office/drawing/2010/main" Requires="a14">
+          <p:sp>
+            <p:nvSpPr>
+              <p:cNvPr id="3" name="Rectangle 2">
+                <a:extLst>
+                  <a:ext uri="{FF2B5EF4-FFF2-40B4-BE49-F238E27FC236}">
+                    <a16:creationId xmlns:a16="http://schemas.microsoft.com/office/drawing/2014/main" id="{BBE14B84-A5BD-4AD0-80D4-95E36AFB645B}"/>
+                  </a:ext>
+                </a:extLst>
+              </p:cNvPr>
+              <p:cNvSpPr/>
+              <p:nvPr/>
+            </p:nvSpPr>
+            <p:spPr>
+              <a:xfrm>
+                <a:off x="1177060" y="876298"/>
+                <a:ext cx="9548954" cy="2667002"/>
+              </a:xfrm>
+              <a:prstGeom prst="rect">
+                <a:avLst/>
+              </a:prstGeom>
+              <a:noFill/>
+              <a:ln>
+                <a:solidFill>
+                  <a:schemeClr val="tx1"/>
+                </a:solidFill>
+              </a:ln>
+            </p:spPr>
+            <p:style>
+              <a:lnRef idx="2">
+                <a:schemeClr val="accent1">
+                  <a:shade val="50000"/>
+                </a:schemeClr>
+              </a:lnRef>
+              <a:fillRef idx="1">
+                <a:schemeClr val="accent1"/>
+              </a:fillRef>
+              <a:effectRef idx="0">
+                <a:schemeClr val="accent1"/>
+              </a:effectRef>
+              <a:fontRef idx="minor">
+                <a:schemeClr val="lt1"/>
+              </a:fontRef>
+            </p:style>
+            <p:txBody>
+              <a:bodyPr rtlCol="0" anchor="ctr"/>
+              <a:lstStyle/>
+              <a:p>
+                <a:pPr marL="342900" indent="-342900">
+                  <a:buAutoNum type="romanUcPeriod"/>
+                </a:pPr>
+                <a:r>
+                  <a:rPr lang="en-US" dirty="0">
+                    <a:solidFill>
+                      <a:schemeClr val="tx1"/>
+                    </a:solidFill>
+                    <a:latin typeface="Times New Roman" panose="02020603050405020304" pitchFamily="18" charset="0"/>
+                    <a:cs typeface="Times New Roman" panose="02020603050405020304" pitchFamily="18" charset="0"/>
+                  </a:rPr>
+                  <a:t>z represents the hash of the message. z = the min(N, </a:t>
+                </a:r>
+                <a:r>
+                  <a:rPr lang="en-US" dirty="0" err="1">
+                    <a:solidFill>
+                      <a:schemeClr val="tx1"/>
+                    </a:solidFill>
+                    <a:latin typeface="Times New Roman" panose="02020603050405020304" pitchFamily="18" charset="0"/>
+                    <a:cs typeface="Times New Roman" panose="02020603050405020304" pitchFamily="18" charset="0"/>
+                  </a:rPr>
+                  <a:t>outlen</a:t>
+                </a:r>
+                <a:r>
+                  <a:rPr lang="en-US" dirty="0">
+                    <a:solidFill>
+                      <a:schemeClr val="tx1"/>
+                    </a:solidFill>
+                    <a:latin typeface="Times New Roman" panose="02020603050405020304" pitchFamily="18" charset="0"/>
+                    <a:cs typeface="Times New Roman" panose="02020603050405020304" pitchFamily="18" charset="0"/>
+                  </a:rPr>
+                  <a:t>) leftmost bits of the hash of the message (where N is the bit length of q, and </a:t>
+                </a:r>
+                <a:r>
+                  <a:rPr lang="en-US" dirty="0" err="1">
+                    <a:solidFill>
+                      <a:schemeClr val="tx1"/>
+                    </a:solidFill>
+                    <a:latin typeface="Times New Roman" panose="02020603050405020304" pitchFamily="18" charset="0"/>
+                    <a:cs typeface="Times New Roman" panose="02020603050405020304" pitchFamily="18" charset="0"/>
+                  </a:rPr>
+                  <a:t>outlen</a:t>
+                </a:r>
+                <a:r>
+                  <a:rPr lang="en-US" dirty="0">
+                    <a:solidFill>
+                      <a:schemeClr val="tx1"/>
+                    </a:solidFill>
+                    <a:latin typeface="Times New Roman" panose="02020603050405020304" pitchFamily="18" charset="0"/>
+                    <a:cs typeface="Times New Roman" panose="02020603050405020304" pitchFamily="18" charset="0"/>
+                  </a:rPr>
+                  <a:t> is the bit length of the hash digest).</a:t>
+                </a:r>
+              </a:p>
+              <a:p>
+                <a:pPr marL="342900" indent="-342900">
+                  <a:buAutoNum type="romanUcPeriod"/>
+                </a:pPr>
+                <a:r>
+                  <a:rPr lang="en-US" dirty="0">
+                    <a:solidFill>
+                      <a:schemeClr val="tx1"/>
+                    </a:solidFill>
+                    <a:latin typeface="Times New Roman" panose="02020603050405020304" pitchFamily="18" charset="0"/>
+                    <a:cs typeface="Times New Roman" panose="02020603050405020304" pitchFamily="18" charset="0"/>
+                  </a:rPr>
+                  <a:t>Choose a random k such that 0 &lt; k &lt; q, and then calculate k⁻¹ such that 1 = ( k × k⁻¹ ) mod q.</a:t>
+                </a:r>
+              </a:p>
+              <a:p>
+                <a:pPr marL="800100" lvl="1" indent="-342900">
+                  <a:buFont typeface="Wingdings" panose="05000000000000000000" pitchFamily="2" charset="2"/>
+                  <a:buChar char="Ø"/>
+                </a:pPr>
+                <a:r>
+                  <a:rPr lang="en-US" dirty="0">
+                    <a:solidFill>
+                      <a:schemeClr val="tx1"/>
+                    </a:solidFill>
+                    <a:latin typeface="Times New Roman" panose="02020603050405020304" pitchFamily="18" charset="0"/>
+                    <a:cs typeface="Times New Roman" panose="02020603050405020304" pitchFamily="18" charset="0"/>
+                  </a:rPr>
+                  <a:t>In order to keep the private key a secret, a new and different k should be used for each signature.</a:t>
+                </a:r>
+              </a:p>
+              <a:p>
+                <a:pPr marL="400050" indent="-400050">
+                  <a:buFont typeface="+mj-lt"/>
+                  <a:buAutoNum type="romanUcPeriod"/>
+                </a:pPr>
+                <a14:m>
+                  <m:oMath xmlns:m="http://schemas.openxmlformats.org/officeDocument/2006/math">
+                    <m:r>
+                      <m:rPr>
+                        <m:sty m:val="p"/>
+                      </m:rPr>
+                      <a:rPr lang="en-US" b="0" i="0" smtClean="0">
+                        <a:solidFill>
+                          <a:schemeClr val="tx1"/>
+                        </a:solidFill>
+                        <a:latin typeface="Cambria Math" panose="02040503050406030204" pitchFamily="18" charset="0"/>
+                      </a:rPr>
+                      <m:t>r</m:t>
+                    </m:r>
+                    <m:r>
+                      <a:rPr lang="en-US" b="0" i="0" smtClean="0">
+                        <a:solidFill>
+                          <a:schemeClr val="tx1"/>
+                        </a:solidFill>
+                        <a:latin typeface="Cambria Math" panose="02040503050406030204" pitchFamily="18" charset="0"/>
+                      </a:rPr>
+                      <m:t>=</m:t>
+                    </m:r>
+                    <m:d>
+                      <m:dPr>
+                        <m:ctrlPr>
+                          <a:rPr lang="en-US" b="0" i="1" smtClean="0">
+                            <a:solidFill>
+                              <a:schemeClr val="tx1"/>
+                            </a:solidFill>
+                            <a:latin typeface="Cambria Math" panose="02040503050406030204" pitchFamily="18" charset="0"/>
+                          </a:rPr>
+                        </m:ctrlPr>
+                      </m:dPr>
+                      <m:e>
+                        <m:r>
+                          <a:rPr lang="en-US" b="0" i="0" smtClean="0">
+                            <a:solidFill>
+                              <a:schemeClr val="tx1"/>
+                            </a:solidFill>
+                            <a:latin typeface="Cambria Math" panose="02040503050406030204" pitchFamily="18" charset="0"/>
+                          </a:rPr>
+                          <m:t> </m:t>
+                        </m:r>
+                        <m:sSup>
+                          <m:sSupPr>
+                            <m:ctrlPr>
+                              <a:rPr lang="en-US" b="0" i="1" smtClean="0">
+                                <a:solidFill>
+                                  <a:schemeClr val="tx1"/>
+                                </a:solidFill>
+                                <a:latin typeface="Cambria Math" panose="02040503050406030204" pitchFamily="18" charset="0"/>
+                              </a:rPr>
+                            </m:ctrlPr>
+                          </m:sSupPr>
+                          <m:e>
+                            <m:r>
+                              <m:rPr>
+                                <m:sty m:val="p"/>
+                              </m:rPr>
+                              <a:rPr lang="en-US" b="0" i="0" smtClean="0">
+                                <a:solidFill>
+                                  <a:schemeClr val="tx1"/>
+                                </a:solidFill>
+                                <a:latin typeface="Cambria Math" panose="02040503050406030204" pitchFamily="18" charset="0"/>
+                              </a:rPr>
+                              <m:t>g</m:t>
+                            </m:r>
+                          </m:e>
+                          <m:sup>
+                            <m:r>
+                              <m:rPr>
+                                <m:sty m:val="p"/>
+                              </m:rPr>
+                              <a:rPr lang="en-US" b="0" i="0" smtClean="0">
+                                <a:solidFill>
+                                  <a:schemeClr val="tx1"/>
+                                </a:solidFill>
+                                <a:latin typeface="Cambria Math" panose="02040503050406030204" pitchFamily="18" charset="0"/>
+                              </a:rPr>
+                              <m:t>k</m:t>
+                            </m:r>
+                          </m:sup>
+                        </m:sSup>
+                        <m:r>
+                          <a:rPr lang="en-US" b="0" i="0" smtClean="0">
+                            <a:solidFill>
+                              <a:schemeClr val="tx1"/>
+                            </a:solidFill>
+                            <a:latin typeface="Cambria Math" panose="02040503050406030204" pitchFamily="18" charset="0"/>
+                          </a:rPr>
+                          <m:t> </m:t>
+                        </m:r>
+                        <m:r>
+                          <m:rPr>
+                            <m:sty m:val="p"/>
+                          </m:rPr>
+                          <a:rPr lang="en-US" b="0" i="0" smtClean="0">
+                            <a:solidFill>
+                              <a:schemeClr val="tx1"/>
+                            </a:solidFill>
+                            <a:latin typeface="Cambria Math" panose="02040503050406030204" pitchFamily="18" charset="0"/>
+                          </a:rPr>
+                          <m:t>mod</m:t>
+                        </m:r>
+                        <m:r>
+                          <a:rPr lang="en-US" b="0" i="0" smtClean="0">
+                            <a:solidFill>
+                              <a:schemeClr val="tx1"/>
+                            </a:solidFill>
+                            <a:latin typeface="Cambria Math" panose="02040503050406030204" pitchFamily="18" charset="0"/>
+                          </a:rPr>
+                          <m:t> </m:t>
+                        </m:r>
+                        <m:r>
+                          <m:rPr>
+                            <m:sty m:val="p"/>
+                          </m:rPr>
+                          <a:rPr lang="en-US" b="0" i="0" smtClean="0">
+                            <a:solidFill>
+                              <a:schemeClr val="tx1"/>
+                            </a:solidFill>
+                            <a:latin typeface="Cambria Math" panose="02040503050406030204" pitchFamily="18" charset="0"/>
+                          </a:rPr>
+                          <m:t>p</m:t>
+                        </m:r>
+                        <m:r>
+                          <a:rPr lang="en-US" b="0" i="0" smtClean="0">
+                            <a:solidFill>
+                              <a:schemeClr val="tx1"/>
+                            </a:solidFill>
+                            <a:latin typeface="Cambria Math" panose="02040503050406030204" pitchFamily="18" charset="0"/>
+                          </a:rPr>
+                          <m:t> </m:t>
+                        </m:r>
+                      </m:e>
+                    </m:d>
+                    <m:r>
+                      <a:rPr lang="en-US" b="0" i="0" smtClean="0">
+                        <a:solidFill>
+                          <a:schemeClr val="tx1"/>
+                        </a:solidFill>
+                        <a:latin typeface="Cambria Math" panose="02040503050406030204" pitchFamily="18" charset="0"/>
+                      </a:rPr>
+                      <m:t> </m:t>
+                    </m:r>
+                    <m:r>
+                      <m:rPr>
+                        <m:sty m:val="p"/>
+                      </m:rPr>
+                      <a:rPr lang="en-US" b="0" i="0" smtClean="0">
+                        <a:solidFill>
+                          <a:schemeClr val="tx1"/>
+                        </a:solidFill>
+                        <a:latin typeface="Cambria Math" panose="02040503050406030204" pitchFamily="18" charset="0"/>
+                      </a:rPr>
+                      <m:t>mod</m:t>
+                    </m:r>
+                    <m:r>
+                      <a:rPr lang="en-US" b="0" i="0" smtClean="0">
+                        <a:solidFill>
+                          <a:schemeClr val="tx1"/>
+                        </a:solidFill>
+                        <a:latin typeface="Cambria Math" panose="02040503050406030204" pitchFamily="18" charset="0"/>
+                      </a:rPr>
+                      <m:t> </m:t>
+                    </m:r>
+                    <m:r>
+                      <m:rPr>
+                        <m:sty m:val="p"/>
+                      </m:rPr>
+                      <a:rPr lang="en-US" b="0" i="0" smtClean="0">
+                        <a:solidFill>
+                          <a:schemeClr val="tx1"/>
+                        </a:solidFill>
+                        <a:latin typeface="Cambria Math" panose="02040503050406030204" pitchFamily="18" charset="0"/>
+                      </a:rPr>
+                      <m:t>q</m:t>
+                    </m:r>
+                  </m:oMath>
+                </a14:m>
+                <a:endParaRPr lang="en-US" b="0" dirty="0">
+                  <a:solidFill>
+                    <a:schemeClr val="tx1"/>
+                  </a:solidFill>
+                  <a:latin typeface="Times New Roman" panose="02020603050405020304" pitchFamily="18" charset="0"/>
+                  <a:cs typeface="Times New Roman" panose="02020603050405020304" pitchFamily="18" charset="0"/>
+                </a:endParaRPr>
+              </a:p>
+              <a:p>
+                <a:pPr marL="400050" indent="-400050">
+                  <a:buFont typeface="+mj-lt"/>
+                  <a:buAutoNum type="romanUcPeriod"/>
+                </a:pPr>
+                <a14:m>
+                  <m:oMath xmlns:m="http://schemas.openxmlformats.org/officeDocument/2006/math">
+                    <m:r>
+                      <m:rPr>
+                        <m:sty m:val="p"/>
+                      </m:rPr>
+                      <a:rPr lang="en-US" b="0" i="0" smtClean="0">
+                        <a:solidFill>
+                          <a:schemeClr val="tx1"/>
+                        </a:solidFill>
+                        <a:latin typeface="Cambria Math" panose="02040503050406030204" pitchFamily="18" charset="0"/>
+                      </a:rPr>
+                      <m:t>s</m:t>
+                    </m:r>
+                    <m:r>
+                      <a:rPr lang="en-US" b="0" i="0" smtClean="0">
+                        <a:solidFill>
+                          <a:schemeClr val="tx1"/>
+                        </a:solidFill>
+                        <a:latin typeface="Cambria Math" panose="02040503050406030204" pitchFamily="18" charset="0"/>
+                      </a:rPr>
+                      <m:t>=</m:t>
+                    </m:r>
+                    <m:d>
+                      <m:dPr>
+                        <m:ctrlPr>
+                          <a:rPr lang="en-US" b="0" i="1" smtClean="0">
+                            <a:solidFill>
+                              <a:schemeClr val="tx1"/>
+                            </a:solidFill>
+                            <a:latin typeface="Cambria Math" panose="02040503050406030204" pitchFamily="18" charset="0"/>
+                          </a:rPr>
+                        </m:ctrlPr>
+                      </m:dPr>
+                      <m:e>
+                        <m:r>
+                          <a:rPr lang="en-US" b="0" i="0" smtClean="0">
+                            <a:solidFill>
+                              <a:schemeClr val="tx1"/>
+                            </a:solidFill>
+                            <a:latin typeface="Cambria Math" panose="02040503050406030204" pitchFamily="18" charset="0"/>
+                          </a:rPr>
+                          <m:t> </m:t>
+                        </m:r>
+                        <m:sSup>
+                          <m:sSupPr>
+                            <m:ctrlPr>
+                              <a:rPr lang="en-US" b="0" i="1" smtClean="0">
+                                <a:solidFill>
+                                  <a:schemeClr val="tx1"/>
+                                </a:solidFill>
+                                <a:latin typeface="Cambria Math" panose="02040503050406030204" pitchFamily="18" charset="0"/>
+                              </a:rPr>
+                            </m:ctrlPr>
+                          </m:sSupPr>
+                          <m:e>
+                            <m:r>
+                              <m:rPr>
+                                <m:sty m:val="p"/>
+                              </m:rPr>
+                              <a:rPr lang="en-US" b="0" i="0" smtClean="0">
+                                <a:solidFill>
+                                  <a:schemeClr val="tx1"/>
+                                </a:solidFill>
+                                <a:latin typeface="Cambria Math" panose="02040503050406030204" pitchFamily="18" charset="0"/>
+                              </a:rPr>
+                              <m:t>k</m:t>
+                            </m:r>
+                          </m:e>
+                          <m:sup>
+                            <m:r>
+                              <a:rPr lang="en-US" b="0" i="0" smtClean="0">
+                                <a:solidFill>
+                                  <a:schemeClr val="tx1"/>
+                                </a:solidFill>
+                                <a:latin typeface="Cambria Math" panose="02040503050406030204" pitchFamily="18" charset="0"/>
+                              </a:rPr>
+                              <m:t>−1</m:t>
+                            </m:r>
+                          </m:sup>
+                        </m:sSup>
+                        <m:r>
+                          <a:rPr lang="en-US" b="0" i="0" smtClean="0">
+                            <a:solidFill>
+                              <a:schemeClr val="tx1"/>
+                            </a:solidFill>
+                            <a:latin typeface="Cambria Math" panose="02040503050406030204" pitchFamily="18" charset="0"/>
+                          </a:rPr>
+                          <m:t> </m:t>
+                        </m:r>
+                        <m:d>
+                          <m:dPr>
+                            <m:ctrlPr>
+                              <a:rPr lang="en-US" b="0" i="1" smtClean="0">
+                                <a:solidFill>
+                                  <a:schemeClr val="tx1"/>
+                                </a:solidFill>
+                                <a:latin typeface="Cambria Math" panose="02040503050406030204" pitchFamily="18" charset="0"/>
+                              </a:rPr>
+                            </m:ctrlPr>
+                          </m:dPr>
+                          <m:e>
+                            <m:r>
+                              <a:rPr lang="en-US" b="0" i="0" smtClean="0">
+                                <a:solidFill>
+                                  <a:schemeClr val="tx1"/>
+                                </a:solidFill>
+                                <a:latin typeface="Cambria Math" panose="02040503050406030204" pitchFamily="18" charset="0"/>
+                              </a:rPr>
+                              <m:t> </m:t>
+                            </m:r>
+                            <m:r>
+                              <m:rPr>
+                                <m:sty m:val="p"/>
+                              </m:rPr>
+                              <a:rPr lang="en-US" b="0" i="0" smtClean="0">
+                                <a:solidFill>
+                                  <a:schemeClr val="tx1"/>
+                                </a:solidFill>
+                                <a:latin typeface="Cambria Math" panose="02040503050406030204" pitchFamily="18" charset="0"/>
+                              </a:rPr>
+                              <m:t>z</m:t>
+                            </m:r>
+                            <m:r>
+                              <a:rPr lang="en-US" b="0" i="0" smtClean="0">
+                                <a:solidFill>
+                                  <a:schemeClr val="tx1"/>
+                                </a:solidFill>
+                                <a:latin typeface="Cambria Math" panose="02040503050406030204" pitchFamily="18" charset="0"/>
+                              </a:rPr>
+                              <m:t>+</m:t>
+                            </m:r>
+                            <m:r>
+                              <m:rPr>
+                                <m:sty m:val="p"/>
+                              </m:rPr>
+                              <a:rPr lang="en-US" b="0" i="0" smtClean="0">
+                                <a:solidFill>
+                                  <a:schemeClr val="tx1"/>
+                                </a:solidFill>
+                                <a:latin typeface="Cambria Math" panose="02040503050406030204" pitchFamily="18" charset="0"/>
+                              </a:rPr>
+                              <m:t>x</m:t>
+                            </m:r>
+                            <m:r>
+                              <a:rPr lang="en-US" b="0" i="0" smtClean="0">
+                                <a:solidFill>
+                                  <a:schemeClr val="tx1"/>
+                                </a:solidFill>
+                                <a:latin typeface="Cambria Math" panose="02040503050406030204" pitchFamily="18" charset="0"/>
+                                <a:ea typeface="Cambria Math" panose="02040503050406030204" pitchFamily="18" charset="0"/>
+                              </a:rPr>
+                              <m:t>∙</m:t>
+                            </m:r>
+                            <m:r>
+                              <m:rPr>
+                                <m:sty m:val="p"/>
+                              </m:rPr>
+                              <a:rPr lang="en-US" b="0" i="0" smtClean="0">
+                                <a:solidFill>
+                                  <a:schemeClr val="tx1"/>
+                                </a:solidFill>
+                                <a:latin typeface="Cambria Math" panose="02040503050406030204" pitchFamily="18" charset="0"/>
+                              </a:rPr>
+                              <m:t>r</m:t>
+                            </m:r>
+                            <m:r>
+                              <a:rPr lang="en-US" b="0" i="0" smtClean="0">
+                                <a:solidFill>
+                                  <a:schemeClr val="tx1"/>
+                                </a:solidFill>
+                                <a:latin typeface="Cambria Math" panose="02040503050406030204" pitchFamily="18" charset="0"/>
+                              </a:rPr>
+                              <m:t> </m:t>
+                            </m:r>
+                          </m:e>
+                        </m:d>
+                      </m:e>
+                    </m:d>
+                    <m:r>
+                      <a:rPr lang="en-US" b="0" i="0" smtClean="0">
+                        <a:solidFill>
+                          <a:schemeClr val="tx1"/>
+                        </a:solidFill>
+                        <a:latin typeface="Cambria Math" panose="02040503050406030204" pitchFamily="18" charset="0"/>
+                      </a:rPr>
+                      <m:t> </m:t>
+                    </m:r>
+                    <m:r>
+                      <m:rPr>
+                        <m:sty m:val="p"/>
+                      </m:rPr>
+                      <a:rPr lang="en-US" b="0" i="0" smtClean="0">
+                        <a:solidFill>
+                          <a:schemeClr val="tx1"/>
+                        </a:solidFill>
+                        <a:latin typeface="Cambria Math" panose="02040503050406030204" pitchFamily="18" charset="0"/>
+                      </a:rPr>
+                      <m:t>mod</m:t>
+                    </m:r>
+                    <m:r>
+                      <a:rPr lang="en-US" b="0" i="0" smtClean="0">
+                        <a:solidFill>
+                          <a:schemeClr val="tx1"/>
+                        </a:solidFill>
+                        <a:latin typeface="Cambria Math" panose="02040503050406030204" pitchFamily="18" charset="0"/>
+                      </a:rPr>
+                      <m:t> </m:t>
+                    </m:r>
+                    <m:r>
+                      <m:rPr>
+                        <m:sty m:val="p"/>
+                      </m:rPr>
+                      <a:rPr lang="en-US" b="0" i="0" smtClean="0">
+                        <a:solidFill>
+                          <a:schemeClr val="tx1"/>
+                        </a:solidFill>
+                        <a:latin typeface="Cambria Math" panose="02040503050406030204" pitchFamily="18" charset="0"/>
+                      </a:rPr>
+                      <m:t>q</m:t>
+                    </m:r>
+                  </m:oMath>
+                </a14:m>
+                <a:endParaRPr lang="en-US" b="0" dirty="0">
+                  <a:solidFill>
+                    <a:schemeClr val="tx1"/>
+                  </a:solidFill>
+                  <a:latin typeface="Times New Roman" panose="02020603050405020304" pitchFamily="18" charset="0"/>
+                  <a:cs typeface="Times New Roman" panose="02020603050405020304" pitchFamily="18" charset="0"/>
+                </a:endParaRPr>
+              </a:p>
+              <a:p>
+                <a:pPr marL="400050" indent="-400050">
+                  <a:buFont typeface="+mj-lt"/>
+                  <a:buAutoNum type="romanUcPeriod"/>
+                </a:pPr>
+                <a:r>
+                  <a:rPr lang="en-US" dirty="0">
+                    <a:solidFill>
+                      <a:schemeClr val="tx1"/>
+                    </a:solidFill>
+                    <a:latin typeface="Times New Roman" panose="02020603050405020304" pitchFamily="18" charset="0"/>
+                    <a:cs typeface="Times New Roman" panose="02020603050405020304" pitchFamily="18" charset="0"/>
+                  </a:rPr>
+                  <a:t>If </a:t>
+                </a:r>
+                <a14:m>
+                  <m:oMath xmlns:m="http://schemas.openxmlformats.org/officeDocument/2006/math">
+                    <m:d>
+                      <m:dPr>
+                        <m:ctrlPr>
+                          <a:rPr lang="en-US" b="0" i="1" smtClean="0">
+                            <a:solidFill>
+                              <a:schemeClr val="tx1"/>
+                            </a:solidFill>
+                            <a:latin typeface="Cambria Math" panose="02040503050406030204" pitchFamily="18" charset="0"/>
+                          </a:rPr>
+                        </m:ctrlPr>
+                      </m:dPr>
+                      <m:e>
+                        <m:r>
+                          <a:rPr lang="en-US" b="0" i="1" smtClean="0">
+                            <a:solidFill>
+                              <a:schemeClr val="tx1"/>
+                            </a:solidFill>
+                            <a:latin typeface="Cambria Math" panose="02040503050406030204" pitchFamily="18" charset="0"/>
+                          </a:rPr>
+                          <m:t> </m:t>
+                        </m:r>
+                        <m:r>
+                          <a:rPr lang="en-US" b="0" i="1" smtClean="0">
+                            <a:solidFill>
+                              <a:schemeClr val="tx1"/>
+                            </a:solidFill>
+                            <a:latin typeface="Cambria Math" panose="02040503050406030204" pitchFamily="18" charset="0"/>
+                          </a:rPr>
+                          <m:t>𝑟</m:t>
+                        </m:r>
+                        <m:r>
+                          <a:rPr lang="en-US" b="0" i="1" smtClean="0">
+                            <a:solidFill>
+                              <a:schemeClr val="tx1"/>
+                            </a:solidFill>
+                            <a:latin typeface="Cambria Math" panose="02040503050406030204" pitchFamily="18" charset="0"/>
+                          </a:rPr>
+                          <m:t>=0 </m:t>
+                        </m:r>
+                      </m:e>
+                    </m:d>
+                    <m:r>
+                      <a:rPr lang="en-US" b="0" i="1" smtClean="0">
+                        <a:solidFill>
+                          <a:schemeClr val="tx1"/>
+                        </a:solidFill>
+                        <a:latin typeface="Cambria Math" panose="02040503050406030204" pitchFamily="18" charset="0"/>
+                        <a:ea typeface="Cambria Math" panose="02040503050406030204" pitchFamily="18" charset="0"/>
+                      </a:rPr>
+                      <m:t>∨</m:t>
+                    </m:r>
+                    <m:d>
+                      <m:dPr>
+                        <m:ctrlPr>
+                          <a:rPr lang="en-US" b="0" i="1" smtClean="0">
+                            <a:solidFill>
+                              <a:schemeClr val="tx1"/>
+                            </a:solidFill>
+                            <a:latin typeface="Cambria Math" panose="02040503050406030204" pitchFamily="18" charset="0"/>
+                            <a:ea typeface="Cambria Math" panose="02040503050406030204" pitchFamily="18" charset="0"/>
+                          </a:rPr>
+                        </m:ctrlPr>
+                      </m:dPr>
+                      <m:e>
+                        <m:r>
+                          <a:rPr lang="en-US" b="0" i="1" smtClean="0">
+                            <a:solidFill>
+                              <a:schemeClr val="tx1"/>
+                            </a:solidFill>
+                            <a:latin typeface="Cambria Math" panose="02040503050406030204" pitchFamily="18" charset="0"/>
+                            <a:ea typeface="Cambria Math" panose="02040503050406030204" pitchFamily="18" charset="0"/>
+                          </a:rPr>
+                          <m:t> </m:t>
+                        </m:r>
+                        <m:r>
+                          <a:rPr lang="en-US" b="0" i="1" smtClean="0">
+                            <a:solidFill>
+                              <a:schemeClr val="tx1"/>
+                            </a:solidFill>
+                            <a:latin typeface="Cambria Math" panose="02040503050406030204" pitchFamily="18" charset="0"/>
+                            <a:ea typeface="Cambria Math" panose="02040503050406030204" pitchFamily="18" charset="0"/>
+                          </a:rPr>
+                          <m:t>𝑠</m:t>
+                        </m:r>
+                        <m:r>
+                          <a:rPr lang="en-US" b="0" i="1" smtClean="0">
+                            <a:solidFill>
+                              <a:schemeClr val="tx1"/>
+                            </a:solidFill>
+                            <a:latin typeface="Cambria Math" panose="02040503050406030204" pitchFamily="18" charset="0"/>
+                            <a:ea typeface="Cambria Math" panose="02040503050406030204" pitchFamily="18" charset="0"/>
+                          </a:rPr>
+                          <m:t>=0 </m:t>
+                        </m:r>
+                      </m:e>
+                    </m:d>
+                  </m:oMath>
+                </a14:m>
+                <a:r>
+                  <a:rPr lang="en-US" b="0" dirty="0">
+                    <a:solidFill>
+                      <a:schemeClr val="tx1"/>
+                    </a:solidFill>
+                    <a:latin typeface="Times New Roman" panose="02020603050405020304" pitchFamily="18" charset="0"/>
+                    <a:cs typeface="Times New Roman" panose="02020603050405020304" pitchFamily="18" charset="0"/>
+                  </a:rPr>
+                  <a:t> choose a different k and repeat from step II.</a:t>
+                </a:r>
+              </a:p>
+            </p:txBody>
+          </p:sp>
+        </mc:Choice>
+        <mc:Fallback>
+          <p:sp>
+            <p:nvSpPr>
+              <p:cNvPr id="3" name="Rectangle 2">
+                <a:extLst>
+                  <a:ext uri="{FF2B5EF4-FFF2-40B4-BE49-F238E27FC236}">
+                    <a16:creationId xmlns:a16="http://schemas.microsoft.com/office/drawing/2014/main" id="{BBE14B84-A5BD-4AD0-80D4-95E36AFB645B}"/>
+                  </a:ext>
+                </a:extLst>
+              </p:cNvPr>
+              <p:cNvSpPr>
+                <a:spLocks noRot="1" noChangeAspect="1" noMove="1" noResize="1" noEditPoints="1" noAdjustHandles="1" noChangeArrowheads="1" noChangeShapeType="1" noTextEdit="1"/>
+              </p:cNvSpPr>
+              <p:nvPr/>
+            </p:nvSpPr>
+            <p:spPr>
+              <a:xfrm>
+                <a:off x="1177060" y="876298"/>
+                <a:ext cx="9548954" cy="2667002"/>
+              </a:xfrm>
+              <a:prstGeom prst="rect">
+                <a:avLst/>
+              </a:prstGeom>
+              <a:blipFill>
+                <a:blip r:embed="rId3"/>
+                <a:stretch>
+                  <a:fillRect l="-382"/>
+                </a:stretch>
+              </a:blipFill>
+              <a:ln>
+                <a:solidFill>
+                  <a:schemeClr val="tx1"/>
+                </a:solidFill>
+              </a:ln>
+            </p:spPr>
+            <p:txBody>
+              <a:bodyPr/>
+              <a:lstStyle/>
+              <a:p>
+                <a:r>
+                  <a:rPr lang="en-IL">
+                    <a:noFill/>
+                  </a:rPr>
+                  <a:t> </a:t>
+                </a:r>
+              </a:p>
+            </p:txBody>
+          </p:sp>
+        </mc:Fallback>
+      </mc:AlternateContent>
+    </p:spTree>
+    <p:extLst>
+      <p:ext uri="{BB962C8B-B14F-4D97-AF65-F5344CB8AC3E}">
+        <p14:creationId xmlns:p14="http://schemas.microsoft.com/office/powerpoint/2010/main" val="2666238977"/>
+      </p:ext>
+    </p:extLst>
+  </p:cSld>
+  <p:clrMapOvr>
+    <a:masterClrMapping/>
+  </p:clrMapOvr>
+</p:sld>
+</file>
+
 <file path=ppt/theme/theme1.xml><?xml version="1.0" encoding="utf-8"?>
 <a:theme xmlns:a="http://schemas.openxmlformats.org/drawingml/2006/main" name="Office Theme">
   <a:themeElements>

--- a/Thesis/Images/Graphics.pptx
+++ b/Thesis/Images/Graphics.pptx
@@ -20,6 +20,12 @@
     <p:sldId id="268" r:id="rId14"/>
     <p:sldId id="269" r:id="rId15"/>
     <p:sldId id="270" r:id="rId16"/>
+    <p:sldId id="271" r:id="rId17"/>
+    <p:sldId id="272" r:id="rId18"/>
+    <p:sldId id="273" r:id="rId19"/>
+    <p:sldId id="274" r:id="rId20"/>
+    <p:sldId id="275" r:id="rId21"/>
+    <p:sldId id="276" r:id="rId22"/>
   </p:sldIdLst>
   <p:sldSz cx="12192000" cy="6858000"/>
   <p:notesSz cx="6858000" cy="9144000"/>
@@ -273,7 +279,7 @@
           <a:p>
             <a:fld id="{3286223C-7221-42F3-BF52-BFAD53909E61}" type="datetimeFigureOut">
               <a:rPr lang="en-US" smtClean="0"/>
-              <a:t>2021-06-08</a:t>
+              <a:t>2021-06-09</a:t>
             </a:fld>
             <a:endParaRPr lang="en-US"/>
           </a:p>
@@ -471,7 +477,7 @@
           <a:p>
             <a:fld id="{3286223C-7221-42F3-BF52-BFAD53909E61}" type="datetimeFigureOut">
               <a:rPr lang="en-US" smtClean="0"/>
-              <a:t>2021-06-08</a:t>
+              <a:t>2021-06-09</a:t>
             </a:fld>
             <a:endParaRPr lang="en-US"/>
           </a:p>
@@ -679,7 +685,7 @@
           <a:p>
             <a:fld id="{3286223C-7221-42F3-BF52-BFAD53909E61}" type="datetimeFigureOut">
               <a:rPr lang="en-US" smtClean="0"/>
-              <a:t>2021-06-08</a:t>
+              <a:t>2021-06-09</a:t>
             </a:fld>
             <a:endParaRPr lang="en-US"/>
           </a:p>
@@ -877,7 +883,7 @@
           <a:p>
             <a:fld id="{3286223C-7221-42F3-BF52-BFAD53909E61}" type="datetimeFigureOut">
               <a:rPr lang="en-US" smtClean="0"/>
-              <a:t>2021-06-08</a:t>
+              <a:t>2021-06-09</a:t>
             </a:fld>
             <a:endParaRPr lang="en-US"/>
           </a:p>
@@ -1152,7 +1158,7 @@
           <a:p>
             <a:fld id="{3286223C-7221-42F3-BF52-BFAD53909E61}" type="datetimeFigureOut">
               <a:rPr lang="en-US" smtClean="0"/>
-              <a:t>2021-06-08</a:t>
+              <a:t>2021-06-09</a:t>
             </a:fld>
             <a:endParaRPr lang="en-US"/>
           </a:p>
@@ -1417,7 +1423,7 @@
           <a:p>
             <a:fld id="{3286223C-7221-42F3-BF52-BFAD53909E61}" type="datetimeFigureOut">
               <a:rPr lang="en-US" smtClean="0"/>
-              <a:t>2021-06-08</a:t>
+              <a:t>2021-06-09</a:t>
             </a:fld>
             <a:endParaRPr lang="en-US"/>
           </a:p>
@@ -1829,7 +1835,7 @@
           <a:p>
             <a:fld id="{3286223C-7221-42F3-BF52-BFAD53909E61}" type="datetimeFigureOut">
               <a:rPr lang="en-US" smtClean="0"/>
-              <a:t>2021-06-08</a:t>
+              <a:t>2021-06-09</a:t>
             </a:fld>
             <a:endParaRPr lang="en-US"/>
           </a:p>
@@ -1970,7 +1976,7 @@
           <a:p>
             <a:fld id="{3286223C-7221-42F3-BF52-BFAD53909E61}" type="datetimeFigureOut">
               <a:rPr lang="en-US" smtClean="0"/>
-              <a:t>2021-06-08</a:t>
+              <a:t>2021-06-09</a:t>
             </a:fld>
             <a:endParaRPr lang="en-US"/>
           </a:p>
@@ -2083,7 +2089,7 @@
           <a:p>
             <a:fld id="{3286223C-7221-42F3-BF52-BFAD53909E61}" type="datetimeFigureOut">
               <a:rPr lang="en-US" smtClean="0"/>
-              <a:t>2021-06-08</a:t>
+              <a:t>2021-06-09</a:t>
             </a:fld>
             <a:endParaRPr lang="en-US"/>
           </a:p>
@@ -2394,7 +2400,7 @@
           <a:p>
             <a:fld id="{3286223C-7221-42F3-BF52-BFAD53909E61}" type="datetimeFigureOut">
               <a:rPr lang="en-US" smtClean="0"/>
-              <a:t>2021-06-08</a:t>
+              <a:t>2021-06-09</a:t>
             </a:fld>
             <a:endParaRPr lang="en-US"/>
           </a:p>
@@ -2682,7 +2688,7 @@
           <a:p>
             <a:fld id="{3286223C-7221-42F3-BF52-BFAD53909E61}" type="datetimeFigureOut">
               <a:rPr lang="en-US" smtClean="0"/>
-              <a:t>2021-06-08</a:t>
+              <a:t>2021-06-09</a:t>
             </a:fld>
             <a:endParaRPr lang="en-US"/>
           </a:p>
@@ -2923,7 +2929,7 @@
           <a:p>
             <a:fld id="{3286223C-7221-42F3-BF52-BFAD53909E61}" type="datetimeFigureOut">
               <a:rPr lang="en-US" smtClean="0"/>
-              <a:t>2021-06-08</a:t>
+              <a:t>2021-06-09</a:t>
             </a:fld>
             <a:endParaRPr lang="en-US"/>
           </a:p>
@@ -10439,6 +10445,2745 @@
 </p:sld>
 </file>
 
+<file path=ppt/slides/slide16.xml><?xml version="1.0" encoding="utf-8"?>
+<p:sld xmlns:a="http://schemas.openxmlformats.org/drawingml/2006/main" xmlns:r="http://schemas.openxmlformats.org/officeDocument/2006/relationships" xmlns:p="http://schemas.openxmlformats.org/presentationml/2006/main">
+  <p:cSld>
+    <p:spTree>
+      <p:nvGrpSpPr>
+        <p:cNvPr id="1" name=""/>
+        <p:cNvGrpSpPr/>
+        <p:nvPr/>
+      </p:nvGrpSpPr>
+      <p:grpSpPr>
+        <a:xfrm>
+          <a:off x="0" y="0"/>
+          <a:ext cx="0" cy="0"/>
+          <a:chOff x="0" y="0"/>
+          <a:chExt cx="0" cy="0"/>
+        </a:xfrm>
+      </p:grpSpPr>
+      <p:pic>
+        <p:nvPicPr>
+          <p:cNvPr id="2" name="Picture 2" descr="Free Server Cliparts, Download Free Server Cliparts png images, Free  ClipArts on Clipart Library">
+            <a:extLst>
+              <a:ext uri="{FF2B5EF4-FFF2-40B4-BE49-F238E27FC236}">
+                <a16:creationId xmlns:a16="http://schemas.microsoft.com/office/drawing/2014/main" id="{1F801D20-2585-48BD-9B2E-0BFEA53BAF81}"/>
+              </a:ext>
+            </a:extLst>
+          </p:cNvPr>
+          <p:cNvPicPr>
+            <a:picLocks noChangeAspect="1" noChangeArrowheads="1"/>
+          </p:cNvPicPr>
+          <p:nvPr/>
+        </p:nvPicPr>
+        <p:blipFill>
+          <a:blip r:embed="rId2">
+            <a:extLst>
+              <a:ext uri="{28A0092B-C50C-407E-A947-70E740481C1C}">
+                <a14:useLocalDpi xmlns:a14="http://schemas.microsoft.com/office/drawing/2010/main" val="0"/>
+              </a:ext>
+            </a:extLst>
+          </a:blip>
+          <a:srcRect/>
+          <a:stretch>
+            <a:fillRect/>
+          </a:stretch>
+        </p:blipFill>
+        <p:spPr bwMode="auto">
+          <a:xfrm>
+            <a:off x="5642409" y="2733675"/>
+            <a:ext cx="907182" cy="1390650"/>
+          </a:xfrm>
+          <a:prstGeom prst="rect">
+            <a:avLst/>
+          </a:prstGeom>
+          <a:noFill/>
+          <a:extLst>
+            <a:ext uri="{909E8E84-426E-40DD-AFC4-6F175D3DCCD1}">
+              <a14:hiddenFill xmlns:a14="http://schemas.microsoft.com/office/drawing/2010/main">
+                <a:solidFill>
+                  <a:srgbClr val="FFFFFF"/>
+                </a:solidFill>
+              </a14:hiddenFill>
+            </a:ext>
+          </a:extLst>
+        </p:spPr>
+      </p:pic>
+      <p:sp>
+        <p:nvSpPr>
+          <p:cNvPr id="3" name="TextBox 2">
+            <a:extLst>
+              <a:ext uri="{FF2B5EF4-FFF2-40B4-BE49-F238E27FC236}">
+                <a16:creationId xmlns:a16="http://schemas.microsoft.com/office/drawing/2014/main" id="{F4129CE8-BE02-4121-828A-6B93CCCF56D4}"/>
+              </a:ext>
+            </a:extLst>
+          </p:cNvPr>
+          <p:cNvSpPr txBox="1"/>
+          <p:nvPr/>
+        </p:nvSpPr>
+        <p:spPr>
+          <a:xfrm>
+            <a:off x="5479388" y="4124325"/>
+            <a:ext cx="1233223" cy="646331"/>
+          </a:xfrm>
+          <a:prstGeom prst="rect">
+            <a:avLst/>
+          </a:prstGeom>
+          <a:noFill/>
+        </p:spPr>
+        <p:txBody>
+          <a:bodyPr wrap="none" rtlCol="0">
+            <a:spAutoFit/>
+          </a:bodyPr>
+          <a:lstStyle/>
+          <a:p>
+            <a:pPr algn="ctr"/>
+            <a:r>
+              <a:rPr lang="en-US" dirty="0" err="1"/>
+              <a:t>GreenCoin</a:t>
+            </a:r>
+            <a:r>
+              <a:rPr lang="en-US" dirty="0"/>
+              <a:t> </a:t>
+            </a:r>
+          </a:p>
+          <a:p>
+            <a:pPr algn="ctr"/>
+            <a:r>
+              <a:rPr lang="en-US" dirty="0"/>
+              <a:t>Miner</a:t>
+            </a:r>
+          </a:p>
+        </p:txBody>
+      </p:sp>
+      <p:grpSp>
+        <p:nvGrpSpPr>
+          <p:cNvPr id="12" name="Group 11">
+            <a:extLst>
+              <a:ext uri="{FF2B5EF4-FFF2-40B4-BE49-F238E27FC236}">
+                <a16:creationId xmlns:a16="http://schemas.microsoft.com/office/drawing/2014/main" id="{D3FB0B7B-7709-41CC-A227-0A025AFD301B}"/>
+              </a:ext>
+            </a:extLst>
+          </p:cNvPr>
+          <p:cNvGrpSpPr/>
+          <p:nvPr/>
+        </p:nvGrpSpPr>
+        <p:grpSpPr>
+          <a:xfrm>
+            <a:off x="6549591" y="1608569"/>
+            <a:ext cx="4146985" cy="3154326"/>
+            <a:chOff x="5779226" y="1094613"/>
+            <a:chExt cx="5498374" cy="4182237"/>
+          </a:xfrm>
+        </p:grpSpPr>
+        <p:pic>
+          <p:nvPicPr>
+            <p:cNvPr id="4" name="Picture 4" descr="person-icon-person-icon-clipart-image-from-our-icon-clipart-category-9 -  Free your Mind - Kitesurfing school - Camps - MICE events">
+              <a:extLst>
+                <a:ext uri="{FF2B5EF4-FFF2-40B4-BE49-F238E27FC236}">
+                  <a16:creationId xmlns:a16="http://schemas.microsoft.com/office/drawing/2014/main" id="{FF2A3F78-F800-4A37-82F3-B5AA327E62C6}"/>
+                </a:ext>
+              </a:extLst>
+            </p:cNvPr>
+            <p:cNvPicPr>
+              <a:picLocks noChangeAspect="1" noChangeArrowheads="1"/>
+            </p:cNvPicPr>
+            <p:nvPr/>
+          </p:nvPicPr>
+          <p:blipFill rotWithShape="1">
+            <a:blip r:embed="rId3">
+              <a:extLst>
+                <a:ext uri="{28A0092B-C50C-407E-A947-70E740481C1C}">
+                  <a14:useLocalDpi xmlns:a14="http://schemas.microsoft.com/office/drawing/2010/main" val="0"/>
+                </a:ext>
+              </a:extLst>
+            </a:blip>
+            <a:srcRect l="37612" t="13200" r="34788" b="11200"/>
+            <a:stretch/>
+          </p:blipFill>
+          <p:spPr bwMode="auto">
+            <a:xfrm>
+              <a:off x="9963150" y="1676400"/>
+              <a:ext cx="1314450" cy="3600450"/>
+            </a:xfrm>
+            <a:prstGeom prst="rect">
+              <a:avLst/>
+            </a:prstGeom>
+            <a:noFill/>
+            <a:extLst>
+              <a:ext uri="{909E8E84-426E-40DD-AFC4-6F175D3DCCD1}">
+                <a14:hiddenFill xmlns:a14="http://schemas.microsoft.com/office/drawing/2010/main">
+                  <a:solidFill>
+                    <a:srgbClr val="FFFFFF"/>
+                  </a:solidFill>
+                </a14:hiddenFill>
+              </a:ext>
+            </a:extLst>
+          </p:spPr>
+        </p:pic>
+        <p:sp>
+          <p:nvSpPr>
+            <p:cNvPr id="5" name="Speech Bubble: Oval 4">
+              <a:extLst>
+                <a:ext uri="{FF2B5EF4-FFF2-40B4-BE49-F238E27FC236}">
+                  <a16:creationId xmlns:a16="http://schemas.microsoft.com/office/drawing/2014/main" id="{B370036B-EC0E-441D-AA25-13D3F894A401}"/>
+                </a:ext>
+              </a:extLst>
+            </p:cNvPr>
+            <p:cNvSpPr/>
+            <p:nvPr/>
+          </p:nvSpPr>
+          <p:spPr>
+            <a:xfrm>
+              <a:off x="8334375" y="1094613"/>
+              <a:ext cx="1685925" cy="973074"/>
+            </a:xfrm>
+            <a:prstGeom prst="wedgeEllipseCallout">
+              <a:avLst>
+                <a:gd name="adj1" fmla="val 50971"/>
+                <a:gd name="adj2" fmla="val 68489"/>
+              </a:avLst>
+            </a:prstGeom>
+            <a:solidFill>
+              <a:srgbClr val="00B0F0"/>
+            </a:solidFill>
+            <a:ln>
+              <a:solidFill>
+                <a:schemeClr val="tx1"/>
+              </a:solidFill>
+            </a:ln>
+          </p:spPr>
+          <p:style>
+            <a:lnRef idx="2">
+              <a:schemeClr val="accent1">
+                <a:shade val="50000"/>
+              </a:schemeClr>
+            </a:lnRef>
+            <a:fillRef idx="1">
+              <a:schemeClr val="accent1"/>
+            </a:fillRef>
+            <a:effectRef idx="0">
+              <a:schemeClr val="accent1"/>
+            </a:effectRef>
+            <a:fontRef idx="minor">
+              <a:schemeClr val="lt1"/>
+            </a:fontRef>
+          </p:style>
+          <p:txBody>
+            <a:bodyPr rtlCol="0" anchor="ctr"/>
+            <a:lstStyle/>
+            <a:p>
+              <a:pPr algn="ctr"/>
+              <a:r>
+                <a:rPr lang="en-US" sz="1200" dirty="0"/>
+                <a:t>Bob sends Alice 350GC</a:t>
+              </a:r>
+            </a:p>
+          </p:txBody>
+        </p:sp>
+        <p:cxnSp>
+          <p:nvCxnSpPr>
+            <p:cNvPr id="7" name="Straight Arrow Connector 6">
+              <a:extLst>
+                <a:ext uri="{FF2B5EF4-FFF2-40B4-BE49-F238E27FC236}">
+                  <a16:creationId xmlns:a16="http://schemas.microsoft.com/office/drawing/2014/main" id="{7D64CF21-7F64-492E-BF1E-D6E1F1E90939}"/>
+                </a:ext>
+              </a:extLst>
+            </p:cNvPr>
+            <p:cNvCxnSpPr>
+              <a:cxnSpLocks/>
+              <a:stCxn id="5" idx="3"/>
+              <a:endCxn id="2" idx="3"/>
+            </p:cNvCxnSpPr>
+            <p:nvPr/>
+          </p:nvCxnSpPr>
+          <p:spPr>
+            <a:xfrm flipH="1">
+              <a:off x="5779226" y="1925184"/>
+              <a:ext cx="2802048" cy="1583090"/>
+            </a:xfrm>
+            <a:prstGeom prst="straightConnector1">
+              <a:avLst/>
+            </a:prstGeom>
+            <a:ln w="38100">
+              <a:solidFill>
+                <a:srgbClr val="00B050"/>
+              </a:solidFill>
+              <a:tailEnd type="triangle"/>
+            </a:ln>
+          </p:spPr>
+          <p:style>
+            <a:lnRef idx="1">
+              <a:schemeClr val="accent1"/>
+            </a:lnRef>
+            <a:fillRef idx="0">
+              <a:schemeClr val="accent1"/>
+            </a:fillRef>
+            <a:effectRef idx="0">
+              <a:schemeClr val="accent1"/>
+            </a:effectRef>
+            <a:fontRef idx="minor">
+              <a:schemeClr val="tx1"/>
+            </a:fontRef>
+          </p:style>
+        </p:cxnSp>
+      </p:grpSp>
+      <p:grpSp>
+        <p:nvGrpSpPr>
+          <p:cNvPr id="15" name="Group 14">
+            <a:extLst>
+              <a:ext uri="{FF2B5EF4-FFF2-40B4-BE49-F238E27FC236}">
+                <a16:creationId xmlns:a16="http://schemas.microsoft.com/office/drawing/2014/main" id="{4FB9457F-7D5A-4F8C-B6E1-82B5A3C834AB}"/>
+              </a:ext>
+            </a:extLst>
+          </p:cNvPr>
+          <p:cNvGrpSpPr/>
+          <p:nvPr/>
+        </p:nvGrpSpPr>
+        <p:grpSpPr>
+          <a:xfrm>
+            <a:off x="6549592" y="3429000"/>
+            <a:ext cx="3318620" cy="3429000"/>
+            <a:chOff x="6877533" y="730430"/>
+            <a:chExt cx="4400067" cy="4546420"/>
+          </a:xfrm>
+        </p:grpSpPr>
+        <p:pic>
+          <p:nvPicPr>
+            <p:cNvPr id="16" name="Picture 4" descr="person-icon-person-icon-clipart-image-from-our-icon-clipart-category-9 -  Free your Mind - Kitesurfing school - Camps - MICE events">
+              <a:extLst>
+                <a:ext uri="{FF2B5EF4-FFF2-40B4-BE49-F238E27FC236}">
+                  <a16:creationId xmlns:a16="http://schemas.microsoft.com/office/drawing/2014/main" id="{6D72FB22-B043-46E6-9DEA-9C9D18F8E53C}"/>
+                </a:ext>
+              </a:extLst>
+            </p:cNvPr>
+            <p:cNvPicPr>
+              <a:picLocks noChangeAspect="1" noChangeArrowheads="1"/>
+            </p:cNvPicPr>
+            <p:nvPr/>
+          </p:nvPicPr>
+          <p:blipFill rotWithShape="1">
+            <a:blip r:embed="rId3">
+              <a:extLst>
+                <a:ext uri="{28A0092B-C50C-407E-A947-70E740481C1C}">
+                  <a14:useLocalDpi xmlns:a14="http://schemas.microsoft.com/office/drawing/2010/main" val="0"/>
+                </a:ext>
+              </a:extLst>
+            </a:blip>
+            <a:srcRect l="37612" t="13200" r="34788" b="11200"/>
+            <a:stretch/>
+          </p:blipFill>
+          <p:spPr bwMode="auto">
+            <a:xfrm>
+              <a:off x="9963150" y="1676400"/>
+              <a:ext cx="1314450" cy="3600450"/>
+            </a:xfrm>
+            <a:prstGeom prst="rect">
+              <a:avLst/>
+            </a:prstGeom>
+            <a:noFill/>
+            <a:extLst>
+              <a:ext uri="{909E8E84-426E-40DD-AFC4-6F175D3DCCD1}">
+                <a14:hiddenFill xmlns:a14="http://schemas.microsoft.com/office/drawing/2010/main">
+                  <a:solidFill>
+                    <a:srgbClr val="FFFFFF"/>
+                  </a:solidFill>
+                </a14:hiddenFill>
+              </a:ext>
+            </a:extLst>
+          </p:spPr>
+        </p:pic>
+        <p:sp>
+          <p:nvSpPr>
+            <p:cNvPr id="17" name="Speech Bubble: Oval 16">
+              <a:extLst>
+                <a:ext uri="{FF2B5EF4-FFF2-40B4-BE49-F238E27FC236}">
+                  <a16:creationId xmlns:a16="http://schemas.microsoft.com/office/drawing/2014/main" id="{FB0C3820-0CDF-4C3F-9046-33BA1F499C23}"/>
+                </a:ext>
+              </a:extLst>
+            </p:cNvPr>
+            <p:cNvSpPr/>
+            <p:nvPr/>
+          </p:nvSpPr>
+          <p:spPr>
+            <a:xfrm>
+              <a:off x="8334375" y="1094613"/>
+              <a:ext cx="1685925" cy="973074"/>
+            </a:xfrm>
+            <a:prstGeom prst="wedgeEllipseCallout">
+              <a:avLst>
+                <a:gd name="adj1" fmla="val 50971"/>
+                <a:gd name="adj2" fmla="val 68489"/>
+              </a:avLst>
+            </a:prstGeom>
+            <a:solidFill>
+              <a:srgbClr val="00B0F0"/>
+            </a:solidFill>
+            <a:ln>
+              <a:solidFill>
+                <a:schemeClr val="tx1"/>
+              </a:solidFill>
+            </a:ln>
+          </p:spPr>
+          <p:style>
+            <a:lnRef idx="2">
+              <a:schemeClr val="accent1">
+                <a:shade val="50000"/>
+              </a:schemeClr>
+            </a:lnRef>
+            <a:fillRef idx="1">
+              <a:schemeClr val="accent1"/>
+            </a:fillRef>
+            <a:effectRef idx="0">
+              <a:schemeClr val="accent1"/>
+            </a:effectRef>
+            <a:fontRef idx="minor">
+              <a:schemeClr val="lt1"/>
+            </a:fontRef>
+          </p:style>
+          <p:txBody>
+            <a:bodyPr rtlCol="0" anchor="ctr"/>
+            <a:lstStyle/>
+            <a:p>
+              <a:pPr algn="ctr"/>
+              <a:r>
+                <a:rPr lang="en-US" sz="1200" dirty="0"/>
+                <a:t>Steve sends Bob 280GC</a:t>
+              </a:r>
+            </a:p>
+          </p:txBody>
+        </p:sp>
+        <p:cxnSp>
+          <p:nvCxnSpPr>
+            <p:cNvPr id="18" name="Straight Arrow Connector 17">
+              <a:extLst>
+                <a:ext uri="{FF2B5EF4-FFF2-40B4-BE49-F238E27FC236}">
+                  <a16:creationId xmlns:a16="http://schemas.microsoft.com/office/drawing/2014/main" id="{1D86D027-C415-4AC4-9DD8-3105FE5B89D8}"/>
+                </a:ext>
+              </a:extLst>
+            </p:cNvPr>
+            <p:cNvCxnSpPr>
+              <a:cxnSpLocks/>
+              <a:stCxn id="17" idx="1"/>
+              <a:endCxn id="2" idx="3"/>
+            </p:cNvCxnSpPr>
+            <p:nvPr/>
+          </p:nvCxnSpPr>
+          <p:spPr>
+            <a:xfrm flipH="1" flipV="1">
+              <a:off x="6877533" y="730430"/>
+              <a:ext cx="1703741" cy="506687"/>
+            </a:xfrm>
+            <a:prstGeom prst="straightConnector1">
+              <a:avLst/>
+            </a:prstGeom>
+            <a:ln w="38100">
+              <a:solidFill>
+                <a:srgbClr val="00B050"/>
+              </a:solidFill>
+              <a:tailEnd type="triangle"/>
+            </a:ln>
+          </p:spPr>
+          <p:style>
+            <a:lnRef idx="1">
+              <a:schemeClr val="accent1"/>
+            </a:lnRef>
+            <a:fillRef idx="0">
+              <a:schemeClr val="accent1"/>
+            </a:fillRef>
+            <a:effectRef idx="0">
+              <a:schemeClr val="accent1"/>
+            </a:effectRef>
+            <a:fontRef idx="minor">
+              <a:schemeClr val="tx1"/>
+            </a:fontRef>
+          </p:style>
+        </p:cxnSp>
+      </p:grpSp>
+      <p:grpSp>
+        <p:nvGrpSpPr>
+          <p:cNvPr id="21" name="Group 20">
+            <a:extLst>
+              <a:ext uri="{FF2B5EF4-FFF2-40B4-BE49-F238E27FC236}">
+                <a16:creationId xmlns:a16="http://schemas.microsoft.com/office/drawing/2014/main" id="{DD3CAA42-A2E3-4C62-94C3-3A7056296EC3}"/>
+              </a:ext>
+            </a:extLst>
+          </p:cNvPr>
+          <p:cNvGrpSpPr/>
+          <p:nvPr/>
+        </p:nvGrpSpPr>
+        <p:grpSpPr>
+          <a:xfrm>
+            <a:off x="5428531" y="-431239"/>
+            <a:ext cx="2219840" cy="3164913"/>
+            <a:chOff x="8334375" y="1094613"/>
+            <a:chExt cx="2943225" cy="4196275"/>
+          </a:xfrm>
+        </p:grpSpPr>
+        <p:pic>
+          <p:nvPicPr>
+            <p:cNvPr id="22" name="Picture 4" descr="person-icon-person-icon-clipart-image-from-our-icon-clipart-category-9 -  Free your Mind - Kitesurfing school - Camps - MICE events">
+              <a:extLst>
+                <a:ext uri="{FF2B5EF4-FFF2-40B4-BE49-F238E27FC236}">
+                  <a16:creationId xmlns:a16="http://schemas.microsoft.com/office/drawing/2014/main" id="{74385E7B-F3CE-4BFD-911A-1C172104745B}"/>
+                </a:ext>
+              </a:extLst>
+            </p:cNvPr>
+            <p:cNvPicPr>
+              <a:picLocks noChangeAspect="1" noChangeArrowheads="1"/>
+            </p:cNvPicPr>
+            <p:nvPr/>
+          </p:nvPicPr>
+          <p:blipFill rotWithShape="1">
+            <a:blip r:embed="rId3">
+              <a:extLst>
+                <a:ext uri="{28A0092B-C50C-407E-A947-70E740481C1C}">
+                  <a14:useLocalDpi xmlns:a14="http://schemas.microsoft.com/office/drawing/2010/main" val="0"/>
+                </a:ext>
+              </a:extLst>
+            </a:blip>
+            <a:srcRect l="37612" t="13200" r="34788" b="11200"/>
+            <a:stretch/>
+          </p:blipFill>
+          <p:spPr bwMode="auto">
+            <a:xfrm>
+              <a:off x="9963150" y="1676400"/>
+              <a:ext cx="1314450" cy="3600450"/>
+            </a:xfrm>
+            <a:prstGeom prst="rect">
+              <a:avLst/>
+            </a:prstGeom>
+            <a:noFill/>
+            <a:extLst>
+              <a:ext uri="{909E8E84-426E-40DD-AFC4-6F175D3DCCD1}">
+                <a14:hiddenFill xmlns:a14="http://schemas.microsoft.com/office/drawing/2010/main">
+                  <a:solidFill>
+                    <a:srgbClr val="FFFFFF"/>
+                  </a:solidFill>
+                </a14:hiddenFill>
+              </a:ext>
+            </a:extLst>
+          </p:spPr>
+        </p:pic>
+        <p:sp>
+          <p:nvSpPr>
+            <p:cNvPr id="23" name="Speech Bubble: Oval 22">
+              <a:extLst>
+                <a:ext uri="{FF2B5EF4-FFF2-40B4-BE49-F238E27FC236}">
+                  <a16:creationId xmlns:a16="http://schemas.microsoft.com/office/drawing/2014/main" id="{3ECE44CF-E04E-423A-B46A-8003AF958EA0}"/>
+                </a:ext>
+              </a:extLst>
+            </p:cNvPr>
+            <p:cNvSpPr/>
+            <p:nvPr/>
+          </p:nvSpPr>
+          <p:spPr>
+            <a:xfrm>
+              <a:off x="8334375" y="1094613"/>
+              <a:ext cx="1685925" cy="973074"/>
+            </a:xfrm>
+            <a:prstGeom prst="wedgeEllipseCallout">
+              <a:avLst>
+                <a:gd name="adj1" fmla="val 50971"/>
+                <a:gd name="adj2" fmla="val 68489"/>
+              </a:avLst>
+            </a:prstGeom>
+            <a:solidFill>
+              <a:srgbClr val="00B0F0"/>
+            </a:solidFill>
+            <a:ln>
+              <a:solidFill>
+                <a:schemeClr val="tx1"/>
+              </a:solidFill>
+            </a:ln>
+          </p:spPr>
+          <p:style>
+            <a:lnRef idx="2">
+              <a:schemeClr val="accent1">
+                <a:shade val="50000"/>
+              </a:schemeClr>
+            </a:lnRef>
+            <a:fillRef idx="1">
+              <a:schemeClr val="accent1"/>
+            </a:fillRef>
+            <a:effectRef idx="0">
+              <a:schemeClr val="accent1"/>
+            </a:effectRef>
+            <a:fontRef idx="minor">
+              <a:schemeClr val="lt1"/>
+            </a:fontRef>
+          </p:style>
+          <p:txBody>
+            <a:bodyPr rtlCol="0" anchor="ctr"/>
+            <a:lstStyle/>
+            <a:p>
+              <a:pPr algn="ctr"/>
+              <a:r>
+                <a:rPr lang="en-US" sz="1200" dirty="0"/>
+                <a:t>Abby sends Steve 455GC</a:t>
+              </a:r>
+            </a:p>
+          </p:txBody>
+        </p:sp>
+        <p:cxnSp>
+          <p:nvCxnSpPr>
+            <p:cNvPr id="24" name="Straight Arrow Connector 23">
+              <a:extLst>
+                <a:ext uri="{FF2B5EF4-FFF2-40B4-BE49-F238E27FC236}">
+                  <a16:creationId xmlns:a16="http://schemas.microsoft.com/office/drawing/2014/main" id="{473B8AB2-4ED5-45F0-B3A7-11C28F0A3E53}"/>
+                </a:ext>
+              </a:extLst>
+            </p:cNvPr>
+            <p:cNvCxnSpPr>
+              <a:cxnSpLocks/>
+              <a:stCxn id="23" idx="4"/>
+              <a:endCxn id="2" idx="0"/>
+            </p:cNvCxnSpPr>
+            <p:nvPr/>
+          </p:nvCxnSpPr>
+          <p:spPr>
+            <a:xfrm>
+              <a:off x="9177338" y="2067687"/>
+              <a:ext cx="42016" cy="3223201"/>
+            </a:xfrm>
+            <a:prstGeom prst="straightConnector1">
+              <a:avLst/>
+            </a:prstGeom>
+            <a:ln w="38100">
+              <a:solidFill>
+                <a:srgbClr val="00B050"/>
+              </a:solidFill>
+              <a:tailEnd type="triangle"/>
+            </a:ln>
+          </p:spPr>
+          <p:style>
+            <a:lnRef idx="1">
+              <a:schemeClr val="accent1"/>
+            </a:lnRef>
+            <a:fillRef idx="0">
+              <a:schemeClr val="accent1"/>
+            </a:fillRef>
+            <a:effectRef idx="0">
+              <a:schemeClr val="accent1"/>
+            </a:effectRef>
+            <a:fontRef idx="minor">
+              <a:schemeClr val="tx1"/>
+            </a:fontRef>
+          </p:style>
+        </p:cxnSp>
+      </p:grpSp>
+      <p:grpSp>
+        <p:nvGrpSpPr>
+          <p:cNvPr id="27" name="Group 26">
+            <a:extLst>
+              <a:ext uri="{FF2B5EF4-FFF2-40B4-BE49-F238E27FC236}">
+                <a16:creationId xmlns:a16="http://schemas.microsoft.com/office/drawing/2014/main" id="{53DA5317-BB5D-426C-9818-D5898968B80F}"/>
+              </a:ext>
+            </a:extLst>
+          </p:cNvPr>
+          <p:cNvGrpSpPr/>
+          <p:nvPr/>
+        </p:nvGrpSpPr>
+        <p:grpSpPr>
+          <a:xfrm>
+            <a:off x="2323783" y="302673"/>
+            <a:ext cx="3318626" cy="3126327"/>
+            <a:chOff x="9963150" y="1297322"/>
+            <a:chExt cx="4400076" cy="4145115"/>
+          </a:xfrm>
+        </p:grpSpPr>
+        <p:pic>
+          <p:nvPicPr>
+            <p:cNvPr id="28" name="Picture 4" descr="person-icon-person-icon-clipart-image-from-our-icon-clipart-category-9 -  Free your Mind - Kitesurfing school - Camps - MICE events">
+              <a:extLst>
+                <a:ext uri="{FF2B5EF4-FFF2-40B4-BE49-F238E27FC236}">
+                  <a16:creationId xmlns:a16="http://schemas.microsoft.com/office/drawing/2014/main" id="{F3B0E6E3-2734-40EC-A616-EC155228031C}"/>
+                </a:ext>
+              </a:extLst>
+            </p:cNvPr>
+            <p:cNvPicPr>
+              <a:picLocks noChangeAspect="1" noChangeArrowheads="1"/>
+            </p:cNvPicPr>
+            <p:nvPr/>
+          </p:nvPicPr>
+          <p:blipFill rotWithShape="1">
+            <a:blip r:embed="rId3">
+              <a:extLst>
+                <a:ext uri="{28A0092B-C50C-407E-A947-70E740481C1C}">
+                  <a14:useLocalDpi xmlns:a14="http://schemas.microsoft.com/office/drawing/2010/main" val="0"/>
+                </a:ext>
+              </a:extLst>
+            </a:blip>
+            <a:srcRect l="37612" t="13200" r="34788" b="11200"/>
+            <a:stretch/>
+          </p:blipFill>
+          <p:spPr bwMode="auto">
+            <a:xfrm>
+              <a:off x="9963150" y="1676400"/>
+              <a:ext cx="1314450" cy="3600450"/>
+            </a:xfrm>
+            <a:prstGeom prst="rect">
+              <a:avLst/>
+            </a:prstGeom>
+            <a:noFill/>
+            <a:extLst>
+              <a:ext uri="{909E8E84-426E-40DD-AFC4-6F175D3DCCD1}">
+                <a14:hiddenFill xmlns:a14="http://schemas.microsoft.com/office/drawing/2010/main">
+                  <a:solidFill>
+                    <a:srgbClr val="FFFFFF"/>
+                  </a:solidFill>
+                </a14:hiddenFill>
+              </a:ext>
+            </a:extLst>
+          </p:spPr>
+        </p:pic>
+        <p:sp>
+          <p:nvSpPr>
+            <p:cNvPr id="29" name="Speech Bubble: Oval 28">
+              <a:extLst>
+                <a:ext uri="{FF2B5EF4-FFF2-40B4-BE49-F238E27FC236}">
+                  <a16:creationId xmlns:a16="http://schemas.microsoft.com/office/drawing/2014/main" id="{C16C37DB-7D82-40A1-9ECF-B0A9463F2DD0}"/>
+                </a:ext>
+              </a:extLst>
+            </p:cNvPr>
+            <p:cNvSpPr/>
+            <p:nvPr/>
+          </p:nvSpPr>
+          <p:spPr>
+            <a:xfrm>
+              <a:off x="11270546" y="1297322"/>
+              <a:ext cx="1685925" cy="973075"/>
+            </a:xfrm>
+            <a:prstGeom prst="wedgeEllipseCallout">
+              <a:avLst>
+                <a:gd name="adj1" fmla="val -56897"/>
+                <a:gd name="adj2" fmla="val 60702"/>
+              </a:avLst>
+            </a:prstGeom>
+            <a:solidFill>
+              <a:srgbClr val="00B0F0"/>
+            </a:solidFill>
+            <a:ln>
+              <a:solidFill>
+                <a:schemeClr val="tx1"/>
+              </a:solidFill>
+            </a:ln>
+          </p:spPr>
+          <p:style>
+            <a:lnRef idx="2">
+              <a:schemeClr val="accent1">
+                <a:shade val="50000"/>
+              </a:schemeClr>
+            </a:lnRef>
+            <a:fillRef idx="1">
+              <a:schemeClr val="accent1"/>
+            </a:fillRef>
+            <a:effectRef idx="0">
+              <a:schemeClr val="accent1"/>
+            </a:effectRef>
+            <a:fontRef idx="minor">
+              <a:schemeClr val="lt1"/>
+            </a:fontRef>
+          </p:style>
+          <p:txBody>
+            <a:bodyPr rtlCol="0" anchor="ctr"/>
+            <a:lstStyle/>
+            <a:p>
+              <a:pPr algn="ctr"/>
+              <a:r>
+                <a:rPr lang="en-US" sz="1200" dirty="0"/>
+                <a:t>Alice sends Abby 130GC</a:t>
+              </a:r>
+            </a:p>
+          </p:txBody>
+        </p:sp>
+        <p:cxnSp>
+          <p:nvCxnSpPr>
+            <p:cNvPr id="30" name="Straight Arrow Connector 29">
+              <a:extLst>
+                <a:ext uri="{FF2B5EF4-FFF2-40B4-BE49-F238E27FC236}">
+                  <a16:creationId xmlns:a16="http://schemas.microsoft.com/office/drawing/2014/main" id="{8A98D734-8713-4249-A6FE-21D5AC0D4C89}"/>
+                </a:ext>
+              </a:extLst>
+            </p:cNvPr>
+            <p:cNvCxnSpPr>
+              <a:cxnSpLocks/>
+              <a:stCxn id="29" idx="4"/>
+              <a:endCxn id="2" idx="1"/>
+            </p:cNvCxnSpPr>
+            <p:nvPr/>
+          </p:nvCxnSpPr>
+          <p:spPr>
+            <a:xfrm>
+              <a:off x="12113509" y="2270397"/>
+              <a:ext cx="2249717" cy="3172040"/>
+            </a:xfrm>
+            <a:prstGeom prst="straightConnector1">
+              <a:avLst/>
+            </a:prstGeom>
+            <a:ln w="38100">
+              <a:solidFill>
+                <a:srgbClr val="00B050"/>
+              </a:solidFill>
+              <a:tailEnd type="triangle"/>
+            </a:ln>
+          </p:spPr>
+          <p:style>
+            <a:lnRef idx="1">
+              <a:schemeClr val="accent1"/>
+            </a:lnRef>
+            <a:fillRef idx="0">
+              <a:schemeClr val="accent1"/>
+            </a:fillRef>
+            <a:effectRef idx="0">
+              <a:schemeClr val="accent1"/>
+            </a:effectRef>
+            <a:fontRef idx="minor">
+              <a:schemeClr val="tx1"/>
+            </a:fontRef>
+          </p:style>
+        </p:cxnSp>
+      </p:grpSp>
+      <p:grpSp>
+        <p:nvGrpSpPr>
+          <p:cNvPr id="35" name="Group 34">
+            <a:extLst>
+              <a:ext uri="{FF2B5EF4-FFF2-40B4-BE49-F238E27FC236}">
+                <a16:creationId xmlns:a16="http://schemas.microsoft.com/office/drawing/2014/main" id="{C7900EF8-812C-4E07-8BE0-95606F13EDCA}"/>
+              </a:ext>
+            </a:extLst>
+          </p:cNvPr>
+          <p:cNvGrpSpPr/>
+          <p:nvPr/>
+        </p:nvGrpSpPr>
+        <p:grpSpPr>
+          <a:xfrm>
+            <a:off x="2920826" y="2832001"/>
+            <a:ext cx="2721583" cy="3001438"/>
+            <a:chOff x="9963150" y="1297322"/>
+            <a:chExt cx="3608474" cy="3979528"/>
+          </a:xfrm>
+        </p:grpSpPr>
+        <p:pic>
+          <p:nvPicPr>
+            <p:cNvPr id="36" name="Picture 4" descr="person-icon-person-icon-clipart-image-from-our-icon-clipart-category-9 -  Free your Mind - Kitesurfing school - Camps - MICE events">
+              <a:extLst>
+                <a:ext uri="{FF2B5EF4-FFF2-40B4-BE49-F238E27FC236}">
+                  <a16:creationId xmlns:a16="http://schemas.microsoft.com/office/drawing/2014/main" id="{B093833F-CC5C-4A77-8F4A-F1698DA436DE}"/>
+                </a:ext>
+              </a:extLst>
+            </p:cNvPr>
+            <p:cNvPicPr>
+              <a:picLocks noChangeAspect="1" noChangeArrowheads="1"/>
+            </p:cNvPicPr>
+            <p:nvPr/>
+          </p:nvPicPr>
+          <p:blipFill rotWithShape="1">
+            <a:blip r:embed="rId3">
+              <a:extLst>
+                <a:ext uri="{28A0092B-C50C-407E-A947-70E740481C1C}">
+                  <a14:useLocalDpi xmlns:a14="http://schemas.microsoft.com/office/drawing/2010/main" val="0"/>
+                </a:ext>
+              </a:extLst>
+            </a:blip>
+            <a:srcRect l="37612" t="13200" r="34788" b="11200"/>
+            <a:stretch/>
+          </p:blipFill>
+          <p:spPr bwMode="auto">
+            <a:xfrm>
+              <a:off x="9963150" y="1676400"/>
+              <a:ext cx="1314450" cy="3600450"/>
+            </a:xfrm>
+            <a:prstGeom prst="rect">
+              <a:avLst/>
+            </a:prstGeom>
+            <a:noFill/>
+            <a:extLst>
+              <a:ext uri="{909E8E84-426E-40DD-AFC4-6F175D3DCCD1}">
+                <a14:hiddenFill xmlns:a14="http://schemas.microsoft.com/office/drawing/2010/main">
+                  <a:solidFill>
+                    <a:srgbClr val="FFFFFF"/>
+                  </a:solidFill>
+                </a14:hiddenFill>
+              </a:ext>
+            </a:extLst>
+          </p:spPr>
+        </p:pic>
+        <p:sp>
+          <p:nvSpPr>
+            <p:cNvPr id="37" name="Speech Bubble: Oval 36">
+              <a:extLst>
+                <a:ext uri="{FF2B5EF4-FFF2-40B4-BE49-F238E27FC236}">
+                  <a16:creationId xmlns:a16="http://schemas.microsoft.com/office/drawing/2014/main" id="{7413A4ED-8607-41A3-A1C1-B16D8CFF0895}"/>
+                </a:ext>
+              </a:extLst>
+            </p:cNvPr>
+            <p:cNvSpPr/>
+            <p:nvPr/>
+          </p:nvSpPr>
+          <p:spPr>
+            <a:xfrm>
+              <a:off x="11270546" y="1297322"/>
+              <a:ext cx="1685925" cy="973075"/>
+            </a:xfrm>
+            <a:prstGeom prst="wedgeEllipseCallout">
+              <a:avLst>
+                <a:gd name="adj1" fmla="val -56897"/>
+                <a:gd name="adj2" fmla="val 60702"/>
+              </a:avLst>
+            </a:prstGeom>
+            <a:solidFill>
+              <a:srgbClr val="00B0F0"/>
+            </a:solidFill>
+            <a:ln>
+              <a:solidFill>
+                <a:schemeClr val="tx1"/>
+              </a:solidFill>
+            </a:ln>
+          </p:spPr>
+          <p:style>
+            <a:lnRef idx="2">
+              <a:schemeClr val="accent1">
+                <a:shade val="50000"/>
+              </a:schemeClr>
+            </a:lnRef>
+            <a:fillRef idx="1">
+              <a:schemeClr val="accent1"/>
+            </a:fillRef>
+            <a:effectRef idx="0">
+              <a:schemeClr val="accent1"/>
+            </a:effectRef>
+            <a:fontRef idx="minor">
+              <a:schemeClr val="lt1"/>
+            </a:fontRef>
+          </p:style>
+          <p:txBody>
+            <a:bodyPr rtlCol="0" anchor="ctr"/>
+            <a:lstStyle/>
+            <a:p>
+              <a:pPr algn="ctr"/>
+              <a:r>
+                <a:rPr lang="en-US" sz="1200" dirty="0"/>
+                <a:t>Satoshi sends Bob 2,008GC</a:t>
+              </a:r>
+            </a:p>
+          </p:txBody>
+        </p:sp>
+        <p:cxnSp>
+          <p:nvCxnSpPr>
+            <p:cNvPr id="38" name="Straight Arrow Connector 37">
+              <a:extLst>
+                <a:ext uri="{FF2B5EF4-FFF2-40B4-BE49-F238E27FC236}">
+                  <a16:creationId xmlns:a16="http://schemas.microsoft.com/office/drawing/2014/main" id="{7E1154E3-05E3-499F-AF99-9B3413A01C5E}"/>
+                </a:ext>
+              </a:extLst>
+            </p:cNvPr>
+            <p:cNvCxnSpPr>
+              <a:cxnSpLocks/>
+              <a:stCxn id="37" idx="6"/>
+              <a:endCxn id="2" idx="1"/>
+            </p:cNvCxnSpPr>
+            <p:nvPr/>
+          </p:nvCxnSpPr>
+          <p:spPr>
+            <a:xfrm>
+              <a:off x="12956471" y="1783859"/>
+              <a:ext cx="615153" cy="305008"/>
+            </a:xfrm>
+            <a:prstGeom prst="straightConnector1">
+              <a:avLst/>
+            </a:prstGeom>
+            <a:ln w="38100">
+              <a:solidFill>
+                <a:srgbClr val="00B050"/>
+              </a:solidFill>
+              <a:tailEnd type="triangle"/>
+            </a:ln>
+          </p:spPr>
+          <p:style>
+            <a:lnRef idx="1">
+              <a:schemeClr val="accent1"/>
+            </a:lnRef>
+            <a:fillRef idx="0">
+              <a:schemeClr val="accent1"/>
+            </a:fillRef>
+            <a:effectRef idx="0">
+              <a:schemeClr val="accent1"/>
+            </a:effectRef>
+            <a:fontRef idx="minor">
+              <a:schemeClr val="tx1"/>
+            </a:fontRef>
+          </p:style>
+        </p:cxnSp>
+      </p:grpSp>
+    </p:spTree>
+    <p:extLst>
+      <p:ext uri="{BB962C8B-B14F-4D97-AF65-F5344CB8AC3E}">
+        <p14:creationId xmlns:p14="http://schemas.microsoft.com/office/powerpoint/2010/main" val="2322002679"/>
+      </p:ext>
+    </p:extLst>
+  </p:cSld>
+  <p:clrMapOvr>
+    <a:masterClrMapping/>
+  </p:clrMapOvr>
+</p:sld>
+</file>
+
+<file path=ppt/slides/slide17.xml><?xml version="1.0" encoding="utf-8"?>
+<p:sld xmlns:a="http://schemas.openxmlformats.org/drawingml/2006/main" xmlns:r="http://schemas.openxmlformats.org/officeDocument/2006/relationships" xmlns:p="http://schemas.openxmlformats.org/presentationml/2006/main">
+  <p:cSld>
+    <p:spTree>
+      <p:nvGrpSpPr>
+        <p:cNvPr id="1" name=""/>
+        <p:cNvGrpSpPr/>
+        <p:nvPr/>
+      </p:nvGrpSpPr>
+      <p:grpSpPr>
+        <a:xfrm>
+          <a:off x="0" y="0"/>
+          <a:ext cx="0" cy="0"/>
+          <a:chOff x="0" y="0"/>
+          <a:chExt cx="0" cy="0"/>
+        </a:xfrm>
+      </p:grpSpPr>
+      <p:pic>
+        <p:nvPicPr>
+          <p:cNvPr id="1026" name="Picture 2" descr="4,588 Open wallet Vectors - Free &amp;amp; Royalty-free Open wallet Vector Images |  Depositphotos®">
+            <a:extLst>
+              <a:ext uri="{FF2B5EF4-FFF2-40B4-BE49-F238E27FC236}">
+                <a16:creationId xmlns:a16="http://schemas.microsoft.com/office/drawing/2014/main" id="{81B938E7-030D-42CF-973D-26886B3C43C9}"/>
+              </a:ext>
+            </a:extLst>
+          </p:cNvPr>
+          <p:cNvPicPr>
+            <a:picLocks noChangeAspect="1" noChangeArrowheads="1"/>
+          </p:cNvPicPr>
+          <p:nvPr/>
+        </p:nvPicPr>
+        <p:blipFill>
+          <a:blip r:embed="rId2">
+            <a:clrChange>
+              <a:clrFrom>
+                <a:srgbClr val="FFFFFF"/>
+              </a:clrFrom>
+              <a:clrTo>
+                <a:srgbClr val="FFFFFF">
+                  <a:alpha val="0"/>
+                </a:srgbClr>
+              </a:clrTo>
+            </a:clrChange>
+            <a:extLst>
+              <a:ext uri="{28A0092B-C50C-407E-A947-70E740481C1C}">
+                <a14:useLocalDpi xmlns:a14="http://schemas.microsoft.com/office/drawing/2010/main" val="0"/>
+              </a:ext>
+            </a:extLst>
+          </a:blip>
+          <a:srcRect/>
+          <a:stretch>
+            <a:fillRect/>
+          </a:stretch>
+        </p:blipFill>
+        <p:spPr bwMode="auto">
+          <a:xfrm>
+            <a:off x="732090" y="809626"/>
+            <a:ext cx="10727820" cy="5238750"/>
+          </a:xfrm>
+          <a:prstGeom prst="rect">
+            <a:avLst/>
+          </a:prstGeom>
+          <a:noFill/>
+          <a:extLst>
+            <a:ext uri="{909E8E84-426E-40DD-AFC4-6F175D3DCCD1}">
+              <a14:hiddenFill xmlns:a14="http://schemas.microsoft.com/office/drawing/2010/main">
+                <a:solidFill>
+                  <a:srgbClr val="FFFFFF"/>
+                </a:solidFill>
+              </a14:hiddenFill>
+            </a:ext>
+          </a:extLst>
+        </p:spPr>
+      </p:pic>
+      <p:sp>
+        <p:nvSpPr>
+          <p:cNvPr id="2" name="Rectangle 1">
+            <a:extLst>
+              <a:ext uri="{FF2B5EF4-FFF2-40B4-BE49-F238E27FC236}">
+                <a16:creationId xmlns:a16="http://schemas.microsoft.com/office/drawing/2014/main" id="{13828AE3-5D79-49D8-8C9E-ACDF4C2DB1AF}"/>
+              </a:ext>
+            </a:extLst>
+          </p:cNvPr>
+          <p:cNvSpPr/>
+          <p:nvPr/>
+        </p:nvSpPr>
+        <p:spPr>
+          <a:xfrm>
+            <a:off x="1419224" y="3419475"/>
+            <a:ext cx="4067175" cy="2028825"/>
+          </a:xfrm>
+          <a:custGeom>
+            <a:avLst/>
+            <a:gdLst>
+              <a:gd name="connsiteX0" fmla="*/ 0 w 4067175"/>
+              <a:gd name="connsiteY0" fmla="*/ 0 h 2028825"/>
+              <a:gd name="connsiteX1" fmla="*/ 4067175 w 4067175"/>
+              <a:gd name="connsiteY1" fmla="*/ 0 h 2028825"/>
+              <a:gd name="connsiteX2" fmla="*/ 4067175 w 4067175"/>
+              <a:gd name="connsiteY2" fmla="*/ 2028825 h 2028825"/>
+              <a:gd name="connsiteX3" fmla="*/ 0 w 4067175"/>
+              <a:gd name="connsiteY3" fmla="*/ 2028825 h 2028825"/>
+              <a:gd name="connsiteX4" fmla="*/ 0 w 4067175"/>
+              <a:gd name="connsiteY4" fmla="*/ 0 h 2028825"/>
+              <a:gd name="connsiteX0" fmla="*/ 0 w 4067175"/>
+              <a:gd name="connsiteY0" fmla="*/ 0 h 2028825"/>
+              <a:gd name="connsiteX1" fmla="*/ 4038600 w 4067175"/>
+              <a:gd name="connsiteY1" fmla="*/ 523875 h 2028825"/>
+              <a:gd name="connsiteX2" fmla="*/ 4067175 w 4067175"/>
+              <a:gd name="connsiteY2" fmla="*/ 2028825 h 2028825"/>
+              <a:gd name="connsiteX3" fmla="*/ 0 w 4067175"/>
+              <a:gd name="connsiteY3" fmla="*/ 2028825 h 2028825"/>
+              <a:gd name="connsiteX4" fmla="*/ 0 w 4067175"/>
+              <a:gd name="connsiteY4" fmla="*/ 0 h 2028825"/>
+              <a:gd name="connsiteX0" fmla="*/ 0 w 4067175"/>
+              <a:gd name="connsiteY0" fmla="*/ 0 h 2028825"/>
+              <a:gd name="connsiteX1" fmla="*/ 4029075 w 4067175"/>
+              <a:gd name="connsiteY1" fmla="*/ 104775 h 2028825"/>
+              <a:gd name="connsiteX2" fmla="*/ 4067175 w 4067175"/>
+              <a:gd name="connsiteY2" fmla="*/ 2028825 h 2028825"/>
+              <a:gd name="connsiteX3" fmla="*/ 0 w 4067175"/>
+              <a:gd name="connsiteY3" fmla="*/ 2028825 h 2028825"/>
+              <a:gd name="connsiteX4" fmla="*/ 0 w 4067175"/>
+              <a:gd name="connsiteY4" fmla="*/ 0 h 2028825"/>
+            </a:gdLst>
+            <a:ahLst/>
+            <a:cxnLst>
+              <a:cxn ang="0">
+                <a:pos x="connsiteX0" y="connsiteY0"/>
+              </a:cxn>
+              <a:cxn ang="0">
+                <a:pos x="connsiteX1" y="connsiteY1"/>
+              </a:cxn>
+              <a:cxn ang="0">
+                <a:pos x="connsiteX2" y="connsiteY2"/>
+              </a:cxn>
+              <a:cxn ang="0">
+                <a:pos x="connsiteX3" y="connsiteY3"/>
+              </a:cxn>
+              <a:cxn ang="0">
+                <a:pos x="connsiteX4" y="connsiteY4"/>
+              </a:cxn>
+            </a:cxnLst>
+            <a:rect l="l" t="t" r="r" b="b"/>
+            <a:pathLst>
+              <a:path w="4067175" h="2028825">
+                <a:moveTo>
+                  <a:pt x="0" y="0"/>
+                </a:moveTo>
+                <a:lnTo>
+                  <a:pt x="4029075" y="104775"/>
+                </a:lnTo>
+                <a:lnTo>
+                  <a:pt x="4067175" y="2028825"/>
+                </a:lnTo>
+                <a:lnTo>
+                  <a:pt x="0" y="2028825"/>
+                </a:lnTo>
+                <a:lnTo>
+                  <a:pt x="0" y="0"/>
+                </a:lnTo>
+                <a:close/>
+              </a:path>
+            </a:pathLst>
+          </a:custGeom>
+          <a:solidFill>
+            <a:srgbClr val="C00021"/>
+          </a:solidFill>
+          <a:ln w="76200">
+            <a:solidFill>
+              <a:schemeClr val="tx1"/>
+            </a:solidFill>
+          </a:ln>
+        </p:spPr>
+        <p:style>
+          <a:lnRef idx="2">
+            <a:schemeClr val="accent1">
+              <a:shade val="50000"/>
+            </a:schemeClr>
+          </a:lnRef>
+          <a:fillRef idx="1">
+            <a:schemeClr val="accent1"/>
+          </a:fillRef>
+          <a:effectRef idx="0">
+            <a:schemeClr val="accent1"/>
+          </a:effectRef>
+          <a:fontRef idx="minor">
+            <a:schemeClr val="lt1"/>
+          </a:fontRef>
+        </p:style>
+        <p:txBody>
+          <a:bodyPr rtlCol="0" anchor="ctr"/>
+          <a:lstStyle/>
+          <a:p>
+            <a:r>
+              <a:rPr lang="en-US" sz="1500" dirty="0"/>
+              <a:t>Private Key: +UKTs0dcf73nAGzrH0/</a:t>
+            </a:r>
+            <a:r>
+              <a:rPr lang="en-US" sz="1500" dirty="0" err="1"/>
+              <a:t>AUlKYLmY</a:t>
+            </a:r>
+            <a:r>
+              <a:rPr lang="en-US" sz="1500" dirty="0"/>
+              <a:t>=</a:t>
+            </a:r>
+          </a:p>
+          <a:p>
+            <a:endParaRPr lang="en-US" sz="1500" dirty="0"/>
+          </a:p>
+          <a:p>
+            <a:r>
+              <a:rPr lang="en-US" sz="1500" dirty="0"/>
+              <a:t>Public Key: yQXNOtIfvBL+mJFNzZJZGGgtqdTtsexoZazVfMMYHIsuR9gyQYIzn759pL14+qyeGdooUdewGczSYyugHI1FQu9AWgUKt6RGdfnUBkWp4DXhqFVac5ZnJpDeHPOpTpBsN2riMtJxKLZfFW+VYhIARaOkqpbTud13sLPUQz1+jQ0=</a:t>
+            </a:r>
+          </a:p>
+        </p:txBody>
+      </p:sp>
+    </p:spTree>
+    <p:extLst>
+      <p:ext uri="{BB962C8B-B14F-4D97-AF65-F5344CB8AC3E}">
+        <p14:creationId xmlns:p14="http://schemas.microsoft.com/office/powerpoint/2010/main" val="976046904"/>
+      </p:ext>
+    </p:extLst>
+  </p:cSld>
+  <p:clrMapOvr>
+    <a:masterClrMapping/>
+  </p:clrMapOvr>
+</p:sld>
+</file>
+
+<file path=ppt/slides/slide18.xml><?xml version="1.0" encoding="utf-8"?>
+<p:sld xmlns:a="http://schemas.openxmlformats.org/drawingml/2006/main" xmlns:r="http://schemas.openxmlformats.org/officeDocument/2006/relationships" xmlns:p="http://schemas.openxmlformats.org/presentationml/2006/main">
+  <p:cSld>
+    <p:spTree>
+      <p:nvGrpSpPr>
+        <p:cNvPr id="1" name=""/>
+        <p:cNvGrpSpPr/>
+        <p:nvPr/>
+      </p:nvGrpSpPr>
+      <p:grpSpPr>
+        <a:xfrm>
+          <a:off x="0" y="0"/>
+          <a:ext cx="0" cy="0"/>
+          <a:chOff x="0" y="0"/>
+          <a:chExt cx="0" cy="0"/>
+        </a:xfrm>
+      </p:grpSpPr>
+      <p:grpSp>
+        <p:nvGrpSpPr>
+          <p:cNvPr id="14" name="Group 13">
+            <a:extLst>
+              <a:ext uri="{FF2B5EF4-FFF2-40B4-BE49-F238E27FC236}">
+                <a16:creationId xmlns:a16="http://schemas.microsoft.com/office/drawing/2014/main" id="{7C4AFCDD-3C4B-4F06-88F0-8109E270A7C1}"/>
+              </a:ext>
+            </a:extLst>
+          </p:cNvPr>
+          <p:cNvGrpSpPr/>
+          <p:nvPr/>
+        </p:nvGrpSpPr>
+        <p:grpSpPr>
+          <a:xfrm>
+            <a:off x="962025" y="2413001"/>
+            <a:ext cx="6276975" cy="2425699"/>
+            <a:chOff x="962025" y="2413001"/>
+            <a:chExt cx="6276975" cy="2425699"/>
+          </a:xfrm>
+        </p:grpSpPr>
+        <p:cxnSp>
+          <p:nvCxnSpPr>
+            <p:cNvPr id="11" name="Connector: Curved 10">
+              <a:extLst>
+                <a:ext uri="{FF2B5EF4-FFF2-40B4-BE49-F238E27FC236}">
+                  <a16:creationId xmlns:a16="http://schemas.microsoft.com/office/drawing/2014/main" id="{ACB5A9AD-EB8E-43F4-9EB6-7073634F71F9}"/>
+                </a:ext>
+              </a:extLst>
+            </p:cNvPr>
+            <p:cNvCxnSpPr>
+              <a:cxnSpLocks/>
+            </p:cNvCxnSpPr>
+            <p:nvPr/>
+          </p:nvCxnSpPr>
+          <p:spPr>
+            <a:xfrm rot="5400000">
+              <a:off x="4100513" y="1093787"/>
+              <a:ext cx="12700" cy="4467225"/>
+            </a:xfrm>
+            <a:prstGeom prst="curvedConnector3">
+              <a:avLst>
+                <a:gd name="adj1" fmla="val 8400000"/>
+              </a:avLst>
+            </a:prstGeom>
+            <a:ln w="76200">
+              <a:solidFill>
+                <a:srgbClr val="FF0000"/>
+              </a:solidFill>
+              <a:tailEnd type="triangle"/>
+            </a:ln>
+          </p:spPr>
+          <p:style>
+            <a:lnRef idx="1">
+              <a:schemeClr val="accent1"/>
+            </a:lnRef>
+            <a:fillRef idx="0">
+              <a:schemeClr val="accent1"/>
+            </a:fillRef>
+            <a:effectRef idx="0">
+              <a:schemeClr val="accent1"/>
+            </a:effectRef>
+            <a:fontRef idx="minor">
+              <a:schemeClr val="tx1"/>
+            </a:fontRef>
+          </p:style>
+        </p:cxnSp>
+        <p:sp>
+          <p:nvSpPr>
+            <p:cNvPr id="3" name="Rectangle: Rounded Corners 2">
+              <a:extLst>
+                <a:ext uri="{FF2B5EF4-FFF2-40B4-BE49-F238E27FC236}">
+                  <a16:creationId xmlns:a16="http://schemas.microsoft.com/office/drawing/2014/main" id="{CF6BC25C-81DB-400A-8041-B7CFCCBDFDC1}"/>
+                </a:ext>
+              </a:extLst>
+            </p:cNvPr>
+            <p:cNvSpPr/>
+            <p:nvPr/>
+          </p:nvSpPr>
+          <p:spPr>
+            <a:xfrm>
+              <a:off x="962025" y="2419350"/>
+              <a:ext cx="1809750" cy="914400"/>
+            </a:xfrm>
+            <a:prstGeom prst="roundRect">
+              <a:avLst/>
+            </a:prstGeom>
+            <a:solidFill>
+              <a:srgbClr val="00B0F0"/>
+            </a:solidFill>
+            <a:ln>
+              <a:solidFill>
+                <a:schemeClr val="tx1"/>
+              </a:solidFill>
+            </a:ln>
+          </p:spPr>
+          <p:style>
+            <a:lnRef idx="2">
+              <a:schemeClr val="accent1">
+                <a:shade val="50000"/>
+              </a:schemeClr>
+            </a:lnRef>
+            <a:fillRef idx="1">
+              <a:schemeClr val="accent1"/>
+            </a:fillRef>
+            <a:effectRef idx="0">
+              <a:schemeClr val="accent1"/>
+            </a:effectRef>
+            <a:fontRef idx="minor">
+              <a:schemeClr val="lt1"/>
+            </a:fontRef>
+          </p:style>
+          <p:txBody>
+            <a:bodyPr rtlCol="0" anchor="ctr"/>
+            <a:lstStyle/>
+            <a:p>
+              <a:pPr algn="ctr"/>
+              <a:r>
+                <a:rPr lang="en-US" dirty="0"/>
+                <a:t>Private Key</a:t>
+              </a:r>
+            </a:p>
+          </p:txBody>
+        </p:sp>
+        <p:sp>
+          <p:nvSpPr>
+            <p:cNvPr id="4" name="Rectangle: Rounded Corners 3">
+              <a:extLst>
+                <a:ext uri="{FF2B5EF4-FFF2-40B4-BE49-F238E27FC236}">
+                  <a16:creationId xmlns:a16="http://schemas.microsoft.com/office/drawing/2014/main" id="{D1D62465-A751-4DE4-9549-1A6F9C37706D}"/>
+                </a:ext>
+              </a:extLst>
+            </p:cNvPr>
+            <p:cNvSpPr/>
+            <p:nvPr/>
+          </p:nvSpPr>
+          <p:spPr>
+            <a:xfrm>
+              <a:off x="5429250" y="2419350"/>
+              <a:ext cx="1809750" cy="914400"/>
+            </a:xfrm>
+            <a:prstGeom prst="roundRect">
+              <a:avLst/>
+            </a:prstGeom>
+            <a:solidFill>
+              <a:srgbClr val="00B0F0"/>
+            </a:solidFill>
+            <a:ln>
+              <a:solidFill>
+                <a:schemeClr val="tx1"/>
+              </a:solidFill>
+            </a:ln>
+          </p:spPr>
+          <p:style>
+            <a:lnRef idx="2">
+              <a:schemeClr val="accent1">
+                <a:shade val="50000"/>
+              </a:schemeClr>
+            </a:lnRef>
+            <a:fillRef idx="1">
+              <a:schemeClr val="accent1"/>
+            </a:fillRef>
+            <a:effectRef idx="0">
+              <a:schemeClr val="accent1"/>
+            </a:effectRef>
+            <a:fontRef idx="minor">
+              <a:schemeClr val="lt1"/>
+            </a:fontRef>
+          </p:style>
+          <p:txBody>
+            <a:bodyPr rtlCol="0" anchor="ctr"/>
+            <a:lstStyle/>
+            <a:p>
+              <a:pPr algn="ctr"/>
+              <a:r>
+                <a:rPr lang="en-US" dirty="0"/>
+                <a:t>Public Key</a:t>
+              </a:r>
+            </a:p>
+          </p:txBody>
+        </p:sp>
+        <p:cxnSp>
+          <p:nvCxnSpPr>
+            <p:cNvPr id="7" name="Connector: Curved 6">
+              <a:extLst>
+                <a:ext uri="{FF2B5EF4-FFF2-40B4-BE49-F238E27FC236}">
+                  <a16:creationId xmlns:a16="http://schemas.microsoft.com/office/drawing/2014/main" id="{60E254C0-0208-4FFD-B6C1-F757B41AA522}"/>
+                </a:ext>
+              </a:extLst>
+            </p:cNvPr>
+            <p:cNvCxnSpPr>
+              <a:cxnSpLocks/>
+              <a:stCxn id="3" idx="0"/>
+              <a:endCxn id="4" idx="0"/>
+            </p:cNvCxnSpPr>
+            <p:nvPr/>
+          </p:nvCxnSpPr>
+          <p:spPr>
+            <a:xfrm rot="5400000" flipH="1" flipV="1">
+              <a:off x="4100512" y="185738"/>
+              <a:ext cx="12700" cy="4467225"/>
+            </a:xfrm>
+            <a:prstGeom prst="curvedConnector3">
+              <a:avLst>
+                <a:gd name="adj1" fmla="val 8400000"/>
+              </a:avLst>
+            </a:prstGeom>
+            <a:ln w="76200">
+              <a:solidFill>
+                <a:srgbClr val="00B050"/>
+              </a:solidFill>
+              <a:tailEnd type="triangle"/>
+            </a:ln>
+          </p:spPr>
+          <p:style>
+            <a:lnRef idx="1">
+              <a:schemeClr val="accent1"/>
+            </a:lnRef>
+            <a:fillRef idx="0">
+              <a:schemeClr val="accent1"/>
+            </a:fillRef>
+            <a:effectRef idx="0">
+              <a:schemeClr val="accent1"/>
+            </a:effectRef>
+            <a:fontRef idx="minor">
+              <a:schemeClr val="tx1"/>
+            </a:fontRef>
+          </p:style>
+        </p:cxnSp>
+        <p:sp>
+          <p:nvSpPr>
+            <p:cNvPr id="13" name="Multiplication Sign 12">
+              <a:extLst>
+                <a:ext uri="{FF2B5EF4-FFF2-40B4-BE49-F238E27FC236}">
+                  <a16:creationId xmlns:a16="http://schemas.microsoft.com/office/drawing/2014/main" id="{9640FD4E-7F0A-44F8-B8F1-2EA126DB07D9}"/>
+                </a:ext>
+              </a:extLst>
+            </p:cNvPr>
+            <p:cNvSpPr/>
+            <p:nvPr/>
+          </p:nvSpPr>
+          <p:spPr>
+            <a:xfrm>
+              <a:off x="3649662" y="3924300"/>
+              <a:ext cx="914400" cy="914400"/>
+            </a:xfrm>
+            <a:prstGeom prst="mathMultiply">
+              <a:avLst/>
+            </a:prstGeom>
+            <a:solidFill>
+              <a:srgbClr val="FF0000"/>
+            </a:solidFill>
+            <a:ln>
+              <a:solidFill>
+                <a:srgbClr val="FFC000"/>
+              </a:solidFill>
+            </a:ln>
+          </p:spPr>
+          <p:style>
+            <a:lnRef idx="2">
+              <a:schemeClr val="accent1">
+                <a:shade val="50000"/>
+              </a:schemeClr>
+            </a:lnRef>
+            <a:fillRef idx="1">
+              <a:schemeClr val="accent1"/>
+            </a:fillRef>
+            <a:effectRef idx="0">
+              <a:schemeClr val="accent1"/>
+            </a:effectRef>
+            <a:fontRef idx="minor">
+              <a:schemeClr val="lt1"/>
+            </a:fontRef>
+          </p:style>
+          <p:txBody>
+            <a:bodyPr rtlCol="0" anchor="ctr"/>
+            <a:lstStyle/>
+            <a:p>
+              <a:pPr algn="ctr"/>
+              <a:endParaRPr lang="en-US"/>
+            </a:p>
+          </p:txBody>
+        </p:sp>
+      </p:grpSp>
+    </p:spTree>
+    <p:extLst>
+      <p:ext uri="{BB962C8B-B14F-4D97-AF65-F5344CB8AC3E}">
+        <p14:creationId xmlns:p14="http://schemas.microsoft.com/office/powerpoint/2010/main" val="3947565431"/>
+      </p:ext>
+    </p:extLst>
+  </p:cSld>
+  <p:clrMapOvr>
+    <a:masterClrMapping/>
+  </p:clrMapOvr>
+</p:sld>
+</file>
+
+<file path=ppt/slides/slide19.xml><?xml version="1.0" encoding="utf-8"?>
+<p:sld xmlns:a="http://schemas.openxmlformats.org/drawingml/2006/main" xmlns:r="http://schemas.openxmlformats.org/officeDocument/2006/relationships" xmlns:p="http://schemas.openxmlformats.org/presentationml/2006/main">
+  <p:cSld>
+    <p:spTree>
+      <p:nvGrpSpPr>
+        <p:cNvPr id="1" name=""/>
+        <p:cNvGrpSpPr/>
+        <p:nvPr/>
+      </p:nvGrpSpPr>
+      <p:grpSpPr>
+        <a:xfrm>
+          <a:off x="0" y="0"/>
+          <a:ext cx="0" cy="0"/>
+          <a:chOff x="0" y="0"/>
+          <a:chExt cx="0" cy="0"/>
+        </a:xfrm>
+      </p:grpSpPr>
+      <p:pic>
+        <p:nvPicPr>
+          <p:cNvPr id="2" name="Picture 2" descr="Free Server Cliparts, Download Free Server Cliparts png images, Free  ClipArts on Clipart Library">
+            <a:extLst>
+              <a:ext uri="{FF2B5EF4-FFF2-40B4-BE49-F238E27FC236}">
+                <a16:creationId xmlns:a16="http://schemas.microsoft.com/office/drawing/2014/main" id="{ECE33671-CCDE-4278-8423-945EC204641F}"/>
+              </a:ext>
+            </a:extLst>
+          </p:cNvPr>
+          <p:cNvPicPr>
+            <a:picLocks noChangeAspect="1" noChangeArrowheads="1"/>
+          </p:cNvPicPr>
+          <p:nvPr/>
+        </p:nvPicPr>
+        <p:blipFill>
+          <a:blip r:embed="rId2">
+            <a:extLst>
+              <a:ext uri="{28A0092B-C50C-407E-A947-70E740481C1C}">
+                <a14:useLocalDpi xmlns:a14="http://schemas.microsoft.com/office/drawing/2010/main" val="0"/>
+              </a:ext>
+            </a:extLst>
+          </a:blip>
+          <a:srcRect/>
+          <a:stretch>
+            <a:fillRect/>
+          </a:stretch>
+        </p:blipFill>
+        <p:spPr bwMode="auto">
+          <a:xfrm>
+            <a:off x="784659" y="428625"/>
+            <a:ext cx="907182" cy="1390650"/>
+          </a:xfrm>
+          <a:prstGeom prst="rect">
+            <a:avLst/>
+          </a:prstGeom>
+          <a:noFill/>
+          <a:extLst>
+            <a:ext uri="{909E8E84-426E-40DD-AFC4-6F175D3DCCD1}">
+              <a14:hiddenFill xmlns:a14="http://schemas.microsoft.com/office/drawing/2010/main">
+                <a:solidFill>
+                  <a:srgbClr val="FFFFFF"/>
+                </a:solidFill>
+              </a14:hiddenFill>
+            </a:ext>
+          </a:extLst>
+        </p:spPr>
+      </p:pic>
+      <p:pic>
+        <p:nvPicPr>
+          <p:cNvPr id="3" name="Picture 2" descr="Free Server Cliparts, Download Free Server Cliparts png images, Free  ClipArts on Clipart Library">
+            <a:extLst>
+              <a:ext uri="{FF2B5EF4-FFF2-40B4-BE49-F238E27FC236}">
+                <a16:creationId xmlns:a16="http://schemas.microsoft.com/office/drawing/2014/main" id="{1943372B-8328-4A84-82F7-053735E2D917}"/>
+              </a:ext>
+            </a:extLst>
+          </p:cNvPr>
+          <p:cNvPicPr>
+            <a:picLocks noChangeAspect="1" noChangeArrowheads="1"/>
+          </p:cNvPicPr>
+          <p:nvPr/>
+        </p:nvPicPr>
+        <p:blipFill>
+          <a:blip r:embed="rId2">
+            <a:extLst>
+              <a:ext uri="{28A0092B-C50C-407E-A947-70E740481C1C}">
+                <a14:useLocalDpi xmlns:a14="http://schemas.microsoft.com/office/drawing/2010/main" val="0"/>
+              </a:ext>
+            </a:extLst>
+          </a:blip>
+          <a:srcRect/>
+          <a:stretch>
+            <a:fillRect/>
+          </a:stretch>
+        </p:blipFill>
+        <p:spPr bwMode="auto">
+          <a:xfrm>
+            <a:off x="784659" y="2733675"/>
+            <a:ext cx="907182" cy="1390650"/>
+          </a:xfrm>
+          <a:prstGeom prst="rect">
+            <a:avLst/>
+          </a:prstGeom>
+          <a:noFill/>
+          <a:extLst>
+            <a:ext uri="{909E8E84-426E-40DD-AFC4-6F175D3DCCD1}">
+              <a14:hiddenFill xmlns:a14="http://schemas.microsoft.com/office/drawing/2010/main">
+                <a:solidFill>
+                  <a:srgbClr val="FFFFFF"/>
+                </a:solidFill>
+              </a14:hiddenFill>
+            </a:ext>
+          </a:extLst>
+        </p:spPr>
+      </p:pic>
+      <p:pic>
+        <p:nvPicPr>
+          <p:cNvPr id="4" name="Picture 2" descr="Free Server Cliparts, Download Free Server Cliparts png images, Free  ClipArts on Clipart Library">
+            <a:extLst>
+              <a:ext uri="{FF2B5EF4-FFF2-40B4-BE49-F238E27FC236}">
+                <a16:creationId xmlns:a16="http://schemas.microsoft.com/office/drawing/2014/main" id="{98D59A4E-7930-4691-A335-793518129D26}"/>
+              </a:ext>
+            </a:extLst>
+          </p:cNvPr>
+          <p:cNvPicPr>
+            <a:picLocks noChangeAspect="1" noChangeArrowheads="1"/>
+          </p:cNvPicPr>
+          <p:nvPr/>
+        </p:nvPicPr>
+        <p:blipFill>
+          <a:blip r:embed="rId2">
+            <a:extLst>
+              <a:ext uri="{28A0092B-C50C-407E-A947-70E740481C1C}">
+                <a14:useLocalDpi xmlns:a14="http://schemas.microsoft.com/office/drawing/2010/main" val="0"/>
+              </a:ext>
+            </a:extLst>
+          </a:blip>
+          <a:srcRect/>
+          <a:stretch>
+            <a:fillRect/>
+          </a:stretch>
+        </p:blipFill>
+        <p:spPr bwMode="auto">
+          <a:xfrm>
+            <a:off x="784659" y="5038725"/>
+            <a:ext cx="907182" cy="1390650"/>
+          </a:xfrm>
+          <a:prstGeom prst="rect">
+            <a:avLst/>
+          </a:prstGeom>
+          <a:noFill/>
+          <a:extLst>
+            <a:ext uri="{909E8E84-426E-40DD-AFC4-6F175D3DCCD1}">
+              <a14:hiddenFill xmlns:a14="http://schemas.microsoft.com/office/drawing/2010/main">
+                <a:solidFill>
+                  <a:srgbClr val="FFFFFF"/>
+                </a:solidFill>
+              </a14:hiddenFill>
+            </a:ext>
+          </a:extLst>
+        </p:spPr>
+      </p:pic>
+      <p:pic>
+        <p:nvPicPr>
+          <p:cNvPr id="5" name="Picture 2" descr="Free Server Cliparts, Download Free Server Cliparts png images, Free  ClipArts on Clipart Library">
+            <a:extLst>
+              <a:ext uri="{FF2B5EF4-FFF2-40B4-BE49-F238E27FC236}">
+                <a16:creationId xmlns:a16="http://schemas.microsoft.com/office/drawing/2014/main" id="{4C15D0E2-E78D-4308-897F-A5272B2140C4}"/>
+              </a:ext>
+            </a:extLst>
+          </p:cNvPr>
+          <p:cNvPicPr>
+            <a:picLocks noChangeAspect="1" noChangeArrowheads="1"/>
+          </p:cNvPicPr>
+          <p:nvPr/>
+        </p:nvPicPr>
+        <p:blipFill>
+          <a:blip r:embed="rId2">
+            <a:extLst>
+              <a:ext uri="{28A0092B-C50C-407E-A947-70E740481C1C}">
+                <a14:useLocalDpi xmlns:a14="http://schemas.microsoft.com/office/drawing/2010/main" val="0"/>
+              </a:ext>
+            </a:extLst>
+          </a:blip>
+          <a:srcRect/>
+          <a:stretch>
+            <a:fillRect/>
+          </a:stretch>
+        </p:blipFill>
+        <p:spPr bwMode="auto">
+          <a:xfrm>
+            <a:off x="5642409" y="2733675"/>
+            <a:ext cx="907182" cy="1390650"/>
+          </a:xfrm>
+          <a:prstGeom prst="rect">
+            <a:avLst/>
+          </a:prstGeom>
+          <a:noFill/>
+          <a:extLst>
+            <a:ext uri="{909E8E84-426E-40DD-AFC4-6F175D3DCCD1}">
+              <a14:hiddenFill xmlns:a14="http://schemas.microsoft.com/office/drawing/2010/main">
+                <a:solidFill>
+                  <a:srgbClr val="FFFFFF"/>
+                </a:solidFill>
+              </a14:hiddenFill>
+            </a:ext>
+          </a:extLst>
+        </p:spPr>
+      </p:pic>
+      <p:pic>
+        <p:nvPicPr>
+          <p:cNvPr id="7" name="Picture 2" descr="Free Server Cliparts, Download Free Server Cliparts png images, Free  ClipArts on Clipart Library">
+            <a:extLst>
+              <a:ext uri="{FF2B5EF4-FFF2-40B4-BE49-F238E27FC236}">
+                <a16:creationId xmlns:a16="http://schemas.microsoft.com/office/drawing/2014/main" id="{E08CADC1-E769-41FD-A025-27D4C90BBC89}"/>
+              </a:ext>
+            </a:extLst>
+          </p:cNvPr>
+          <p:cNvPicPr>
+            <a:picLocks noChangeAspect="1" noChangeArrowheads="1"/>
+          </p:cNvPicPr>
+          <p:nvPr/>
+        </p:nvPicPr>
+        <p:blipFill>
+          <a:blip r:embed="rId2">
+            <a:extLst>
+              <a:ext uri="{28A0092B-C50C-407E-A947-70E740481C1C}">
+                <a14:useLocalDpi xmlns:a14="http://schemas.microsoft.com/office/drawing/2010/main" val="0"/>
+              </a:ext>
+            </a:extLst>
+          </a:blip>
+          <a:srcRect/>
+          <a:stretch>
+            <a:fillRect/>
+          </a:stretch>
+        </p:blipFill>
+        <p:spPr bwMode="auto">
+          <a:xfrm>
+            <a:off x="10500159" y="428625"/>
+            <a:ext cx="907182" cy="1390650"/>
+          </a:xfrm>
+          <a:prstGeom prst="rect">
+            <a:avLst/>
+          </a:prstGeom>
+          <a:noFill/>
+          <a:extLst>
+            <a:ext uri="{909E8E84-426E-40DD-AFC4-6F175D3DCCD1}">
+              <a14:hiddenFill xmlns:a14="http://schemas.microsoft.com/office/drawing/2010/main">
+                <a:solidFill>
+                  <a:srgbClr val="FFFFFF"/>
+                </a:solidFill>
+              </a14:hiddenFill>
+            </a:ext>
+          </a:extLst>
+        </p:spPr>
+      </p:pic>
+      <p:pic>
+        <p:nvPicPr>
+          <p:cNvPr id="8" name="Picture 7" descr="Free Server Cliparts, Download Free Server Cliparts png images, Free  ClipArts on Clipart Library">
+            <a:extLst>
+              <a:ext uri="{FF2B5EF4-FFF2-40B4-BE49-F238E27FC236}">
+                <a16:creationId xmlns:a16="http://schemas.microsoft.com/office/drawing/2014/main" id="{14D000C7-4FB7-4536-8695-6C54674D883F}"/>
+              </a:ext>
+            </a:extLst>
+          </p:cNvPr>
+          <p:cNvPicPr>
+            <a:picLocks noChangeAspect="1" noChangeArrowheads="1"/>
+          </p:cNvPicPr>
+          <p:nvPr/>
+        </p:nvPicPr>
+        <p:blipFill>
+          <a:blip r:embed="rId2">
+            <a:extLst>
+              <a:ext uri="{28A0092B-C50C-407E-A947-70E740481C1C}">
+                <a14:useLocalDpi xmlns:a14="http://schemas.microsoft.com/office/drawing/2010/main" val="0"/>
+              </a:ext>
+            </a:extLst>
+          </a:blip>
+          <a:srcRect/>
+          <a:stretch>
+            <a:fillRect/>
+          </a:stretch>
+        </p:blipFill>
+        <p:spPr bwMode="auto">
+          <a:xfrm>
+            <a:off x="10500159" y="2733675"/>
+            <a:ext cx="907182" cy="1390650"/>
+          </a:xfrm>
+          <a:prstGeom prst="rect">
+            <a:avLst/>
+          </a:prstGeom>
+          <a:noFill/>
+          <a:extLst>
+            <a:ext uri="{909E8E84-426E-40DD-AFC4-6F175D3DCCD1}">
+              <a14:hiddenFill xmlns:a14="http://schemas.microsoft.com/office/drawing/2010/main">
+                <a:solidFill>
+                  <a:srgbClr val="FFFFFF"/>
+                </a:solidFill>
+              </a14:hiddenFill>
+            </a:ext>
+          </a:extLst>
+        </p:spPr>
+      </p:pic>
+      <p:pic>
+        <p:nvPicPr>
+          <p:cNvPr id="9" name="Picture 2" descr="Free Server Cliparts, Download Free Server Cliparts png images, Free  ClipArts on Clipart Library">
+            <a:extLst>
+              <a:ext uri="{FF2B5EF4-FFF2-40B4-BE49-F238E27FC236}">
+                <a16:creationId xmlns:a16="http://schemas.microsoft.com/office/drawing/2014/main" id="{6C2ED19A-EFFF-456E-B774-1599D8B7315E}"/>
+              </a:ext>
+            </a:extLst>
+          </p:cNvPr>
+          <p:cNvPicPr>
+            <a:picLocks noChangeAspect="1" noChangeArrowheads="1"/>
+          </p:cNvPicPr>
+          <p:nvPr/>
+        </p:nvPicPr>
+        <p:blipFill>
+          <a:blip r:embed="rId2">
+            <a:extLst>
+              <a:ext uri="{28A0092B-C50C-407E-A947-70E740481C1C}">
+                <a14:useLocalDpi xmlns:a14="http://schemas.microsoft.com/office/drawing/2010/main" val="0"/>
+              </a:ext>
+            </a:extLst>
+          </a:blip>
+          <a:srcRect/>
+          <a:stretch>
+            <a:fillRect/>
+          </a:stretch>
+        </p:blipFill>
+        <p:spPr bwMode="auto">
+          <a:xfrm>
+            <a:off x="10500159" y="5038725"/>
+            <a:ext cx="907182" cy="1390650"/>
+          </a:xfrm>
+          <a:prstGeom prst="rect">
+            <a:avLst/>
+          </a:prstGeom>
+          <a:noFill/>
+          <a:extLst>
+            <a:ext uri="{909E8E84-426E-40DD-AFC4-6F175D3DCCD1}">
+              <a14:hiddenFill xmlns:a14="http://schemas.microsoft.com/office/drawing/2010/main">
+                <a:solidFill>
+                  <a:srgbClr val="FFFFFF"/>
+                </a:solidFill>
+              </a14:hiddenFill>
+            </a:ext>
+          </a:extLst>
+        </p:spPr>
+      </p:pic>
+      <p:cxnSp>
+        <p:nvCxnSpPr>
+          <p:cNvPr id="11" name="Straight Arrow Connector 10">
+            <a:extLst>
+              <a:ext uri="{FF2B5EF4-FFF2-40B4-BE49-F238E27FC236}">
+                <a16:creationId xmlns:a16="http://schemas.microsoft.com/office/drawing/2014/main" id="{38AFFBD9-99FF-470F-8939-442AE5C248BD}"/>
+              </a:ext>
+            </a:extLst>
+          </p:cNvPr>
+          <p:cNvCxnSpPr>
+            <a:cxnSpLocks/>
+            <a:stCxn id="2" idx="3"/>
+          </p:cNvCxnSpPr>
+          <p:nvPr/>
+        </p:nvCxnSpPr>
+        <p:spPr>
+          <a:xfrm>
+            <a:off x="1691841" y="1123950"/>
+            <a:ext cx="3950568" cy="2105025"/>
+          </a:xfrm>
+          <a:prstGeom prst="straightConnector1">
+            <a:avLst/>
+          </a:prstGeom>
+          <a:ln w="38100">
+            <a:solidFill>
+              <a:srgbClr val="00B050"/>
+            </a:solidFill>
+            <a:headEnd type="none" w="med" len="med"/>
+            <a:tailEnd type="triangle" w="med" len="med"/>
+          </a:ln>
+        </p:spPr>
+        <p:style>
+          <a:lnRef idx="1">
+            <a:schemeClr val="accent1"/>
+          </a:lnRef>
+          <a:fillRef idx="0">
+            <a:schemeClr val="accent1"/>
+          </a:fillRef>
+          <a:effectRef idx="0">
+            <a:schemeClr val="accent1"/>
+          </a:effectRef>
+          <a:fontRef idx="minor">
+            <a:schemeClr val="tx1"/>
+          </a:fontRef>
+        </p:style>
+      </p:cxnSp>
+      <p:cxnSp>
+        <p:nvCxnSpPr>
+          <p:cNvPr id="14" name="Straight Arrow Connector 13">
+            <a:extLst>
+              <a:ext uri="{FF2B5EF4-FFF2-40B4-BE49-F238E27FC236}">
+                <a16:creationId xmlns:a16="http://schemas.microsoft.com/office/drawing/2014/main" id="{05A19EF1-698E-41F4-925A-63935982DE3C}"/>
+              </a:ext>
+            </a:extLst>
+          </p:cNvPr>
+          <p:cNvCxnSpPr>
+            <a:cxnSpLocks/>
+            <a:stCxn id="3" idx="3"/>
+            <a:endCxn id="5" idx="1"/>
+          </p:cNvCxnSpPr>
+          <p:nvPr/>
+        </p:nvCxnSpPr>
+        <p:spPr>
+          <a:xfrm>
+            <a:off x="1691841" y="3429000"/>
+            <a:ext cx="3950568" cy="0"/>
+          </a:xfrm>
+          <a:prstGeom prst="straightConnector1">
+            <a:avLst/>
+          </a:prstGeom>
+          <a:ln w="38100">
+            <a:solidFill>
+              <a:srgbClr val="FF0000"/>
+            </a:solidFill>
+            <a:headEnd type="oval" w="med" len="med"/>
+            <a:tailEnd type="oval" w="med" len="med"/>
+          </a:ln>
+        </p:spPr>
+        <p:style>
+          <a:lnRef idx="1">
+            <a:schemeClr val="accent1"/>
+          </a:lnRef>
+          <a:fillRef idx="0">
+            <a:schemeClr val="accent1"/>
+          </a:fillRef>
+          <a:effectRef idx="0">
+            <a:schemeClr val="accent1"/>
+          </a:effectRef>
+          <a:fontRef idx="minor">
+            <a:schemeClr val="tx1"/>
+          </a:fontRef>
+        </p:style>
+      </p:cxnSp>
+      <p:cxnSp>
+        <p:nvCxnSpPr>
+          <p:cNvPr id="16" name="Straight Arrow Connector 15">
+            <a:extLst>
+              <a:ext uri="{FF2B5EF4-FFF2-40B4-BE49-F238E27FC236}">
+                <a16:creationId xmlns:a16="http://schemas.microsoft.com/office/drawing/2014/main" id="{3CDBF7DD-1B11-4FAB-894C-8C18A989C8DC}"/>
+              </a:ext>
+            </a:extLst>
+          </p:cNvPr>
+          <p:cNvCxnSpPr>
+            <a:cxnSpLocks/>
+            <a:stCxn id="4" idx="3"/>
+          </p:cNvCxnSpPr>
+          <p:nvPr/>
+        </p:nvCxnSpPr>
+        <p:spPr>
+          <a:xfrm flipV="1">
+            <a:off x="1691841" y="3629026"/>
+            <a:ext cx="3950568" cy="2105024"/>
+          </a:xfrm>
+          <a:prstGeom prst="straightConnector1">
+            <a:avLst/>
+          </a:prstGeom>
+          <a:ln w="38100">
+            <a:solidFill>
+              <a:srgbClr val="FF0000"/>
+            </a:solidFill>
+            <a:headEnd type="oval" w="med" len="med"/>
+            <a:tailEnd type="oval" w="med" len="med"/>
+          </a:ln>
+        </p:spPr>
+        <p:style>
+          <a:lnRef idx="1">
+            <a:schemeClr val="accent1"/>
+          </a:lnRef>
+          <a:fillRef idx="0">
+            <a:schemeClr val="accent1"/>
+          </a:fillRef>
+          <a:effectRef idx="0">
+            <a:schemeClr val="accent1"/>
+          </a:effectRef>
+          <a:fontRef idx="minor">
+            <a:schemeClr val="tx1"/>
+          </a:fontRef>
+        </p:style>
+      </p:cxnSp>
+      <p:cxnSp>
+        <p:nvCxnSpPr>
+          <p:cNvPr id="23" name="Straight Arrow Connector 22">
+            <a:extLst>
+              <a:ext uri="{FF2B5EF4-FFF2-40B4-BE49-F238E27FC236}">
+                <a16:creationId xmlns:a16="http://schemas.microsoft.com/office/drawing/2014/main" id="{2BE0561C-36F3-4181-97D3-959FD9478AA7}"/>
+              </a:ext>
+            </a:extLst>
+          </p:cNvPr>
+          <p:cNvCxnSpPr>
+            <a:cxnSpLocks/>
+          </p:cNvCxnSpPr>
+          <p:nvPr/>
+        </p:nvCxnSpPr>
+        <p:spPr>
+          <a:xfrm flipH="1">
+            <a:off x="6549591" y="1223962"/>
+            <a:ext cx="3950568" cy="2105025"/>
+          </a:xfrm>
+          <a:prstGeom prst="straightConnector1">
+            <a:avLst/>
+          </a:prstGeom>
+          <a:ln w="38100">
+            <a:solidFill>
+              <a:srgbClr val="FF0000"/>
+            </a:solidFill>
+            <a:headEnd type="oval" w="med" len="med"/>
+            <a:tailEnd type="oval" w="med" len="med"/>
+          </a:ln>
+        </p:spPr>
+        <p:style>
+          <a:lnRef idx="1">
+            <a:schemeClr val="accent1"/>
+          </a:lnRef>
+          <a:fillRef idx="0">
+            <a:schemeClr val="accent1"/>
+          </a:fillRef>
+          <a:effectRef idx="0">
+            <a:schemeClr val="accent1"/>
+          </a:effectRef>
+          <a:fontRef idx="minor">
+            <a:schemeClr val="tx1"/>
+          </a:fontRef>
+        </p:style>
+      </p:cxnSp>
+      <p:cxnSp>
+        <p:nvCxnSpPr>
+          <p:cNvPr id="24" name="Straight Arrow Connector 23">
+            <a:extLst>
+              <a:ext uri="{FF2B5EF4-FFF2-40B4-BE49-F238E27FC236}">
+                <a16:creationId xmlns:a16="http://schemas.microsoft.com/office/drawing/2014/main" id="{DC3C6402-A172-4AE6-B07D-333C5E144287}"/>
+              </a:ext>
+            </a:extLst>
+          </p:cNvPr>
+          <p:cNvCxnSpPr>
+            <a:cxnSpLocks/>
+          </p:cNvCxnSpPr>
+          <p:nvPr/>
+        </p:nvCxnSpPr>
+        <p:spPr>
+          <a:xfrm flipH="1">
+            <a:off x="6549591" y="3529012"/>
+            <a:ext cx="3950568" cy="0"/>
+          </a:xfrm>
+          <a:prstGeom prst="straightConnector1">
+            <a:avLst/>
+          </a:prstGeom>
+          <a:ln w="38100">
+            <a:solidFill>
+              <a:srgbClr val="FF0000"/>
+            </a:solidFill>
+            <a:headEnd type="oval" w="med" len="med"/>
+            <a:tailEnd type="oval" w="med" len="med"/>
+          </a:ln>
+        </p:spPr>
+        <p:style>
+          <a:lnRef idx="1">
+            <a:schemeClr val="accent1"/>
+          </a:lnRef>
+          <a:fillRef idx="0">
+            <a:schemeClr val="accent1"/>
+          </a:fillRef>
+          <a:effectRef idx="0">
+            <a:schemeClr val="accent1"/>
+          </a:effectRef>
+          <a:fontRef idx="minor">
+            <a:schemeClr val="tx1"/>
+          </a:fontRef>
+        </p:style>
+      </p:cxnSp>
+      <p:cxnSp>
+        <p:nvCxnSpPr>
+          <p:cNvPr id="25" name="Straight Arrow Connector 24">
+            <a:extLst>
+              <a:ext uri="{FF2B5EF4-FFF2-40B4-BE49-F238E27FC236}">
+                <a16:creationId xmlns:a16="http://schemas.microsoft.com/office/drawing/2014/main" id="{07116C15-B854-48AE-BB5C-6CFF6413E750}"/>
+              </a:ext>
+            </a:extLst>
+          </p:cNvPr>
+          <p:cNvCxnSpPr>
+            <a:cxnSpLocks/>
+          </p:cNvCxnSpPr>
+          <p:nvPr/>
+        </p:nvCxnSpPr>
+        <p:spPr>
+          <a:xfrm flipH="1" flipV="1">
+            <a:off x="6549591" y="3729038"/>
+            <a:ext cx="3950568" cy="2105024"/>
+          </a:xfrm>
+          <a:prstGeom prst="straightConnector1">
+            <a:avLst/>
+          </a:prstGeom>
+          <a:ln w="38100">
+            <a:solidFill>
+              <a:srgbClr val="FF0000"/>
+            </a:solidFill>
+            <a:headEnd type="oval" w="med" len="med"/>
+            <a:tailEnd type="oval" w="med" len="med"/>
+          </a:ln>
+        </p:spPr>
+        <p:style>
+          <a:lnRef idx="1">
+            <a:schemeClr val="accent1"/>
+          </a:lnRef>
+          <a:fillRef idx="0">
+            <a:schemeClr val="accent1"/>
+          </a:fillRef>
+          <a:effectRef idx="0">
+            <a:schemeClr val="accent1"/>
+          </a:effectRef>
+          <a:fontRef idx="minor">
+            <a:schemeClr val="tx1"/>
+          </a:fontRef>
+        </p:style>
+      </p:cxnSp>
+      <p:sp>
+        <p:nvSpPr>
+          <p:cNvPr id="26" name="TextBox 25">
+            <a:extLst>
+              <a:ext uri="{FF2B5EF4-FFF2-40B4-BE49-F238E27FC236}">
+                <a16:creationId xmlns:a16="http://schemas.microsoft.com/office/drawing/2014/main" id="{0E75DFC4-D8CF-4229-B7FC-66591930D4E8}"/>
+              </a:ext>
+            </a:extLst>
+          </p:cNvPr>
+          <p:cNvSpPr txBox="1"/>
+          <p:nvPr/>
+        </p:nvSpPr>
+        <p:spPr>
+          <a:xfrm>
+            <a:off x="622536" y="3105834"/>
+            <a:ext cx="1231427" cy="646331"/>
+          </a:xfrm>
+          <a:prstGeom prst="rect">
+            <a:avLst/>
+          </a:prstGeom>
+          <a:noFill/>
+        </p:spPr>
+        <p:txBody>
+          <a:bodyPr wrap="none" rtlCol="0">
+            <a:spAutoFit/>
+          </a:bodyPr>
+          <a:lstStyle/>
+          <a:p>
+            <a:pPr algn="ctr"/>
+            <a:r>
+              <a:rPr lang="en-US" dirty="0">
+                <a:ln>
+                  <a:solidFill>
+                    <a:sysClr val="windowText" lastClr="000000"/>
+                  </a:solidFill>
+                </a:ln>
+                <a:solidFill>
+                  <a:schemeClr val="bg1"/>
+                </a:solidFill>
+                <a:latin typeface="Aharoni" panose="02010803020104030203" pitchFamily="2" charset="-79"/>
+                <a:cs typeface="Aharoni" panose="02010803020104030203" pitchFamily="2" charset="-79"/>
+              </a:rPr>
+              <a:t>Network</a:t>
+            </a:r>
+          </a:p>
+          <a:p>
+            <a:pPr algn="ctr"/>
+            <a:r>
+              <a:rPr lang="en-US" dirty="0">
+                <a:ln>
+                  <a:solidFill>
+                    <a:sysClr val="windowText" lastClr="000000"/>
+                  </a:solidFill>
+                </a:ln>
+                <a:solidFill>
+                  <a:schemeClr val="bg1"/>
+                </a:solidFill>
+                <a:latin typeface="Aharoni" panose="02010803020104030203" pitchFamily="2" charset="-79"/>
+                <a:cs typeface="Aharoni" panose="02010803020104030203" pitchFamily="2" charset="-79"/>
+              </a:rPr>
+              <a:t>Validator</a:t>
+            </a:r>
+          </a:p>
+        </p:txBody>
+      </p:sp>
+      <p:sp>
+        <p:nvSpPr>
+          <p:cNvPr id="27" name="TextBox 26">
+            <a:extLst>
+              <a:ext uri="{FF2B5EF4-FFF2-40B4-BE49-F238E27FC236}">
+                <a16:creationId xmlns:a16="http://schemas.microsoft.com/office/drawing/2014/main" id="{4A1D79CF-C71F-4FF0-9536-E88C3801683D}"/>
+              </a:ext>
+            </a:extLst>
+          </p:cNvPr>
+          <p:cNvSpPr txBox="1"/>
+          <p:nvPr/>
+        </p:nvSpPr>
+        <p:spPr>
+          <a:xfrm>
+            <a:off x="637977" y="5410884"/>
+            <a:ext cx="1231427" cy="646331"/>
+          </a:xfrm>
+          <a:prstGeom prst="rect">
+            <a:avLst/>
+          </a:prstGeom>
+          <a:noFill/>
+        </p:spPr>
+        <p:txBody>
+          <a:bodyPr wrap="none" rtlCol="0">
+            <a:spAutoFit/>
+          </a:bodyPr>
+          <a:lstStyle/>
+          <a:p>
+            <a:pPr algn="ctr"/>
+            <a:r>
+              <a:rPr lang="en-US" dirty="0">
+                <a:ln>
+                  <a:solidFill>
+                    <a:sysClr val="windowText" lastClr="000000"/>
+                  </a:solidFill>
+                </a:ln>
+                <a:solidFill>
+                  <a:schemeClr val="bg1"/>
+                </a:solidFill>
+                <a:latin typeface="Aharoni" panose="02010803020104030203" pitchFamily="2" charset="-79"/>
+                <a:cs typeface="Aharoni" panose="02010803020104030203" pitchFamily="2" charset="-79"/>
+              </a:rPr>
+              <a:t>Network</a:t>
+            </a:r>
+          </a:p>
+          <a:p>
+            <a:pPr algn="ctr"/>
+            <a:r>
+              <a:rPr lang="en-US" dirty="0">
+                <a:ln>
+                  <a:solidFill>
+                    <a:sysClr val="windowText" lastClr="000000"/>
+                  </a:solidFill>
+                </a:ln>
+                <a:solidFill>
+                  <a:schemeClr val="bg1"/>
+                </a:solidFill>
+                <a:latin typeface="Aharoni" panose="02010803020104030203" pitchFamily="2" charset="-79"/>
+                <a:cs typeface="Aharoni" panose="02010803020104030203" pitchFamily="2" charset="-79"/>
+              </a:rPr>
+              <a:t>Validator</a:t>
+            </a:r>
+          </a:p>
+        </p:txBody>
+      </p:sp>
+      <p:sp>
+        <p:nvSpPr>
+          <p:cNvPr id="28" name="TextBox 27">
+            <a:extLst>
+              <a:ext uri="{FF2B5EF4-FFF2-40B4-BE49-F238E27FC236}">
+                <a16:creationId xmlns:a16="http://schemas.microsoft.com/office/drawing/2014/main" id="{96A1F890-3AB4-41EA-AC75-0A8D060A4073}"/>
+              </a:ext>
+            </a:extLst>
+          </p:cNvPr>
+          <p:cNvSpPr txBox="1"/>
+          <p:nvPr/>
+        </p:nvSpPr>
+        <p:spPr>
+          <a:xfrm>
+            <a:off x="10338037" y="5410884"/>
+            <a:ext cx="1231427" cy="646331"/>
+          </a:xfrm>
+          <a:prstGeom prst="rect">
+            <a:avLst/>
+          </a:prstGeom>
+          <a:noFill/>
+        </p:spPr>
+        <p:txBody>
+          <a:bodyPr wrap="none" rtlCol="0">
+            <a:spAutoFit/>
+          </a:bodyPr>
+          <a:lstStyle/>
+          <a:p>
+            <a:pPr algn="ctr"/>
+            <a:r>
+              <a:rPr lang="en-US" dirty="0">
+                <a:ln>
+                  <a:solidFill>
+                    <a:sysClr val="windowText" lastClr="000000"/>
+                  </a:solidFill>
+                </a:ln>
+                <a:solidFill>
+                  <a:schemeClr val="bg1"/>
+                </a:solidFill>
+                <a:latin typeface="Aharoni" panose="02010803020104030203" pitchFamily="2" charset="-79"/>
+                <a:cs typeface="Aharoni" panose="02010803020104030203" pitchFamily="2" charset="-79"/>
+              </a:rPr>
+              <a:t>Network</a:t>
+            </a:r>
+          </a:p>
+          <a:p>
+            <a:pPr algn="ctr"/>
+            <a:r>
+              <a:rPr lang="en-US" dirty="0">
+                <a:ln>
+                  <a:solidFill>
+                    <a:sysClr val="windowText" lastClr="000000"/>
+                  </a:solidFill>
+                </a:ln>
+                <a:solidFill>
+                  <a:schemeClr val="bg1"/>
+                </a:solidFill>
+                <a:latin typeface="Aharoni" panose="02010803020104030203" pitchFamily="2" charset="-79"/>
+                <a:cs typeface="Aharoni" panose="02010803020104030203" pitchFamily="2" charset="-79"/>
+              </a:rPr>
+              <a:t>Validator</a:t>
+            </a:r>
+          </a:p>
+        </p:txBody>
+      </p:sp>
+      <p:sp>
+        <p:nvSpPr>
+          <p:cNvPr id="29" name="TextBox 28">
+            <a:extLst>
+              <a:ext uri="{FF2B5EF4-FFF2-40B4-BE49-F238E27FC236}">
+                <a16:creationId xmlns:a16="http://schemas.microsoft.com/office/drawing/2014/main" id="{D55B3F38-8CF3-4EAA-9C02-EB15687ABB6A}"/>
+              </a:ext>
+            </a:extLst>
+          </p:cNvPr>
+          <p:cNvSpPr txBox="1"/>
+          <p:nvPr/>
+        </p:nvSpPr>
+        <p:spPr>
+          <a:xfrm>
+            <a:off x="10338037" y="3205846"/>
+            <a:ext cx="1231427" cy="646331"/>
+          </a:xfrm>
+          <a:prstGeom prst="rect">
+            <a:avLst/>
+          </a:prstGeom>
+          <a:noFill/>
+        </p:spPr>
+        <p:txBody>
+          <a:bodyPr wrap="none" rtlCol="0">
+            <a:spAutoFit/>
+          </a:bodyPr>
+          <a:lstStyle/>
+          <a:p>
+            <a:pPr algn="ctr"/>
+            <a:r>
+              <a:rPr lang="en-US" dirty="0">
+                <a:ln>
+                  <a:solidFill>
+                    <a:sysClr val="windowText" lastClr="000000"/>
+                  </a:solidFill>
+                </a:ln>
+                <a:solidFill>
+                  <a:schemeClr val="bg1"/>
+                </a:solidFill>
+                <a:latin typeface="Aharoni" panose="02010803020104030203" pitchFamily="2" charset="-79"/>
+                <a:cs typeface="Aharoni" panose="02010803020104030203" pitchFamily="2" charset="-79"/>
+              </a:rPr>
+              <a:t>Network</a:t>
+            </a:r>
+          </a:p>
+          <a:p>
+            <a:pPr algn="ctr"/>
+            <a:r>
+              <a:rPr lang="en-US" dirty="0">
+                <a:ln>
+                  <a:solidFill>
+                    <a:sysClr val="windowText" lastClr="000000"/>
+                  </a:solidFill>
+                </a:ln>
+                <a:solidFill>
+                  <a:schemeClr val="bg1"/>
+                </a:solidFill>
+                <a:latin typeface="Aharoni" panose="02010803020104030203" pitchFamily="2" charset="-79"/>
+                <a:cs typeface="Aharoni" panose="02010803020104030203" pitchFamily="2" charset="-79"/>
+              </a:rPr>
+              <a:t>Validator</a:t>
+            </a:r>
+          </a:p>
+        </p:txBody>
+      </p:sp>
+      <p:sp>
+        <p:nvSpPr>
+          <p:cNvPr id="30" name="TextBox 29">
+            <a:extLst>
+              <a:ext uri="{FF2B5EF4-FFF2-40B4-BE49-F238E27FC236}">
+                <a16:creationId xmlns:a16="http://schemas.microsoft.com/office/drawing/2014/main" id="{D27D1FD2-0B82-4A6A-88A2-5184D7BA3FE3}"/>
+              </a:ext>
+            </a:extLst>
+          </p:cNvPr>
+          <p:cNvSpPr txBox="1"/>
+          <p:nvPr/>
+        </p:nvSpPr>
+        <p:spPr>
+          <a:xfrm>
+            <a:off x="5702302" y="3149380"/>
+            <a:ext cx="787396" cy="646331"/>
+          </a:xfrm>
+          <a:prstGeom prst="rect">
+            <a:avLst/>
+          </a:prstGeom>
+          <a:noFill/>
+        </p:spPr>
+        <p:txBody>
+          <a:bodyPr wrap="none" rtlCol="0">
+            <a:spAutoFit/>
+          </a:bodyPr>
+          <a:lstStyle/>
+          <a:p>
+            <a:pPr algn="ctr"/>
+            <a:r>
+              <a:rPr lang="en-US" dirty="0">
+                <a:ln>
+                  <a:solidFill>
+                    <a:sysClr val="windowText" lastClr="000000"/>
+                  </a:solidFill>
+                </a:ln>
+                <a:solidFill>
+                  <a:schemeClr val="bg1"/>
+                </a:solidFill>
+                <a:latin typeface="Aharoni" panose="02010803020104030203" pitchFamily="2" charset="-79"/>
+                <a:cs typeface="Aharoni" panose="02010803020104030203" pitchFamily="2" charset="-79"/>
+              </a:rPr>
+              <a:t>Evil</a:t>
+            </a:r>
+          </a:p>
+          <a:p>
+            <a:pPr algn="ctr"/>
+            <a:r>
+              <a:rPr lang="en-US" dirty="0">
+                <a:ln>
+                  <a:solidFill>
+                    <a:sysClr val="windowText" lastClr="000000"/>
+                  </a:solidFill>
+                </a:ln>
+                <a:solidFill>
+                  <a:schemeClr val="bg1"/>
+                </a:solidFill>
+                <a:latin typeface="Aharoni" panose="02010803020104030203" pitchFamily="2" charset="-79"/>
+                <a:cs typeface="Aharoni" panose="02010803020104030203" pitchFamily="2" charset="-79"/>
+              </a:rPr>
+              <a:t>Steve</a:t>
+            </a:r>
+          </a:p>
+        </p:txBody>
+      </p:sp>
+      <p:sp>
+        <p:nvSpPr>
+          <p:cNvPr id="31" name="TextBox 30">
+            <a:extLst>
+              <a:ext uri="{FF2B5EF4-FFF2-40B4-BE49-F238E27FC236}">
+                <a16:creationId xmlns:a16="http://schemas.microsoft.com/office/drawing/2014/main" id="{541C2BA9-4497-46D2-997D-40CDEB6DE5C9}"/>
+              </a:ext>
+            </a:extLst>
+          </p:cNvPr>
+          <p:cNvSpPr txBox="1"/>
+          <p:nvPr/>
+        </p:nvSpPr>
+        <p:spPr>
+          <a:xfrm>
+            <a:off x="901670" y="939284"/>
+            <a:ext cx="704040" cy="369332"/>
+          </a:xfrm>
+          <a:prstGeom prst="rect">
+            <a:avLst/>
+          </a:prstGeom>
+          <a:noFill/>
+        </p:spPr>
+        <p:txBody>
+          <a:bodyPr wrap="none" rtlCol="0">
+            <a:spAutoFit/>
+          </a:bodyPr>
+          <a:lstStyle/>
+          <a:p>
+            <a:pPr algn="ctr"/>
+            <a:r>
+              <a:rPr lang="en-US" dirty="0">
+                <a:ln>
+                  <a:solidFill>
+                    <a:sysClr val="windowText" lastClr="000000"/>
+                  </a:solidFill>
+                </a:ln>
+                <a:solidFill>
+                  <a:schemeClr val="bg1"/>
+                </a:solidFill>
+                <a:latin typeface="Aharoni" panose="02010803020104030203" pitchFamily="2" charset="-79"/>
+                <a:cs typeface="Aharoni" panose="02010803020104030203" pitchFamily="2" charset="-79"/>
+              </a:rPr>
+              <a:t>Alice</a:t>
+            </a:r>
+          </a:p>
+        </p:txBody>
+      </p:sp>
+      <p:sp>
+        <p:nvSpPr>
+          <p:cNvPr id="32" name="TextBox 31">
+            <a:extLst>
+              <a:ext uri="{FF2B5EF4-FFF2-40B4-BE49-F238E27FC236}">
+                <a16:creationId xmlns:a16="http://schemas.microsoft.com/office/drawing/2014/main" id="{14A560A3-419C-4020-9BDA-D93FD170AE75}"/>
+              </a:ext>
+            </a:extLst>
+          </p:cNvPr>
+          <p:cNvSpPr txBox="1"/>
+          <p:nvPr/>
+        </p:nvSpPr>
+        <p:spPr>
+          <a:xfrm>
+            <a:off x="10647416" y="1039296"/>
+            <a:ext cx="612668" cy="369332"/>
+          </a:xfrm>
+          <a:prstGeom prst="rect">
+            <a:avLst/>
+          </a:prstGeom>
+          <a:noFill/>
+        </p:spPr>
+        <p:txBody>
+          <a:bodyPr wrap="none" rtlCol="0">
+            <a:spAutoFit/>
+          </a:bodyPr>
+          <a:lstStyle/>
+          <a:p>
+            <a:pPr algn="ctr"/>
+            <a:r>
+              <a:rPr lang="en-US" dirty="0">
+                <a:ln>
+                  <a:solidFill>
+                    <a:sysClr val="windowText" lastClr="000000"/>
+                  </a:solidFill>
+                </a:ln>
+                <a:solidFill>
+                  <a:schemeClr val="bg1"/>
+                </a:solidFill>
+                <a:latin typeface="Aharoni" panose="02010803020104030203" pitchFamily="2" charset="-79"/>
+                <a:cs typeface="Aharoni" panose="02010803020104030203" pitchFamily="2" charset="-79"/>
+              </a:rPr>
+              <a:t>Bob</a:t>
+            </a:r>
+          </a:p>
+        </p:txBody>
+      </p:sp>
+      <p:graphicFrame>
+        <p:nvGraphicFramePr>
+          <p:cNvPr id="34" name="Table 34">
+            <a:extLst>
+              <a:ext uri="{FF2B5EF4-FFF2-40B4-BE49-F238E27FC236}">
+                <a16:creationId xmlns:a16="http://schemas.microsoft.com/office/drawing/2014/main" id="{FBD8F04D-29D0-4568-B274-91FA1EDBB8EC}"/>
+              </a:ext>
+            </a:extLst>
+          </p:cNvPr>
+          <p:cNvGraphicFramePr>
+            <a:graphicFrameLocks noGrp="1"/>
+          </p:cNvGraphicFramePr>
+          <p:nvPr>
+            <p:extLst>
+              <p:ext uri="{D42A27DB-BD31-4B8C-83A1-F6EECF244321}">
+                <p14:modId xmlns:p14="http://schemas.microsoft.com/office/powerpoint/2010/main" val="919572013"/>
+              </p:ext>
+            </p:extLst>
+          </p:nvPr>
+        </p:nvGraphicFramePr>
+        <p:xfrm>
+          <a:off x="2599023" y="1408628"/>
+          <a:ext cx="1627042" cy="1177613"/>
+        </p:xfrm>
+        <a:graphic>
+          <a:graphicData uri="http://schemas.openxmlformats.org/drawingml/2006/table">
+            <a:tbl>
+              <a:tblPr firstRow="1" bandRow="1">
+                <a:tableStyleId>{5C22544A-7EE6-4342-B048-85BDC9FD1C3A}</a:tableStyleId>
+              </a:tblPr>
+              <a:tblGrid>
+                <a:gridCol w="1627042">
+                  <a:extLst>
+                    <a:ext uri="{9D8B030D-6E8A-4147-A177-3AD203B41FA5}">
+                      <a16:colId xmlns:a16="http://schemas.microsoft.com/office/drawing/2014/main" val="3526019525"/>
+                    </a:ext>
+                  </a:extLst>
+                </a:gridCol>
+              </a:tblGrid>
+              <a:tr h="437465">
+                <a:tc>
+                  <a:txBody>
+                    <a:bodyPr/>
+                    <a:lstStyle/>
+                    <a:p>
+                      <a:pPr algn="ctr" rtl="0"/>
+                      <a:r>
+                        <a:rPr lang="en-US" sz="1600" dirty="0"/>
+                        <a:t>TRANSACTION</a:t>
+                      </a:r>
+                    </a:p>
+                  </a:txBody>
+                  <a:tcPr marL="82408" marR="82408" marT="41204" marB="41204" anchor="ctr">
+                    <a:lnL w="12700" cap="flat" cmpd="sng" algn="ctr">
+                      <a:solidFill>
+                        <a:schemeClr val="tx1"/>
+                      </a:solidFill>
+                      <a:prstDash val="solid"/>
+                      <a:round/>
+                      <a:headEnd type="none" w="med" len="med"/>
+                      <a:tailEnd type="none" w="med" len="med"/>
+                    </a:lnL>
+                    <a:lnR w="12700" cap="flat" cmpd="sng" algn="ctr">
+                      <a:solidFill>
+                        <a:schemeClr val="tx1"/>
+                      </a:solidFill>
+                      <a:prstDash val="solid"/>
+                      <a:round/>
+                      <a:headEnd type="none" w="med" len="med"/>
+                      <a:tailEnd type="none" w="med" len="med"/>
+                    </a:lnR>
+                    <a:lnT w="12700" cap="flat" cmpd="sng" algn="ctr">
+                      <a:solidFill>
+                        <a:schemeClr val="tx1"/>
+                      </a:solidFill>
+                      <a:prstDash val="solid"/>
+                      <a:round/>
+                      <a:headEnd type="none" w="med" len="med"/>
+                      <a:tailEnd type="none" w="med" len="med"/>
+                    </a:lnT>
+                    <a:lnB w="12700" cap="flat" cmpd="sng" algn="ctr">
+                      <a:solidFill>
+                        <a:schemeClr val="tx1"/>
+                      </a:solidFill>
+                      <a:prstDash val="solid"/>
+                      <a:round/>
+                      <a:headEnd type="none" w="med" len="med"/>
+                      <a:tailEnd type="none" w="med" len="med"/>
+                    </a:lnB>
+                  </a:tcPr>
+                </a:tc>
+                <a:extLst>
+                  <a:ext uri="{0D108BD9-81ED-4DB2-BD59-A6C34878D82A}">
+                    <a16:rowId xmlns:a16="http://schemas.microsoft.com/office/drawing/2014/main" val="3838081766"/>
+                  </a:ext>
+                </a:extLst>
+              </a:tr>
+              <a:tr h="740148">
+                <a:tc>
+                  <a:txBody>
+                    <a:bodyPr/>
+                    <a:lstStyle/>
+                    <a:p>
+                      <a:pPr algn="ctr" rtl="0"/>
+                      <a:r>
+                        <a:rPr lang="en-US" sz="1600" dirty="0"/>
+                        <a:t>Alice sends Bob 15,000GC</a:t>
+                      </a:r>
+                    </a:p>
+                  </a:txBody>
+                  <a:tcPr marL="82408" marR="82408" marT="41204" marB="41204" anchor="ctr">
+                    <a:lnL w="12700" cap="flat" cmpd="sng" algn="ctr">
+                      <a:solidFill>
+                        <a:schemeClr val="tx1"/>
+                      </a:solidFill>
+                      <a:prstDash val="solid"/>
+                      <a:round/>
+                      <a:headEnd type="none" w="med" len="med"/>
+                      <a:tailEnd type="none" w="med" len="med"/>
+                    </a:lnL>
+                    <a:lnR w="12700" cap="flat" cmpd="sng" algn="ctr">
+                      <a:solidFill>
+                        <a:schemeClr val="tx1"/>
+                      </a:solidFill>
+                      <a:prstDash val="solid"/>
+                      <a:round/>
+                      <a:headEnd type="none" w="med" len="med"/>
+                      <a:tailEnd type="none" w="med" len="med"/>
+                    </a:lnR>
+                    <a:lnT w="12700" cap="flat" cmpd="sng" algn="ctr">
+                      <a:solidFill>
+                        <a:schemeClr val="tx1"/>
+                      </a:solidFill>
+                      <a:prstDash val="solid"/>
+                      <a:round/>
+                      <a:headEnd type="none" w="med" len="med"/>
+                      <a:tailEnd type="none" w="med" len="med"/>
+                    </a:lnT>
+                    <a:lnB w="12700" cap="flat" cmpd="sng" algn="ctr">
+                      <a:solidFill>
+                        <a:schemeClr val="tx1"/>
+                      </a:solidFill>
+                      <a:prstDash val="solid"/>
+                      <a:round/>
+                      <a:headEnd type="none" w="med" len="med"/>
+                      <a:tailEnd type="none" w="med" len="med"/>
+                    </a:lnB>
+                  </a:tcPr>
+                </a:tc>
+                <a:extLst>
+                  <a:ext uri="{0D108BD9-81ED-4DB2-BD59-A6C34878D82A}">
+                    <a16:rowId xmlns:a16="http://schemas.microsoft.com/office/drawing/2014/main" val="2883186484"/>
+                  </a:ext>
+                </a:extLst>
+              </a:tr>
+            </a:tbl>
+          </a:graphicData>
+        </a:graphic>
+      </p:graphicFrame>
+    </p:spTree>
+    <p:extLst>
+      <p:ext uri="{BB962C8B-B14F-4D97-AF65-F5344CB8AC3E}">
+        <p14:creationId xmlns:p14="http://schemas.microsoft.com/office/powerpoint/2010/main" val="2262737661"/>
+      </p:ext>
+    </p:extLst>
+  </p:cSld>
+  <p:clrMapOvr>
+    <a:masterClrMapping/>
+  </p:clrMapOvr>
+</p:sld>
+</file>
+
 <file path=ppt/slides/slide2.xml><?xml version="1.0" encoding="utf-8"?>
 <p:sld xmlns:a="http://schemas.openxmlformats.org/drawingml/2006/main" xmlns:r="http://schemas.openxmlformats.org/officeDocument/2006/relationships" xmlns:p="http://schemas.openxmlformats.org/presentationml/2006/main">
   <p:cSld>
@@ -10658,6 +13403,1803 @@
     <p:extLst>
       <p:ext uri="{BB962C8B-B14F-4D97-AF65-F5344CB8AC3E}">
         <p14:creationId xmlns:p14="http://schemas.microsoft.com/office/powerpoint/2010/main" val="203318007"/>
+      </p:ext>
+    </p:extLst>
+  </p:cSld>
+  <p:clrMapOvr>
+    <a:masterClrMapping/>
+  </p:clrMapOvr>
+</p:sld>
+</file>
+
+<file path=ppt/slides/slide20.xml><?xml version="1.0" encoding="utf-8"?>
+<p:sld xmlns:a="http://schemas.openxmlformats.org/drawingml/2006/main" xmlns:r="http://schemas.openxmlformats.org/officeDocument/2006/relationships" xmlns:p="http://schemas.openxmlformats.org/presentationml/2006/main">
+  <p:cSld>
+    <p:spTree>
+      <p:nvGrpSpPr>
+        <p:cNvPr id="1" name=""/>
+        <p:cNvGrpSpPr/>
+        <p:nvPr/>
+      </p:nvGrpSpPr>
+      <p:grpSpPr>
+        <a:xfrm>
+          <a:off x="0" y="0"/>
+          <a:ext cx="0" cy="0"/>
+          <a:chOff x="0" y="0"/>
+          <a:chExt cx="0" cy="0"/>
+        </a:xfrm>
+      </p:grpSpPr>
+      <p:pic>
+        <p:nvPicPr>
+          <p:cNvPr id="2" name="Picture 2" descr="Free Server Cliparts, Download Free Server Cliparts png images, Free  ClipArts on Clipart Library">
+            <a:extLst>
+              <a:ext uri="{FF2B5EF4-FFF2-40B4-BE49-F238E27FC236}">
+                <a16:creationId xmlns:a16="http://schemas.microsoft.com/office/drawing/2014/main" id="{682FA55C-8C44-4635-BCC2-7945854861B5}"/>
+              </a:ext>
+            </a:extLst>
+          </p:cNvPr>
+          <p:cNvPicPr>
+            <a:picLocks noChangeAspect="1" noChangeArrowheads="1"/>
+          </p:cNvPicPr>
+          <p:nvPr/>
+        </p:nvPicPr>
+        <p:blipFill>
+          <a:blip r:embed="rId2">
+            <a:extLst>
+              <a:ext uri="{28A0092B-C50C-407E-A947-70E740481C1C}">
+                <a14:useLocalDpi xmlns:a14="http://schemas.microsoft.com/office/drawing/2010/main" val="0"/>
+              </a:ext>
+            </a:extLst>
+          </a:blip>
+          <a:srcRect/>
+          <a:stretch>
+            <a:fillRect/>
+          </a:stretch>
+        </p:blipFill>
+        <p:spPr bwMode="auto">
+          <a:xfrm>
+            <a:off x="3685167" y="1678783"/>
+            <a:ext cx="907182" cy="1390650"/>
+          </a:xfrm>
+          <a:prstGeom prst="rect">
+            <a:avLst/>
+          </a:prstGeom>
+          <a:noFill/>
+          <a:extLst>
+            <a:ext uri="{909E8E84-426E-40DD-AFC4-6F175D3DCCD1}">
+              <a14:hiddenFill xmlns:a14="http://schemas.microsoft.com/office/drawing/2010/main">
+                <a:solidFill>
+                  <a:srgbClr val="FFFFFF"/>
+                </a:solidFill>
+              </a14:hiddenFill>
+            </a:ext>
+          </a:extLst>
+        </p:spPr>
+      </p:pic>
+      <p:pic>
+        <p:nvPicPr>
+          <p:cNvPr id="3" name="Picture 2" descr="Free Server Cliparts, Download Free Server Cliparts png images, Free  ClipArts on Clipart Library">
+            <a:extLst>
+              <a:ext uri="{FF2B5EF4-FFF2-40B4-BE49-F238E27FC236}">
+                <a16:creationId xmlns:a16="http://schemas.microsoft.com/office/drawing/2014/main" id="{004DC32E-0FAA-42AC-947C-C5CFF3F3D5BF}"/>
+              </a:ext>
+            </a:extLst>
+          </p:cNvPr>
+          <p:cNvPicPr>
+            <a:picLocks noChangeAspect="1" noChangeArrowheads="1"/>
+          </p:cNvPicPr>
+          <p:nvPr/>
+        </p:nvPicPr>
+        <p:blipFill>
+          <a:blip r:embed="rId2">
+            <a:extLst>
+              <a:ext uri="{28A0092B-C50C-407E-A947-70E740481C1C}">
+                <a14:useLocalDpi xmlns:a14="http://schemas.microsoft.com/office/drawing/2010/main" val="0"/>
+              </a:ext>
+            </a:extLst>
+          </a:blip>
+          <a:srcRect/>
+          <a:stretch>
+            <a:fillRect/>
+          </a:stretch>
+        </p:blipFill>
+        <p:spPr bwMode="auto">
+          <a:xfrm>
+            <a:off x="3685167" y="3948110"/>
+            <a:ext cx="907182" cy="1390650"/>
+          </a:xfrm>
+          <a:prstGeom prst="rect">
+            <a:avLst/>
+          </a:prstGeom>
+          <a:noFill/>
+          <a:extLst>
+            <a:ext uri="{909E8E84-426E-40DD-AFC4-6F175D3DCCD1}">
+              <a14:hiddenFill xmlns:a14="http://schemas.microsoft.com/office/drawing/2010/main">
+                <a:solidFill>
+                  <a:srgbClr val="FFFFFF"/>
+                </a:solidFill>
+              </a14:hiddenFill>
+            </a:ext>
+          </a:extLst>
+        </p:spPr>
+      </p:pic>
+      <p:pic>
+        <p:nvPicPr>
+          <p:cNvPr id="4" name="Picture 2" descr="Free Server Cliparts, Download Free Server Cliparts png images, Free  ClipArts on Clipart Library">
+            <a:extLst>
+              <a:ext uri="{FF2B5EF4-FFF2-40B4-BE49-F238E27FC236}">
+                <a16:creationId xmlns:a16="http://schemas.microsoft.com/office/drawing/2014/main" id="{0E01A94D-9370-4C4C-80AA-53A31308B24A}"/>
+              </a:ext>
+            </a:extLst>
+          </p:cNvPr>
+          <p:cNvPicPr>
+            <a:picLocks noChangeAspect="1" noChangeArrowheads="1"/>
+          </p:cNvPicPr>
+          <p:nvPr/>
+        </p:nvPicPr>
+        <p:blipFill>
+          <a:blip r:embed="rId2">
+            <a:extLst>
+              <a:ext uri="{28A0092B-C50C-407E-A947-70E740481C1C}">
+                <a14:useLocalDpi xmlns:a14="http://schemas.microsoft.com/office/drawing/2010/main" val="0"/>
+              </a:ext>
+            </a:extLst>
+          </a:blip>
+          <a:srcRect/>
+          <a:stretch>
+            <a:fillRect/>
+          </a:stretch>
+        </p:blipFill>
+        <p:spPr bwMode="auto">
+          <a:xfrm>
+            <a:off x="7493865" y="1676399"/>
+            <a:ext cx="907182" cy="1390650"/>
+          </a:xfrm>
+          <a:prstGeom prst="rect">
+            <a:avLst/>
+          </a:prstGeom>
+          <a:noFill/>
+          <a:extLst>
+            <a:ext uri="{909E8E84-426E-40DD-AFC4-6F175D3DCCD1}">
+              <a14:hiddenFill xmlns:a14="http://schemas.microsoft.com/office/drawing/2010/main">
+                <a:solidFill>
+                  <a:srgbClr val="FFFFFF"/>
+                </a:solidFill>
+              </a14:hiddenFill>
+            </a:ext>
+          </a:extLst>
+        </p:spPr>
+      </p:pic>
+      <p:pic>
+        <p:nvPicPr>
+          <p:cNvPr id="6" name="Picture 2" descr="Free Server Cliparts, Download Free Server Cliparts png images, Free  ClipArts on Clipart Library">
+            <a:extLst>
+              <a:ext uri="{FF2B5EF4-FFF2-40B4-BE49-F238E27FC236}">
+                <a16:creationId xmlns:a16="http://schemas.microsoft.com/office/drawing/2014/main" id="{FB211052-28B8-4B21-AA0A-49EA98B2542C}"/>
+              </a:ext>
+            </a:extLst>
+          </p:cNvPr>
+          <p:cNvPicPr>
+            <a:picLocks noChangeAspect="1" noChangeArrowheads="1"/>
+          </p:cNvPicPr>
+          <p:nvPr/>
+        </p:nvPicPr>
+        <p:blipFill>
+          <a:blip r:embed="rId2">
+            <a:extLst>
+              <a:ext uri="{28A0092B-C50C-407E-A947-70E740481C1C}">
+                <a14:useLocalDpi xmlns:a14="http://schemas.microsoft.com/office/drawing/2010/main" val="0"/>
+              </a:ext>
+            </a:extLst>
+          </a:blip>
+          <a:srcRect/>
+          <a:stretch>
+            <a:fillRect/>
+          </a:stretch>
+        </p:blipFill>
+        <p:spPr bwMode="auto">
+          <a:xfrm>
+            <a:off x="5642409" y="428625"/>
+            <a:ext cx="907182" cy="1390650"/>
+          </a:xfrm>
+          <a:prstGeom prst="rect">
+            <a:avLst/>
+          </a:prstGeom>
+          <a:noFill/>
+          <a:extLst>
+            <a:ext uri="{909E8E84-426E-40DD-AFC4-6F175D3DCCD1}">
+              <a14:hiddenFill xmlns:a14="http://schemas.microsoft.com/office/drawing/2010/main">
+                <a:solidFill>
+                  <a:srgbClr val="FFFFFF"/>
+                </a:solidFill>
+              </a14:hiddenFill>
+            </a:ext>
+          </a:extLst>
+        </p:spPr>
+      </p:pic>
+      <p:pic>
+        <p:nvPicPr>
+          <p:cNvPr id="7" name="Picture 6" descr="Free Server Cliparts, Download Free Server Cliparts png images, Free  ClipArts on Clipart Library">
+            <a:extLst>
+              <a:ext uri="{FF2B5EF4-FFF2-40B4-BE49-F238E27FC236}">
+                <a16:creationId xmlns:a16="http://schemas.microsoft.com/office/drawing/2014/main" id="{C75911A3-7E5A-4F60-AAD3-333E372EC973}"/>
+              </a:ext>
+            </a:extLst>
+          </p:cNvPr>
+          <p:cNvPicPr>
+            <a:picLocks noChangeAspect="1" noChangeArrowheads="1"/>
+          </p:cNvPicPr>
+          <p:nvPr/>
+        </p:nvPicPr>
+        <p:blipFill>
+          <a:blip r:embed="rId2">
+            <a:extLst>
+              <a:ext uri="{28A0092B-C50C-407E-A947-70E740481C1C}">
+                <a14:useLocalDpi xmlns:a14="http://schemas.microsoft.com/office/drawing/2010/main" val="0"/>
+              </a:ext>
+            </a:extLst>
+          </a:blip>
+          <a:srcRect/>
+          <a:stretch>
+            <a:fillRect/>
+          </a:stretch>
+        </p:blipFill>
+        <p:spPr bwMode="auto">
+          <a:xfrm>
+            <a:off x="5641905" y="5067295"/>
+            <a:ext cx="907182" cy="1390650"/>
+          </a:xfrm>
+          <a:prstGeom prst="rect">
+            <a:avLst/>
+          </a:prstGeom>
+          <a:noFill/>
+          <a:extLst>
+            <a:ext uri="{909E8E84-426E-40DD-AFC4-6F175D3DCCD1}">
+              <a14:hiddenFill xmlns:a14="http://schemas.microsoft.com/office/drawing/2010/main">
+                <a:solidFill>
+                  <a:srgbClr val="FFFFFF"/>
+                </a:solidFill>
+              </a14:hiddenFill>
+            </a:ext>
+          </a:extLst>
+        </p:spPr>
+      </p:pic>
+      <p:pic>
+        <p:nvPicPr>
+          <p:cNvPr id="8" name="Picture 2" descr="Free Server Cliparts, Download Free Server Cliparts png images, Free  ClipArts on Clipart Library">
+            <a:extLst>
+              <a:ext uri="{FF2B5EF4-FFF2-40B4-BE49-F238E27FC236}">
+                <a16:creationId xmlns:a16="http://schemas.microsoft.com/office/drawing/2014/main" id="{85FF8945-4551-4775-82D2-5C6B86270403}"/>
+              </a:ext>
+            </a:extLst>
+          </p:cNvPr>
+          <p:cNvPicPr>
+            <a:picLocks noChangeAspect="1" noChangeArrowheads="1"/>
+          </p:cNvPicPr>
+          <p:nvPr/>
+        </p:nvPicPr>
+        <p:blipFill>
+          <a:blip r:embed="rId2">
+            <a:extLst>
+              <a:ext uri="{28A0092B-C50C-407E-A947-70E740481C1C}">
+                <a14:useLocalDpi xmlns:a14="http://schemas.microsoft.com/office/drawing/2010/main" val="0"/>
+              </a:ext>
+            </a:extLst>
+          </a:blip>
+          <a:srcRect/>
+          <a:stretch>
+            <a:fillRect/>
+          </a:stretch>
+        </p:blipFill>
+        <p:spPr bwMode="auto">
+          <a:xfrm>
+            <a:off x="7456269" y="3764758"/>
+            <a:ext cx="907182" cy="1390650"/>
+          </a:xfrm>
+          <a:prstGeom prst="rect">
+            <a:avLst/>
+          </a:prstGeom>
+          <a:noFill/>
+          <a:extLst>
+            <a:ext uri="{909E8E84-426E-40DD-AFC4-6F175D3DCCD1}">
+              <a14:hiddenFill xmlns:a14="http://schemas.microsoft.com/office/drawing/2010/main">
+                <a:solidFill>
+                  <a:srgbClr val="FFFFFF"/>
+                </a:solidFill>
+              </a14:hiddenFill>
+            </a:ext>
+          </a:extLst>
+        </p:spPr>
+      </p:pic>
+      <p:cxnSp>
+        <p:nvCxnSpPr>
+          <p:cNvPr id="10" name="Straight Arrow Connector 9">
+            <a:extLst>
+              <a:ext uri="{FF2B5EF4-FFF2-40B4-BE49-F238E27FC236}">
+                <a16:creationId xmlns:a16="http://schemas.microsoft.com/office/drawing/2014/main" id="{69296794-7B43-4FF6-903E-F79EFAEB796D}"/>
+              </a:ext>
+            </a:extLst>
+          </p:cNvPr>
+          <p:cNvCxnSpPr>
+            <a:cxnSpLocks/>
+            <a:stCxn id="3" idx="3"/>
+            <a:endCxn id="4" idx="1"/>
+          </p:cNvCxnSpPr>
+          <p:nvPr/>
+        </p:nvCxnSpPr>
+        <p:spPr>
+          <a:xfrm flipV="1">
+            <a:off x="4592349" y="2371724"/>
+            <a:ext cx="2901516" cy="2271711"/>
+          </a:xfrm>
+          <a:prstGeom prst="straightConnector1">
+            <a:avLst/>
+          </a:prstGeom>
+          <a:ln w="38100">
+            <a:solidFill>
+              <a:srgbClr val="00B0F0"/>
+            </a:solidFill>
+            <a:headEnd type="triangle" w="med" len="med"/>
+            <a:tailEnd type="triangle" w="med" len="med"/>
+          </a:ln>
+        </p:spPr>
+        <p:style>
+          <a:lnRef idx="1">
+            <a:schemeClr val="accent1"/>
+          </a:lnRef>
+          <a:fillRef idx="0">
+            <a:schemeClr val="accent1"/>
+          </a:fillRef>
+          <a:effectRef idx="0">
+            <a:schemeClr val="accent1"/>
+          </a:effectRef>
+          <a:fontRef idx="minor">
+            <a:schemeClr val="tx1"/>
+          </a:fontRef>
+        </p:style>
+      </p:cxnSp>
+      <p:cxnSp>
+        <p:nvCxnSpPr>
+          <p:cNvPr id="26" name="Straight Arrow Connector 25">
+            <a:extLst>
+              <a:ext uri="{FF2B5EF4-FFF2-40B4-BE49-F238E27FC236}">
+                <a16:creationId xmlns:a16="http://schemas.microsoft.com/office/drawing/2014/main" id="{3478C052-F9CD-46BE-B7FD-0F4F23968704}"/>
+              </a:ext>
+            </a:extLst>
+          </p:cNvPr>
+          <p:cNvCxnSpPr>
+            <a:cxnSpLocks/>
+            <a:stCxn id="7" idx="0"/>
+            <a:endCxn id="6" idx="2"/>
+          </p:cNvCxnSpPr>
+          <p:nvPr/>
+        </p:nvCxnSpPr>
+        <p:spPr>
+          <a:xfrm flipV="1">
+            <a:off x="6095496" y="1819275"/>
+            <a:ext cx="504" cy="3248020"/>
+          </a:xfrm>
+          <a:prstGeom prst="straightConnector1">
+            <a:avLst/>
+          </a:prstGeom>
+          <a:ln w="38100">
+            <a:solidFill>
+              <a:srgbClr val="00B0F0"/>
+            </a:solidFill>
+            <a:headEnd type="triangle" w="med" len="med"/>
+            <a:tailEnd type="triangle" w="med" len="med"/>
+          </a:ln>
+        </p:spPr>
+        <p:style>
+          <a:lnRef idx="1">
+            <a:schemeClr val="accent1"/>
+          </a:lnRef>
+          <a:fillRef idx="0">
+            <a:schemeClr val="accent1"/>
+          </a:fillRef>
+          <a:effectRef idx="0">
+            <a:schemeClr val="accent1"/>
+          </a:effectRef>
+          <a:fontRef idx="minor">
+            <a:schemeClr val="tx1"/>
+          </a:fontRef>
+        </p:style>
+      </p:cxnSp>
+      <p:cxnSp>
+        <p:nvCxnSpPr>
+          <p:cNvPr id="29" name="Straight Arrow Connector 28">
+            <a:extLst>
+              <a:ext uri="{FF2B5EF4-FFF2-40B4-BE49-F238E27FC236}">
+                <a16:creationId xmlns:a16="http://schemas.microsoft.com/office/drawing/2014/main" id="{C22B342D-7DD0-45CD-A74F-7847D9243F19}"/>
+              </a:ext>
+            </a:extLst>
+          </p:cNvPr>
+          <p:cNvCxnSpPr>
+            <a:cxnSpLocks/>
+            <a:stCxn id="8" idx="1"/>
+            <a:endCxn id="2" idx="3"/>
+          </p:cNvCxnSpPr>
+          <p:nvPr/>
+        </p:nvCxnSpPr>
+        <p:spPr>
+          <a:xfrm flipH="1" flipV="1">
+            <a:off x="4592349" y="2374108"/>
+            <a:ext cx="2863920" cy="2085975"/>
+          </a:xfrm>
+          <a:prstGeom prst="straightConnector1">
+            <a:avLst/>
+          </a:prstGeom>
+          <a:ln w="38100">
+            <a:solidFill>
+              <a:srgbClr val="00B0F0"/>
+            </a:solidFill>
+            <a:headEnd type="triangle" w="med" len="med"/>
+            <a:tailEnd type="triangle" w="med" len="med"/>
+          </a:ln>
+        </p:spPr>
+        <p:style>
+          <a:lnRef idx="1">
+            <a:schemeClr val="accent1"/>
+          </a:lnRef>
+          <a:fillRef idx="0">
+            <a:schemeClr val="accent1"/>
+          </a:fillRef>
+          <a:effectRef idx="0">
+            <a:schemeClr val="accent1"/>
+          </a:effectRef>
+          <a:fontRef idx="minor">
+            <a:schemeClr val="tx1"/>
+          </a:fontRef>
+        </p:style>
+      </p:cxnSp>
+      <p:cxnSp>
+        <p:nvCxnSpPr>
+          <p:cNvPr id="32" name="Straight Arrow Connector 31">
+            <a:extLst>
+              <a:ext uri="{FF2B5EF4-FFF2-40B4-BE49-F238E27FC236}">
+                <a16:creationId xmlns:a16="http://schemas.microsoft.com/office/drawing/2014/main" id="{1C069DAD-4383-4860-8A5C-9F145C21C222}"/>
+              </a:ext>
+            </a:extLst>
+          </p:cNvPr>
+          <p:cNvCxnSpPr>
+            <a:cxnSpLocks/>
+            <a:stCxn id="8" idx="1"/>
+            <a:endCxn id="7" idx="0"/>
+          </p:cNvCxnSpPr>
+          <p:nvPr/>
+        </p:nvCxnSpPr>
+        <p:spPr>
+          <a:xfrm flipH="1">
+            <a:off x="6095496" y="4460083"/>
+            <a:ext cx="1360773" cy="607212"/>
+          </a:xfrm>
+          <a:prstGeom prst="straightConnector1">
+            <a:avLst/>
+          </a:prstGeom>
+          <a:ln w="38100">
+            <a:solidFill>
+              <a:srgbClr val="00B0F0"/>
+            </a:solidFill>
+            <a:headEnd type="triangle" w="med" len="med"/>
+            <a:tailEnd type="triangle" w="med" len="med"/>
+          </a:ln>
+        </p:spPr>
+        <p:style>
+          <a:lnRef idx="1">
+            <a:schemeClr val="accent1"/>
+          </a:lnRef>
+          <a:fillRef idx="0">
+            <a:schemeClr val="accent1"/>
+          </a:fillRef>
+          <a:effectRef idx="0">
+            <a:schemeClr val="accent1"/>
+          </a:effectRef>
+          <a:fontRef idx="minor">
+            <a:schemeClr val="tx1"/>
+          </a:fontRef>
+        </p:style>
+      </p:cxnSp>
+      <p:cxnSp>
+        <p:nvCxnSpPr>
+          <p:cNvPr id="35" name="Straight Arrow Connector 34">
+            <a:extLst>
+              <a:ext uri="{FF2B5EF4-FFF2-40B4-BE49-F238E27FC236}">
+                <a16:creationId xmlns:a16="http://schemas.microsoft.com/office/drawing/2014/main" id="{B8175A95-0CEB-44A6-B393-62C5611C01C3}"/>
+              </a:ext>
+            </a:extLst>
+          </p:cNvPr>
+          <p:cNvCxnSpPr>
+            <a:cxnSpLocks/>
+            <a:stCxn id="8" idx="1"/>
+            <a:endCxn id="4" idx="1"/>
+          </p:cNvCxnSpPr>
+          <p:nvPr/>
+        </p:nvCxnSpPr>
+        <p:spPr>
+          <a:xfrm flipV="1">
+            <a:off x="7456269" y="2371724"/>
+            <a:ext cx="37596" cy="2088359"/>
+          </a:xfrm>
+          <a:prstGeom prst="straightConnector1">
+            <a:avLst/>
+          </a:prstGeom>
+          <a:ln w="38100">
+            <a:solidFill>
+              <a:srgbClr val="00B0F0"/>
+            </a:solidFill>
+            <a:headEnd type="triangle" w="med" len="med"/>
+            <a:tailEnd type="triangle" w="med" len="med"/>
+          </a:ln>
+        </p:spPr>
+        <p:style>
+          <a:lnRef idx="1">
+            <a:schemeClr val="accent1"/>
+          </a:lnRef>
+          <a:fillRef idx="0">
+            <a:schemeClr val="accent1"/>
+          </a:fillRef>
+          <a:effectRef idx="0">
+            <a:schemeClr val="accent1"/>
+          </a:effectRef>
+          <a:fontRef idx="minor">
+            <a:schemeClr val="tx1"/>
+          </a:fontRef>
+        </p:style>
+      </p:cxnSp>
+      <p:cxnSp>
+        <p:nvCxnSpPr>
+          <p:cNvPr id="38" name="Straight Arrow Connector 37">
+            <a:extLst>
+              <a:ext uri="{FF2B5EF4-FFF2-40B4-BE49-F238E27FC236}">
+                <a16:creationId xmlns:a16="http://schemas.microsoft.com/office/drawing/2014/main" id="{07C6546F-A391-4CD4-830D-A1AD831ADA3E}"/>
+              </a:ext>
+            </a:extLst>
+          </p:cNvPr>
+          <p:cNvCxnSpPr>
+            <a:cxnSpLocks/>
+            <a:stCxn id="6" idx="2"/>
+            <a:endCxn id="4" idx="1"/>
+          </p:cNvCxnSpPr>
+          <p:nvPr/>
+        </p:nvCxnSpPr>
+        <p:spPr>
+          <a:xfrm>
+            <a:off x="6096000" y="1819275"/>
+            <a:ext cx="1397865" cy="552449"/>
+          </a:xfrm>
+          <a:prstGeom prst="straightConnector1">
+            <a:avLst/>
+          </a:prstGeom>
+          <a:ln w="38100">
+            <a:solidFill>
+              <a:srgbClr val="00B0F0"/>
+            </a:solidFill>
+            <a:headEnd type="triangle" w="med" len="med"/>
+            <a:tailEnd type="triangle" w="med" len="med"/>
+          </a:ln>
+        </p:spPr>
+        <p:style>
+          <a:lnRef idx="1">
+            <a:schemeClr val="accent1"/>
+          </a:lnRef>
+          <a:fillRef idx="0">
+            <a:schemeClr val="accent1"/>
+          </a:fillRef>
+          <a:effectRef idx="0">
+            <a:schemeClr val="accent1"/>
+          </a:effectRef>
+          <a:fontRef idx="minor">
+            <a:schemeClr val="tx1"/>
+          </a:fontRef>
+        </p:style>
+      </p:cxnSp>
+      <p:cxnSp>
+        <p:nvCxnSpPr>
+          <p:cNvPr id="41" name="Straight Arrow Connector 40">
+            <a:extLst>
+              <a:ext uri="{FF2B5EF4-FFF2-40B4-BE49-F238E27FC236}">
+                <a16:creationId xmlns:a16="http://schemas.microsoft.com/office/drawing/2014/main" id="{3BC24388-EE88-4FEF-BDEC-DE55779DB94D}"/>
+              </a:ext>
+            </a:extLst>
+          </p:cNvPr>
+          <p:cNvCxnSpPr>
+            <a:cxnSpLocks/>
+            <a:stCxn id="2" idx="3"/>
+          </p:cNvCxnSpPr>
+          <p:nvPr/>
+        </p:nvCxnSpPr>
+        <p:spPr>
+          <a:xfrm flipV="1">
+            <a:off x="4592349" y="1819276"/>
+            <a:ext cx="1541247" cy="554832"/>
+          </a:xfrm>
+          <a:prstGeom prst="straightConnector1">
+            <a:avLst/>
+          </a:prstGeom>
+          <a:ln w="38100">
+            <a:solidFill>
+              <a:srgbClr val="00B0F0"/>
+            </a:solidFill>
+            <a:headEnd type="triangle" w="med" len="med"/>
+            <a:tailEnd type="triangle" w="med" len="med"/>
+          </a:ln>
+        </p:spPr>
+        <p:style>
+          <a:lnRef idx="1">
+            <a:schemeClr val="accent1"/>
+          </a:lnRef>
+          <a:fillRef idx="0">
+            <a:schemeClr val="accent1"/>
+          </a:fillRef>
+          <a:effectRef idx="0">
+            <a:schemeClr val="accent1"/>
+          </a:effectRef>
+          <a:fontRef idx="minor">
+            <a:schemeClr val="tx1"/>
+          </a:fontRef>
+        </p:style>
+      </p:cxnSp>
+      <p:cxnSp>
+        <p:nvCxnSpPr>
+          <p:cNvPr id="43" name="Straight Arrow Connector 42">
+            <a:extLst>
+              <a:ext uri="{FF2B5EF4-FFF2-40B4-BE49-F238E27FC236}">
+                <a16:creationId xmlns:a16="http://schemas.microsoft.com/office/drawing/2014/main" id="{F885F837-940C-4D87-95C1-399E803E68F3}"/>
+              </a:ext>
+            </a:extLst>
+          </p:cNvPr>
+          <p:cNvCxnSpPr>
+            <a:cxnSpLocks/>
+            <a:stCxn id="3" idx="3"/>
+          </p:cNvCxnSpPr>
+          <p:nvPr/>
+        </p:nvCxnSpPr>
+        <p:spPr>
+          <a:xfrm flipH="1" flipV="1">
+            <a:off x="4592097" y="2370531"/>
+            <a:ext cx="252" cy="2272904"/>
+          </a:xfrm>
+          <a:prstGeom prst="straightConnector1">
+            <a:avLst/>
+          </a:prstGeom>
+          <a:ln w="38100">
+            <a:solidFill>
+              <a:srgbClr val="00B0F0"/>
+            </a:solidFill>
+            <a:headEnd type="triangle" w="med" len="med"/>
+            <a:tailEnd type="triangle" w="med" len="med"/>
+          </a:ln>
+        </p:spPr>
+        <p:style>
+          <a:lnRef idx="1">
+            <a:schemeClr val="accent1"/>
+          </a:lnRef>
+          <a:fillRef idx="0">
+            <a:schemeClr val="accent1"/>
+          </a:fillRef>
+          <a:effectRef idx="0">
+            <a:schemeClr val="accent1"/>
+          </a:effectRef>
+          <a:fontRef idx="minor">
+            <a:schemeClr val="tx1"/>
+          </a:fontRef>
+        </p:style>
+      </p:cxnSp>
+      <p:cxnSp>
+        <p:nvCxnSpPr>
+          <p:cNvPr id="46" name="Straight Arrow Connector 45">
+            <a:extLst>
+              <a:ext uri="{FF2B5EF4-FFF2-40B4-BE49-F238E27FC236}">
+                <a16:creationId xmlns:a16="http://schemas.microsoft.com/office/drawing/2014/main" id="{A8968668-3DF1-4D8B-B88A-33E3A02F09A6}"/>
+              </a:ext>
+            </a:extLst>
+          </p:cNvPr>
+          <p:cNvCxnSpPr>
+            <a:cxnSpLocks/>
+            <a:stCxn id="3" idx="3"/>
+            <a:endCxn id="7" idx="0"/>
+          </p:cNvCxnSpPr>
+          <p:nvPr/>
+        </p:nvCxnSpPr>
+        <p:spPr>
+          <a:xfrm>
+            <a:off x="4592349" y="4643435"/>
+            <a:ext cx="1503147" cy="423860"/>
+          </a:xfrm>
+          <a:prstGeom prst="straightConnector1">
+            <a:avLst/>
+          </a:prstGeom>
+          <a:ln w="38100">
+            <a:solidFill>
+              <a:srgbClr val="00B0F0"/>
+            </a:solidFill>
+            <a:headEnd type="triangle" w="med" len="med"/>
+            <a:tailEnd type="triangle" w="med" len="med"/>
+          </a:ln>
+        </p:spPr>
+        <p:style>
+          <a:lnRef idx="1">
+            <a:schemeClr val="accent1"/>
+          </a:lnRef>
+          <a:fillRef idx="0">
+            <a:schemeClr val="accent1"/>
+          </a:fillRef>
+          <a:effectRef idx="0">
+            <a:schemeClr val="accent1"/>
+          </a:effectRef>
+          <a:fontRef idx="minor">
+            <a:schemeClr val="tx1"/>
+          </a:fontRef>
+        </p:style>
+      </p:cxnSp>
+      <p:cxnSp>
+        <p:nvCxnSpPr>
+          <p:cNvPr id="49" name="Straight Arrow Connector 48">
+            <a:extLst>
+              <a:ext uri="{FF2B5EF4-FFF2-40B4-BE49-F238E27FC236}">
+                <a16:creationId xmlns:a16="http://schemas.microsoft.com/office/drawing/2014/main" id="{E69ED039-70CE-4AAA-AAED-331871F9F2DF}"/>
+              </a:ext>
+            </a:extLst>
+          </p:cNvPr>
+          <p:cNvCxnSpPr>
+            <a:cxnSpLocks/>
+            <a:stCxn id="4" idx="1"/>
+            <a:endCxn id="7" idx="0"/>
+          </p:cNvCxnSpPr>
+          <p:nvPr/>
+        </p:nvCxnSpPr>
+        <p:spPr>
+          <a:xfrm flipH="1">
+            <a:off x="6095496" y="2371724"/>
+            <a:ext cx="1398369" cy="2695571"/>
+          </a:xfrm>
+          <a:prstGeom prst="straightConnector1">
+            <a:avLst/>
+          </a:prstGeom>
+          <a:ln w="38100">
+            <a:solidFill>
+              <a:srgbClr val="00B0F0"/>
+            </a:solidFill>
+            <a:headEnd type="triangle" w="med" len="med"/>
+            <a:tailEnd type="triangle" w="med" len="med"/>
+          </a:ln>
+        </p:spPr>
+        <p:style>
+          <a:lnRef idx="1">
+            <a:schemeClr val="accent1"/>
+          </a:lnRef>
+          <a:fillRef idx="0">
+            <a:schemeClr val="accent1"/>
+          </a:fillRef>
+          <a:effectRef idx="0">
+            <a:schemeClr val="accent1"/>
+          </a:effectRef>
+          <a:fontRef idx="minor">
+            <a:schemeClr val="tx1"/>
+          </a:fontRef>
+        </p:style>
+      </p:cxnSp>
+      <p:cxnSp>
+        <p:nvCxnSpPr>
+          <p:cNvPr id="52" name="Straight Arrow Connector 51">
+            <a:extLst>
+              <a:ext uri="{FF2B5EF4-FFF2-40B4-BE49-F238E27FC236}">
+                <a16:creationId xmlns:a16="http://schemas.microsoft.com/office/drawing/2014/main" id="{70BDA036-31F8-4E5D-B92A-4A3B564ADC68}"/>
+              </a:ext>
+            </a:extLst>
+          </p:cNvPr>
+          <p:cNvCxnSpPr>
+            <a:cxnSpLocks/>
+            <a:stCxn id="2" idx="3"/>
+            <a:endCxn id="7" idx="0"/>
+          </p:cNvCxnSpPr>
+          <p:nvPr/>
+        </p:nvCxnSpPr>
+        <p:spPr>
+          <a:xfrm>
+            <a:off x="4592349" y="2374108"/>
+            <a:ext cx="1503147" cy="2693187"/>
+          </a:xfrm>
+          <a:prstGeom prst="straightConnector1">
+            <a:avLst/>
+          </a:prstGeom>
+          <a:ln w="38100">
+            <a:solidFill>
+              <a:srgbClr val="00B0F0"/>
+            </a:solidFill>
+            <a:headEnd type="triangle" w="med" len="med"/>
+            <a:tailEnd type="triangle" w="med" len="med"/>
+          </a:ln>
+        </p:spPr>
+        <p:style>
+          <a:lnRef idx="1">
+            <a:schemeClr val="accent1"/>
+          </a:lnRef>
+          <a:fillRef idx="0">
+            <a:schemeClr val="accent1"/>
+          </a:fillRef>
+          <a:effectRef idx="0">
+            <a:schemeClr val="accent1"/>
+          </a:effectRef>
+          <a:fontRef idx="minor">
+            <a:schemeClr val="tx1"/>
+          </a:fontRef>
+        </p:style>
+      </p:cxnSp>
+      <p:cxnSp>
+        <p:nvCxnSpPr>
+          <p:cNvPr id="55" name="Straight Arrow Connector 54">
+            <a:extLst>
+              <a:ext uri="{FF2B5EF4-FFF2-40B4-BE49-F238E27FC236}">
+                <a16:creationId xmlns:a16="http://schemas.microsoft.com/office/drawing/2014/main" id="{019BE995-0132-4C1A-8DB1-81DD90884609}"/>
+              </a:ext>
+            </a:extLst>
+          </p:cNvPr>
+          <p:cNvCxnSpPr>
+            <a:cxnSpLocks/>
+            <a:stCxn id="3" idx="3"/>
+            <a:endCxn id="8" idx="1"/>
+          </p:cNvCxnSpPr>
+          <p:nvPr/>
+        </p:nvCxnSpPr>
+        <p:spPr>
+          <a:xfrm flipV="1">
+            <a:off x="4592349" y="4460083"/>
+            <a:ext cx="2863920" cy="183352"/>
+          </a:xfrm>
+          <a:prstGeom prst="straightConnector1">
+            <a:avLst/>
+          </a:prstGeom>
+          <a:ln w="38100">
+            <a:solidFill>
+              <a:srgbClr val="00B0F0"/>
+            </a:solidFill>
+            <a:headEnd type="triangle" w="med" len="med"/>
+            <a:tailEnd type="triangle" w="med" len="med"/>
+          </a:ln>
+        </p:spPr>
+        <p:style>
+          <a:lnRef idx="1">
+            <a:schemeClr val="accent1"/>
+          </a:lnRef>
+          <a:fillRef idx="0">
+            <a:schemeClr val="accent1"/>
+          </a:fillRef>
+          <a:effectRef idx="0">
+            <a:schemeClr val="accent1"/>
+          </a:effectRef>
+          <a:fontRef idx="minor">
+            <a:schemeClr val="tx1"/>
+          </a:fontRef>
+        </p:style>
+      </p:cxnSp>
+      <p:cxnSp>
+        <p:nvCxnSpPr>
+          <p:cNvPr id="58" name="Straight Arrow Connector 57">
+            <a:extLst>
+              <a:ext uri="{FF2B5EF4-FFF2-40B4-BE49-F238E27FC236}">
+                <a16:creationId xmlns:a16="http://schemas.microsoft.com/office/drawing/2014/main" id="{35D9BC9D-3D14-4ED3-8E53-40BBD17F614A}"/>
+              </a:ext>
+            </a:extLst>
+          </p:cNvPr>
+          <p:cNvCxnSpPr>
+            <a:cxnSpLocks/>
+            <a:stCxn id="6" idx="2"/>
+            <a:endCxn id="8" idx="1"/>
+          </p:cNvCxnSpPr>
+          <p:nvPr/>
+        </p:nvCxnSpPr>
+        <p:spPr>
+          <a:xfrm>
+            <a:off x="6096000" y="1819275"/>
+            <a:ext cx="1360269" cy="2640808"/>
+          </a:xfrm>
+          <a:prstGeom prst="straightConnector1">
+            <a:avLst/>
+          </a:prstGeom>
+          <a:ln w="38100">
+            <a:solidFill>
+              <a:srgbClr val="00B0F0"/>
+            </a:solidFill>
+            <a:headEnd type="triangle" w="med" len="med"/>
+            <a:tailEnd type="triangle" w="med" len="med"/>
+          </a:ln>
+        </p:spPr>
+        <p:style>
+          <a:lnRef idx="1">
+            <a:schemeClr val="accent1"/>
+          </a:lnRef>
+          <a:fillRef idx="0">
+            <a:schemeClr val="accent1"/>
+          </a:fillRef>
+          <a:effectRef idx="0">
+            <a:schemeClr val="accent1"/>
+          </a:effectRef>
+          <a:fontRef idx="minor">
+            <a:schemeClr val="tx1"/>
+          </a:fontRef>
+        </p:style>
+      </p:cxnSp>
+      <p:cxnSp>
+        <p:nvCxnSpPr>
+          <p:cNvPr id="61" name="Straight Arrow Connector 60">
+            <a:extLst>
+              <a:ext uri="{FF2B5EF4-FFF2-40B4-BE49-F238E27FC236}">
+                <a16:creationId xmlns:a16="http://schemas.microsoft.com/office/drawing/2014/main" id="{A3775EAD-D860-4014-8489-04FD1B70C4BA}"/>
+              </a:ext>
+            </a:extLst>
+          </p:cNvPr>
+          <p:cNvCxnSpPr>
+            <a:cxnSpLocks/>
+            <a:stCxn id="2" idx="3"/>
+            <a:endCxn id="4" idx="1"/>
+          </p:cNvCxnSpPr>
+          <p:nvPr/>
+        </p:nvCxnSpPr>
+        <p:spPr>
+          <a:xfrm flipV="1">
+            <a:off x="4592349" y="2371724"/>
+            <a:ext cx="2901516" cy="2384"/>
+          </a:xfrm>
+          <a:prstGeom prst="straightConnector1">
+            <a:avLst/>
+          </a:prstGeom>
+          <a:ln w="38100">
+            <a:solidFill>
+              <a:srgbClr val="00B0F0"/>
+            </a:solidFill>
+            <a:headEnd type="triangle" w="med" len="med"/>
+            <a:tailEnd type="triangle" w="med" len="med"/>
+          </a:ln>
+        </p:spPr>
+        <p:style>
+          <a:lnRef idx="1">
+            <a:schemeClr val="accent1"/>
+          </a:lnRef>
+          <a:fillRef idx="0">
+            <a:schemeClr val="accent1"/>
+          </a:fillRef>
+          <a:effectRef idx="0">
+            <a:schemeClr val="accent1"/>
+          </a:effectRef>
+          <a:fontRef idx="minor">
+            <a:schemeClr val="tx1"/>
+          </a:fontRef>
+        </p:style>
+      </p:cxnSp>
+      <p:cxnSp>
+        <p:nvCxnSpPr>
+          <p:cNvPr id="64" name="Straight Arrow Connector 63">
+            <a:extLst>
+              <a:ext uri="{FF2B5EF4-FFF2-40B4-BE49-F238E27FC236}">
+                <a16:creationId xmlns:a16="http://schemas.microsoft.com/office/drawing/2014/main" id="{3BFE632B-BEF6-4132-A371-345AC2034DCB}"/>
+              </a:ext>
+            </a:extLst>
+          </p:cNvPr>
+          <p:cNvCxnSpPr>
+            <a:cxnSpLocks/>
+            <a:stCxn id="3" idx="3"/>
+            <a:endCxn id="6" idx="2"/>
+          </p:cNvCxnSpPr>
+          <p:nvPr/>
+        </p:nvCxnSpPr>
+        <p:spPr>
+          <a:xfrm flipV="1">
+            <a:off x="4592349" y="1819275"/>
+            <a:ext cx="1503651" cy="2824160"/>
+          </a:xfrm>
+          <a:prstGeom prst="straightConnector1">
+            <a:avLst/>
+          </a:prstGeom>
+          <a:ln w="38100">
+            <a:solidFill>
+              <a:srgbClr val="00B0F0"/>
+            </a:solidFill>
+            <a:headEnd type="triangle" w="med" len="med"/>
+            <a:tailEnd type="triangle" w="med" len="med"/>
+          </a:ln>
+        </p:spPr>
+        <p:style>
+          <a:lnRef idx="1">
+            <a:schemeClr val="accent1"/>
+          </a:lnRef>
+          <a:fillRef idx="0">
+            <a:schemeClr val="accent1"/>
+          </a:fillRef>
+          <a:effectRef idx="0">
+            <a:schemeClr val="accent1"/>
+          </a:effectRef>
+          <a:fontRef idx="minor">
+            <a:schemeClr val="tx1"/>
+          </a:fontRef>
+        </p:style>
+      </p:cxnSp>
+    </p:spTree>
+    <p:extLst>
+      <p:ext uri="{BB962C8B-B14F-4D97-AF65-F5344CB8AC3E}">
+        <p14:creationId xmlns:p14="http://schemas.microsoft.com/office/powerpoint/2010/main" val="3797609533"/>
+      </p:ext>
+    </p:extLst>
+  </p:cSld>
+  <p:clrMapOvr>
+    <a:masterClrMapping/>
+  </p:clrMapOvr>
+</p:sld>
+</file>
+
+<file path=ppt/slides/slide21.xml><?xml version="1.0" encoding="utf-8"?>
+<p:sld xmlns:a="http://schemas.openxmlformats.org/drawingml/2006/main" xmlns:r="http://schemas.openxmlformats.org/officeDocument/2006/relationships" xmlns:p="http://schemas.openxmlformats.org/presentationml/2006/main">
+  <p:cSld>
+    <p:spTree>
+      <p:nvGrpSpPr>
+        <p:cNvPr id="1" name=""/>
+        <p:cNvGrpSpPr/>
+        <p:nvPr/>
+      </p:nvGrpSpPr>
+      <p:grpSpPr>
+        <a:xfrm>
+          <a:off x="0" y="0"/>
+          <a:ext cx="0" cy="0"/>
+          <a:chOff x="0" y="0"/>
+          <a:chExt cx="0" cy="0"/>
+        </a:xfrm>
+      </p:grpSpPr>
+      <p:pic>
+        <p:nvPicPr>
+          <p:cNvPr id="2" name="Picture 2" descr="Free Server Cliparts, Download Free Server Cliparts png images, Free  ClipArts on Clipart Library">
+            <a:extLst>
+              <a:ext uri="{FF2B5EF4-FFF2-40B4-BE49-F238E27FC236}">
+                <a16:creationId xmlns:a16="http://schemas.microsoft.com/office/drawing/2014/main" id="{C94A3357-439B-41AB-9A2E-8DD90EAD63C1}"/>
+              </a:ext>
+            </a:extLst>
+          </p:cNvPr>
+          <p:cNvPicPr>
+            <a:picLocks noChangeAspect="1" noChangeArrowheads="1"/>
+          </p:cNvPicPr>
+          <p:nvPr/>
+        </p:nvPicPr>
+        <p:blipFill>
+          <a:blip r:embed="rId2">
+            <a:extLst>
+              <a:ext uri="{28A0092B-C50C-407E-A947-70E740481C1C}">
+                <a14:useLocalDpi xmlns:a14="http://schemas.microsoft.com/office/drawing/2010/main" val="0"/>
+              </a:ext>
+            </a:extLst>
+          </a:blip>
+          <a:srcRect/>
+          <a:stretch>
+            <a:fillRect/>
+          </a:stretch>
+        </p:blipFill>
+        <p:spPr bwMode="auto">
+          <a:xfrm>
+            <a:off x="1497629" y="983458"/>
+            <a:ext cx="907182" cy="1390650"/>
+          </a:xfrm>
+          <a:prstGeom prst="rect">
+            <a:avLst/>
+          </a:prstGeom>
+          <a:noFill/>
+          <a:extLst>
+            <a:ext uri="{909E8E84-426E-40DD-AFC4-6F175D3DCCD1}">
+              <a14:hiddenFill xmlns:a14="http://schemas.microsoft.com/office/drawing/2010/main">
+                <a:solidFill>
+                  <a:srgbClr val="FFFFFF"/>
+                </a:solidFill>
+              </a14:hiddenFill>
+            </a:ext>
+          </a:extLst>
+        </p:spPr>
+      </p:pic>
+      <p:pic>
+        <p:nvPicPr>
+          <p:cNvPr id="3" name="Picture 2" descr="Free Server Cliparts, Download Free Server Cliparts png images, Free  ClipArts on Clipart Library">
+            <a:extLst>
+              <a:ext uri="{FF2B5EF4-FFF2-40B4-BE49-F238E27FC236}">
+                <a16:creationId xmlns:a16="http://schemas.microsoft.com/office/drawing/2014/main" id="{4E057B87-184D-4F6A-A4A9-7F17A417A8FC}"/>
+              </a:ext>
+            </a:extLst>
+          </p:cNvPr>
+          <p:cNvPicPr>
+            <a:picLocks noChangeAspect="1" noChangeArrowheads="1"/>
+          </p:cNvPicPr>
+          <p:nvPr/>
+        </p:nvPicPr>
+        <p:blipFill>
+          <a:blip r:embed="rId2">
+            <a:extLst>
+              <a:ext uri="{28A0092B-C50C-407E-A947-70E740481C1C}">
+                <a14:useLocalDpi xmlns:a14="http://schemas.microsoft.com/office/drawing/2010/main" val="0"/>
+              </a:ext>
+            </a:extLst>
+          </a:blip>
+          <a:srcRect/>
+          <a:stretch>
+            <a:fillRect/>
+          </a:stretch>
+        </p:blipFill>
+        <p:spPr bwMode="auto">
+          <a:xfrm>
+            <a:off x="1351542" y="4910135"/>
+            <a:ext cx="907182" cy="1390650"/>
+          </a:xfrm>
+          <a:prstGeom prst="rect">
+            <a:avLst/>
+          </a:prstGeom>
+          <a:noFill/>
+          <a:extLst>
+            <a:ext uri="{909E8E84-426E-40DD-AFC4-6F175D3DCCD1}">
+              <a14:hiddenFill xmlns:a14="http://schemas.microsoft.com/office/drawing/2010/main">
+                <a:solidFill>
+                  <a:srgbClr val="FFFFFF"/>
+                </a:solidFill>
+              </a14:hiddenFill>
+            </a:ext>
+          </a:extLst>
+        </p:spPr>
+      </p:pic>
+      <p:pic>
+        <p:nvPicPr>
+          <p:cNvPr id="4" name="Picture 2" descr="Free Server Cliparts, Download Free Server Cliparts png images, Free  ClipArts on Clipart Library">
+            <a:extLst>
+              <a:ext uri="{FF2B5EF4-FFF2-40B4-BE49-F238E27FC236}">
+                <a16:creationId xmlns:a16="http://schemas.microsoft.com/office/drawing/2014/main" id="{22066558-0789-443B-BFEE-0987AE0850A0}"/>
+              </a:ext>
+            </a:extLst>
+          </p:cNvPr>
+          <p:cNvPicPr>
+            <a:picLocks noChangeAspect="1" noChangeArrowheads="1"/>
+          </p:cNvPicPr>
+          <p:nvPr/>
+        </p:nvPicPr>
+        <p:blipFill>
+          <a:blip r:embed="rId2">
+            <a:extLst>
+              <a:ext uri="{28A0092B-C50C-407E-A947-70E740481C1C}">
+                <a14:useLocalDpi xmlns:a14="http://schemas.microsoft.com/office/drawing/2010/main" val="0"/>
+              </a:ext>
+            </a:extLst>
+          </a:blip>
+          <a:srcRect/>
+          <a:stretch>
+            <a:fillRect/>
+          </a:stretch>
+        </p:blipFill>
+        <p:spPr bwMode="auto">
+          <a:xfrm>
+            <a:off x="9997243" y="706042"/>
+            <a:ext cx="907182" cy="1390650"/>
+          </a:xfrm>
+          <a:prstGeom prst="rect">
+            <a:avLst/>
+          </a:prstGeom>
+          <a:noFill/>
+          <a:extLst>
+            <a:ext uri="{909E8E84-426E-40DD-AFC4-6F175D3DCCD1}">
+              <a14:hiddenFill xmlns:a14="http://schemas.microsoft.com/office/drawing/2010/main">
+                <a:solidFill>
+                  <a:srgbClr val="FFFFFF"/>
+                </a:solidFill>
+              </a14:hiddenFill>
+            </a:ext>
+          </a:extLst>
+        </p:spPr>
+      </p:pic>
+      <p:pic>
+        <p:nvPicPr>
+          <p:cNvPr id="5" name="Picture 2" descr="Free Server Cliparts, Download Free Server Cliparts png images, Free  ClipArts on Clipart Library">
+            <a:extLst>
+              <a:ext uri="{FF2B5EF4-FFF2-40B4-BE49-F238E27FC236}">
+                <a16:creationId xmlns:a16="http://schemas.microsoft.com/office/drawing/2014/main" id="{DB1272B7-9919-427B-9547-8AA7258DC8DD}"/>
+              </a:ext>
+            </a:extLst>
+          </p:cNvPr>
+          <p:cNvPicPr>
+            <a:picLocks noChangeAspect="1" noChangeArrowheads="1"/>
+          </p:cNvPicPr>
+          <p:nvPr/>
+        </p:nvPicPr>
+        <p:blipFill>
+          <a:blip r:embed="rId2">
+            <a:extLst>
+              <a:ext uri="{28A0092B-C50C-407E-A947-70E740481C1C}">
+                <a14:useLocalDpi xmlns:a14="http://schemas.microsoft.com/office/drawing/2010/main" val="0"/>
+              </a:ext>
+            </a:extLst>
+          </a:blip>
+          <a:srcRect/>
+          <a:stretch>
+            <a:fillRect/>
+          </a:stretch>
+        </p:blipFill>
+        <p:spPr bwMode="auto">
+          <a:xfrm>
+            <a:off x="5642409" y="428625"/>
+            <a:ext cx="907182" cy="1390650"/>
+          </a:xfrm>
+          <a:prstGeom prst="rect">
+            <a:avLst/>
+          </a:prstGeom>
+          <a:noFill/>
+          <a:extLst>
+            <a:ext uri="{909E8E84-426E-40DD-AFC4-6F175D3DCCD1}">
+              <a14:hiddenFill xmlns:a14="http://schemas.microsoft.com/office/drawing/2010/main">
+                <a:solidFill>
+                  <a:srgbClr val="FFFFFF"/>
+                </a:solidFill>
+              </a14:hiddenFill>
+            </a:ext>
+          </a:extLst>
+        </p:spPr>
+      </p:pic>
+      <p:pic>
+        <p:nvPicPr>
+          <p:cNvPr id="6" name="Picture 5" descr="Free Server Cliparts, Download Free Server Cliparts png images, Free  ClipArts on Clipart Library">
+            <a:extLst>
+              <a:ext uri="{FF2B5EF4-FFF2-40B4-BE49-F238E27FC236}">
+                <a16:creationId xmlns:a16="http://schemas.microsoft.com/office/drawing/2014/main" id="{11F93F8B-762B-4FCF-BEF1-45CA68927FEC}"/>
+              </a:ext>
+            </a:extLst>
+          </p:cNvPr>
+          <p:cNvPicPr>
+            <a:picLocks noChangeAspect="1" noChangeArrowheads="1"/>
+          </p:cNvPicPr>
+          <p:nvPr/>
+        </p:nvPicPr>
+        <p:blipFill>
+          <a:blip r:embed="rId2">
+            <a:extLst>
+              <a:ext uri="{28A0092B-C50C-407E-A947-70E740481C1C}">
+                <a14:useLocalDpi xmlns:a14="http://schemas.microsoft.com/office/drawing/2010/main" val="0"/>
+              </a:ext>
+            </a:extLst>
+          </a:blip>
+          <a:srcRect/>
+          <a:stretch>
+            <a:fillRect/>
+          </a:stretch>
+        </p:blipFill>
+        <p:spPr bwMode="auto">
+          <a:xfrm>
+            <a:off x="5641905" y="5067295"/>
+            <a:ext cx="907182" cy="1390650"/>
+          </a:xfrm>
+          <a:prstGeom prst="rect">
+            <a:avLst/>
+          </a:prstGeom>
+          <a:noFill/>
+          <a:extLst>
+            <a:ext uri="{909E8E84-426E-40DD-AFC4-6F175D3DCCD1}">
+              <a14:hiddenFill xmlns:a14="http://schemas.microsoft.com/office/drawing/2010/main">
+                <a:solidFill>
+                  <a:srgbClr val="FFFFFF"/>
+                </a:solidFill>
+              </a14:hiddenFill>
+            </a:ext>
+          </a:extLst>
+        </p:spPr>
+      </p:pic>
+      <p:pic>
+        <p:nvPicPr>
+          <p:cNvPr id="7" name="Picture 2" descr="Free Server Cliparts, Download Free Server Cliparts png images, Free  ClipArts on Clipart Library">
+            <a:extLst>
+              <a:ext uri="{FF2B5EF4-FFF2-40B4-BE49-F238E27FC236}">
+                <a16:creationId xmlns:a16="http://schemas.microsoft.com/office/drawing/2014/main" id="{E11C5A33-7BCB-4CFD-92A2-8BCB5E419B20}"/>
+              </a:ext>
+            </a:extLst>
+          </p:cNvPr>
+          <p:cNvPicPr>
+            <a:picLocks noChangeAspect="1" noChangeArrowheads="1"/>
+          </p:cNvPicPr>
+          <p:nvPr/>
+        </p:nvPicPr>
+        <p:blipFill>
+          <a:blip r:embed="rId2">
+            <a:extLst>
+              <a:ext uri="{28A0092B-C50C-407E-A947-70E740481C1C}">
+                <a14:useLocalDpi xmlns:a14="http://schemas.microsoft.com/office/drawing/2010/main" val="0"/>
+              </a:ext>
+            </a:extLst>
+          </a:blip>
+          <a:srcRect/>
+          <a:stretch>
+            <a:fillRect/>
+          </a:stretch>
+        </p:blipFill>
+        <p:spPr bwMode="auto">
+          <a:xfrm>
+            <a:off x="10304747" y="5067295"/>
+            <a:ext cx="907182" cy="1390650"/>
+          </a:xfrm>
+          <a:prstGeom prst="rect">
+            <a:avLst/>
+          </a:prstGeom>
+          <a:noFill/>
+          <a:extLst>
+            <a:ext uri="{909E8E84-426E-40DD-AFC4-6F175D3DCCD1}">
+              <a14:hiddenFill xmlns:a14="http://schemas.microsoft.com/office/drawing/2010/main">
+                <a:solidFill>
+                  <a:srgbClr val="FFFFFF"/>
+                </a:solidFill>
+              </a14:hiddenFill>
+            </a:ext>
+          </a:extLst>
+        </p:spPr>
+      </p:pic>
+      <p:cxnSp>
+        <p:nvCxnSpPr>
+          <p:cNvPr id="8" name="Straight Arrow Connector 7">
+            <a:extLst>
+              <a:ext uri="{FF2B5EF4-FFF2-40B4-BE49-F238E27FC236}">
+                <a16:creationId xmlns:a16="http://schemas.microsoft.com/office/drawing/2014/main" id="{968C289D-F16C-4309-997D-A07EAEB8349E}"/>
+              </a:ext>
+            </a:extLst>
+          </p:cNvPr>
+          <p:cNvCxnSpPr>
+            <a:cxnSpLocks/>
+            <a:stCxn id="3" idx="3"/>
+            <a:endCxn id="4" idx="1"/>
+          </p:cNvCxnSpPr>
+          <p:nvPr/>
+        </p:nvCxnSpPr>
+        <p:spPr>
+          <a:xfrm flipV="1">
+            <a:off x="2258724" y="1401367"/>
+            <a:ext cx="7738519" cy="4204093"/>
+          </a:xfrm>
+          <a:prstGeom prst="straightConnector1">
+            <a:avLst/>
+          </a:prstGeom>
+          <a:ln w="38100">
+            <a:solidFill>
+              <a:srgbClr val="00B0F0"/>
+            </a:solidFill>
+            <a:headEnd type="triangle" w="med" len="med"/>
+            <a:tailEnd type="triangle" w="med" len="med"/>
+          </a:ln>
+        </p:spPr>
+        <p:style>
+          <a:lnRef idx="1">
+            <a:schemeClr val="accent1"/>
+          </a:lnRef>
+          <a:fillRef idx="0">
+            <a:schemeClr val="accent1"/>
+          </a:fillRef>
+          <a:effectRef idx="0">
+            <a:schemeClr val="accent1"/>
+          </a:effectRef>
+          <a:fontRef idx="minor">
+            <a:schemeClr val="tx1"/>
+          </a:fontRef>
+        </p:style>
+      </p:cxnSp>
+      <p:cxnSp>
+        <p:nvCxnSpPr>
+          <p:cNvPr id="9" name="Straight Arrow Connector 8">
+            <a:extLst>
+              <a:ext uri="{FF2B5EF4-FFF2-40B4-BE49-F238E27FC236}">
+                <a16:creationId xmlns:a16="http://schemas.microsoft.com/office/drawing/2014/main" id="{B3C5F5B9-3BA1-405F-A6EA-0DEBC80B1335}"/>
+              </a:ext>
+            </a:extLst>
+          </p:cNvPr>
+          <p:cNvCxnSpPr>
+            <a:cxnSpLocks/>
+            <a:stCxn id="6" idx="0"/>
+            <a:endCxn id="5" idx="2"/>
+          </p:cNvCxnSpPr>
+          <p:nvPr/>
+        </p:nvCxnSpPr>
+        <p:spPr>
+          <a:xfrm flipV="1">
+            <a:off x="6095496" y="1819275"/>
+            <a:ext cx="504" cy="3248020"/>
+          </a:xfrm>
+          <a:prstGeom prst="straightConnector1">
+            <a:avLst/>
+          </a:prstGeom>
+          <a:ln w="38100">
+            <a:solidFill>
+              <a:srgbClr val="00B0F0"/>
+            </a:solidFill>
+            <a:headEnd type="triangle" w="med" len="med"/>
+            <a:tailEnd type="triangle" w="med" len="med"/>
+          </a:ln>
+        </p:spPr>
+        <p:style>
+          <a:lnRef idx="1">
+            <a:schemeClr val="accent1"/>
+          </a:lnRef>
+          <a:fillRef idx="0">
+            <a:schemeClr val="accent1"/>
+          </a:fillRef>
+          <a:effectRef idx="0">
+            <a:schemeClr val="accent1"/>
+          </a:effectRef>
+          <a:fontRef idx="minor">
+            <a:schemeClr val="tx1"/>
+          </a:fontRef>
+        </p:style>
+      </p:cxnSp>
+      <p:cxnSp>
+        <p:nvCxnSpPr>
+          <p:cNvPr id="11" name="Straight Arrow Connector 10">
+            <a:extLst>
+              <a:ext uri="{FF2B5EF4-FFF2-40B4-BE49-F238E27FC236}">
+                <a16:creationId xmlns:a16="http://schemas.microsoft.com/office/drawing/2014/main" id="{4927C9A3-7265-4606-8867-7944EAEE1DE7}"/>
+              </a:ext>
+            </a:extLst>
+          </p:cNvPr>
+          <p:cNvCxnSpPr>
+            <a:cxnSpLocks/>
+            <a:stCxn id="7" idx="1"/>
+            <a:endCxn id="6" idx="0"/>
+          </p:cNvCxnSpPr>
+          <p:nvPr/>
+        </p:nvCxnSpPr>
+        <p:spPr>
+          <a:xfrm flipH="1" flipV="1">
+            <a:off x="6095496" y="5067295"/>
+            <a:ext cx="4209251" cy="695325"/>
+          </a:xfrm>
+          <a:prstGeom prst="straightConnector1">
+            <a:avLst/>
+          </a:prstGeom>
+          <a:ln w="38100">
+            <a:solidFill>
+              <a:srgbClr val="00B0F0"/>
+            </a:solidFill>
+            <a:headEnd type="triangle" w="med" len="med"/>
+            <a:tailEnd type="triangle" w="med" len="med"/>
+          </a:ln>
+        </p:spPr>
+        <p:style>
+          <a:lnRef idx="1">
+            <a:schemeClr val="accent1"/>
+          </a:lnRef>
+          <a:fillRef idx="0">
+            <a:schemeClr val="accent1"/>
+          </a:fillRef>
+          <a:effectRef idx="0">
+            <a:schemeClr val="accent1"/>
+          </a:effectRef>
+          <a:fontRef idx="minor">
+            <a:schemeClr val="tx1"/>
+          </a:fontRef>
+        </p:style>
+      </p:cxnSp>
+      <p:cxnSp>
+        <p:nvCxnSpPr>
+          <p:cNvPr id="13" name="Straight Arrow Connector 12">
+            <a:extLst>
+              <a:ext uri="{FF2B5EF4-FFF2-40B4-BE49-F238E27FC236}">
+                <a16:creationId xmlns:a16="http://schemas.microsoft.com/office/drawing/2014/main" id="{F3B638F0-D025-4FB6-BAAB-EB82930B86F0}"/>
+              </a:ext>
+            </a:extLst>
+          </p:cNvPr>
+          <p:cNvCxnSpPr>
+            <a:cxnSpLocks/>
+            <a:stCxn id="5" idx="2"/>
+            <a:endCxn id="4" idx="1"/>
+          </p:cNvCxnSpPr>
+          <p:nvPr/>
+        </p:nvCxnSpPr>
+        <p:spPr>
+          <a:xfrm flipV="1">
+            <a:off x="6096000" y="1401367"/>
+            <a:ext cx="3901243" cy="417908"/>
+          </a:xfrm>
+          <a:prstGeom prst="straightConnector1">
+            <a:avLst/>
+          </a:prstGeom>
+          <a:ln w="38100">
+            <a:solidFill>
+              <a:srgbClr val="00B0F0"/>
+            </a:solidFill>
+            <a:headEnd type="triangle" w="med" len="med"/>
+            <a:tailEnd type="triangle" w="med" len="med"/>
+          </a:ln>
+        </p:spPr>
+        <p:style>
+          <a:lnRef idx="1">
+            <a:schemeClr val="accent1"/>
+          </a:lnRef>
+          <a:fillRef idx="0">
+            <a:schemeClr val="accent1"/>
+          </a:fillRef>
+          <a:effectRef idx="0">
+            <a:schemeClr val="accent1"/>
+          </a:effectRef>
+          <a:fontRef idx="minor">
+            <a:schemeClr val="tx1"/>
+          </a:fontRef>
+        </p:style>
+      </p:cxnSp>
+      <p:cxnSp>
+        <p:nvCxnSpPr>
+          <p:cNvPr id="14" name="Straight Arrow Connector 13">
+            <a:extLst>
+              <a:ext uri="{FF2B5EF4-FFF2-40B4-BE49-F238E27FC236}">
+                <a16:creationId xmlns:a16="http://schemas.microsoft.com/office/drawing/2014/main" id="{DBC299AF-C4FC-4E2F-A97F-D2CC40FC2491}"/>
+              </a:ext>
+            </a:extLst>
+          </p:cNvPr>
+          <p:cNvCxnSpPr>
+            <a:cxnSpLocks/>
+            <a:stCxn id="2" idx="3"/>
+            <a:endCxn id="5" idx="2"/>
+          </p:cNvCxnSpPr>
+          <p:nvPr/>
+        </p:nvCxnSpPr>
+        <p:spPr>
+          <a:xfrm>
+            <a:off x="2404811" y="1678783"/>
+            <a:ext cx="3691189" cy="140492"/>
+          </a:xfrm>
+          <a:prstGeom prst="straightConnector1">
+            <a:avLst/>
+          </a:prstGeom>
+          <a:ln w="38100">
+            <a:solidFill>
+              <a:srgbClr val="00B0F0"/>
+            </a:solidFill>
+            <a:headEnd type="triangle" w="med" len="med"/>
+            <a:tailEnd type="triangle" w="med" len="med"/>
+          </a:ln>
+        </p:spPr>
+        <p:style>
+          <a:lnRef idx="1">
+            <a:schemeClr val="accent1"/>
+          </a:lnRef>
+          <a:fillRef idx="0">
+            <a:schemeClr val="accent1"/>
+          </a:fillRef>
+          <a:effectRef idx="0">
+            <a:schemeClr val="accent1"/>
+          </a:effectRef>
+          <a:fontRef idx="minor">
+            <a:schemeClr val="tx1"/>
+          </a:fontRef>
+        </p:style>
+      </p:cxnSp>
+      <p:cxnSp>
+        <p:nvCxnSpPr>
+          <p:cNvPr id="16" name="Straight Arrow Connector 15">
+            <a:extLst>
+              <a:ext uri="{FF2B5EF4-FFF2-40B4-BE49-F238E27FC236}">
+                <a16:creationId xmlns:a16="http://schemas.microsoft.com/office/drawing/2014/main" id="{649988FE-3B1E-47DE-9405-5F1503898E4D}"/>
+              </a:ext>
+            </a:extLst>
+          </p:cNvPr>
+          <p:cNvCxnSpPr>
+            <a:cxnSpLocks/>
+            <a:stCxn id="3" idx="3"/>
+            <a:endCxn id="6" idx="0"/>
+          </p:cNvCxnSpPr>
+          <p:nvPr/>
+        </p:nvCxnSpPr>
+        <p:spPr>
+          <a:xfrm flipV="1">
+            <a:off x="2258724" y="5067295"/>
+            <a:ext cx="3836772" cy="538165"/>
+          </a:xfrm>
+          <a:prstGeom prst="straightConnector1">
+            <a:avLst/>
+          </a:prstGeom>
+          <a:ln w="38100">
+            <a:solidFill>
+              <a:srgbClr val="00B0F0"/>
+            </a:solidFill>
+            <a:headEnd type="triangle" w="med" len="med"/>
+            <a:tailEnd type="triangle" w="med" len="med"/>
+          </a:ln>
+        </p:spPr>
+        <p:style>
+          <a:lnRef idx="1">
+            <a:schemeClr val="accent1"/>
+          </a:lnRef>
+          <a:fillRef idx="0">
+            <a:schemeClr val="accent1"/>
+          </a:fillRef>
+          <a:effectRef idx="0">
+            <a:schemeClr val="accent1"/>
+          </a:effectRef>
+          <a:fontRef idx="minor">
+            <a:schemeClr val="tx1"/>
+          </a:fontRef>
+        </p:style>
+      </p:cxnSp>
+      <p:cxnSp>
+        <p:nvCxnSpPr>
+          <p:cNvPr id="17" name="Straight Arrow Connector 16">
+            <a:extLst>
+              <a:ext uri="{FF2B5EF4-FFF2-40B4-BE49-F238E27FC236}">
+                <a16:creationId xmlns:a16="http://schemas.microsoft.com/office/drawing/2014/main" id="{00AE344F-3D41-4955-AF05-2836FF3796F7}"/>
+              </a:ext>
+            </a:extLst>
+          </p:cNvPr>
+          <p:cNvCxnSpPr>
+            <a:cxnSpLocks/>
+            <a:stCxn id="4" idx="1"/>
+            <a:endCxn id="6" idx="0"/>
+          </p:cNvCxnSpPr>
+          <p:nvPr/>
+        </p:nvCxnSpPr>
+        <p:spPr>
+          <a:xfrm flipH="1">
+            <a:off x="6095496" y="1401367"/>
+            <a:ext cx="3901747" cy="3665928"/>
+          </a:xfrm>
+          <a:prstGeom prst="straightConnector1">
+            <a:avLst/>
+          </a:prstGeom>
+          <a:ln w="38100">
+            <a:solidFill>
+              <a:srgbClr val="00B0F0"/>
+            </a:solidFill>
+            <a:headEnd type="triangle" w="med" len="med"/>
+            <a:tailEnd type="triangle" w="med" len="med"/>
+          </a:ln>
+        </p:spPr>
+        <p:style>
+          <a:lnRef idx="1">
+            <a:schemeClr val="accent1"/>
+          </a:lnRef>
+          <a:fillRef idx="0">
+            <a:schemeClr val="accent1"/>
+          </a:fillRef>
+          <a:effectRef idx="0">
+            <a:schemeClr val="accent1"/>
+          </a:effectRef>
+          <a:fontRef idx="minor">
+            <a:schemeClr val="tx1"/>
+          </a:fontRef>
+        </p:style>
+      </p:cxnSp>
+      <p:cxnSp>
+        <p:nvCxnSpPr>
+          <p:cNvPr id="18" name="Straight Arrow Connector 17">
+            <a:extLst>
+              <a:ext uri="{FF2B5EF4-FFF2-40B4-BE49-F238E27FC236}">
+                <a16:creationId xmlns:a16="http://schemas.microsoft.com/office/drawing/2014/main" id="{CBF39B12-D1B7-4033-A3B9-EF70FBCC2925}"/>
+              </a:ext>
+            </a:extLst>
+          </p:cNvPr>
+          <p:cNvCxnSpPr>
+            <a:cxnSpLocks/>
+            <a:stCxn id="2" idx="3"/>
+            <a:endCxn id="6" idx="0"/>
+          </p:cNvCxnSpPr>
+          <p:nvPr/>
+        </p:nvCxnSpPr>
+        <p:spPr>
+          <a:xfrm>
+            <a:off x="2404811" y="1678783"/>
+            <a:ext cx="3690685" cy="3388512"/>
+          </a:xfrm>
+          <a:prstGeom prst="straightConnector1">
+            <a:avLst/>
+          </a:prstGeom>
+          <a:ln w="38100">
+            <a:solidFill>
+              <a:srgbClr val="00B0F0"/>
+            </a:solidFill>
+            <a:headEnd type="triangle" w="med" len="med"/>
+            <a:tailEnd type="triangle" w="med" len="med"/>
+          </a:ln>
+        </p:spPr>
+        <p:style>
+          <a:lnRef idx="1">
+            <a:schemeClr val="accent1"/>
+          </a:lnRef>
+          <a:fillRef idx="0">
+            <a:schemeClr val="accent1"/>
+          </a:fillRef>
+          <a:effectRef idx="0">
+            <a:schemeClr val="accent1"/>
+          </a:effectRef>
+          <a:fontRef idx="minor">
+            <a:schemeClr val="tx1"/>
+          </a:fontRef>
+        </p:style>
+      </p:cxnSp>
+      <p:cxnSp>
+        <p:nvCxnSpPr>
+          <p:cNvPr id="20" name="Straight Arrow Connector 19">
+            <a:extLst>
+              <a:ext uri="{FF2B5EF4-FFF2-40B4-BE49-F238E27FC236}">
+                <a16:creationId xmlns:a16="http://schemas.microsoft.com/office/drawing/2014/main" id="{8FA3AF7C-5988-4C52-985E-DCB720E9A456}"/>
+              </a:ext>
+            </a:extLst>
+          </p:cNvPr>
+          <p:cNvCxnSpPr>
+            <a:cxnSpLocks/>
+            <a:stCxn id="5" idx="2"/>
+            <a:endCxn id="7" idx="1"/>
+          </p:cNvCxnSpPr>
+          <p:nvPr/>
+        </p:nvCxnSpPr>
+        <p:spPr>
+          <a:xfrm>
+            <a:off x="6096000" y="1819275"/>
+            <a:ext cx="4208747" cy="3943345"/>
+          </a:xfrm>
+          <a:prstGeom prst="straightConnector1">
+            <a:avLst/>
+          </a:prstGeom>
+          <a:ln w="38100">
+            <a:solidFill>
+              <a:srgbClr val="00B0F0"/>
+            </a:solidFill>
+            <a:headEnd type="triangle" w="med" len="med"/>
+            <a:tailEnd type="triangle" w="med" len="med"/>
+          </a:ln>
+        </p:spPr>
+        <p:style>
+          <a:lnRef idx="1">
+            <a:schemeClr val="accent1"/>
+          </a:lnRef>
+          <a:fillRef idx="0">
+            <a:schemeClr val="accent1"/>
+          </a:fillRef>
+          <a:effectRef idx="0">
+            <a:schemeClr val="accent1"/>
+          </a:effectRef>
+          <a:fontRef idx="minor">
+            <a:schemeClr val="tx1"/>
+          </a:fontRef>
+        </p:style>
+      </p:cxnSp>
+      <p:cxnSp>
+        <p:nvCxnSpPr>
+          <p:cNvPr id="22" name="Straight Arrow Connector 21">
+            <a:extLst>
+              <a:ext uri="{FF2B5EF4-FFF2-40B4-BE49-F238E27FC236}">
+                <a16:creationId xmlns:a16="http://schemas.microsoft.com/office/drawing/2014/main" id="{871E37F7-FA97-4932-B704-35F0DC52169C}"/>
+              </a:ext>
+            </a:extLst>
+          </p:cNvPr>
+          <p:cNvCxnSpPr>
+            <a:cxnSpLocks/>
+            <a:stCxn id="3" idx="3"/>
+            <a:endCxn id="5" idx="2"/>
+          </p:cNvCxnSpPr>
+          <p:nvPr/>
+        </p:nvCxnSpPr>
+        <p:spPr>
+          <a:xfrm flipV="1">
+            <a:off x="2258724" y="1819275"/>
+            <a:ext cx="3837276" cy="3786185"/>
+          </a:xfrm>
+          <a:prstGeom prst="straightConnector1">
+            <a:avLst/>
+          </a:prstGeom>
+          <a:ln w="38100">
+            <a:solidFill>
+              <a:srgbClr val="00B0F0"/>
+            </a:solidFill>
+            <a:headEnd type="triangle" w="med" len="med"/>
+            <a:tailEnd type="triangle" w="med" len="med"/>
+          </a:ln>
+        </p:spPr>
+        <p:style>
+          <a:lnRef idx="1">
+            <a:schemeClr val="accent1"/>
+          </a:lnRef>
+          <a:fillRef idx="0">
+            <a:schemeClr val="accent1"/>
+          </a:fillRef>
+          <a:effectRef idx="0">
+            <a:schemeClr val="accent1"/>
+          </a:effectRef>
+          <a:fontRef idx="minor">
+            <a:schemeClr val="tx1"/>
+          </a:fontRef>
+        </p:style>
+      </p:cxnSp>
+    </p:spTree>
+    <p:extLst>
+      <p:ext uri="{BB962C8B-B14F-4D97-AF65-F5344CB8AC3E}">
+        <p14:creationId xmlns:p14="http://schemas.microsoft.com/office/powerpoint/2010/main" val="1225991937"/>
       </p:ext>
     </p:extLst>
   </p:cSld>
